--- a/Project Notebook - Group 4/Project Notebook - Group 4/1. Individual/Cooper/Cooper Project Notebook.pptx
+++ b/Project Notebook - Group 4/Project Notebook - Group 4/1. Individual/Cooper/Cooper Project Notebook.pptx
@@ -1,22 +1,41 @@
 
 <file path=ppt/presentation.xml><?xml version="1.0" encoding="utf-8"?>
-<p:presentation xmlns:a="http://schemas.openxmlformats.org/drawingml/2006/main" xmlns:r="http://schemas.openxmlformats.org/officeDocument/2006/relationships" xmlns:mc="http://schemas.openxmlformats.org/markup-compatibility/2006" xmlns:mv="urn:schemas-microsoft-com:mac:vml" xmlns:p="http://schemas.openxmlformats.org/presentationml/2006/main" xmlns:c="http://schemas.openxmlformats.org/drawingml/2006/chart" xmlns:dgm="http://schemas.openxmlformats.org/drawingml/2006/diagram" xmlns:o="urn:schemas-microsoft-com:office:office" xmlns:v="urn:schemas-microsoft-com:vml" xmlns:pvml="urn:schemas-microsoft-com:office:powerpoint" xmlns:com="http://schemas.openxmlformats.org/drawingml/2006/compatibility" xmlns:p14="http://schemas.microsoft.com/office/powerpoint/2010/main" xmlns:p15="http://schemas.microsoft.com/office/powerpoint/2012/main" autoCompressPictures="0" strictFirstAndLastChars="0" saveSubsetFonts="1">
+<p:presentation xmlns:a="http://schemas.openxmlformats.org/drawingml/2006/main" xmlns:r="http://schemas.openxmlformats.org/officeDocument/2006/relationships" xmlns:p="http://schemas.openxmlformats.org/presentationml/2006/main" strictFirstAndLastChars="0" saveSubsetFonts="1" autoCompressPictures="0">
   <p:sldMasterIdLst>
-    <p:sldMasterId id="2147483659" r:id="rId4"/>
+    <p:sldMasterId id="2147483659" r:id="rId1"/>
   </p:sldMasterIdLst>
   <p:notesMasterIdLst>
-    <p:notesMasterId r:id="rId5"/>
+    <p:notesMasterId r:id="rId25"/>
   </p:notesMasterIdLst>
   <p:sldIdLst>
-    <p:sldId id="256" r:id="rId6"/>
-    <p:sldId id="257" r:id="rId7"/>
-    <p:sldId id="258" r:id="rId8"/>
-    <p:sldId id="259" r:id="rId9"/>
+    <p:sldId id="256" r:id="rId2"/>
+    <p:sldId id="257" r:id="rId3"/>
+    <p:sldId id="258" r:id="rId4"/>
+    <p:sldId id="259" r:id="rId5"/>
+    <p:sldId id="261" r:id="rId6"/>
+    <p:sldId id="262" r:id="rId7"/>
+    <p:sldId id="263" r:id="rId8"/>
+    <p:sldId id="264" r:id="rId9"/>
+    <p:sldId id="265" r:id="rId10"/>
+    <p:sldId id="266" r:id="rId11"/>
+    <p:sldId id="267" r:id="rId12"/>
+    <p:sldId id="268" r:id="rId13"/>
+    <p:sldId id="269" r:id="rId14"/>
+    <p:sldId id="270" r:id="rId15"/>
+    <p:sldId id="271" r:id="rId16"/>
+    <p:sldId id="272" r:id="rId17"/>
+    <p:sldId id="273" r:id="rId18"/>
+    <p:sldId id="274" r:id="rId19"/>
+    <p:sldId id="275" r:id="rId20"/>
+    <p:sldId id="276" r:id="rId21"/>
+    <p:sldId id="277" r:id="rId22"/>
+    <p:sldId id="278" r:id="rId23"/>
+    <p:sldId id="279" r:id="rId24"/>
   </p:sldIdLst>
-  <p:sldSz cy="5143500" cx="9144000"/>
+  <p:sldSz cx="9144000" cy="5143500" type="screen16x9"/>
   <p:notesSz cx="6858000" cy="9144000"/>
   <p:defaultTextStyle>
-    <a:defPPr lvl="0" marR="0" rtl="0" algn="l">
+    <a:defPPr marR="0" lvl="0" algn="l" rtl="0">
       <a:lnSpc>
         <a:spcPct val="100000"/>
       </a:lnSpc>
@@ -27,7 +46,7 @@
         <a:spcPts val="0"/>
       </a:spcAft>
     </a:defPPr>
-    <a:lvl1pPr lvl="0" marR="0" rtl="0" algn="l">
+    <a:lvl1pPr marR="0" lvl="0" algn="l" rtl="0">
       <a:lnSpc>
         <a:spcPct val="100000"/>
       </a:lnSpc>
@@ -41,7 +60,7 @@
         <a:srgbClr val="000000"/>
       </a:buClr>
       <a:buFont typeface="Arial"/>
-      <a:defRPr b="0" i="0" sz="1400" u="none" cap="none" strike="noStrike">
+      <a:defRPr sz="1400" b="0" i="0" u="none" strike="noStrike" cap="none">
         <a:solidFill>
           <a:srgbClr val="000000"/>
         </a:solidFill>
@@ -51,7 +70,7 @@
         <a:sym typeface="Arial"/>
       </a:defRPr>
     </a:lvl1pPr>
-    <a:lvl2pPr lvl="1" marR="0" rtl="0" algn="l">
+    <a:lvl2pPr marR="0" lvl="1" algn="l" rtl="0">
       <a:lnSpc>
         <a:spcPct val="100000"/>
       </a:lnSpc>
@@ -65,7 +84,7 @@
         <a:srgbClr val="000000"/>
       </a:buClr>
       <a:buFont typeface="Arial"/>
-      <a:defRPr b="0" i="0" sz="1400" u="none" cap="none" strike="noStrike">
+      <a:defRPr sz="1400" b="0" i="0" u="none" strike="noStrike" cap="none">
         <a:solidFill>
           <a:srgbClr val="000000"/>
         </a:solidFill>
@@ -75,7 +94,7 @@
         <a:sym typeface="Arial"/>
       </a:defRPr>
     </a:lvl2pPr>
-    <a:lvl3pPr lvl="2" marR="0" rtl="0" algn="l">
+    <a:lvl3pPr marR="0" lvl="2" algn="l" rtl="0">
       <a:lnSpc>
         <a:spcPct val="100000"/>
       </a:lnSpc>
@@ -89,7 +108,7 @@
         <a:srgbClr val="000000"/>
       </a:buClr>
       <a:buFont typeface="Arial"/>
-      <a:defRPr b="0" i="0" sz="1400" u="none" cap="none" strike="noStrike">
+      <a:defRPr sz="1400" b="0" i="0" u="none" strike="noStrike" cap="none">
         <a:solidFill>
           <a:srgbClr val="000000"/>
         </a:solidFill>
@@ -99,7 +118,7 @@
         <a:sym typeface="Arial"/>
       </a:defRPr>
     </a:lvl3pPr>
-    <a:lvl4pPr lvl="3" marR="0" rtl="0" algn="l">
+    <a:lvl4pPr marR="0" lvl="3" algn="l" rtl="0">
       <a:lnSpc>
         <a:spcPct val="100000"/>
       </a:lnSpc>
@@ -113,7 +132,7 @@
         <a:srgbClr val="000000"/>
       </a:buClr>
       <a:buFont typeface="Arial"/>
-      <a:defRPr b="0" i="0" sz="1400" u="none" cap="none" strike="noStrike">
+      <a:defRPr sz="1400" b="0" i="0" u="none" strike="noStrike" cap="none">
         <a:solidFill>
           <a:srgbClr val="000000"/>
         </a:solidFill>
@@ -123,7 +142,7 @@
         <a:sym typeface="Arial"/>
       </a:defRPr>
     </a:lvl4pPr>
-    <a:lvl5pPr lvl="4" marR="0" rtl="0" algn="l">
+    <a:lvl5pPr marR="0" lvl="4" algn="l" rtl="0">
       <a:lnSpc>
         <a:spcPct val="100000"/>
       </a:lnSpc>
@@ -137,7 +156,7 @@
         <a:srgbClr val="000000"/>
       </a:buClr>
       <a:buFont typeface="Arial"/>
-      <a:defRPr b="0" i="0" sz="1400" u="none" cap="none" strike="noStrike">
+      <a:defRPr sz="1400" b="0" i="0" u="none" strike="noStrike" cap="none">
         <a:solidFill>
           <a:srgbClr val="000000"/>
         </a:solidFill>
@@ -147,7 +166,7 @@
         <a:sym typeface="Arial"/>
       </a:defRPr>
     </a:lvl5pPr>
-    <a:lvl6pPr lvl="5" marR="0" rtl="0" algn="l">
+    <a:lvl6pPr marR="0" lvl="5" algn="l" rtl="0">
       <a:lnSpc>
         <a:spcPct val="100000"/>
       </a:lnSpc>
@@ -161,7 +180,7 @@
         <a:srgbClr val="000000"/>
       </a:buClr>
       <a:buFont typeface="Arial"/>
-      <a:defRPr b="0" i="0" sz="1400" u="none" cap="none" strike="noStrike">
+      <a:defRPr sz="1400" b="0" i="0" u="none" strike="noStrike" cap="none">
         <a:solidFill>
           <a:srgbClr val="000000"/>
         </a:solidFill>
@@ -171,7 +190,7 @@
         <a:sym typeface="Arial"/>
       </a:defRPr>
     </a:lvl6pPr>
-    <a:lvl7pPr lvl="6" marR="0" rtl="0" algn="l">
+    <a:lvl7pPr marR="0" lvl="6" algn="l" rtl="0">
       <a:lnSpc>
         <a:spcPct val="100000"/>
       </a:lnSpc>
@@ -185,7 +204,7 @@
         <a:srgbClr val="000000"/>
       </a:buClr>
       <a:buFont typeface="Arial"/>
-      <a:defRPr b="0" i="0" sz="1400" u="none" cap="none" strike="noStrike">
+      <a:defRPr sz="1400" b="0" i="0" u="none" strike="noStrike" cap="none">
         <a:solidFill>
           <a:srgbClr val="000000"/>
         </a:solidFill>
@@ -195,7 +214,7 @@
         <a:sym typeface="Arial"/>
       </a:defRPr>
     </a:lvl7pPr>
-    <a:lvl8pPr lvl="7" marR="0" rtl="0" algn="l">
+    <a:lvl8pPr marR="0" lvl="7" algn="l" rtl="0">
       <a:lnSpc>
         <a:spcPct val="100000"/>
       </a:lnSpc>
@@ -209,7 +228,7 @@
         <a:srgbClr val="000000"/>
       </a:buClr>
       <a:buFont typeface="Arial"/>
-      <a:defRPr b="0" i="0" sz="1400" u="none" cap="none" strike="noStrike">
+      <a:defRPr sz="1400" b="0" i="0" u="none" strike="noStrike" cap="none">
         <a:solidFill>
           <a:srgbClr val="000000"/>
         </a:solidFill>
@@ -219,7 +238,7 @@
         <a:sym typeface="Arial"/>
       </a:defRPr>
     </a:lvl8pPr>
-    <a:lvl9pPr lvl="8" marR="0" rtl="0" algn="l">
+    <a:lvl9pPr marR="0" lvl="8" algn="l" rtl="0">
       <a:lnSpc>
         <a:spcPct val="100000"/>
       </a:lnSpc>
@@ -233,7 +252,7 @@
         <a:srgbClr val="000000"/>
       </a:buClr>
       <a:buFont typeface="Arial"/>
-      <a:defRPr b="0" i="0" sz="1400" u="none" cap="none" strike="noStrike">
+      <a:defRPr sz="1400" b="0" i="0" u="none" strike="noStrike" cap="none">
         <a:solidFill>
           <a:srgbClr val="000000"/>
         </a:solidFill>
@@ -246,7 +265,7 @@
   </p:defaultTextStyle>
   <p:extLst>
     <p:ext uri="{EFAFB233-063F-42B5-8137-9DF3F51BA10A}">
-      <p15:sldGuideLst>
+      <p15:sldGuideLst xmlns:p15="http://schemas.microsoft.com/office/powerpoint/2012/main">
         <p15:guide id="1" orient="horz" pos="1620">
           <p15:clr>
             <a:srgbClr val="A4A3A4"/>
@@ -263,12 +282,531 @@
 </p:presentation>
 </file>
 
+<file path=ppt/revisionInfo.xml><?xml version="1.0" encoding="utf-8"?>
+<p1510:revInfo xmlns:a="http://schemas.openxmlformats.org/drawingml/2006/main" xmlns:r="http://schemas.openxmlformats.org/officeDocument/2006/relationships" xmlns:p1510="http://schemas.microsoft.com/office/powerpoint/2015/10/main">
+  <p1510:revLst>
+    <p1510:client id="{9C8175B0-8DB8-434C-AA3C-BA8684B60BAB}" v="38" dt="2018-12-12T01:00:33.632"/>
+  </p1510:revLst>
+</p1510:revInfo>
+</file>
+
+<file path=ppt/changesInfos/changesInfo1.xml><?xml version="1.0" encoding="utf-8"?>
+<pc:chgInfo xmlns:a="http://schemas.openxmlformats.org/drawingml/2006/main" xmlns:r="http://schemas.openxmlformats.org/officeDocument/2006/relationships" xmlns:ac="http://schemas.microsoft.com/office/drawing/2013/main/command" xmlns:pc="http://schemas.microsoft.com/office/powerpoint/2013/main/command">
+  <pc:docChgLst>
+    <pc:chgData name="Cooper Yungblut" userId="7f73948031400a0c" providerId="LiveId" clId="{9C8175B0-8DB8-434C-AA3C-BA8684B60BAB}"/>
+    <pc:docChg chg="custSel addSld delSld modSld sldOrd">
+      <pc:chgData name="Cooper Yungblut" userId="7f73948031400a0c" providerId="LiveId" clId="{9C8175B0-8DB8-434C-AA3C-BA8684B60BAB}" dt="2018-12-12T01:01:41.104" v="3250" actId="20577"/>
+      <pc:docMkLst>
+        <pc:docMk/>
+      </pc:docMkLst>
+      <pc:sldChg chg="add del">
+        <pc:chgData name="Cooper Yungblut" userId="7f73948031400a0c" providerId="LiveId" clId="{9C8175B0-8DB8-434C-AA3C-BA8684B60BAB}" dt="2018-12-12T00:20:22.438" v="3" actId="2696"/>
+        <pc:sldMkLst>
+          <pc:docMk/>
+          <pc:sldMk cId="3345546089" sldId="260"/>
+        </pc:sldMkLst>
+      </pc:sldChg>
+      <pc:sldChg chg="modSp add ord">
+        <pc:chgData name="Cooper Yungblut" userId="7f73948031400a0c" providerId="LiveId" clId="{9C8175B0-8DB8-434C-AA3C-BA8684B60BAB}" dt="2018-12-12T00:23:59.250" v="217" actId="20577"/>
+        <pc:sldMkLst>
+          <pc:docMk/>
+          <pc:sldMk cId="1853084161" sldId="261"/>
+        </pc:sldMkLst>
+        <pc:spChg chg="mod">
+          <ac:chgData name="Cooper Yungblut" userId="7f73948031400a0c" providerId="LiveId" clId="{9C8175B0-8DB8-434C-AA3C-BA8684B60BAB}" dt="2018-12-12T00:23:32.756" v="147" actId="20577"/>
+          <ac:spMkLst>
+            <pc:docMk/>
+            <pc:sldMk cId="1853084161" sldId="261"/>
+            <ac:spMk id="66" creationId="{00000000-0000-0000-0000-000000000000}"/>
+          </ac:spMkLst>
+        </pc:spChg>
+        <pc:spChg chg="mod">
+          <ac:chgData name="Cooper Yungblut" userId="7f73948031400a0c" providerId="LiveId" clId="{9C8175B0-8DB8-434C-AA3C-BA8684B60BAB}" dt="2018-12-12T00:23:59.250" v="217" actId="20577"/>
+          <ac:spMkLst>
+            <pc:docMk/>
+            <pc:sldMk cId="1853084161" sldId="261"/>
+            <ac:spMk id="67" creationId="{00000000-0000-0000-0000-000000000000}"/>
+          </ac:spMkLst>
+        </pc:spChg>
+      </pc:sldChg>
+      <pc:sldChg chg="addSp delSp modSp add">
+        <pc:chgData name="Cooper Yungblut" userId="7f73948031400a0c" providerId="LiveId" clId="{9C8175B0-8DB8-434C-AA3C-BA8684B60BAB}" dt="2018-12-12T00:26:37.738" v="272" actId="478"/>
+        <pc:sldMkLst>
+          <pc:docMk/>
+          <pc:sldMk cId="3668045805" sldId="262"/>
+        </pc:sldMkLst>
+        <pc:spChg chg="mod">
+          <ac:chgData name="Cooper Yungblut" userId="7f73948031400a0c" providerId="LiveId" clId="{9C8175B0-8DB8-434C-AA3C-BA8684B60BAB}" dt="2018-12-12T00:26:30.151" v="269" actId="20577"/>
+          <ac:spMkLst>
+            <pc:docMk/>
+            <pc:sldMk cId="3668045805" sldId="262"/>
+            <ac:spMk id="66" creationId="{00000000-0000-0000-0000-000000000000}"/>
+          </ac:spMkLst>
+        </pc:spChg>
+        <pc:spChg chg="del mod">
+          <ac:chgData name="Cooper Yungblut" userId="7f73948031400a0c" providerId="LiveId" clId="{9C8175B0-8DB8-434C-AA3C-BA8684B60BAB}" dt="2018-12-12T00:26:37.738" v="272" actId="478"/>
+          <ac:spMkLst>
+            <pc:docMk/>
+            <pc:sldMk cId="3668045805" sldId="262"/>
+            <ac:spMk id="67" creationId="{00000000-0000-0000-0000-000000000000}"/>
+          </ac:spMkLst>
+        </pc:spChg>
+        <pc:picChg chg="add mod">
+          <ac:chgData name="Cooper Yungblut" userId="7f73948031400a0c" providerId="LiveId" clId="{9C8175B0-8DB8-434C-AA3C-BA8684B60BAB}" dt="2018-12-12T00:26:34.406" v="271" actId="1076"/>
+          <ac:picMkLst>
+            <pc:docMk/>
+            <pc:sldMk cId="3668045805" sldId="262"/>
+            <ac:picMk id="2" creationId="{2F71795E-32FD-4E47-97B5-2E42C47E5352}"/>
+          </ac:picMkLst>
+        </pc:picChg>
+      </pc:sldChg>
+      <pc:sldChg chg="modSp add ord">
+        <pc:chgData name="Cooper Yungblut" userId="7f73948031400a0c" providerId="LiveId" clId="{9C8175B0-8DB8-434C-AA3C-BA8684B60BAB}" dt="2018-12-12T00:31:12.326" v="796" actId="20577"/>
+        <pc:sldMkLst>
+          <pc:docMk/>
+          <pc:sldMk cId="3824134450" sldId="263"/>
+        </pc:sldMkLst>
+        <pc:spChg chg="mod">
+          <ac:chgData name="Cooper Yungblut" userId="7f73948031400a0c" providerId="LiveId" clId="{9C8175B0-8DB8-434C-AA3C-BA8684B60BAB}" dt="2018-12-12T00:27:17.969" v="284" actId="20577"/>
+          <ac:spMkLst>
+            <pc:docMk/>
+            <pc:sldMk cId="3824134450" sldId="263"/>
+            <ac:spMk id="66" creationId="{00000000-0000-0000-0000-000000000000}"/>
+          </ac:spMkLst>
+        </pc:spChg>
+        <pc:spChg chg="mod">
+          <ac:chgData name="Cooper Yungblut" userId="7f73948031400a0c" providerId="LiveId" clId="{9C8175B0-8DB8-434C-AA3C-BA8684B60BAB}" dt="2018-12-12T00:31:12.326" v="796" actId="20577"/>
+          <ac:spMkLst>
+            <pc:docMk/>
+            <pc:sldMk cId="3824134450" sldId="263"/>
+            <ac:spMk id="67" creationId="{00000000-0000-0000-0000-000000000000}"/>
+          </ac:spMkLst>
+        </pc:spChg>
+      </pc:sldChg>
+      <pc:sldChg chg="addSp delSp modSp add ord">
+        <pc:chgData name="Cooper Yungblut" userId="7f73948031400a0c" providerId="LiveId" clId="{9C8175B0-8DB8-434C-AA3C-BA8684B60BAB}" dt="2018-12-12T00:32:00.425" v="829" actId="1076"/>
+        <pc:sldMkLst>
+          <pc:docMk/>
+          <pc:sldMk cId="1237375068" sldId="264"/>
+        </pc:sldMkLst>
+        <pc:spChg chg="mod">
+          <ac:chgData name="Cooper Yungblut" userId="7f73948031400a0c" providerId="LiveId" clId="{9C8175B0-8DB8-434C-AA3C-BA8684B60BAB}" dt="2018-12-12T00:31:56.146" v="827" actId="20577"/>
+          <ac:spMkLst>
+            <pc:docMk/>
+            <pc:sldMk cId="1237375068" sldId="264"/>
+            <ac:spMk id="66" creationId="{00000000-0000-0000-0000-000000000000}"/>
+          </ac:spMkLst>
+        </pc:spChg>
+        <pc:picChg chg="del">
+          <ac:chgData name="Cooper Yungblut" userId="7f73948031400a0c" providerId="LiveId" clId="{9C8175B0-8DB8-434C-AA3C-BA8684B60BAB}" dt="2018-12-12T00:31:24.553" v="799" actId="478"/>
+          <ac:picMkLst>
+            <pc:docMk/>
+            <pc:sldMk cId="1237375068" sldId="264"/>
+            <ac:picMk id="2" creationId="{2F71795E-32FD-4E47-97B5-2E42C47E5352}"/>
+          </ac:picMkLst>
+        </pc:picChg>
+        <pc:picChg chg="add mod">
+          <ac:chgData name="Cooper Yungblut" userId="7f73948031400a0c" providerId="LiveId" clId="{9C8175B0-8DB8-434C-AA3C-BA8684B60BAB}" dt="2018-12-12T00:32:00.425" v="829" actId="1076"/>
+          <ac:picMkLst>
+            <pc:docMk/>
+            <pc:sldMk cId="1237375068" sldId="264"/>
+            <ac:picMk id="3" creationId="{64EF2410-2B3B-41F8-9BA1-46D25075386C}"/>
+          </ac:picMkLst>
+        </pc:picChg>
+      </pc:sldChg>
+      <pc:sldChg chg="addSp delSp modSp add">
+        <pc:chgData name="Cooper Yungblut" userId="7f73948031400a0c" providerId="LiveId" clId="{9C8175B0-8DB8-434C-AA3C-BA8684B60BAB}" dt="2018-12-12T00:33:12.568" v="903" actId="20577"/>
+        <pc:sldMkLst>
+          <pc:docMk/>
+          <pc:sldMk cId="2675236118" sldId="265"/>
+        </pc:sldMkLst>
+        <pc:spChg chg="mod">
+          <ac:chgData name="Cooper Yungblut" userId="7f73948031400a0c" providerId="LiveId" clId="{9C8175B0-8DB8-434C-AA3C-BA8684B60BAB}" dt="2018-12-12T00:33:12.568" v="903" actId="20577"/>
+          <ac:spMkLst>
+            <pc:docMk/>
+            <pc:sldMk cId="2675236118" sldId="265"/>
+            <ac:spMk id="66" creationId="{00000000-0000-0000-0000-000000000000}"/>
+          </ac:spMkLst>
+        </pc:spChg>
+        <pc:picChg chg="add mod">
+          <ac:chgData name="Cooper Yungblut" userId="7f73948031400a0c" providerId="LiveId" clId="{9C8175B0-8DB8-434C-AA3C-BA8684B60BAB}" dt="2018-12-12T00:32:49.169" v="836" actId="1076"/>
+          <ac:picMkLst>
+            <pc:docMk/>
+            <pc:sldMk cId="2675236118" sldId="265"/>
+            <ac:picMk id="2" creationId="{B37EC71B-51F7-41D7-91B6-F0A6660F252E}"/>
+          </ac:picMkLst>
+        </pc:picChg>
+        <pc:picChg chg="del">
+          <ac:chgData name="Cooper Yungblut" userId="7f73948031400a0c" providerId="LiveId" clId="{9C8175B0-8DB8-434C-AA3C-BA8684B60BAB}" dt="2018-12-12T00:32:08.730" v="831" actId="478"/>
+          <ac:picMkLst>
+            <pc:docMk/>
+            <pc:sldMk cId="2675236118" sldId="265"/>
+            <ac:picMk id="3" creationId="{64EF2410-2B3B-41F8-9BA1-46D25075386C}"/>
+          </ac:picMkLst>
+        </pc:picChg>
+      </pc:sldChg>
+      <pc:sldChg chg="modSp add ord">
+        <pc:chgData name="Cooper Yungblut" userId="7f73948031400a0c" providerId="LiveId" clId="{9C8175B0-8DB8-434C-AA3C-BA8684B60BAB}" dt="2018-12-12T00:34:48.241" v="1066" actId="20577"/>
+        <pc:sldMkLst>
+          <pc:docMk/>
+          <pc:sldMk cId="173343068" sldId="266"/>
+        </pc:sldMkLst>
+        <pc:spChg chg="mod">
+          <ac:chgData name="Cooper Yungblut" userId="7f73948031400a0c" providerId="LiveId" clId="{9C8175B0-8DB8-434C-AA3C-BA8684B60BAB}" dt="2018-12-12T00:33:34.862" v="910" actId="20577"/>
+          <ac:spMkLst>
+            <pc:docMk/>
+            <pc:sldMk cId="173343068" sldId="266"/>
+            <ac:spMk id="66" creationId="{00000000-0000-0000-0000-000000000000}"/>
+          </ac:spMkLst>
+        </pc:spChg>
+        <pc:spChg chg="mod">
+          <ac:chgData name="Cooper Yungblut" userId="7f73948031400a0c" providerId="LiveId" clId="{9C8175B0-8DB8-434C-AA3C-BA8684B60BAB}" dt="2018-12-12T00:34:48.241" v="1066" actId="20577"/>
+          <ac:spMkLst>
+            <pc:docMk/>
+            <pc:sldMk cId="173343068" sldId="266"/>
+            <ac:spMk id="67" creationId="{00000000-0000-0000-0000-000000000000}"/>
+          </ac:spMkLst>
+        </pc:spChg>
+      </pc:sldChg>
+      <pc:sldChg chg="modSp add">
+        <pc:chgData name="Cooper Yungblut" userId="7f73948031400a0c" providerId="LiveId" clId="{9C8175B0-8DB8-434C-AA3C-BA8684B60BAB}" dt="2018-12-12T00:38:03.280" v="1303" actId="20577"/>
+        <pc:sldMkLst>
+          <pc:docMk/>
+          <pc:sldMk cId="2916796810" sldId="267"/>
+        </pc:sldMkLst>
+        <pc:spChg chg="mod">
+          <ac:chgData name="Cooper Yungblut" userId="7f73948031400a0c" providerId="LiveId" clId="{9C8175B0-8DB8-434C-AA3C-BA8684B60BAB}" dt="2018-12-12T00:35:03.544" v="1073" actId="20577"/>
+          <ac:spMkLst>
+            <pc:docMk/>
+            <pc:sldMk cId="2916796810" sldId="267"/>
+            <ac:spMk id="66" creationId="{00000000-0000-0000-0000-000000000000}"/>
+          </ac:spMkLst>
+        </pc:spChg>
+        <pc:spChg chg="mod">
+          <ac:chgData name="Cooper Yungblut" userId="7f73948031400a0c" providerId="LiveId" clId="{9C8175B0-8DB8-434C-AA3C-BA8684B60BAB}" dt="2018-12-12T00:38:03.280" v="1303" actId="20577"/>
+          <ac:spMkLst>
+            <pc:docMk/>
+            <pc:sldMk cId="2916796810" sldId="267"/>
+            <ac:spMk id="67" creationId="{00000000-0000-0000-0000-000000000000}"/>
+          </ac:spMkLst>
+        </pc:spChg>
+      </pc:sldChg>
+      <pc:sldChg chg="addSp delSp modSp add ord">
+        <pc:chgData name="Cooper Yungblut" userId="7f73948031400a0c" providerId="LiveId" clId="{9C8175B0-8DB8-434C-AA3C-BA8684B60BAB}" dt="2018-12-12T00:39:23.861" v="1393" actId="20577"/>
+        <pc:sldMkLst>
+          <pc:docMk/>
+          <pc:sldMk cId="658541444" sldId="268"/>
+        </pc:sldMkLst>
+        <pc:spChg chg="mod">
+          <ac:chgData name="Cooper Yungblut" userId="7f73948031400a0c" providerId="LiveId" clId="{9C8175B0-8DB8-434C-AA3C-BA8684B60BAB}" dt="2018-12-12T00:39:23.861" v="1393" actId="20577"/>
+          <ac:spMkLst>
+            <pc:docMk/>
+            <pc:sldMk cId="658541444" sldId="268"/>
+            <ac:spMk id="66" creationId="{00000000-0000-0000-0000-000000000000}"/>
+          </ac:spMkLst>
+        </pc:spChg>
+        <pc:picChg chg="del">
+          <ac:chgData name="Cooper Yungblut" userId="7f73948031400a0c" providerId="LiveId" clId="{9C8175B0-8DB8-434C-AA3C-BA8684B60BAB}" dt="2018-12-12T00:38:58.419" v="1306" actId="478"/>
+          <ac:picMkLst>
+            <pc:docMk/>
+            <pc:sldMk cId="658541444" sldId="268"/>
+            <ac:picMk id="2" creationId="{B37EC71B-51F7-41D7-91B6-F0A6660F252E}"/>
+          </ac:picMkLst>
+        </pc:picChg>
+        <pc:picChg chg="add mod">
+          <ac:chgData name="Cooper Yungblut" userId="7f73948031400a0c" providerId="LiveId" clId="{9C8175B0-8DB8-434C-AA3C-BA8684B60BAB}" dt="2018-12-12T00:39:02.452" v="1308" actId="1076"/>
+          <ac:picMkLst>
+            <pc:docMk/>
+            <pc:sldMk cId="658541444" sldId="268"/>
+            <ac:picMk id="3" creationId="{8737CBC8-EDA9-4D30-BC47-511951BD13ED}"/>
+          </ac:picMkLst>
+        </pc:picChg>
+      </pc:sldChg>
+      <pc:sldChg chg="modSp add ord">
+        <pc:chgData name="Cooper Yungblut" userId="7f73948031400a0c" providerId="LiveId" clId="{9C8175B0-8DB8-434C-AA3C-BA8684B60BAB}" dt="2018-12-12T00:45:35.939" v="1849" actId="20577"/>
+        <pc:sldMkLst>
+          <pc:docMk/>
+          <pc:sldMk cId="1519257234" sldId="269"/>
+        </pc:sldMkLst>
+        <pc:spChg chg="mod">
+          <ac:chgData name="Cooper Yungblut" userId="7f73948031400a0c" providerId="LiveId" clId="{9C8175B0-8DB8-434C-AA3C-BA8684B60BAB}" dt="2018-12-12T00:39:55.782" v="1407" actId="20577"/>
+          <ac:spMkLst>
+            <pc:docMk/>
+            <pc:sldMk cId="1519257234" sldId="269"/>
+            <ac:spMk id="66" creationId="{00000000-0000-0000-0000-000000000000}"/>
+          </ac:spMkLst>
+        </pc:spChg>
+        <pc:spChg chg="mod">
+          <ac:chgData name="Cooper Yungblut" userId="7f73948031400a0c" providerId="LiveId" clId="{9C8175B0-8DB8-434C-AA3C-BA8684B60BAB}" dt="2018-12-12T00:45:35.939" v="1849" actId="20577"/>
+          <ac:spMkLst>
+            <pc:docMk/>
+            <pc:sldMk cId="1519257234" sldId="269"/>
+            <ac:spMk id="67" creationId="{00000000-0000-0000-0000-000000000000}"/>
+          </ac:spMkLst>
+        </pc:spChg>
+      </pc:sldChg>
+      <pc:sldChg chg="addSp delSp modSp add ord">
+        <pc:chgData name="Cooper Yungblut" userId="7f73948031400a0c" providerId="LiveId" clId="{9C8175B0-8DB8-434C-AA3C-BA8684B60BAB}" dt="2018-12-12T00:43:12.796" v="1631" actId="1076"/>
+        <pc:sldMkLst>
+          <pc:docMk/>
+          <pc:sldMk cId="1252173912" sldId="270"/>
+        </pc:sldMkLst>
+        <pc:spChg chg="mod">
+          <ac:chgData name="Cooper Yungblut" userId="7f73948031400a0c" providerId="LiveId" clId="{9C8175B0-8DB8-434C-AA3C-BA8684B60BAB}" dt="2018-12-12T00:43:06.220" v="1628" actId="20577"/>
+          <ac:spMkLst>
+            <pc:docMk/>
+            <pc:sldMk cId="1252173912" sldId="270"/>
+            <ac:spMk id="66" creationId="{00000000-0000-0000-0000-000000000000}"/>
+          </ac:spMkLst>
+        </pc:spChg>
+        <pc:picChg chg="add mod">
+          <ac:chgData name="Cooper Yungblut" userId="7f73948031400a0c" providerId="LiveId" clId="{9C8175B0-8DB8-434C-AA3C-BA8684B60BAB}" dt="2018-12-12T00:43:12.796" v="1631" actId="1076"/>
+          <ac:picMkLst>
+            <pc:docMk/>
+            <pc:sldMk cId="1252173912" sldId="270"/>
+            <ac:picMk id="2" creationId="{587B9294-BDD9-4D26-ABCA-61B1AD78284D}"/>
+          </ac:picMkLst>
+        </pc:picChg>
+        <pc:picChg chg="del">
+          <ac:chgData name="Cooper Yungblut" userId="7f73948031400a0c" providerId="LiveId" clId="{9C8175B0-8DB8-434C-AA3C-BA8684B60BAB}" dt="2018-12-12T00:43:08.412" v="1629" actId="478"/>
+          <ac:picMkLst>
+            <pc:docMk/>
+            <pc:sldMk cId="1252173912" sldId="270"/>
+            <ac:picMk id="3" creationId="{8737CBC8-EDA9-4D30-BC47-511951BD13ED}"/>
+          </ac:picMkLst>
+        </pc:picChg>
+      </pc:sldChg>
+      <pc:sldChg chg="addSp delSp modSp add">
+        <pc:chgData name="Cooper Yungblut" userId="7f73948031400a0c" providerId="LiveId" clId="{9C8175B0-8DB8-434C-AA3C-BA8684B60BAB}" dt="2018-12-12T00:44:27.876" v="1684" actId="20577"/>
+        <pc:sldMkLst>
+          <pc:docMk/>
+          <pc:sldMk cId="2188628440" sldId="271"/>
+        </pc:sldMkLst>
+        <pc:spChg chg="mod">
+          <ac:chgData name="Cooper Yungblut" userId="7f73948031400a0c" providerId="LiveId" clId="{9C8175B0-8DB8-434C-AA3C-BA8684B60BAB}" dt="2018-12-12T00:44:27.876" v="1684" actId="20577"/>
+          <ac:spMkLst>
+            <pc:docMk/>
+            <pc:sldMk cId="2188628440" sldId="271"/>
+            <ac:spMk id="66" creationId="{00000000-0000-0000-0000-000000000000}"/>
+          </ac:spMkLst>
+        </pc:spChg>
+        <pc:picChg chg="del">
+          <ac:chgData name="Cooper Yungblut" userId="7f73948031400a0c" providerId="LiveId" clId="{9C8175B0-8DB8-434C-AA3C-BA8684B60BAB}" dt="2018-12-12T00:43:59.802" v="1633" actId="478"/>
+          <ac:picMkLst>
+            <pc:docMk/>
+            <pc:sldMk cId="2188628440" sldId="271"/>
+            <ac:picMk id="2" creationId="{587B9294-BDD9-4D26-ABCA-61B1AD78284D}"/>
+          </ac:picMkLst>
+        </pc:picChg>
+        <pc:picChg chg="add mod">
+          <ac:chgData name="Cooper Yungblut" userId="7f73948031400a0c" providerId="LiveId" clId="{9C8175B0-8DB8-434C-AA3C-BA8684B60BAB}" dt="2018-12-12T00:44:02.698" v="1635" actId="1076"/>
+          <ac:picMkLst>
+            <pc:docMk/>
+            <pc:sldMk cId="2188628440" sldId="271"/>
+            <ac:picMk id="3" creationId="{E36089CF-7A65-49B6-9570-35D789A1A8EA}"/>
+          </ac:picMkLst>
+        </pc:picChg>
+      </pc:sldChg>
+      <pc:sldChg chg="modSp add ord">
+        <pc:chgData name="Cooper Yungblut" userId="7f73948031400a0c" providerId="LiveId" clId="{9C8175B0-8DB8-434C-AA3C-BA8684B60BAB}" dt="2018-12-12T00:48:40.538" v="2184" actId="20577"/>
+        <pc:sldMkLst>
+          <pc:docMk/>
+          <pc:sldMk cId="4048343322" sldId="272"/>
+        </pc:sldMkLst>
+        <pc:spChg chg="mod">
+          <ac:chgData name="Cooper Yungblut" userId="7f73948031400a0c" providerId="LiveId" clId="{9C8175B0-8DB8-434C-AA3C-BA8684B60BAB}" dt="2018-12-12T00:47:10.086" v="1958" actId="20577"/>
+          <ac:spMkLst>
+            <pc:docMk/>
+            <pc:sldMk cId="4048343322" sldId="272"/>
+            <ac:spMk id="66" creationId="{00000000-0000-0000-0000-000000000000}"/>
+          </ac:spMkLst>
+        </pc:spChg>
+        <pc:spChg chg="mod">
+          <ac:chgData name="Cooper Yungblut" userId="7f73948031400a0c" providerId="LiveId" clId="{9C8175B0-8DB8-434C-AA3C-BA8684B60BAB}" dt="2018-12-12T00:48:40.538" v="2184" actId="20577"/>
+          <ac:spMkLst>
+            <pc:docMk/>
+            <pc:sldMk cId="4048343322" sldId="272"/>
+            <ac:spMk id="67" creationId="{00000000-0000-0000-0000-000000000000}"/>
+          </ac:spMkLst>
+        </pc:spChg>
+      </pc:sldChg>
+      <pc:sldChg chg="addSp delSp modSp add ord">
+        <pc:chgData name="Cooper Yungblut" userId="7f73948031400a0c" providerId="LiveId" clId="{9C8175B0-8DB8-434C-AA3C-BA8684B60BAB}" dt="2018-12-12T00:49:54.111" v="2222" actId="20577"/>
+        <pc:sldMkLst>
+          <pc:docMk/>
+          <pc:sldMk cId="4139202255" sldId="273"/>
+        </pc:sldMkLst>
+        <pc:spChg chg="mod">
+          <ac:chgData name="Cooper Yungblut" userId="7f73948031400a0c" providerId="LiveId" clId="{9C8175B0-8DB8-434C-AA3C-BA8684B60BAB}" dt="2018-12-12T00:49:54.111" v="2222" actId="20577"/>
+          <ac:spMkLst>
+            <pc:docMk/>
+            <pc:sldMk cId="4139202255" sldId="273"/>
+            <ac:spMk id="66" creationId="{00000000-0000-0000-0000-000000000000}"/>
+          </ac:spMkLst>
+        </pc:spChg>
+        <pc:picChg chg="add mod">
+          <ac:chgData name="Cooper Yungblut" userId="7f73948031400a0c" providerId="LiveId" clId="{9C8175B0-8DB8-434C-AA3C-BA8684B60BAB}" dt="2018-12-12T00:49:37.098" v="2206" actId="1076"/>
+          <ac:picMkLst>
+            <pc:docMk/>
+            <pc:sldMk cId="4139202255" sldId="273"/>
+            <ac:picMk id="2" creationId="{ACC74544-0F08-4422-BF27-BA79DF8D8D8D}"/>
+          </ac:picMkLst>
+        </pc:picChg>
+        <pc:picChg chg="del">
+          <ac:chgData name="Cooper Yungblut" userId="7f73948031400a0c" providerId="LiveId" clId="{9C8175B0-8DB8-434C-AA3C-BA8684B60BAB}" dt="2018-12-12T00:49:10.934" v="2187" actId="478"/>
+          <ac:picMkLst>
+            <pc:docMk/>
+            <pc:sldMk cId="4139202255" sldId="273"/>
+            <ac:picMk id="3" creationId="{E36089CF-7A65-49B6-9570-35D789A1A8EA}"/>
+          </ac:picMkLst>
+        </pc:picChg>
+      </pc:sldChg>
+      <pc:sldChg chg="addSp delSp modSp add">
+        <pc:chgData name="Cooper Yungblut" userId="7f73948031400a0c" providerId="LiveId" clId="{9C8175B0-8DB8-434C-AA3C-BA8684B60BAB}" dt="2018-12-12T00:51:05.508" v="2298" actId="1076"/>
+        <pc:sldMkLst>
+          <pc:docMk/>
+          <pc:sldMk cId="4005649570" sldId="274"/>
+        </pc:sldMkLst>
+        <pc:spChg chg="mod">
+          <ac:chgData name="Cooper Yungblut" userId="7f73948031400a0c" providerId="LiveId" clId="{9C8175B0-8DB8-434C-AA3C-BA8684B60BAB}" dt="2018-12-12T00:50:27.195" v="2294" actId="20577"/>
+          <ac:spMkLst>
+            <pc:docMk/>
+            <pc:sldMk cId="4005649570" sldId="274"/>
+            <ac:spMk id="66" creationId="{00000000-0000-0000-0000-000000000000}"/>
+          </ac:spMkLst>
+        </pc:spChg>
+        <pc:picChg chg="del">
+          <ac:chgData name="Cooper Yungblut" userId="7f73948031400a0c" providerId="LiveId" clId="{9C8175B0-8DB8-434C-AA3C-BA8684B60BAB}" dt="2018-12-12T00:50:30.563" v="2295" actId="478"/>
+          <ac:picMkLst>
+            <pc:docMk/>
+            <pc:sldMk cId="4005649570" sldId="274"/>
+            <ac:picMk id="2" creationId="{ACC74544-0F08-4422-BF27-BA79DF8D8D8D}"/>
+          </ac:picMkLst>
+        </pc:picChg>
+        <pc:picChg chg="add mod">
+          <ac:chgData name="Cooper Yungblut" userId="7f73948031400a0c" providerId="LiveId" clId="{9C8175B0-8DB8-434C-AA3C-BA8684B60BAB}" dt="2018-12-12T00:51:05.508" v="2298" actId="1076"/>
+          <ac:picMkLst>
+            <pc:docMk/>
+            <pc:sldMk cId="4005649570" sldId="274"/>
+            <ac:picMk id="3" creationId="{E51EFB47-31A8-457E-A140-3F195B8624D0}"/>
+          </ac:picMkLst>
+        </pc:picChg>
+      </pc:sldChg>
+      <pc:sldChg chg="modSp add ord">
+        <pc:chgData name="Cooper Yungblut" userId="7f73948031400a0c" providerId="LiveId" clId="{9C8175B0-8DB8-434C-AA3C-BA8684B60BAB}" dt="2018-12-12T00:51:53.556" v="2349" actId="20577"/>
+        <pc:sldMkLst>
+          <pc:docMk/>
+          <pc:sldMk cId="156012657" sldId="275"/>
+        </pc:sldMkLst>
+        <pc:spChg chg="mod">
+          <ac:chgData name="Cooper Yungblut" userId="7f73948031400a0c" providerId="LiveId" clId="{9C8175B0-8DB8-434C-AA3C-BA8684B60BAB}" dt="2018-12-12T00:51:38.898" v="2305" actId="20577"/>
+          <ac:spMkLst>
+            <pc:docMk/>
+            <pc:sldMk cId="156012657" sldId="275"/>
+            <ac:spMk id="66" creationId="{00000000-0000-0000-0000-000000000000}"/>
+          </ac:spMkLst>
+        </pc:spChg>
+        <pc:spChg chg="mod">
+          <ac:chgData name="Cooper Yungblut" userId="7f73948031400a0c" providerId="LiveId" clId="{9C8175B0-8DB8-434C-AA3C-BA8684B60BAB}" dt="2018-12-12T00:51:53.556" v="2349" actId="20577"/>
+          <ac:spMkLst>
+            <pc:docMk/>
+            <pc:sldMk cId="156012657" sldId="275"/>
+            <ac:spMk id="67" creationId="{00000000-0000-0000-0000-000000000000}"/>
+          </ac:spMkLst>
+        </pc:spChg>
+      </pc:sldChg>
+      <pc:sldChg chg="modSp add">
+        <pc:chgData name="Cooper Yungblut" userId="7f73948031400a0c" providerId="LiveId" clId="{9C8175B0-8DB8-434C-AA3C-BA8684B60BAB}" dt="2018-12-12T00:54:14.602" v="2486" actId="20577"/>
+        <pc:sldMkLst>
+          <pc:docMk/>
+          <pc:sldMk cId="663134425" sldId="276"/>
+        </pc:sldMkLst>
+        <pc:spChg chg="mod">
+          <ac:chgData name="Cooper Yungblut" userId="7f73948031400a0c" providerId="LiveId" clId="{9C8175B0-8DB8-434C-AA3C-BA8684B60BAB}" dt="2018-12-12T00:54:14.602" v="2486" actId="20577"/>
+          <ac:spMkLst>
+            <pc:docMk/>
+            <pc:sldMk cId="663134425" sldId="276"/>
+            <ac:spMk id="66" creationId="{00000000-0000-0000-0000-000000000000}"/>
+          </ac:spMkLst>
+        </pc:spChg>
+        <pc:spChg chg="mod">
+          <ac:chgData name="Cooper Yungblut" userId="7f73948031400a0c" providerId="LiveId" clId="{9C8175B0-8DB8-434C-AA3C-BA8684B60BAB}" dt="2018-12-12T00:53:30.662" v="2464" actId="20577"/>
+          <ac:spMkLst>
+            <pc:docMk/>
+            <pc:sldMk cId="663134425" sldId="276"/>
+            <ac:spMk id="67" creationId="{00000000-0000-0000-0000-000000000000}"/>
+          </ac:spMkLst>
+        </pc:spChg>
+      </pc:sldChg>
+      <pc:sldChg chg="modSp add">
+        <pc:chgData name="Cooper Yungblut" userId="7f73948031400a0c" providerId="LiveId" clId="{9C8175B0-8DB8-434C-AA3C-BA8684B60BAB}" dt="2018-12-12T01:00:15.113" v="3036" actId="20577"/>
+        <pc:sldMkLst>
+          <pc:docMk/>
+          <pc:sldMk cId="873146868" sldId="277"/>
+        </pc:sldMkLst>
+        <pc:spChg chg="mod">
+          <ac:chgData name="Cooper Yungblut" userId="7f73948031400a0c" providerId="LiveId" clId="{9C8175B0-8DB8-434C-AA3C-BA8684B60BAB}" dt="2018-12-12T00:54:44.554" v="2509" actId="20577"/>
+          <ac:spMkLst>
+            <pc:docMk/>
+            <pc:sldMk cId="873146868" sldId="277"/>
+            <ac:spMk id="66" creationId="{00000000-0000-0000-0000-000000000000}"/>
+          </ac:spMkLst>
+        </pc:spChg>
+        <pc:spChg chg="mod">
+          <ac:chgData name="Cooper Yungblut" userId="7f73948031400a0c" providerId="LiveId" clId="{9C8175B0-8DB8-434C-AA3C-BA8684B60BAB}" dt="2018-12-12T01:00:15.113" v="3036" actId="20577"/>
+          <ac:spMkLst>
+            <pc:docMk/>
+            <pc:sldMk cId="873146868" sldId="277"/>
+            <ac:spMk id="67" creationId="{00000000-0000-0000-0000-000000000000}"/>
+          </ac:spMkLst>
+        </pc:spChg>
+      </pc:sldChg>
+      <pc:sldChg chg="add">
+        <pc:chgData name="Cooper Yungblut" userId="7f73948031400a0c" providerId="LiveId" clId="{9C8175B0-8DB8-434C-AA3C-BA8684B60BAB}" dt="2018-12-12T01:00:20.358" v="3037"/>
+        <pc:sldMkLst>
+          <pc:docMk/>
+          <pc:sldMk cId="1359038938" sldId="278"/>
+        </pc:sldMkLst>
+      </pc:sldChg>
+      <pc:sldChg chg="modSp add">
+        <pc:chgData name="Cooper Yungblut" userId="7f73948031400a0c" providerId="LiveId" clId="{9C8175B0-8DB8-434C-AA3C-BA8684B60BAB}" dt="2018-12-12T01:01:41.104" v="3250" actId="20577"/>
+        <pc:sldMkLst>
+          <pc:docMk/>
+          <pc:sldMk cId="4130373495" sldId="279"/>
+        </pc:sldMkLst>
+        <pc:spChg chg="mod">
+          <ac:chgData name="Cooper Yungblut" userId="7f73948031400a0c" providerId="LiveId" clId="{9C8175B0-8DB8-434C-AA3C-BA8684B60BAB}" dt="2018-12-12T01:00:40.948" v="3049" actId="20577"/>
+          <ac:spMkLst>
+            <pc:docMk/>
+            <pc:sldMk cId="4130373495" sldId="279"/>
+            <ac:spMk id="66" creationId="{00000000-0000-0000-0000-000000000000}"/>
+          </ac:spMkLst>
+        </pc:spChg>
+        <pc:spChg chg="mod">
+          <ac:chgData name="Cooper Yungblut" userId="7f73948031400a0c" providerId="LiveId" clId="{9C8175B0-8DB8-434C-AA3C-BA8684B60BAB}" dt="2018-12-12T01:01:41.104" v="3250" actId="20577"/>
+          <ac:spMkLst>
+            <pc:docMk/>
+            <pc:sldMk cId="4130373495" sldId="279"/>
+            <ac:spMk id="67" creationId="{00000000-0000-0000-0000-000000000000}"/>
+          </ac:spMkLst>
+        </pc:spChg>
+      </pc:sldChg>
+    </pc:docChg>
+  </pc:docChgLst>
+</pc:chgInfo>
+</file>
+
 <file path=ppt/notesMasters/notesMaster1.xml><?xml version="1.0" encoding="utf-8"?>
-<p:notesMaster xmlns:a="http://schemas.openxmlformats.org/drawingml/2006/main" xmlns:r="http://schemas.openxmlformats.org/officeDocument/2006/relationships" xmlns:mc="http://schemas.openxmlformats.org/markup-compatibility/2006" xmlns:mv="urn:schemas-microsoft-com:mac:vml" xmlns:p="http://schemas.openxmlformats.org/presentationml/2006/main" xmlns:c="http://schemas.openxmlformats.org/drawingml/2006/chart" xmlns:dgm="http://schemas.openxmlformats.org/drawingml/2006/diagram" xmlns:o="urn:schemas-microsoft-com:office:office" xmlns:v="urn:schemas-microsoft-com:vml" xmlns:pvml="urn:schemas-microsoft-com:office:powerpoint" xmlns:com="http://schemas.openxmlformats.org/drawingml/2006/compatibility" xmlns:p14="http://schemas.microsoft.com/office/powerpoint/2010/main" xmlns:p15="http://schemas.microsoft.com/office/powerpoint/2012/main">
+<p:notesMaster xmlns:a="http://schemas.openxmlformats.org/drawingml/2006/main" xmlns:r="http://schemas.openxmlformats.org/officeDocument/2006/relationships" xmlns:p="http://schemas.openxmlformats.org/presentationml/2006/main">
   <p:cSld>
+    <p:bg>
+      <p:bgRef idx="1001">
+        <a:schemeClr val="bg1"/>
+      </p:bgRef>
+    </p:bg>
     <p:spTree>
       <p:nvGrpSpPr>
-        <p:cNvPr id="2" name="Shape 2"/>
+        <p:cNvPr id="1" name="Shape 2"/>
         <p:cNvGrpSpPr/>
         <p:nvPr/>
       </p:nvGrpSpPr>
@@ -283,9 +821,11 @@
       <p:sp>
         <p:nvSpPr>
           <p:cNvPr id="3" name="Google Shape;3;n"/>
-          <p:cNvSpPr/>
+          <p:cNvSpPr>
+            <a:spLocks noGrp="1" noRot="1" noChangeAspect="1"/>
+          </p:cNvSpPr>
           <p:nvPr>
-            <p:ph idx="2" type="sldImg"/>
+            <p:ph type="sldImg" idx="2"/>
           </p:nvPr>
         </p:nvSpPr>
         <p:spPr>
@@ -294,9 +834,13 @@
             <a:ext cx="6096075" cy="3429000"/>
           </a:xfrm>
           <a:custGeom>
-            <a:rect b="b" l="l" r="r" t="t"/>
+            <a:avLst/>
+            <a:gdLst/>
+            <a:ahLst/>
+            <a:cxnLst/>
+            <a:rect l="l" t="t" r="r" b="b"/>
             <a:pathLst>
-              <a:path extrusionOk="0" h="120000" w="120000">
+              <a:path w="120000" h="120000" extrusionOk="0">
                 <a:moveTo>
                   <a:pt x="0" y="0"/>
                 </a:moveTo>
@@ -314,23 +858,25 @@
             </a:pathLst>
           </a:custGeom>
           <a:noFill/>
-          <a:ln cap="flat" cmpd="sng" w="9525">
+          <a:ln w="9525" cap="flat" cmpd="sng">
             <a:solidFill>
               <a:srgbClr val="000000"/>
             </a:solidFill>
             <a:prstDash val="solid"/>
             <a:round/>
-            <a:headEnd len="sm" w="sm" type="none"/>
-            <a:tailEnd len="sm" w="sm" type="none"/>
+            <a:headEnd type="none" w="sm" len="sm"/>
+            <a:tailEnd type="none" w="sm" len="sm"/>
           </a:ln>
         </p:spPr>
       </p:sp>
       <p:sp>
         <p:nvSpPr>
           <p:cNvPr id="4" name="Google Shape;4;n"/>
-          <p:cNvSpPr txBox="1"/>
+          <p:cNvSpPr txBox="1">
+            <a:spLocks noGrp="1"/>
+          </p:cNvSpPr>
           <p:nvPr>
-            <p:ph idx="1" type="body"/>
+            <p:ph type="body" idx="1"/>
           </p:nvPr>
         </p:nvSpPr>
         <p:spPr>
@@ -347,9 +893,9 @@
           </a:ln>
         </p:spPr>
         <p:txBody>
-          <a:bodyPr anchorCtr="0" anchor="t" bIns="91425" lIns="91425" spcFirstLastPara="1" rIns="91425" wrap="square" tIns="91425"/>
+          <a:bodyPr spcFirstLastPara="1" wrap="square" lIns="91425" tIns="91425" rIns="91425" bIns="91425" anchor="t" anchorCtr="0"/>
           <a:lstStyle>
-            <a:lvl1pPr indent="-298450" lvl="0" marL="457200">
+            <a:lvl1pPr marL="457200" lvl="0" indent="-298450">
               <a:spcBef>
                 <a:spcPts val="0"/>
               </a:spcBef>
@@ -360,7 +906,7 @@
               <a:buChar char="●"/>
               <a:defRPr sz="1100"/>
             </a:lvl1pPr>
-            <a:lvl2pPr indent="-298450" lvl="1" marL="914400">
+            <a:lvl2pPr marL="914400" lvl="1" indent="-298450">
               <a:spcBef>
                 <a:spcPts val="0"/>
               </a:spcBef>
@@ -371,7 +917,7 @@
               <a:buChar char="○"/>
               <a:defRPr sz="1100"/>
             </a:lvl2pPr>
-            <a:lvl3pPr indent="-298450" lvl="2" marL="1371600">
+            <a:lvl3pPr marL="1371600" lvl="2" indent="-298450">
               <a:spcBef>
                 <a:spcPts val="0"/>
               </a:spcBef>
@@ -382,7 +928,7 @@
               <a:buChar char="■"/>
               <a:defRPr sz="1100"/>
             </a:lvl3pPr>
-            <a:lvl4pPr indent="-298450" lvl="3" marL="1828800">
+            <a:lvl4pPr marL="1828800" lvl="3" indent="-298450">
               <a:spcBef>
                 <a:spcPts val="0"/>
               </a:spcBef>
@@ -393,7 +939,7 @@
               <a:buChar char="●"/>
               <a:defRPr sz="1100"/>
             </a:lvl4pPr>
-            <a:lvl5pPr indent="-298450" lvl="4" marL="2286000">
+            <a:lvl5pPr marL="2286000" lvl="4" indent="-298450">
               <a:spcBef>
                 <a:spcPts val="0"/>
               </a:spcBef>
@@ -404,7 +950,7 @@
               <a:buChar char="○"/>
               <a:defRPr sz="1100"/>
             </a:lvl5pPr>
-            <a:lvl6pPr indent="-298450" lvl="5" marL="2743200">
+            <a:lvl6pPr marL="2743200" lvl="5" indent="-298450">
               <a:spcBef>
                 <a:spcPts val="0"/>
               </a:spcBef>
@@ -415,7 +961,7 @@
               <a:buChar char="■"/>
               <a:defRPr sz="1100"/>
             </a:lvl6pPr>
-            <a:lvl7pPr indent="-298450" lvl="6" marL="3200400">
+            <a:lvl7pPr marL="3200400" lvl="6" indent="-298450">
               <a:spcBef>
                 <a:spcPts val="0"/>
               </a:spcBef>
@@ -426,7 +972,7 @@
               <a:buChar char="●"/>
               <a:defRPr sz="1100"/>
             </a:lvl7pPr>
-            <a:lvl8pPr indent="-298450" lvl="7" marL="3657600">
+            <a:lvl8pPr marL="3657600" lvl="7" indent="-298450">
               <a:spcBef>
                 <a:spcPts val="0"/>
               </a:spcBef>
@@ -437,7 +983,7 @@
               <a:buChar char="○"/>
               <a:defRPr sz="1100"/>
             </a:lvl8pPr>
-            <a:lvl9pPr indent="-298450" lvl="8" marL="4114800">
+            <a:lvl9pPr marL="4114800" lvl="8" indent="-298450">
               <a:spcBef>
                 <a:spcPts val="0"/>
               </a:spcBef>
@@ -449,14 +995,16 @@
               <a:defRPr sz="1100"/>
             </a:lvl9pPr>
           </a:lstStyle>
-          <a:p/>
+          <a:p>
+            <a:endParaRPr/>
+          </a:p>
         </p:txBody>
       </p:sp>
     </p:spTree>
   </p:cSld>
-  <p:clrMap accent1="accent1" accent2="accent2" accent3="accent3" accent4="accent4" accent5="accent5" accent6="accent6" bg1="lt1" bg2="dk2" tx1="dk1" tx2="lt2" folHlink="folHlink" hlink="hlink"/>
+  <p:clrMap bg1="lt1" tx1="dk1" bg2="dk2" tx2="lt2" accent1="accent1" accent2="accent2" accent3="accent3" accent4="accent4" accent5="accent5" accent6="accent6" hlink="hlink" folHlink="folHlink"/>
   <p:notesStyle>
-    <a:defPPr lvl="0" marR="0" rtl="0" algn="l">
+    <a:defPPr marR="0" lvl="0" algn="l" rtl="0">
       <a:lnSpc>
         <a:spcPct val="100000"/>
       </a:lnSpc>
@@ -467,7 +1015,7 @@
         <a:spcPts val="0"/>
       </a:spcAft>
     </a:defPPr>
-    <a:lvl1pPr lvl="0" marR="0" rtl="0" algn="l">
+    <a:lvl1pPr marR="0" lvl="0" algn="l" rtl="0">
       <a:lnSpc>
         <a:spcPct val="100000"/>
       </a:lnSpc>
@@ -481,7 +1029,7 @@
         <a:srgbClr val="000000"/>
       </a:buClr>
       <a:buFont typeface="Arial"/>
-      <a:defRPr b="0" i="0" sz="1400" u="none" cap="none" strike="noStrike">
+      <a:defRPr sz="1400" b="0" i="0" u="none" strike="noStrike" cap="none">
         <a:solidFill>
           <a:srgbClr val="000000"/>
         </a:solidFill>
@@ -491,7 +1039,7 @@
         <a:sym typeface="Arial"/>
       </a:defRPr>
     </a:lvl1pPr>
-    <a:lvl2pPr lvl="1" marR="0" rtl="0" algn="l">
+    <a:lvl2pPr marR="0" lvl="1" algn="l" rtl="0">
       <a:lnSpc>
         <a:spcPct val="100000"/>
       </a:lnSpc>
@@ -505,7 +1053,7 @@
         <a:srgbClr val="000000"/>
       </a:buClr>
       <a:buFont typeface="Arial"/>
-      <a:defRPr b="0" i="0" sz="1400" u="none" cap="none" strike="noStrike">
+      <a:defRPr sz="1400" b="0" i="0" u="none" strike="noStrike" cap="none">
         <a:solidFill>
           <a:srgbClr val="000000"/>
         </a:solidFill>
@@ -515,7 +1063,7 @@
         <a:sym typeface="Arial"/>
       </a:defRPr>
     </a:lvl2pPr>
-    <a:lvl3pPr lvl="2" marR="0" rtl="0" algn="l">
+    <a:lvl3pPr marR="0" lvl="2" algn="l" rtl="0">
       <a:lnSpc>
         <a:spcPct val="100000"/>
       </a:lnSpc>
@@ -529,7 +1077,7 @@
         <a:srgbClr val="000000"/>
       </a:buClr>
       <a:buFont typeface="Arial"/>
-      <a:defRPr b="0" i="0" sz="1400" u="none" cap="none" strike="noStrike">
+      <a:defRPr sz="1400" b="0" i="0" u="none" strike="noStrike" cap="none">
         <a:solidFill>
           <a:srgbClr val="000000"/>
         </a:solidFill>
@@ -539,7 +1087,7 @@
         <a:sym typeface="Arial"/>
       </a:defRPr>
     </a:lvl3pPr>
-    <a:lvl4pPr lvl="3" marR="0" rtl="0" algn="l">
+    <a:lvl4pPr marR="0" lvl="3" algn="l" rtl="0">
       <a:lnSpc>
         <a:spcPct val="100000"/>
       </a:lnSpc>
@@ -553,7 +1101,7 @@
         <a:srgbClr val="000000"/>
       </a:buClr>
       <a:buFont typeface="Arial"/>
-      <a:defRPr b="0" i="0" sz="1400" u="none" cap="none" strike="noStrike">
+      <a:defRPr sz="1400" b="0" i="0" u="none" strike="noStrike" cap="none">
         <a:solidFill>
           <a:srgbClr val="000000"/>
         </a:solidFill>
@@ -563,7 +1111,7 @@
         <a:sym typeface="Arial"/>
       </a:defRPr>
     </a:lvl4pPr>
-    <a:lvl5pPr lvl="4" marR="0" rtl="0" algn="l">
+    <a:lvl5pPr marR="0" lvl="4" algn="l" rtl="0">
       <a:lnSpc>
         <a:spcPct val="100000"/>
       </a:lnSpc>
@@ -577,7 +1125,7 @@
         <a:srgbClr val="000000"/>
       </a:buClr>
       <a:buFont typeface="Arial"/>
-      <a:defRPr b="0" i="0" sz="1400" u="none" cap="none" strike="noStrike">
+      <a:defRPr sz="1400" b="0" i="0" u="none" strike="noStrike" cap="none">
         <a:solidFill>
           <a:srgbClr val="000000"/>
         </a:solidFill>
@@ -587,7 +1135,7 @@
         <a:sym typeface="Arial"/>
       </a:defRPr>
     </a:lvl5pPr>
-    <a:lvl6pPr lvl="5" marR="0" rtl="0" algn="l">
+    <a:lvl6pPr marR="0" lvl="5" algn="l" rtl="0">
       <a:lnSpc>
         <a:spcPct val="100000"/>
       </a:lnSpc>
@@ -601,7 +1149,7 @@
         <a:srgbClr val="000000"/>
       </a:buClr>
       <a:buFont typeface="Arial"/>
-      <a:defRPr b="0" i="0" sz="1400" u="none" cap="none" strike="noStrike">
+      <a:defRPr sz="1400" b="0" i="0" u="none" strike="noStrike" cap="none">
         <a:solidFill>
           <a:srgbClr val="000000"/>
         </a:solidFill>
@@ -611,7 +1159,7 @@
         <a:sym typeface="Arial"/>
       </a:defRPr>
     </a:lvl6pPr>
-    <a:lvl7pPr lvl="6" marR="0" rtl="0" algn="l">
+    <a:lvl7pPr marR="0" lvl="6" algn="l" rtl="0">
       <a:lnSpc>
         <a:spcPct val="100000"/>
       </a:lnSpc>
@@ -625,7 +1173,7 @@
         <a:srgbClr val="000000"/>
       </a:buClr>
       <a:buFont typeface="Arial"/>
-      <a:defRPr b="0" i="0" sz="1400" u="none" cap="none" strike="noStrike">
+      <a:defRPr sz="1400" b="0" i="0" u="none" strike="noStrike" cap="none">
         <a:solidFill>
           <a:srgbClr val="000000"/>
         </a:solidFill>
@@ -635,7 +1183,7 @@
         <a:sym typeface="Arial"/>
       </a:defRPr>
     </a:lvl7pPr>
-    <a:lvl8pPr lvl="7" marR="0" rtl="0" algn="l">
+    <a:lvl8pPr marR="0" lvl="7" algn="l" rtl="0">
       <a:lnSpc>
         <a:spcPct val="100000"/>
       </a:lnSpc>
@@ -649,7 +1197,7 @@
         <a:srgbClr val="000000"/>
       </a:buClr>
       <a:buFont typeface="Arial"/>
-      <a:defRPr b="0" i="0" sz="1400" u="none" cap="none" strike="noStrike">
+      <a:defRPr sz="1400" b="0" i="0" u="none" strike="noStrike" cap="none">
         <a:solidFill>
           <a:srgbClr val="000000"/>
         </a:solidFill>
@@ -659,7 +1207,7 @@
         <a:sym typeface="Arial"/>
       </a:defRPr>
     </a:lvl8pPr>
-    <a:lvl9pPr lvl="8" marR="0" rtl="0" algn="l">
+    <a:lvl9pPr marR="0" lvl="8" algn="l" rtl="0">
       <a:lnSpc>
         <a:spcPct val="100000"/>
       </a:lnSpc>
@@ -673,7 +1221,7 @@
         <a:srgbClr val="000000"/>
       </a:buClr>
       <a:buFont typeface="Arial"/>
-      <a:defRPr b="0" i="0" sz="1400" u="none" cap="none" strike="noStrike">
+      <a:defRPr sz="1400" b="0" i="0" u="none" strike="noStrike" cap="none">
         <a:solidFill>
           <a:srgbClr val="000000"/>
         </a:solidFill>
@@ -688,11 +1236,11 @@
 </file>
 
 <file path=ppt/notesSlides/notesSlide1.xml><?xml version="1.0" encoding="utf-8"?>
-<p:notes xmlns:a="http://schemas.openxmlformats.org/drawingml/2006/main" xmlns:r="http://schemas.openxmlformats.org/officeDocument/2006/relationships" xmlns:mc="http://schemas.openxmlformats.org/markup-compatibility/2006" xmlns:mv="urn:schemas-microsoft-com:mac:vml" xmlns:p="http://schemas.openxmlformats.org/presentationml/2006/main" xmlns:c="http://schemas.openxmlformats.org/drawingml/2006/chart" xmlns:dgm="http://schemas.openxmlformats.org/drawingml/2006/diagram" xmlns:o="urn:schemas-microsoft-com:office:office" xmlns:v="urn:schemas-microsoft-com:vml" xmlns:pvml="urn:schemas-microsoft-com:office:powerpoint" xmlns:com="http://schemas.openxmlformats.org/drawingml/2006/compatibility" xmlns:p14="http://schemas.microsoft.com/office/powerpoint/2010/main" xmlns:p15="http://schemas.microsoft.com/office/powerpoint/2012/main" showMasterPhAnim="0" showMasterSp="0">
+<p:notes xmlns:a="http://schemas.openxmlformats.org/drawingml/2006/main" xmlns:r="http://schemas.openxmlformats.org/officeDocument/2006/relationships" xmlns:p="http://schemas.openxmlformats.org/presentationml/2006/main" showMasterSp="0" showMasterPhAnim="0">
   <p:cSld>
     <p:spTree>
       <p:nvGrpSpPr>
-        <p:cNvPr id="50" name="Shape 50"/>
+        <p:cNvPr id="1" name="Shape 50"/>
         <p:cNvGrpSpPr/>
         <p:nvPr/>
       </p:nvGrpSpPr>
@@ -707,9 +1255,11 @@
       <p:sp>
         <p:nvSpPr>
           <p:cNvPr id="51" name="Google Shape;51;p:notes"/>
-          <p:cNvSpPr/>
+          <p:cNvSpPr>
+            <a:spLocks noGrp="1" noRot="1" noChangeAspect="1"/>
+          </p:cNvSpPr>
           <p:nvPr>
-            <p:ph idx="2" type="sldImg"/>
+            <p:ph type="sldImg" idx="2"/>
           </p:nvPr>
         </p:nvSpPr>
         <p:spPr>
@@ -718,9 +1268,13 @@
             <a:ext cx="6096075" cy="3429000"/>
           </a:xfrm>
           <a:custGeom>
-            <a:rect b="b" l="l" r="r" t="t"/>
+            <a:avLst/>
+            <a:gdLst/>
+            <a:ahLst/>
+            <a:cxnLst/>
+            <a:rect l="l" t="t" r="r" b="b"/>
             <a:pathLst>
-              <a:path extrusionOk="0" h="120000" w="120000">
+              <a:path w="120000" h="120000" extrusionOk="0">
                 <a:moveTo>
                   <a:pt x="0" y="0"/>
                 </a:moveTo>
@@ -742,9 +1296,11 @@
       <p:sp>
         <p:nvSpPr>
           <p:cNvPr id="52" name="Google Shape;52;p:notes"/>
-          <p:cNvSpPr txBox="1"/>
+          <p:cNvSpPr txBox="1">
+            <a:spLocks noGrp="1"/>
+          </p:cNvSpPr>
           <p:nvPr>
-            <p:ph idx="1" type="body"/>
+            <p:ph type="body" idx="1"/>
           </p:nvPr>
         </p:nvSpPr>
         <p:spPr>
@@ -757,12 +1313,12 @@
           </a:prstGeom>
         </p:spPr>
         <p:txBody>
-          <a:bodyPr anchorCtr="0" anchor="t" bIns="91425" lIns="91425" spcFirstLastPara="1" rIns="91425" wrap="square" tIns="91425">
+          <a:bodyPr spcFirstLastPara="1" wrap="square" lIns="91425" tIns="91425" rIns="91425" bIns="91425" anchor="t" anchorCtr="0">
             <a:noAutofit/>
           </a:bodyPr>
           <a:lstStyle/>
           <a:p>
-            <a:pPr indent="0" lvl="0" marL="0" rtl="0" algn="l">
+            <a:pPr marL="0" lvl="0" indent="0" algn="l" rtl="0">
               <a:spcBef>
                 <a:spcPts val="0"/>
               </a:spcBef>
@@ -771,9 +1327,6 @@
               </a:spcAft>
               <a:buNone/>
             </a:pPr>
-            <a:r>
-              <a:t/>
-            </a:r>
             <a:endParaRPr/>
           </a:p>
         </p:txBody>
@@ -786,12 +1339,12 @@
 </p:notes>
 </file>
 
-<file path=ppt/notesSlides/notesSlide2.xml><?xml version="1.0" encoding="utf-8"?>
-<p:notes xmlns:a="http://schemas.openxmlformats.org/drawingml/2006/main" xmlns:r="http://schemas.openxmlformats.org/officeDocument/2006/relationships" xmlns:mc="http://schemas.openxmlformats.org/markup-compatibility/2006" xmlns:mv="urn:schemas-microsoft-com:mac:vml" xmlns:p="http://schemas.openxmlformats.org/presentationml/2006/main" xmlns:c="http://schemas.openxmlformats.org/drawingml/2006/chart" xmlns:dgm="http://schemas.openxmlformats.org/drawingml/2006/diagram" xmlns:o="urn:schemas-microsoft-com:office:office" xmlns:v="urn:schemas-microsoft-com:vml" xmlns:pvml="urn:schemas-microsoft-com:office:powerpoint" xmlns:com="http://schemas.openxmlformats.org/drawingml/2006/compatibility" xmlns:p14="http://schemas.microsoft.com/office/powerpoint/2010/main" xmlns:p15="http://schemas.microsoft.com/office/powerpoint/2012/main" showMasterPhAnim="0" showMasterSp="0">
+<file path=ppt/notesSlides/notesSlide10.xml><?xml version="1.0" encoding="utf-8"?>
+<p:notes xmlns:a="http://schemas.openxmlformats.org/drawingml/2006/main" xmlns:r="http://schemas.openxmlformats.org/officeDocument/2006/relationships" xmlns:p="http://schemas.openxmlformats.org/presentationml/2006/main" showMasterSp="0" showMasterPhAnim="0">
   <p:cSld>
     <p:spTree>
       <p:nvGrpSpPr>
-        <p:cNvPr id="56" name="Shape 56"/>
+        <p:cNvPr id="1" name="Shape 62"/>
         <p:cNvGrpSpPr/>
         <p:nvPr/>
       </p:nvGrpSpPr>
@@ -805,21 +1358,27 @@
       </p:grpSpPr>
       <p:sp>
         <p:nvSpPr>
-          <p:cNvPr id="57" name="Google Shape;57;g42dccd2958_1_0:notes"/>
-          <p:cNvSpPr/>
+          <p:cNvPr id="63" name="Google Shape;63;g42dccd2958_1_5:notes"/>
+          <p:cNvSpPr>
+            <a:spLocks noGrp="1" noRot="1" noChangeAspect="1"/>
+          </p:cNvSpPr>
           <p:nvPr>
-            <p:ph idx="2" type="sldImg"/>
+            <p:ph type="sldImg" idx="2"/>
           </p:nvPr>
         </p:nvSpPr>
         <p:spPr>
           <a:xfrm>
-            <a:off x="381300" y="685800"/>
+            <a:off x="381000" y="685800"/>
             <a:ext cx="6096000" cy="3429000"/>
           </a:xfrm>
           <a:custGeom>
-            <a:rect b="b" l="l" r="r" t="t"/>
+            <a:avLst/>
+            <a:gdLst/>
+            <a:ahLst/>
+            <a:cxnLst/>
+            <a:rect l="l" t="t" r="r" b="b"/>
             <a:pathLst>
-              <a:path extrusionOk="0" h="120000" w="120000">
+              <a:path w="120000" h="120000" extrusionOk="0">
                 <a:moveTo>
                   <a:pt x="0" y="0"/>
                 </a:moveTo>
@@ -840,10 +1399,12 @@
       </p:sp>
       <p:sp>
         <p:nvSpPr>
-          <p:cNvPr id="58" name="Google Shape;58;g42dccd2958_1_0:notes"/>
-          <p:cNvSpPr txBox="1"/>
+          <p:cNvPr id="64" name="Google Shape;64;g42dccd2958_1_5:notes"/>
+          <p:cNvSpPr txBox="1">
+            <a:spLocks noGrp="1"/>
+          </p:cNvSpPr>
           <p:nvPr>
-            <p:ph idx="1" type="body"/>
+            <p:ph type="body" idx="1"/>
           </p:nvPr>
         </p:nvSpPr>
         <p:spPr>
@@ -856,12 +1417,12 @@
           </a:prstGeom>
         </p:spPr>
         <p:txBody>
-          <a:bodyPr anchorCtr="0" anchor="t" bIns="91425" lIns="91425" spcFirstLastPara="1" rIns="91425" wrap="square" tIns="91425">
+          <a:bodyPr spcFirstLastPara="1" wrap="square" lIns="91425" tIns="91425" rIns="91425" bIns="91425" anchor="t" anchorCtr="0">
             <a:noAutofit/>
           </a:bodyPr>
           <a:lstStyle/>
           <a:p>
-            <a:pPr indent="0" lvl="0" marL="0" rtl="0" algn="l">
+            <a:pPr marL="0" lvl="0" indent="0" algn="l" rtl="0">
               <a:spcBef>
                 <a:spcPts val="0"/>
               </a:spcBef>
@@ -870,14 +1431,16 @@
               </a:spcAft>
               <a:buNone/>
             </a:pPr>
-            <a:r>
-              <a:t/>
-            </a:r>
             <a:endParaRPr/>
           </a:p>
         </p:txBody>
       </p:sp>
     </p:spTree>
+    <p:extLst>
+      <p:ext uri="{BB962C8B-B14F-4D97-AF65-F5344CB8AC3E}">
+        <p14:creationId xmlns:p14="http://schemas.microsoft.com/office/powerpoint/2010/main" val="3071749825"/>
+      </p:ext>
+    </p:extLst>
   </p:cSld>
   <p:clrMapOvr>
     <a:masterClrMapping/>
@@ -885,12 +1448,12 @@
 </p:notes>
 </file>
 
-<file path=ppt/notesSlides/notesSlide3.xml><?xml version="1.0" encoding="utf-8"?>
-<p:notes xmlns:a="http://schemas.openxmlformats.org/drawingml/2006/main" xmlns:r="http://schemas.openxmlformats.org/officeDocument/2006/relationships" xmlns:mc="http://schemas.openxmlformats.org/markup-compatibility/2006" xmlns:mv="urn:schemas-microsoft-com:mac:vml" xmlns:p="http://schemas.openxmlformats.org/presentationml/2006/main" xmlns:c="http://schemas.openxmlformats.org/drawingml/2006/chart" xmlns:dgm="http://schemas.openxmlformats.org/drawingml/2006/diagram" xmlns:o="urn:schemas-microsoft-com:office:office" xmlns:v="urn:schemas-microsoft-com:vml" xmlns:pvml="urn:schemas-microsoft-com:office:powerpoint" xmlns:com="http://schemas.openxmlformats.org/drawingml/2006/compatibility" xmlns:p14="http://schemas.microsoft.com/office/powerpoint/2010/main" xmlns:p15="http://schemas.microsoft.com/office/powerpoint/2012/main" showMasterPhAnim="0" showMasterSp="0">
+<file path=ppt/notesSlides/notesSlide11.xml><?xml version="1.0" encoding="utf-8"?>
+<p:notes xmlns:a="http://schemas.openxmlformats.org/drawingml/2006/main" xmlns:r="http://schemas.openxmlformats.org/officeDocument/2006/relationships" xmlns:p="http://schemas.openxmlformats.org/presentationml/2006/main" showMasterSp="0" showMasterPhAnim="0">
   <p:cSld>
     <p:spTree>
       <p:nvGrpSpPr>
-        <p:cNvPr id="62" name="Shape 62"/>
+        <p:cNvPr id="1" name="Shape 62"/>
         <p:cNvGrpSpPr/>
         <p:nvPr/>
       </p:nvGrpSpPr>
@@ -905,20 +1468,26 @@
       <p:sp>
         <p:nvSpPr>
           <p:cNvPr id="63" name="Google Shape;63;g42dccd2958_1_5:notes"/>
-          <p:cNvSpPr/>
+          <p:cNvSpPr>
+            <a:spLocks noGrp="1" noRot="1" noChangeAspect="1"/>
+          </p:cNvSpPr>
           <p:nvPr>
-            <p:ph idx="2" type="sldImg"/>
+            <p:ph type="sldImg" idx="2"/>
           </p:nvPr>
         </p:nvSpPr>
         <p:spPr>
           <a:xfrm>
-            <a:off x="381300" y="685800"/>
+            <a:off x="381000" y="685800"/>
             <a:ext cx="6096000" cy="3429000"/>
           </a:xfrm>
           <a:custGeom>
-            <a:rect b="b" l="l" r="r" t="t"/>
+            <a:avLst/>
+            <a:gdLst/>
+            <a:ahLst/>
+            <a:cxnLst/>
+            <a:rect l="l" t="t" r="r" b="b"/>
             <a:pathLst>
-              <a:path extrusionOk="0" h="120000" w="120000">
+              <a:path w="120000" h="120000" extrusionOk="0">
                 <a:moveTo>
                   <a:pt x="0" y="0"/>
                 </a:moveTo>
@@ -940,9 +1509,11 @@
       <p:sp>
         <p:nvSpPr>
           <p:cNvPr id="64" name="Google Shape;64;g42dccd2958_1_5:notes"/>
-          <p:cNvSpPr txBox="1"/>
+          <p:cNvSpPr txBox="1">
+            <a:spLocks noGrp="1"/>
+          </p:cNvSpPr>
           <p:nvPr>
-            <p:ph idx="1" type="body"/>
+            <p:ph type="body" idx="1"/>
           </p:nvPr>
         </p:nvSpPr>
         <p:spPr>
@@ -955,12 +1526,12 @@
           </a:prstGeom>
         </p:spPr>
         <p:txBody>
-          <a:bodyPr anchorCtr="0" anchor="t" bIns="91425" lIns="91425" spcFirstLastPara="1" rIns="91425" wrap="square" tIns="91425">
+          <a:bodyPr spcFirstLastPara="1" wrap="square" lIns="91425" tIns="91425" rIns="91425" bIns="91425" anchor="t" anchorCtr="0">
             <a:noAutofit/>
           </a:bodyPr>
           <a:lstStyle/>
           <a:p>
-            <a:pPr indent="0" lvl="0" marL="0" rtl="0" algn="l">
+            <a:pPr marL="0" lvl="0" indent="0" algn="l" rtl="0">
               <a:spcBef>
                 <a:spcPts val="0"/>
               </a:spcBef>
@@ -969,14 +1540,16 @@
               </a:spcAft>
               <a:buNone/>
             </a:pPr>
-            <a:r>
-              <a:t/>
-            </a:r>
             <a:endParaRPr/>
           </a:p>
         </p:txBody>
       </p:sp>
     </p:spTree>
+    <p:extLst>
+      <p:ext uri="{BB962C8B-B14F-4D97-AF65-F5344CB8AC3E}">
+        <p14:creationId xmlns:p14="http://schemas.microsoft.com/office/powerpoint/2010/main" val="2487640988"/>
+      </p:ext>
+    </p:extLst>
   </p:cSld>
   <p:clrMapOvr>
     <a:masterClrMapping/>
@@ -984,12 +1557,12 @@
 </p:notes>
 </file>
 
-<file path=ppt/notesSlides/notesSlide4.xml><?xml version="1.0" encoding="utf-8"?>
-<p:notes xmlns:a="http://schemas.openxmlformats.org/drawingml/2006/main" xmlns:r="http://schemas.openxmlformats.org/officeDocument/2006/relationships" xmlns:mc="http://schemas.openxmlformats.org/markup-compatibility/2006" xmlns:mv="urn:schemas-microsoft-com:mac:vml" xmlns:p="http://schemas.openxmlformats.org/presentationml/2006/main" xmlns:c="http://schemas.openxmlformats.org/drawingml/2006/chart" xmlns:dgm="http://schemas.openxmlformats.org/drawingml/2006/diagram" xmlns:o="urn:schemas-microsoft-com:office:office" xmlns:v="urn:schemas-microsoft-com:vml" xmlns:pvml="urn:schemas-microsoft-com:office:powerpoint" xmlns:com="http://schemas.openxmlformats.org/drawingml/2006/compatibility" xmlns:p14="http://schemas.microsoft.com/office/powerpoint/2010/main" xmlns:p15="http://schemas.microsoft.com/office/powerpoint/2012/main" showMasterPhAnim="0" showMasterSp="0">
+<file path=ppt/notesSlides/notesSlide12.xml><?xml version="1.0" encoding="utf-8"?>
+<p:notes xmlns:a="http://schemas.openxmlformats.org/drawingml/2006/main" xmlns:r="http://schemas.openxmlformats.org/officeDocument/2006/relationships" xmlns:p="http://schemas.openxmlformats.org/presentationml/2006/main" showMasterSp="0" showMasterPhAnim="0">
   <p:cSld>
     <p:spTree>
       <p:nvGrpSpPr>
-        <p:cNvPr id="68" name="Shape 68"/>
+        <p:cNvPr id="1" name="Shape 62"/>
         <p:cNvGrpSpPr/>
         <p:nvPr/>
       </p:nvGrpSpPr>
@@ -1003,21 +1576,27 @@
       </p:grpSpPr>
       <p:sp>
         <p:nvSpPr>
-          <p:cNvPr id="69" name="Google Shape;69;g42dccd2958_2_0:notes"/>
-          <p:cNvSpPr/>
+          <p:cNvPr id="63" name="Google Shape;63;g42dccd2958_1_5:notes"/>
+          <p:cNvSpPr>
+            <a:spLocks noGrp="1" noRot="1" noChangeAspect="1"/>
+          </p:cNvSpPr>
           <p:nvPr>
-            <p:ph idx="2" type="sldImg"/>
+            <p:ph type="sldImg" idx="2"/>
           </p:nvPr>
         </p:nvSpPr>
         <p:spPr>
           <a:xfrm>
-            <a:off x="381300" y="685800"/>
+            <a:off x="381000" y="685800"/>
             <a:ext cx="6096000" cy="3429000"/>
           </a:xfrm>
           <a:custGeom>
-            <a:rect b="b" l="l" r="r" t="t"/>
+            <a:avLst/>
+            <a:gdLst/>
+            <a:ahLst/>
+            <a:cxnLst/>
+            <a:rect l="l" t="t" r="r" b="b"/>
             <a:pathLst>
-              <a:path extrusionOk="0" h="120000" w="120000">
+              <a:path w="120000" h="120000" extrusionOk="0">
                 <a:moveTo>
                   <a:pt x="0" y="0"/>
                 </a:moveTo>
@@ -1038,10 +1617,12 @@
       </p:sp>
       <p:sp>
         <p:nvSpPr>
-          <p:cNvPr id="70" name="Google Shape;70;g42dccd2958_2_0:notes"/>
-          <p:cNvSpPr txBox="1"/>
+          <p:cNvPr id="64" name="Google Shape;64;g42dccd2958_1_5:notes"/>
+          <p:cNvSpPr txBox="1">
+            <a:spLocks noGrp="1"/>
+          </p:cNvSpPr>
           <p:nvPr>
-            <p:ph idx="1" type="body"/>
+            <p:ph type="body" idx="1"/>
           </p:nvPr>
         </p:nvSpPr>
         <p:spPr>
@@ -1054,12 +1635,12 @@
           </a:prstGeom>
         </p:spPr>
         <p:txBody>
-          <a:bodyPr anchorCtr="0" anchor="t" bIns="91425" lIns="91425" spcFirstLastPara="1" rIns="91425" wrap="square" tIns="91425">
+          <a:bodyPr spcFirstLastPara="1" wrap="square" lIns="91425" tIns="91425" rIns="91425" bIns="91425" anchor="t" anchorCtr="0">
             <a:noAutofit/>
           </a:bodyPr>
           <a:lstStyle/>
           <a:p>
-            <a:pPr indent="0" lvl="0" marL="0" rtl="0" algn="l">
+            <a:pPr marL="0" lvl="0" indent="0" algn="l" rtl="0">
               <a:spcBef>
                 <a:spcPts val="0"/>
               </a:spcBef>
@@ -1068,9 +1649,878 @@
               </a:spcAft>
               <a:buNone/>
             </a:pPr>
-            <a:r>
-              <a:t/>
-            </a:r>
+            <a:endParaRPr/>
+          </a:p>
+        </p:txBody>
+      </p:sp>
+    </p:spTree>
+    <p:extLst>
+      <p:ext uri="{BB962C8B-B14F-4D97-AF65-F5344CB8AC3E}">
+        <p14:creationId xmlns:p14="http://schemas.microsoft.com/office/powerpoint/2010/main" val="2065963453"/>
+      </p:ext>
+    </p:extLst>
+  </p:cSld>
+  <p:clrMapOvr>
+    <a:masterClrMapping/>
+  </p:clrMapOvr>
+</p:notes>
+</file>
+
+<file path=ppt/notesSlides/notesSlide13.xml><?xml version="1.0" encoding="utf-8"?>
+<p:notes xmlns:a="http://schemas.openxmlformats.org/drawingml/2006/main" xmlns:r="http://schemas.openxmlformats.org/officeDocument/2006/relationships" xmlns:p="http://schemas.openxmlformats.org/presentationml/2006/main" showMasterSp="0" showMasterPhAnim="0">
+  <p:cSld>
+    <p:spTree>
+      <p:nvGrpSpPr>
+        <p:cNvPr id="1" name="Shape 62"/>
+        <p:cNvGrpSpPr/>
+        <p:nvPr/>
+      </p:nvGrpSpPr>
+      <p:grpSpPr>
+        <a:xfrm>
+          <a:off x="0" y="0"/>
+          <a:ext cx="0" cy="0"/>
+          <a:chOff x="0" y="0"/>
+          <a:chExt cx="0" cy="0"/>
+        </a:xfrm>
+      </p:grpSpPr>
+      <p:sp>
+        <p:nvSpPr>
+          <p:cNvPr id="63" name="Google Shape;63;g42dccd2958_1_5:notes"/>
+          <p:cNvSpPr>
+            <a:spLocks noGrp="1" noRot="1" noChangeAspect="1"/>
+          </p:cNvSpPr>
+          <p:nvPr>
+            <p:ph type="sldImg" idx="2"/>
+          </p:nvPr>
+        </p:nvSpPr>
+        <p:spPr>
+          <a:xfrm>
+            <a:off x="381000" y="685800"/>
+            <a:ext cx="6096000" cy="3429000"/>
+          </a:xfrm>
+          <a:custGeom>
+            <a:avLst/>
+            <a:gdLst/>
+            <a:ahLst/>
+            <a:cxnLst/>
+            <a:rect l="l" t="t" r="r" b="b"/>
+            <a:pathLst>
+              <a:path w="120000" h="120000" extrusionOk="0">
+                <a:moveTo>
+                  <a:pt x="0" y="0"/>
+                </a:moveTo>
+                <a:lnTo>
+                  <a:pt x="120000" y="0"/>
+                </a:lnTo>
+                <a:lnTo>
+                  <a:pt x="120000" y="120000"/>
+                </a:lnTo>
+                <a:lnTo>
+                  <a:pt x="0" y="120000"/>
+                </a:lnTo>
+                <a:close/>
+              </a:path>
+            </a:pathLst>
+          </a:custGeom>
+        </p:spPr>
+      </p:sp>
+      <p:sp>
+        <p:nvSpPr>
+          <p:cNvPr id="64" name="Google Shape;64;g42dccd2958_1_5:notes"/>
+          <p:cNvSpPr txBox="1">
+            <a:spLocks noGrp="1"/>
+          </p:cNvSpPr>
+          <p:nvPr>
+            <p:ph type="body" idx="1"/>
+          </p:nvPr>
+        </p:nvSpPr>
+        <p:spPr>
+          <a:xfrm>
+            <a:off x="685800" y="4343400"/>
+            <a:ext cx="5486400" cy="4114800"/>
+          </a:xfrm>
+          <a:prstGeom prst="rect">
+            <a:avLst/>
+          </a:prstGeom>
+        </p:spPr>
+        <p:txBody>
+          <a:bodyPr spcFirstLastPara="1" wrap="square" lIns="91425" tIns="91425" rIns="91425" bIns="91425" anchor="t" anchorCtr="0">
+            <a:noAutofit/>
+          </a:bodyPr>
+          <a:lstStyle/>
+          <a:p>
+            <a:pPr marL="0" lvl="0" indent="0" algn="l" rtl="0">
+              <a:spcBef>
+                <a:spcPts val="0"/>
+              </a:spcBef>
+              <a:spcAft>
+                <a:spcPts val="0"/>
+              </a:spcAft>
+              <a:buNone/>
+            </a:pPr>
+            <a:endParaRPr/>
+          </a:p>
+        </p:txBody>
+      </p:sp>
+    </p:spTree>
+    <p:extLst>
+      <p:ext uri="{BB962C8B-B14F-4D97-AF65-F5344CB8AC3E}">
+        <p14:creationId xmlns:p14="http://schemas.microsoft.com/office/powerpoint/2010/main" val="1566754943"/>
+      </p:ext>
+    </p:extLst>
+  </p:cSld>
+  <p:clrMapOvr>
+    <a:masterClrMapping/>
+  </p:clrMapOvr>
+</p:notes>
+</file>
+
+<file path=ppt/notesSlides/notesSlide14.xml><?xml version="1.0" encoding="utf-8"?>
+<p:notes xmlns:a="http://schemas.openxmlformats.org/drawingml/2006/main" xmlns:r="http://schemas.openxmlformats.org/officeDocument/2006/relationships" xmlns:p="http://schemas.openxmlformats.org/presentationml/2006/main" showMasterSp="0" showMasterPhAnim="0">
+  <p:cSld>
+    <p:spTree>
+      <p:nvGrpSpPr>
+        <p:cNvPr id="1" name="Shape 62"/>
+        <p:cNvGrpSpPr/>
+        <p:nvPr/>
+      </p:nvGrpSpPr>
+      <p:grpSpPr>
+        <a:xfrm>
+          <a:off x="0" y="0"/>
+          <a:ext cx="0" cy="0"/>
+          <a:chOff x="0" y="0"/>
+          <a:chExt cx="0" cy="0"/>
+        </a:xfrm>
+      </p:grpSpPr>
+      <p:sp>
+        <p:nvSpPr>
+          <p:cNvPr id="63" name="Google Shape;63;g42dccd2958_1_5:notes"/>
+          <p:cNvSpPr>
+            <a:spLocks noGrp="1" noRot="1" noChangeAspect="1"/>
+          </p:cNvSpPr>
+          <p:nvPr>
+            <p:ph type="sldImg" idx="2"/>
+          </p:nvPr>
+        </p:nvSpPr>
+        <p:spPr>
+          <a:xfrm>
+            <a:off x="381000" y="685800"/>
+            <a:ext cx="6096000" cy="3429000"/>
+          </a:xfrm>
+          <a:custGeom>
+            <a:avLst/>
+            <a:gdLst/>
+            <a:ahLst/>
+            <a:cxnLst/>
+            <a:rect l="l" t="t" r="r" b="b"/>
+            <a:pathLst>
+              <a:path w="120000" h="120000" extrusionOk="0">
+                <a:moveTo>
+                  <a:pt x="0" y="0"/>
+                </a:moveTo>
+                <a:lnTo>
+                  <a:pt x="120000" y="0"/>
+                </a:lnTo>
+                <a:lnTo>
+                  <a:pt x="120000" y="120000"/>
+                </a:lnTo>
+                <a:lnTo>
+                  <a:pt x="0" y="120000"/>
+                </a:lnTo>
+                <a:close/>
+              </a:path>
+            </a:pathLst>
+          </a:custGeom>
+        </p:spPr>
+      </p:sp>
+      <p:sp>
+        <p:nvSpPr>
+          <p:cNvPr id="64" name="Google Shape;64;g42dccd2958_1_5:notes"/>
+          <p:cNvSpPr txBox="1">
+            <a:spLocks noGrp="1"/>
+          </p:cNvSpPr>
+          <p:nvPr>
+            <p:ph type="body" idx="1"/>
+          </p:nvPr>
+        </p:nvSpPr>
+        <p:spPr>
+          <a:xfrm>
+            <a:off x="685800" y="4343400"/>
+            <a:ext cx="5486400" cy="4114800"/>
+          </a:xfrm>
+          <a:prstGeom prst="rect">
+            <a:avLst/>
+          </a:prstGeom>
+        </p:spPr>
+        <p:txBody>
+          <a:bodyPr spcFirstLastPara="1" wrap="square" lIns="91425" tIns="91425" rIns="91425" bIns="91425" anchor="t" anchorCtr="0">
+            <a:noAutofit/>
+          </a:bodyPr>
+          <a:lstStyle/>
+          <a:p>
+            <a:pPr marL="0" lvl="0" indent="0" algn="l" rtl="0">
+              <a:spcBef>
+                <a:spcPts val="0"/>
+              </a:spcBef>
+              <a:spcAft>
+                <a:spcPts val="0"/>
+              </a:spcAft>
+              <a:buNone/>
+            </a:pPr>
+            <a:endParaRPr/>
+          </a:p>
+        </p:txBody>
+      </p:sp>
+    </p:spTree>
+    <p:extLst>
+      <p:ext uri="{BB962C8B-B14F-4D97-AF65-F5344CB8AC3E}">
+        <p14:creationId xmlns:p14="http://schemas.microsoft.com/office/powerpoint/2010/main" val="1754826248"/>
+      </p:ext>
+    </p:extLst>
+  </p:cSld>
+  <p:clrMapOvr>
+    <a:masterClrMapping/>
+  </p:clrMapOvr>
+</p:notes>
+</file>
+
+<file path=ppt/notesSlides/notesSlide15.xml><?xml version="1.0" encoding="utf-8"?>
+<p:notes xmlns:a="http://schemas.openxmlformats.org/drawingml/2006/main" xmlns:r="http://schemas.openxmlformats.org/officeDocument/2006/relationships" xmlns:p="http://schemas.openxmlformats.org/presentationml/2006/main" showMasterSp="0" showMasterPhAnim="0">
+  <p:cSld>
+    <p:spTree>
+      <p:nvGrpSpPr>
+        <p:cNvPr id="1" name="Shape 62"/>
+        <p:cNvGrpSpPr/>
+        <p:nvPr/>
+      </p:nvGrpSpPr>
+      <p:grpSpPr>
+        <a:xfrm>
+          <a:off x="0" y="0"/>
+          <a:ext cx="0" cy="0"/>
+          <a:chOff x="0" y="0"/>
+          <a:chExt cx="0" cy="0"/>
+        </a:xfrm>
+      </p:grpSpPr>
+      <p:sp>
+        <p:nvSpPr>
+          <p:cNvPr id="63" name="Google Shape;63;g42dccd2958_1_5:notes"/>
+          <p:cNvSpPr>
+            <a:spLocks noGrp="1" noRot="1" noChangeAspect="1"/>
+          </p:cNvSpPr>
+          <p:nvPr>
+            <p:ph type="sldImg" idx="2"/>
+          </p:nvPr>
+        </p:nvSpPr>
+        <p:spPr>
+          <a:xfrm>
+            <a:off x="381000" y="685800"/>
+            <a:ext cx="6096000" cy="3429000"/>
+          </a:xfrm>
+          <a:custGeom>
+            <a:avLst/>
+            <a:gdLst/>
+            <a:ahLst/>
+            <a:cxnLst/>
+            <a:rect l="l" t="t" r="r" b="b"/>
+            <a:pathLst>
+              <a:path w="120000" h="120000" extrusionOk="0">
+                <a:moveTo>
+                  <a:pt x="0" y="0"/>
+                </a:moveTo>
+                <a:lnTo>
+                  <a:pt x="120000" y="0"/>
+                </a:lnTo>
+                <a:lnTo>
+                  <a:pt x="120000" y="120000"/>
+                </a:lnTo>
+                <a:lnTo>
+                  <a:pt x="0" y="120000"/>
+                </a:lnTo>
+                <a:close/>
+              </a:path>
+            </a:pathLst>
+          </a:custGeom>
+        </p:spPr>
+      </p:sp>
+      <p:sp>
+        <p:nvSpPr>
+          <p:cNvPr id="64" name="Google Shape;64;g42dccd2958_1_5:notes"/>
+          <p:cNvSpPr txBox="1">
+            <a:spLocks noGrp="1"/>
+          </p:cNvSpPr>
+          <p:nvPr>
+            <p:ph type="body" idx="1"/>
+          </p:nvPr>
+        </p:nvSpPr>
+        <p:spPr>
+          <a:xfrm>
+            <a:off x="685800" y="4343400"/>
+            <a:ext cx="5486400" cy="4114800"/>
+          </a:xfrm>
+          <a:prstGeom prst="rect">
+            <a:avLst/>
+          </a:prstGeom>
+        </p:spPr>
+        <p:txBody>
+          <a:bodyPr spcFirstLastPara="1" wrap="square" lIns="91425" tIns="91425" rIns="91425" bIns="91425" anchor="t" anchorCtr="0">
+            <a:noAutofit/>
+          </a:bodyPr>
+          <a:lstStyle/>
+          <a:p>
+            <a:pPr marL="0" lvl="0" indent="0" algn="l" rtl="0">
+              <a:spcBef>
+                <a:spcPts val="0"/>
+              </a:spcBef>
+              <a:spcAft>
+                <a:spcPts val="0"/>
+              </a:spcAft>
+              <a:buNone/>
+            </a:pPr>
+            <a:endParaRPr/>
+          </a:p>
+        </p:txBody>
+      </p:sp>
+    </p:spTree>
+    <p:extLst>
+      <p:ext uri="{BB962C8B-B14F-4D97-AF65-F5344CB8AC3E}">
+        <p14:creationId xmlns:p14="http://schemas.microsoft.com/office/powerpoint/2010/main" val="691129435"/>
+      </p:ext>
+    </p:extLst>
+  </p:cSld>
+  <p:clrMapOvr>
+    <a:masterClrMapping/>
+  </p:clrMapOvr>
+</p:notes>
+</file>
+
+<file path=ppt/notesSlides/notesSlide16.xml><?xml version="1.0" encoding="utf-8"?>
+<p:notes xmlns:a="http://schemas.openxmlformats.org/drawingml/2006/main" xmlns:r="http://schemas.openxmlformats.org/officeDocument/2006/relationships" xmlns:p="http://schemas.openxmlformats.org/presentationml/2006/main" showMasterSp="0" showMasterPhAnim="0">
+  <p:cSld>
+    <p:spTree>
+      <p:nvGrpSpPr>
+        <p:cNvPr id="1" name="Shape 62"/>
+        <p:cNvGrpSpPr/>
+        <p:nvPr/>
+      </p:nvGrpSpPr>
+      <p:grpSpPr>
+        <a:xfrm>
+          <a:off x="0" y="0"/>
+          <a:ext cx="0" cy="0"/>
+          <a:chOff x="0" y="0"/>
+          <a:chExt cx="0" cy="0"/>
+        </a:xfrm>
+      </p:grpSpPr>
+      <p:sp>
+        <p:nvSpPr>
+          <p:cNvPr id="63" name="Google Shape;63;g42dccd2958_1_5:notes"/>
+          <p:cNvSpPr>
+            <a:spLocks noGrp="1" noRot="1" noChangeAspect="1"/>
+          </p:cNvSpPr>
+          <p:nvPr>
+            <p:ph type="sldImg" idx="2"/>
+          </p:nvPr>
+        </p:nvSpPr>
+        <p:spPr>
+          <a:xfrm>
+            <a:off x="381000" y="685800"/>
+            <a:ext cx="6096000" cy="3429000"/>
+          </a:xfrm>
+          <a:custGeom>
+            <a:avLst/>
+            <a:gdLst/>
+            <a:ahLst/>
+            <a:cxnLst/>
+            <a:rect l="l" t="t" r="r" b="b"/>
+            <a:pathLst>
+              <a:path w="120000" h="120000" extrusionOk="0">
+                <a:moveTo>
+                  <a:pt x="0" y="0"/>
+                </a:moveTo>
+                <a:lnTo>
+                  <a:pt x="120000" y="0"/>
+                </a:lnTo>
+                <a:lnTo>
+                  <a:pt x="120000" y="120000"/>
+                </a:lnTo>
+                <a:lnTo>
+                  <a:pt x="0" y="120000"/>
+                </a:lnTo>
+                <a:close/>
+              </a:path>
+            </a:pathLst>
+          </a:custGeom>
+        </p:spPr>
+      </p:sp>
+      <p:sp>
+        <p:nvSpPr>
+          <p:cNvPr id="64" name="Google Shape;64;g42dccd2958_1_5:notes"/>
+          <p:cNvSpPr txBox="1">
+            <a:spLocks noGrp="1"/>
+          </p:cNvSpPr>
+          <p:nvPr>
+            <p:ph type="body" idx="1"/>
+          </p:nvPr>
+        </p:nvSpPr>
+        <p:spPr>
+          <a:xfrm>
+            <a:off x="685800" y="4343400"/>
+            <a:ext cx="5486400" cy="4114800"/>
+          </a:xfrm>
+          <a:prstGeom prst="rect">
+            <a:avLst/>
+          </a:prstGeom>
+        </p:spPr>
+        <p:txBody>
+          <a:bodyPr spcFirstLastPara="1" wrap="square" lIns="91425" tIns="91425" rIns="91425" bIns="91425" anchor="t" anchorCtr="0">
+            <a:noAutofit/>
+          </a:bodyPr>
+          <a:lstStyle/>
+          <a:p>
+            <a:pPr marL="0" lvl="0" indent="0" algn="l" rtl="0">
+              <a:spcBef>
+                <a:spcPts val="0"/>
+              </a:spcBef>
+              <a:spcAft>
+                <a:spcPts val="0"/>
+              </a:spcAft>
+              <a:buNone/>
+            </a:pPr>
+            <a:endParaRPr/>
+          </a:p>
+        </p:txBody>
+      </p:sp>
+    </p:spTree>
+    <p:extLst>
+      <p:ext uri="{BB962C8B-B14F-4D97-AF65-F5344CB8AC3E}">
+        <p14:creationId xmlns:p14="http://schemas.microsoft.com/office/powerpoint/2010/main" val="4240694317"/>
+      </p:ext>
+    </p:extLst>
+  </p:cSld>
+  <p:clrMapOvr>
+    <a:masterClrMapping/>
+  </p:clrMapOvr>
+</p:notes>
+</file>
+
+<file path=ppt/notesSlides/notesSlide17.xml><?xml version="1.0" encoding="utf-8"?>
+<p:notes xmlns:a="http://schemas.openxmlformats.org/drawingml/2006/main" xmlns:r="http://schemas.openxmlformats.org/officeDocument/2006/relationships" xmlns:p="http://schemas.openxmlformats.org/presentationml/2006/main" showMasterSp="0" showMasterPhAnim="0">
+  <p:cSld>
+    <p:spTree>
+      <p:nvGrpSpPr>
+        <p:cNvPr id="1" name="Shape 62"/>
+        <p:cNvGrpSpPr/>
+        <p:nvPr/>
+      </p:nvGrpSpPr>
+      <p:grpSpPr>
+        <a:xfrm>
+          <a:off x="0" y="0"/>
+          <a:ext cx="0" cy="0"/>
+          <a:chOff x="0" y="0"/>
+          <a:chExt cx="0" cy="0"/>
+        </a:xfrm>
+      </p:grpSpPr>
+      <p:sp>
+        <p:nvSpPr>
+          <p:cNvPr id="63" name="Google Shape;63;g42dccd2958_1_5:notes"/>
+          <p:cNvSpPr>
+            <a:spLocks noGrp="1" noRot="1" noChangeAspect="1"/>
+          </p:cNvSpPr>
+          <p:nvPr>
+            <p:ph type="sldImg" idx="2"/>
+          </p:nvPr>
+        </p:nvSpPr>
+        <p:spPr>
+          <a:xfrm>
+            <a:off x="381000" y="685800"/>
+            <a:ext cx="6096000" cy="3429000"/>
+          </a:xfrm>
+          <a:custGeom>
+            <a:avLst/>
+            <a:gdLst/>
+            <a:ahLst/>
+            <a:cxnLst/>
+            <a:rect l="l" t="t" r="r" b="b"/>
+            <a:pathLst>
+              <a:path w="120000" h="120000" extrusionOk="0">
+                <a:moveTo>
+                  <a:pt x="0" y="0"/>
+                </a:moveTo>
+                <a:lnTo>
+                  <a:pt x="120000" y="0"/>
+                </a:lnTo>
+                <a:lnTo>
+                  <a:pt x="120000" y="120000"/>
+                </a:lnTo>
+                <a:lnTo>
+                  <a:pt x="0" y="120000"/>
+                </a:lnTo>
+                <a:close/>
+              </a:path>
+            </a:pathLst>
+          </a:custGeom>
+        </p:spPr>
+      </p:sp>
+      <p:sp>
+        <p:nvSpPr>
+          <p:cNvPr id="64" name="Google Shape;64;g42dccd2958_1_5:notes"/>
+          <p:cNvSpPr txBox="1">
+            <a:spLocks noGrp="1"/>
+          </p:cNvSpPr>
+          <p:nvPr>
+            <p:ph type="body" idx="1"/>
+          </p:nvPr>
+        </p:nvSpPr>
+        <p:spPr>
+          <a:xfrm>
+            <a:off x="685800" y="4343400"/>
+            <a:ext cx="5486400" cy="4114800"/>
+          </a:xfrm>
+          <a:prstGeom prst="rect">
+            <a:avLst/>
+          </a:prstGeom>
+        </p:spPr>
+        <p:txBody>
+          <a:bodyPr spcFirstLastPara="1" wrap="square" lIns="91425" tIns="91425" rIns="91425" bIns="91425" anchor="t" anchorCtr="0">
+            <a:noAutofit/>
+          </a:bodyPr>
+          <a:lstStyle/>
+          <a:p>
+            <a:pPr marL="0" lvl="0" indent="0" algn="l" rtl="0">
+              <a:spcBef>
+                <a:spcPts val="0"/>
+              </a:spcBef>
+              <a:spcAft>
+                <a:spcPts val="0"/>
+              </a:spcAft>
+              <a:buNone/>
+            </a:pPr>
+            <a:endParaRPr/>
+          </a:p>
+        </p:txBody>
+      </p:sp>
+    </p:spTree>
+    <p:extLst>
+      <p:ext uri="{BB962C8B-B14F-4D97-AF65-F5344CB8AC3E}">
+        <p14:creationId xmlns:p14="http://schemas.microsoft.com/office/powerpoint/2010/main" val="1986737502"/>
+      </p:ext>
+    </p:extLst>
+  </p:cSld>
+  <p:clrMapOvr>
+    <a:masterClrMapping/>
+  </p:clrMapOvr>
+</p:notes>
+</file>
+
+<file path=ppt/notesSlides/notesSlide18.xml><?xml version="1.0" encoding="utf-8"?>
+<p:notes xmlns:a="http://schemas.openxmlformats.org/drawingml/2006/main" xmlns:r="http://schemas.openxmlformats.org/officeDocument/2006/relationships" xmlns:p="http://schemas.openxmlformats.org/presentationml/2006/main" showMasterSp="0" showMasterPhAnim="0">
+  <p:cSld>
+    <p:spTree>
+      <p:nvGrpSpPr>
+        <p:cNvPr id="1" name="Shape 62"/>
+        <p:cNvGrpSpPr/>
+        <p:nvPr/>
+      </p:nvGrpSpPr>
+      <p:grpSpPr>
+        <a:xfrm>
+          <a:off x="0" y="0"/>
+          <a:ext cx="0" cy="0"/>
+          <a:chOff x="0" y="0"/>
+          <a:chExt cx="0" cy="0"/>
+        </a:xfrm>
+      </p:grpSpPr>
+      <p:sp>
+        <p:nvSpPr>
+          <p:cNvPr id="63" name="Google Shape;63;g42dccd2958_1_5:notes"/>
+          <p:cNvSpPr>
+            <a:spLocks noGrp="1" noRot="1" noChangeAspect="1"/>
+          </p:cNvSpPr>
+          <p:nvPr>
+            <p:ph type="sldImg" idx="2"/>
+          </p:nvPr>
+        </p:nvSpPr>
+        <p:spPr>
+          <a:xfrm>
+            <a:off x="381000" y="685800"/>
+            <a:ext cx="6096000" cy="3429000"/>
+          </a:xfrm>
+          <a:custGeom>
+            <a:avLst/>
+            <a:gdLst/>
+            <a:ahLst/>
+            <a:cxnLst/>
+            <a:rect l="l" t="t" r="r" b="b"/>
+            <a:pathLst>
+              <a:path w="120000" h="120000" extrusionOk="0">
+                <a:moveTo>
+                  <a:pt x="0" y="0"/>
+                </a:moveTo>
+                <a:lnTo>
+                  <a:pt x="120000" y="0"/>
+                </a:lnTo>
+                <a:lnTo>
+                  <a:pt x="120000" y="120000"/>
+                </a:lnTo>
+                <a:lnTo>
+                  <a:pt x="0" y="120000"/>
+                </a:lnTo>
+                <a:close/>
+              </a:path>
+            </a:pathLst>
+          </a:custGeom>
+        </p:spPr>
+      </p:sp>
+      <p:sp>
+        <p:nvSpPr>
+          <p:cNvPr id="64" name="Google Shape;64;g42dccd2958_1_5:notes"/>
+          <p:cNvSpPr txBox="1">
+            <a:spLocks noGrp="1"/>
+          </p:cNvSpPr>
+          <p:nvPr>
+            <p:ph type="body" idx="1"/>
+          </p:nvPr>
+        </p:nvSpPr>
+        <p:spPr>
+          <a:xfrm>
+            <a:off x="685800" y="4343400"/>
+            <a:ext cx="5486400" cy="4114800"/>
+          </a:xfrm>
+          <a:prstGeom prst="rect">
+            <a:avLst/>
+          </a:prstGeom>
+        </p:spPr>
+        <p:txBody>
+          <a:bodyPr spcFirstLastPara="1" wrap="square" lIns="91425" tIns="91425" rIns="91425" bIns="91425" anchor="t" anchorCtr="0">
+            <a:noAutofit/>
+          </a:bodyPr>
+          <a:lstStyle/>
+          <a:p>
+            <a:pPr marL="0" lvl="0" indent="0" algn="l" rtl="0">
+              <a:spcBef>
+                <a:spcPts val="0"/>
+              </a:spcBef>
+              <a:spcAft>
+                <a:spcPts val="0"/>
+              </a:spcAft>
+              <a:buNone/>
+            </a:pPr>
+            <a:endParaRPr/>
+          </a:p>
+        </p:txBody>
+      </p:sp>
+    </p:spTree>
+    <p:extLst>
+      <p:ext uri="{BB962C8B-B14F-4D97-AF65-F5344CB8AC3E}">
+        <p14:creationId xmlns:p14="http://schemas.microsoft.com/office/powerpoint/2010/main" val="48905993"/>
+      </p:ext>
+    </p:extLst>
+  </p:cSld>
+  <p:clrMapOvr>
+    <a:masterClrMapping/>
+  </p:clrMapOvr>
+</p:notes>
+</file>
+
+<file path=ppt/notesSlides/notesSlide19.xml><?xml version="1.0" encoding="utf-8"?>
+<p:notes xmlns:a="http://schemas.openxmlformats.org/drawingml/2006/main" xmlns:r="http://schemas.openxmlformats.org/officeDocument/2006/relationships" xmlns:p="http://schemas.openxmlformats.org/presentationml/2006/main" showMasterSp="0" showMasterPhAnim="0">
+  <p:cSld>
+    <p:spTree>
+      <p:nvGrpSpPr>
+        <p:cNvPr id="1" name="Shape 62"/>
+        <p:cNvGrpSpPr/>
+        <p:nvPr/>
+      </p:nvGrpSpPr>
+      <p:grpSpPr>
+        <a:xfrm>
+          <a:off x="0" y="0"/>
+          <a:ext cx="0" cy="0"/>
+          <a:chOff x="0" y="0"/>
+          <a:chExt cx="0" cy="0"/>
+        </a:xfrm>
+      </p:grpSpPr>
+      <p:sp>
+        <p:nvSpPr>
+          <p:cNvPr id="63" name="Google Shape;63;g42dccd2958_1_5:notes"/>
+          <p:cNvSpPr>
+            <a:spLocks noGrp="1" noRot="1" noChangeAspect="1"/>
+          </p:cNvSpPr>
+          <p:nvPr>
+            <p:ph type="sldImg" idx="2"/>
+          </p:nvPr>
+        </p:nvSpPr>
+        <p:spPr>
+          <a:xfrm>
+            <a:off x="381000" y="685800"/>
+            <a:ext cx="6096000" cy="3429000"/>
+          </a:xfrm>
+          <a:custGeom>
+            <a:avLst/>
+            <a:gdLst/>
+            <a:ahLst/>
+            <a:cxnLst/>
+            <a:rect l="l" t="t" r="r" b="b"/>
+            <a:pathLst>
+              <a:path w="120000" h="120000" extrusionOk="0">
+                <a:moveTo>
+                  <a:pt x="0" y="0"/>
+                </a:moveTo>
+                <a:lnTo>
+                  <a:pt x="120000" y="0"/>
+                </a:lnTo>
+                <a:lnTo>
+                  <a:pt x="120000" y="120000"/>
+                </a:lnTo>
+                <a:lnTo>
+                  <a:pt x="0" y="120000"/>
+                </a:lnTo>
+                <a:close/>
+              </a:path>
+            </a:pathLst>
+          </a:custGeom>
+        </p:spPr>
+      </p:sp>
+      <p:sp>
+        <p:nvSpPr>
+          <p:cNvPr id="64" name="Google Shape;64;g42dccd2958_1_5:notes"/>
+          <p:cNvSpPr txBox="1">
+            <a:spLocks noGrp="1"/>
+          </p:cNvSpPr>
+          <p:nvPr>
+            <p:ph type="body" idx="1"/>
+          </p:nvPr>
+        </p:nvSpPr>
+        <p:spPr>
+          <a:xfrm>
+            <a:off x="685800" y="4343400"/>
+            <a:ext cx="5486400" cy="4114800"/>
+          </a:xfrm>
+          <a:prstGeom prst="rect">
+            <a:avLst/>
+          </a:prstGeom>
+        </p:spPr>
+        <p:txBody>
+          <a:bodyPr spcFirstLastPara="1" wrap="square" lIns="91425" tIns="91425" rIns="91425" bIns="91425" anchor="t" anchorCtr="0">
+            <a:noAutofit/>
+          </a:bodyPr>
+          <a:lstStyle/>
+          <a:p>
+            <a:pPr marL="0" lvl="0" indent="0" algn="l" rtl="0">
+              <a:spcBef>
+                <a:spcPts val="0"/>
+              </a:spcBef>
+              <a:spcAft>
+                <a:spcPts val="0"/>
+              </a:spcAft>
+              <a:buNone/>
+            </a:pPr>
+            <a:endParaRPr/>
+          </a:p>
+        </p:txBody>
+      </p:sp>
+    </p:spTree>
+    <p:extLst>
+      <p:ext uri="{BB962C8B-B14F-4D97-AF65-F5344CB8AC3E}">
+        <p14:creationId xmlns:p14="http://schemas.microsoft.com/office/powerpoint/2010/main" val="676549995"/>
+      </p:ext>
+    </p:extLst>
+  </p:cSld>
+  <p:clrMapOvr>
+    <a:masterClrMapping/>
+  </p:clrMapOvr>
+</p:notes>
+</file>
+
+<file path=ppt/notesSlides/notesSlide2.xml><?xml version="1.0" encoding="utf-8"?>
+<p:notes xmlns:a="http://schemas.openxmlformats.org/drawingml/2006/main" xmlns:r="http://schemas.openxmlformats.org/officeDocument/2006/relationships" xmlns:p="http://schemas.openxmlformats.org/presentationml/2006/main" showMasterSp="0" showMasterPhAnim="0">
+  <p:cSld>
+    <p:spTree>
+      <p:nvGrpSpPr>
+        <p:cNvPr id="1" name="Shape 56"/>
+        <p:cNvGrpSpPr/>
+        <p:nvPr/>
+      </p:nvGrpSpPr>
+      <p:grpSpPr>
+        <a:xfrm>
+          <a:off x="0" y="0"/>
+          <a:ext cx="0" cy="0"/>
+          <a:chOff x="0" y="0"/>
+          <a:chExt cx="0" cy="0"/>
+        </a:xfrm>
+      </p:grpSpPr>
+      <p:sp>
+        <p:nvSpPr>
+          <p:cNvPr id="57" name="Google Shape;57;g42dccd2958_1_0:notes"/>
+          <p:cNvSpPr>
+            <a:spLocks noGrp="1" noRot="1" noChangeAspect="1"/>
+          </p:cNvSpPr>
+          <p:nvPr>
+            <p:ph type="sldImg" idx="2"/>
+          </p:nvPr>
+        </p:nvSpPr>
+        <p:spPr>
+          <a:xfrm>
+            <a:off x="381300" y="685800"/>
+            <a:ext cx="6096000" cy="3429000"/>
+          </a:xfrm>
+          <a:custGeom>
+            <a:avLst/>
+            <a:gdLst/>
+            <a:ahLst/>
+            <a:cxnLst/>
+            <a:rect l="l" t="t" r="r" b="b"/>
+            <a:pathLst>
+              <a:path w="120000" h="120000" extrusionOk="0">
+                <a:moveTo>
+                  <a:pt x="0" y="0"/>
+                </a:moveTo>
+                <a:lnTo>
+                  <a:pt x="120000" y="0"/>
+                </a:lnTo>
+                <a:lnTo>
+                  <a:pt x="120000" y="120000"/>
+                </a:lnTo>
+                <a:lnTo>
+                  <a:pt x="0" y="120000"/>
+                </a:lnTo>
+                <a:close/>
+              </a:path>
+            </a:pathLst>
+          </a:custGeom>
+        </p:spPr>
+      </p:sp>
+      <p:sp>
+        <p:nvSpPr>
+          <p:cNvPr id="58" name="Google Shape;58;g42dccd2958_1_0:notes"/>
+          <p:cNvSpPr txBox="1">
+            <a:spLocks noGrp="1"/>
+          </p:cNvSpPr>
+          <p:nvPr>
+            <p:ph type="body" idx="1"/>
+          </p:nvPr>
+        </p:nvSpPr>
+        <p:spPr>
+          <a:xfrm>
+            <a:off x="685800" y="4343400"/>
+            <a:ext cx="5486400" cy="4114800"/>
+          </a:xfrm>
+          <a:prstGeom prst="rect">
+            <a:avLst/>
+          </a:prstGeom>
+        </p:spPr>
+        <p:txBody>
+          <a:bodyPr spcFirstLastPara="1" wrap="square" lIns="91425" tIns="91425" rIns="91425" bIns="91425" anchor="t" anchorCtr="0">
+            <a:noAutofit/>
+          </a:bodyPr>
+          <a:lstStyle/>
+          <a:p>
+            <a:pPr marL="0" lvl="0" indent="0" algn="l" rtl="0">
+              <a:spcBef>
+                <a:spcPts val="0"/>
+              </a:spcBef>
+              <a:spcAft>
+                <a:spcPts val="0"/>
+              </a:spcAft>
+              <a:buNone/>
+            </a:pPr>
             <a:endParaRPr/>
           </a:p>
         </p:txBody>
@@ -1083,12 +2533,1201 @@
 </p:notes>
 </file>
 
+<file path=ppt/notesSlides/notesSlide20.xml><?xml version="1.0" encoding="utf-8"?>
+<p:notes xmlns:a="http://schemas.openxmlformats.org/drawingml/2006/main" xmlns:r="http://schemas.openxmlformats.org/officeDocument/2006/relationships" xmlns:p="http://schemas.openxmlformats.org/presentationml/2006/main" showMasterSp="0" showMasterPhAnim="0">
+  <p:cSld>
+    <p:spTree>
+      <p:nvGrpSpPr>
+        <p:cNvPr id="1" name="Shape 62"/>
+        <p:cNvGrpSpPr/>
+        <p:nvPr/>
+      </p:nvGrpSpPr>
+      <p:grpSpPr>
+        <a:xfrm>
+          <a:off x="0" y="0"/>
+          <a:ext cx="0" cy="0"/>
+          <a:chOff x="0" y="0"/>
+          <a:chExt cx="0" cy="0"/>
+        </a:xfrm>
+      </p:grpSpPr>
+      <p:sp>
+        <p:nvSpPr>
+          <p:cNvPr id="63" name="Google Shape;63;g42dccd2958_1_5:notes"/>
+          <p:cNvSpPr>
+            <a:spLocks noGrp="1" noRot="1" noChangeAspect="1"/>
+          </p:cNvSpPr>
+          <p:nvPr>
+            <p:ph type="sldImg" idx="2"/>
+          </p:nvPr>
+        </p:nvSpPr>
+        <p:spPr>
+          <a:xfrm>
+            <a:off x="381000" y="685800"/>
+            <a:ext cx="6096000" cy="3429000"/>
+          </a:xfrm>
+          <a:custGeom>
+            <a:avLst/>
+            <a:gdLst/>
+            <a:ahLst/>
+            <a:cxnLst/>
+            <a:rect l="l" t="t" r="r" b="b"/>
+            <a:pathLst>
+              <a:path w="120000" h="120000" extrusionOk="0">
+                <a:moveTo>
+                  <a:pt x="0" y="0"/>
+                </a:moveTo>
+                <a:lnTo>
+                  <a:pt x="120000" y="0"/>
+                </a:lnTo>
+                <a:lnTo>
+                  <a:pt x="120000" y="120000"/>
+                </a:lnTo>
+                <a:lnTo>
+                  <a:pt x="0" y="120000"/>
+                </a:lnTo>
+                <a:close/>
+              </a:path>
+            </a:pathLst>
+          </a:custGeom>
+        </p:spPr>
+      </p:sp>
+      <p:sp>
+        <p:nvSpPr>
+          <p:cNvPr id="64" name="Google Shape;64;g42dccd2958_1_5:notes"/>
+          <p:cNvSpPr txBox="1">
+            <a:spLocks noGrp="1"/>
+          </p:cNvSpPr>
+          <p:nvPr>
+            <p:ph type="body" idx="1"/>
+          </p:nvPr>
+        </p:nvSpPr>
+        <p:spPr>
+          <a:xfrm>
+            <a:off x="685800" y="4343400"/>
+            <a:ext cx="5486400" cy="4114800"/>
+          </a:xfrm>
+          <a:prstGeom prst="rect">
+            <a:avLst/>
+          </a:prstGeom>
+        </p:spPr>
+        <p:txBody>
+          <a:bodyPr spcFirstLastPara="1" wrap="square" lIns="91425" tIns="91425" rIns="91425" bIns="91425" anchor="t" anchorCtr="0">
+            <a:noAutofit/>
+          </a:bodyPr>
+          <a:lstStyle/>
+          <a:p>
+            <a:pPr marL="0" lvl="0" indent="0" algn="l" rtl="0">
+              <a:spcBef>
+                <a:spcPts val="0"/>
+              </a:spcBef>
+              <a:spcAft>
+                <a:spcPts val="0"/>
+              </a:spcAft>
+              <a:buNone/>
+            </a:pPr>
+            <a:endParaRPr/>
+          </a:p>
+        </p:txBody>
+      </p:sp>
+    </p:spTree>
+    <p:extLst>
+      <p:ext uri="{BB962C8B-B14F-4D97-AF65-F5344CB8AC3E}">
+        <p14:creationId xmlns:p14="http://schemas.microsoft.com/office/powerpoint/2010/main" val="3830132773"/>
+      </p:ext>
+    </p:extLst>
+  </p:cSld>
+  <p:clrMapOvr>
+    <a:masterClrMapping/>
+  </p:clrMapOvr>
+</p:notes>
+</file>
+
+<file path=ppt/notesSlides/notesSlide21.xml><?xml version="1.0" encoding="utf-8"?>
+<p:notes xmlns:a="http://schemas.openxmlformats.org/drawingml/2006/main" xmlns:r="http://schemas.openxmlformats.org/officeDocument/2006/relationships" xmlns:p="http://schemas.openxmlformats.org/presentationml/2006/main" showMasterSp="0" showMasterPhAnim="0">
+  <p:cSld>
+    <p:spTree>
+      <p:nvGrpSpPr>
+        <p:cNvPr id="1" name="Shape 62"/>
+        <p:cNvGrpSpPr/>
+        <p:nvPr/>
+      </p:nvGrpSpPr>
+      <p:grpSpPr>
+        <a:xfrm>
+          <a:off x="0" y="0"/>
+          <a:ext cx="0" cy="0"/>
+          <a:chOff x="0" y="0"/>
+          <a:chExt cx="0" cy="0"/>
+        </a:xfrm>
+      </p:grpSpPr>
+      <p:sp>
+        <p:nvSpPr>
+          <p:cNvPr id="63" name="Google Shape;63;g42dccd2958_1_5:notes"/>
+          <p:cNvSpPr>
+            <a:spLocks noGrp="1" noRot="1" noChangeAspect="1"/>
+          </p:cNvSpPr>
+          <p:nvPr>
+            <p:ph type="sldImg" idx="2"/>
+          </p:nvPr>
+        </p:nvSpPr>
+        <p:spPr>
+          <a:xfrm>
+            <a:off x="381000" y="685800"/>
+            <a:ext cx="6096000" cy="3429000"/>
+          </a:xfrm>
+          <a:custGeom>
+            <a:avLst/>
+            <a:gdLst/>
+            <a:ahLst/>
+            <a:cxnLst/>
+            <a:rect l="l" t="t" r="r" b="b"/>
+            <a:pathLst>
+              <a:path w="120000" h="120000" extrusionOk="0">
+                <a:moveTo>
+                  <a:pt x="0" y="0"/>
+                </a:moveTo>
+                <a:lnTo>
+                  <a:pt x="120000" y="0"/>
+                </a:lnTo>
+                <a:lnTo>
+                  <a:pt x="120000" y="120000"/>
+                </a:lnTo>
+                <a:lnTo>
+                  <a:pt x="0" y="120000"/>
+                </a:lnTo>
+                <a:close/>
+              </a:path>
+            </a:pathLst>
+          </a:custGeom>
+        </p:spPr>
+      </p:sp>
+      <p:sp>
+        <p:nvSpPr>
+          <p:cNvPr id="64" name="Google Shape;64;g42dccd2958_1_5:notes"/>
+          <p:cNvSpPr txBox="1">
+            <a:spLocks noGrp="1"/>
+          </p:cNvSpPr>
+          <p:nvPr>
+            <p:ph type="body" idx="1"/>
+          </p:nvPr>
+        </p:nvSpPr>
+        <p:spPr>
+          <a:xfrm>
+            <a:off x="685800" y="4343400"/>
+            <a:ext cx="5486400" cy="4114800"/>
+          </a:xfrm>
+          <a:prstGeom prst="rect">
+            <a:avLst/>
+          </a:prstGeom>
+        </p:spPr>
+        <p:txBody>
+          <a:bodyPr spcFirstLastPara="1" wrap="square" lIns="91425" tIns="91425" rIns="91425" bIns="91425" anchor="t" anchorCtr="0">
+            <a:noAutofit/>
+          </a:bodyPr>
+          <a:lstStyle/>
+          <a:p>
+            <a:pPr marL="0" lvl="0" indent="0" algn="l" rtl="0">
+              <a:spcBef>
+                <a:spcPts val="0"/>
+              </a:spcBef>
+              <a:spcAft>
+                <a:spcPts val="0"/>
+              </a:spcAft>
+              <a:buNone/>
+            </a:pPr>
+            <a:endParaRPr/>
+          </a:p>
+        </p:txBody>
+      </p:sp>
+    </p:spTree>
+    <p:extLst>
+      <p:ext uri="{BB962C8B-B14F-4D97-AF65-F5344CB8AC3E}">
+        <p14:creationId xmlns:p14="http://schemas.microsoft.com/office/powerpoint/2010/main" val="3266124141"/>
+      </p:ext>
+    </p:extLst>
+  </p:cSld>
+  <p:clrMapOvr>
+    <a:masterClrMapping/>
+  </p:clrMapOvr>
+</p:notes>
+</file>
+
+<file path=ppt/notesSlides/notesSlide22.xml><?xml version="1.0" encoding="utf-8"?>
+<p:notes xmlns:a="http://schemas.openxmlformats.org/drawingml/2006/main" xmlns:r="http://schemas.openxmlformats.org/officeDocument/2006/relationships" xmlns:p="http://schemas.openxmlformats.org/presentationml/2006/main" showMasterSp="0" showMasterPhAnim="0">
+  <p:cSld>
+    <p:spTree>
+      <p:nvGrpSpPr>
+        <p:cNvPr id="1" name="Shape 62"/>
+        <p:cNvGrpSpPr/>
+        <p:nvPr/>
+      </p:nvGrpSpPr>
+      <p:grpSpPr>
+        <a:xfrm>
+          <a:off x="0" y="0"/>
+          <a:ext cx="0" cy="0"/>
+          <a:chOff x="0" y="0"/>
+          <a:chExt cx="0" cy="0"/>
+        </a:xfrm>
+      </p:grpSpPr>
+      <p:sp>
+        <p:nvSpPr>
+          <p:cNvPr id="63" name="Google Shape;63;g42dccd2958_1_5:notes"/>
+          <p:cNvSpPr>
+            <a:spLocks noGrp="1" noRot="1" noChangeAspect="1"/>
+          </p:cNvSpPr>
+          <p:nvPr>
+            <p:ph type="sldImg" idx="2"/>
+          </p:nvPr>
+        </p:nvSpPr>
+        <p:spPr>
+          <a:xfrm>
+            <a:off x="381000" y="685800"/>
+            <a:ext cx="6096000" cy="3429000"/>
+          </a:xfrm>
+          <a:custGeom>
+            <a:avLst/>
+            <a:gdLst/>
+            <a:ahLst/>
+            <a:cxnLst/>
+            <a:rect l="l" t="t" r="r" b="b"/>
+            <a:pathLst>
+              <a:path w="120000" h="120000" extrusionOk="0">
+                <a:moveTo>
+                  <a:pt x="0" y="0"/>
+                </a:moveTo>
+                <a:lnTo>
+                  <a:pt x="120000" y="0"/>
+                </a:lnTo>
+                <a:lnTo>
+                  <a:pt x="120000" y="120000"/>
+                </a:lnTo>
+                <a:lnTo>
+                  <a:pt x="0" y="120000"/>
+                </a:lnTo>
+                <a:close/>
+              </a:path>
+            </a:pathLst>
+          </a:custGeom>
+        </p:spPr>
+      </p:sp>
+      <p:sp>
+        <p:nvSpPr>
+          <p:cNvPr id="64" name="Google Shape;64;g42dccd2958_1_5:notes"/>
+          <p:cNvSpPr txBox="1">
+            <a:spLocks noGrp="1"/>
+          </p:cNvSpPr>
+          <p:nvPr>
+            <p:ph type="body" idx="1"/>
+          </p:nvPr>
+        </p:nvSpPr>
+        <p:spPr>
+          <a:xfrm>
+            <a:off x="685800" y="4343400"/>
+            <a:ext cx="5486400" cy="4114800"/>
+          </a:xfrm>
+          <a:prstGeom prst="rect">
+            <a:avLst/>
+          </a:prstGeom>
+        </p:spPr>
+        <p:txBody>
+          <a:bodyPr spcFirstLastPara="1" wrap="square" lIns="91425" tIns="91425" rIns="91425" bIns="91425" anchor="t" anchorCtr="0">
+            <a:noAutofit/>
+          </a:bodyPr>
+          <a:lstStyle/>
+          <a:p>
+            <a:pPr marL="0" lvl="0" indent="0" algn="l" rtl="0">
+              <a:spcBef>
+                <a:spcPts val="0"/>
+              </a:spcBef>
+              <a:spcAft>
+                <a:spcPts val="0"/>
+              </a:spcAft>
+              <a:buNone/>
+            </a:pPr>
+            <a:endParaRPr/>
+          </a:p>
+        </p:txBody>
+      </p:sp>
+    </p:spTree>
+    <p:extLst>
+      <p:ext uri="{BB962C8B-B14F-4D97-AF65-F5344CB8AC3E}">
+        <p14:creationId xmlns:p14="http://schemas.microsoft.com/office/powerpoint/2010/main" val="3760209297"/>
+      </p:ext>
+    </p:extLst>
+  </p:cSld>
+  <p:clrMapOvr>
+    <a:masterClrMapping/>
+  </p:clrMapOvr>
+</p:notes>
+</file>
+
+<file path=ppt/notesSlides/notesSlide23.xml><?xml version="1.0" encoding="utf-8"?>
+<p:notes xmlns:a="http://schemas.openxmlformats.org/drawingml/2006/main" xmlns:r="http://schemas.openxmlformats.org/officeDocument/2006/relationships" xmlns:p="http://schemas.openxmlformats.org/presentationml/2006/main" showMasterSp="0" showMasterPhAnim="0">
+  <p:cSld>
+    <p:spTree>
+      <p:nvGrpSpPr>
+        <p:cNvPr id="1" name="Shape 62"/>
+        <p:cNvGrpSpPr/>
+        <p:nvPr/>
+      </p:nvGrpSpPr>
+      <p:grpSpPr>
+        <a:xfrm>
+          <a:off x="0" y="0"/>
+          <a:ext cx="0" cy="0"/>
+          <a:chOff x="0" y="0"/>
+          <a:chExt cx="0" cy="0"/>
+        </a:xfrm>
+      </p:grpSpPr>
+      <p:sp>
+        <p:nvSpPr>
+          <p:cNvPr id="63" name="Google Shape;63;g42dccd2958_1_5:notes"/>
+          <p:cNvSpPr>
+            <a:spLocks noGrp="1" noRot="1" noChangeAspect="1"/>
+          </p:cNvSpPr>
+          <p:nvPr>
+            <p:ph type="sldImg" idx="2"/>
+          </p:nvPr>
+        </p:nvSpPr>
+        <p:spPr>
+          <a:xfrm>
+            <a:off x="381000" y="685800"/>
+            <a:ext cx="6096000" cy="3429000"/>
+          </a:xfrm>
+          <a:custGeom>
+            <a:avLst/>
+            <a:gdLst/>
+            <a:ahLst/>
+            <a:cxnLst/>
+            <a:rect l="l" t="t" r="r" b="b"/>
+            <a:pathLst>
+              <a:path w="120000" h="120000" extrusionOk="0">
+                <a:moveTo>
+                  <a:pt x="0" y="0"/>
+                </a:moveTo>
+                <a:lnTo>
+                  <a:pt x="120000" y="0"/>
+                </a:lnTo>
+                <a:lnTo>
+                  <a:pt x="120000" y="120000"/>
+                </a:lnTo>
+                <a:lnTo>
+                  <a:pt x="0" y="120000"/>
+                </a:lnTo>
+                <a:close/>
+              </a:path>
+            </a:pathLst>
+          </a:custGeom>
+        </p:spPr>
+      </p:sp>
+      <p:sp>
+        <p:nvSpPr>
+          <p:cNvPr id="64" name="Google Shape;64;g42dccd2958_1_5:notes"/>
+          <p:cNvSpPr txBox="1">
+            <a:spLocks noGrp="1"/>
+          </p:cNvSpPr>
+          <p:nvPr>
+            <p:ph type="body" idx="1"/>
+          </p:nvPr>
+        </p:nvSpPr>
+        <p:spPr>
+          <a:xfrm>
+            <a:off x="685800" y="4343400"/>
+            <a:ext cx="5486400" cy="4114800"/>
+          </a:xfrm>
+          <a:prstGeom prst="rect">
+            <a:avLst/>
+          </a:prstGeom>
+        </p:spPr>
+        <p:txBody>
+          <a:bodyPr spcFirstLastPara="1" wrap="square" lIns="91425" tIns="91425" rIns="91425" bIns="91425" anchor="t" anchorCtr="0">
+            <a:noAutofit/>
+          </a:bodyPr>
+          <a:lstStyle/>
+          <a:p>
+            <a:pPr marL="0" lvl="0" indent="0" algn="l" rtl="0">
+              <a:spcBef>
+                <a:spcPts val="0"/>
+              </a:spcBef>
+              <a:spcAft>
+                <a:spcPts val="0"/>
+              </a:spcAft>
+              <a:buNone/>
+            </a:pPr>
+            <a:endParaRPr/>
+          </a:p>
+        </p:txBody>
+      </p:sp>
+    </p:spTree>
+    <p:extLst>
+      <p:ext uri="{BB962C8B-B14F-4D97-AF65-F5344CB8AC3E}">
+        <p14:creationId xmlns:p14="http://schemas.microsoft.com/office/powerpoint/2010/main" val="2491851595"/>
+      </p:ext>
+    </p:extLst>
+  </p:cSld>
+  <p:clrMapOvr>
+    <a:masterClrMapping/>
+  </p:clrMapOvr>
+</p:notes>
+</file>
+
+<file path=ppt/notesSlides/notesSlide3.xml><?xml version="1.0" encoding="utf-8"?>
+<p:notes xmlns:a="http://schemas.openxmlformats.org/drawingml/2006/main" xmlns:r="http://schemas.openxmlformats.org/officeDocument/2006/relationships" xmlns:p="http://schemas.openxmlformats.org/presentationml/2006/main" showMasterSp="0" showMasterPhAnim="0">
+  <p:cSld>
+    <p:spTree>
+      <p:nvGrpSpPr>
+        <p:cNvPr id="1" name="Shape 62"/>
+        <p:cNvGrpSpPr/>
+        <p:nvPr/>
+      </p:nvGrpSpPr>
+      <p:grpSpPr>
+        <a:xfrm>
+          <a:off x="0" y="0"/>
+          <a:ext cx="0" cy="0"/>
+          <a:chOff x="0" y="0"/>
+          <a:chExt cx="0" cy="0"/>
+        </a:xfrm>
+      </p:grpSpPr>
+      <p:sp>
+        <p:nvSpPr>
+          <p:cNvPr id="63" name="Google Shape;63;g42dccd2958_1_5:notes"/>
+          <p:cNvSpPr>
+            <a:spLocks noGrp="1" noRot="1" noChangeAspect="1"/>
+          </p:cNvSpPr>
+          <p:nvPr>
+            <p:ph type="sldImg" idx="2"/>
+          </p:nvPr>
+        </p:nvSpPr>
+        <p:spPr>
+          <a:xfrm>
+            <a:off x="381300" y="685800"/>
+            <a:ext cx="6096000" cy="3429000"/>
+          </a:xfrm>
+          <a:custGeom>
+            <a:avLst/>
+            <a:gdLst/>
+            <a:ahLst/>
+            <a:cxnLst/>
+            <a:rect l="l" t="t" r="r" b="b"/>
+            <a:pathLst>
+              <a:path w="120000" h="120000" extrusionOk="0">
+                <a:moveTo>
+                  <a:pt x="0" y="0"/>
+                </a:moveTo>
+                <a:lnTo>
+                  <a:pt x="120000" y="0"/>
+                </a:lnTo>
+                <a:lnTo>
+                  <a:pt x="120000" y="120000"/>
+                </a:lnTo>
+                <a:lnTo>
+                  <a:pt x="0" y="120000"/>
+                </a:lnTo>
+                <a:close/>
+              </a:path>
+            </a:pathLst>
+          </a:custGeom>
+        </p:spPr>
+      </p:sp>
+      <p:sp>
+        <p:nvSpPr>
+          <p:cNvPr id="64" name="Google Shape;64;g42dccd2958_1_5:notes"/>
+          <p:cNvSpPr txBox="1">
+            <a:spLocks noGrp="1"/>
+          </p:cNvSpPr>
+          <p:nvPr>
+            <p:ph type="body" idx="1"/>
+          </p:nvPr>
+        </p:nvSpPr>
+        <p:spPr>
+          <a:xfrm>
+            <a:off x="685800" y="4343400"/>
+            <a:ext cx="5486400" cy="4114800"/>
+          </a:xfrm>
+          <a:prstGeom prst="rect">
+            <a:avLst/>
+          </a:prstGeom>
+        </p:spPr>
+        <p:txBody>
+          <a:bodyPr spcFirstLastPara="1" wrap="square" lIns="91425" tIns="91425" rIns="91425" bIns="91425" anchor="t" anchorCtr="0">
+            <a:noAutofit/>
+          </a:bodyPr>
+          <a:lstStyle/>
+          <a:p>
+            <a:pPr marL="0" lvl="0" indent="0" algn="l" rtl="0">
+              <a:spcBef>
+                <a:spcPts val="0"/>
+              </a:spcBef>
+              <a:spcAft>
+                <a:spcPts val="0"/>
+              </a:spcAft>
+              <a:buNone/>
+            </a:pPr>
+            <a:endParaRPr/>
+          </a:p>
+        </p:txBody>
+      </p:sp>
+    </p:spTree>
+  </p:cSld>
+  <p:clrMapOvr>
+    <a:masterClrMapping/>
+  </p:clrMapOvr>
+</p:notes>
+</file>
+
+<file path=ppt/notesSlides/notesSlide4.xml><?xml version="1.0" encoding="utf-8"?>
+<p:notes xmlns:a="http://schemas.openxmlformats.org/drawingml/2006/main" xmlns:r="http://schemas.openxmlformats.org/officeDocument/2006/relationships" xmlns:p="http://schemas.openxmlformats.org/presentationml/2006/main" showMasterSp="0" showMasterPhAnim="0">
+  <p:cSld>
+    <p:spTree>
+      <p:nvGrpSpPr>
+        <p:cNvPr id="1" name="Shape 68"/>
+        <p:cNvGrpSpPr/>
+        <p:nvPr/>
+      </p:nvGrpSpPr>
+      <p:grpSpPr>
+        <a:xfrm>
+          <a:off x="0" y="0"/>
+          <a:ext cx="0" cy="0"/>
+          <a:chOff x="0" y="0"/>
+          <a:chExt cx="0" cy="0"/>
+        </a:xfrm>
+      </p:grpSpPr>
+      <p:sp>
+        <p:nvSpPr>
+          <p:cNvPr id="69" name="Google Shape;69;g42dccd2958_2_0:notes"/>
+          <p:cNvSpPr>
+            <a:spLocks noGrp="1" noRot="1" noChangeAspect="1"/>
+          </p:cNvSpPr>
+          <p:nvPr>
+            <p:ph type="sldImg" idx="2"/>
+          </p:nvPr>
+        </p:nvSpPr>
+        <p:spPr>
+          <a:xfrm>
+            <a:off x="381300" y="685800"/>
+            <a:ext cx="6096000" cy="3429000"/>
+          </a:xfrm>
+          <a:custGeom>
+            <a:avLst/>
+            <a:gdLst/>
+            <a:ahLst/>
+            <a:cxnLst/>
+            <a:rect l="l" t="t" r="r" b="b"/>
+            <a:pathLst>
+              <a:path w="120000" h="120000" extrusionOk="0">
+                <a:moveTo>
+                  <a:pt x="0" y="0"/>
+                </a:moveTo>
+                <a:lnTo>
+                  <a:pt x="120000" y="0"/>
+                </a:lnTo>
+                <a:lnTo>
+                  <a:pt x="120000" y="120000"/>
+                </a:lnTo>
+                <a:lnTo>
+                  <a:pt x="0" y="120000"/>
+                </a:lnTo>
+                <a:close/>
+              </a:path>
+            </a:pathLst>
+          </a:custGeom>
+        </p:spPr>
+      </p:sp>
+      <p:sp>
+        <p:nvSpPr>
+          <p:cNvPr id="70" name="Google Shape;70;g42dccd2958_2_0:notes"/>
+          <p:cNvSpPr txBox="1">
+            <a:spLocks noGrp="1"/>
+          </p:cNvSpPr>
+          <p:nvPr>
+            <p:ph type="body" idx="1"/>
+          </p:nvPr>
+        </p:nvSpPr>
+        <p:spPr>
+          <a:xfrm>
+            <a:off x="685800" y="4343400"/>
+            <a:ext cx="5486400" cy="4114800"/>
+          </a:xfrm>
+          <a:prstGeom prst="rect">
+            <a:avLst/>
+          </a:prstGeom>
+        </p:spPr>
+        <p:txBody>
+          <a:bodyPr spcFirstLastPara="1" wrap="square" lIns="91425" tIns="91425" rIns="91425" bIns="91425" anchor="t" anchorCtr="0">
+            <a:noAutofit/>
+          </a:bodyPr>
+          <a:lstStyle/>
+          <a:p>
+            <a:pPr marL="0" lvl="0" indent="0" algn="l" rtl="0">
+              <a:spcBef>
+                <a:spcPts val="0"/>
+              </a:spcBef>
+              <a:spcAft>
+                <a:spcPts val="0"/>
+              </a:spcAft>
+              <a:buNone/>
+            </a:pPr>
+            <a:endParaRPr/>
+          </a:p>
+        </p:txBody>
+      </p:sp>
+    </p:spTree>
+  </p:cSld>
+  <p:clrMapOvr>
+    <a:masterClrMapping/>
+  </p:clrMapOvr>
+</p:notes>
+</file>
+
+<file path=ppt/notesSlides/notesSlide5.xml><?xml version="1.0" encoding="utf-8"?>
+<p:notes xmlns:a="http://schemas.openxmlformats.org/drawingml/2006/main" xmlns:r="http://schemas.openxmlformats.org/officeDocument/2006/relationships" xmlns:p="http://schemas.openxmlformats.org/presentationml/2006/main" showMasterSp="0" showMasterPhAnim="0">
+  <p:cSld>
+    <p:spTree>
+      <p:nvGrpSpPr>
+        <p:cNvPr id="1" name="Shape 62"/>
+        <p:cNvGrpSpPr/>
+        <p:nvPr/>
+      </p:nvGrpSpPr>
+      <p:grpSpPr>
+        <a:xfrm>
+          <a:off x="0" y="0"/>
+          <a:ext cx="0" cy="0"/>
+          <a:chOff x="0" y="0"/>
+          <a:chExt cx="0" cy="0"/>
+        </a:xfrm>
+      </p:grpSpPr>
+      <p:sp>
+        <p:nvSpPr>
+          <p:cNvPr id="63" name="Google Shape;63;g42dccd2958_1_5:notes"/>
+          <p:cNvSpPr>
+            <a:spLocks noGrp="1" noRot="1" noChangeAspect="1"/>
+          </p:cNvSpPr>
+          <p:nvPr>
+            <p:ph type="sldImg" idx="2"/>
+          </p:nvPr>
+        </p:nvSpPr>
+        <p:spPr>
+          <a:xfrm>
+            <a:off x="381000" y="685800"/>
+            <a:ext cx="6096000" cy="3429000"/>
+          </a:xfrm>
+          <a:custGeom>
+            <a:avLst/>
+            <a:gdLst/>
+            <a:ahLst/>
+            <a:cxnLst/>
+            <a:rect l="l" t="t" r="r" b="b"/>
+            <a:pathLst>
+              <a:path w="120000" h="120000" extrusionOk="0">
+                <a:moveTo>
+                  <a:pt x="0" y="0"/>
+                </a:moveTo>
+                <a:lnTo>
+                  <a:pt x="120000" y="0"/>
+                </a:lnTo>
+                <a:lnTo>
+                  <a:pt x="120000" y="120000"/>
+                </a:lnTo>
+                <a:lnTo>
+                  <a:pt x="0" y="120000"/>
+                </a:lnTo>
+                <a:close/>
+              </a:path>
+            </a:pathLst>
+          </a:custGeom>
+        </p:spPr>
+      </p:sp>
+      <p:sp>
+        <p:nvSpPr>
+          <p:cNvPr id="64" name="Google Shape;64;g42dccd2958_1_5:notes"/>
+          <p:cNvSpPr txBox="1">
+            <a:spLocks noGrp="1"/>
+          </p:cNvSpPr>
+          <p:nvPr>
+            <p:ph type="body" idx="1"/>
+          </p:nvPr>
+        </p:nvSpPr>
+        <p:spPr>
+          <a:xfrm>
+            <a:off x="685800" y="4343400"/>
+            <a:ext cx="5486400" cy="4114800"/>
+          </a:xfrm>
+          <a:prstGeom prst="rect">
+            <a:avLst/>
+          </a:prstGeom>
+        </p:spPr>
+        <p:txBody>
+          <a:bodyPr spcFirstLastPara="1" wrap="square" lIns="91425" tIns="91425" rIns="91425" bIns="91425" anchor="t" anchorCtr="0">
+            <a:noAutofit/>
+          </a:bodyPr>
+          <a:lstStyle/>
+          <a:p>
+            <a:pPr marL="0" lvl="0" indent="0" algn="l" rtl="0">
+              <a:spcBef>
+                <a:spcPts val="0"/>
+              </a:spcBef>
+              <a:spcAft>
+                <a:spcPts val="0"/>
+              </a:spcAft>
+              <a:buNone/>
+            </a:pPr>
+            <a:endParaRPr/>
+          </a:p>
+        </p:txBody>
+      </p:sp>
+    </p:spTree>
+    <p:extLst>
+      <p:ext uri="{BB962C8B-B14F-4D97-AF65-F5344CB8AC3E}">
+        <p14:creationId xmlns:p14="http://schemas.microsoft.com/office/powerpoint/2010/main" val="612623336"/>
+      </p:ext>
+    </p:extLst>
+  </p:cSld>
+  <p:clrMapOvr>
+    <a:masterClrMapping/>
+  </p:clrMapOvr>
+</p:notes>
+</file>
+
+<file path=ppt/notesSlides/notesSlide6.xml><?xml version="1.0" encoding="utf-8"?>
+<p:notes xmlns:a="http://schemas.openxmlformats.org/drawingml/2006/main" xmlns:r="http://schemas.openxmlformats.org/officeDocument/2006/relationships" xmlns:p="http://schemas.openxmlformats.org/presentationml/2006/main" showMasterSp="0" showMasterPhAnim="0">
+  <p:cSld>
+    <p:spTree>
+      <p:nvGrpSpPr>
+        <p:cNvPr id="1" name="Shape 62"/>
+        <p:cNvGrpSpPr/>
+        <p:nvPr/>
+      </p:nvGrpSpPr>
+      <p:grpSpPr>
+        <a:xfrm>
+          <a:off x="0" y="0"/>
+          <a:ext cx="0" cy="0"/>
+          <a:chOff x="0" y="0"/>
+          <a:chExt cx="0" cy="0"/>
+        </a:xfrm>
+      </p:grpSpPr>
+      <p:sp>
+        <p:nvSpPr>
+          <p:cNvPr id="63" name="Google Shape;63;g42dccd2958_1_5:notes"/>
+          <p:cNvSpPr>
+            <a:spLocks noGrp="1" noRot="1" noChangeAspect="1"/>
+          </p:cNvSpPr>
+          <p:nvPr>
+            <p:ph type="sldImg" idx="2"/>
+          </p:nvPr>
+        </p:nvSpPr>
+        <p:spPr>
+          <a:xfrm>
+            <a:off x="381000" y="685800"/>
+            <a:ext cx="6096000" cy="3429000"/>
+          </a:xfrm>
+          <a:custGeom>
+            <a:avLst/>
+            <a:gdLst/>
+            <a:ahLst/>
+            <a:cxnLst/>
+            <a:rect l="l" t="t" r="r" b="b"/>
+            <a:pathLst>
+              <a:path w="120000" h="120000" extrusionOk="0">
+                <a:moveTo>
+                  <a:pt x="0" y="0"/>
+                </a:moveTo>
+                <a:lnTo>
+                  <a:pt x="120000" y="0"/>
+                </a:lnTo>
+                <a:lnTo>
+                  <a:pt x="120000" y="120000"/>
+                </a:lnTo>
+                <a:lnTo>
+                  <a:pt x="0" y="120000"/>
+                </a:lnTo>
+                <a:close/>
+              </a:path>
+            </a:pathLst>
+          </a:custGeom>
+        </p:spPr>
+      </p:sp>
+      <p:sp>
+        <p:nvSpPr>
+          <p:cNvPr id="64" name="Google Shape;64;g42dccd2958_1_5:notes"/>
+          <p:cNvSpPr txBox="1">
+            <a:spLocks noGrp="1"/>
+          </p:cNvSpPr>
+          <p:nvPr>
+            <p:ph type="body" idx="1"/>
+          </p:nvPr>
+        </p:nvSpPr>
+        <p:spPr>
+          <a:xfrm>
+            <a:off x="685800" y="4343400"/>
+            <a:ext cx="5486400" cy="4114800"/>
+          </a:xfrm>
+          <a:prstGeom prst="rect">
+            <a:avLst/>
+          </a:prstGeom>
+        </p:spPr>
+        <p:txBody>
+          <a:bodyPr spcFirstLastPara="1" wrap="square" lIns="91425" tIns="91425" rIns="91425" bIns="91425" anchor="t" anchorCtr="0">
+            <a:noAutofit/>
+          </a:bodyPr>
+          <a:lstStyle/>
+          <a:p>
+            <a:pPr marL="0" lvl="0" indent="0" algn="l" rtl="0">
+              <a:spcBef>
+                <a:spcPts val="0"/>
+              </a:spcBef>
+              <a:spcAft>
+                <a:spcPts val="0"/>
+              </a:spcAft>
+              <a:buNone/>
+            </a:pPr>
+            <a:endParaRPr/>
+          </a:p>
+        </p:txBody>
+      </p:sp>
+    </p:spTree>
+    <p:extLst>
+      <p:ext uri="{BB962C8B-B14F-4D97-AF65-F5344CB8AC3E}">
+        <p14:creationId xmlns:p14="http://schemas.microsoft.com/office/powerpoint/2010/main" val="1559209812"/>
+      </p:ext>
+    </p:extLst>
+  </p:cSld>
+  <p:clrMapOvr>
+    <a:masterClrMapping/>
+  </p:clrMapOvr>
+</p:notes>
+</file>
+
+<file path=ppt/notesSlides/notesSlide7.xml><?xml version="1.0" encoding="utf-8"?>
+<p:notes xmlns:a="http://schemas.openxmlformats.org/drawingml/2006/main" xmlns:r="http://schemas.openxmlformats.org/officeDocument/2006/relationships" xmlns:p="http://schemas.openxmlformats.org/presentationml/2006/main" showMasterSp="0" showMasterPhAnim="0">
+  <p:cSld>
+    <p:spTree>
+      <p:nvGrpSpPr>
+        <p:cNvPr id="1" name="Shape 62"/>
+        <p:cNvGrpSpPr/>
+        <p:nvPr/>
+      </p:nvGrpSpPr>
+      <p:grpSpPr>
+        <a:xfrm>
+          <a:off x="0" y="0"/>
+          <a:ext cx="0" cy="0"/>
+          <a:chOff x="0" y="0"/>
+          <a:chExt cx="0" cy="0"/>
+        </a:xfrm>
+      </p:grpSpPr>
+      <p:sp>
+        <p:nvSpPr>
+          <p:cNvPr id="63" name="Google Shape;63;g42dccd2958_1_5:notes"/>
+          <p:cNvSpPr>
+            <a:spLocks noGrp="1" noRot="1" noChangeAspect="1"/>
+          </p:cNvSpPr>
+          <p:nvPr>
+            <p:ph type="sldImg" idx="2"/>
+          </p:nvPr>
+        </p:nvSpPr>
+        <p:spPr>
+          <a:xfrm>
+            <a:off x="381000" y="685800"/>
+            <a:ext cx="6096000" cy="3429000"/>
+          </a:xfrm>
+          <a:custGeom>
+            <a:avLst/>
+            <a:gdLst/>
+            <a:ahLst/>
+            <a:cxnLst/>
+            <a:rect l="l" t="t" r="r" b="b"/>
+            <a:pathLst>
+              <a:path w="120000" h="120000" extrusionOk="0">
+                <a:moveTo>
+                  <a:pt x="0" y="0"/>
+                </a:moveTo>
+                <a:lnTo>
+                  <a:pt x="120000" y="0"/>
+                </a:lnTo>
+                <a:lnTo>
+                  <a:pt x="120000" y="120000"/>
+                </a:lnTo>
+                <a:lnTo>
+                  <a:pt x="0" y="120000"/>
+                </a:lnTo>
+                <a:close/>
+              </a:path>
+            </a:pathLst>
+          </a:custGeom>
+        </p:spPr>
+      </p:sp>
+      <p:sp>
+        <p:nvSpPr>
+          <p:cNvPr id="64" name="Google Shape;64;g42dccd2958_1_5:notes"/>
+          <p:cNvSpPr txBox="1">
+            <a:spLocks noGrp="1"/>
+          </p:cNvSpPr>
+          <p:nvPr>
+            <p:ph type="body" idx="1"/>
+          </p:nvPr>
+        </p:nvSpPr>
+        <p:spPr>
+          <a:xfrm>
+            <a:off x="685800" y="4343400"/>
+            <a:ext cx="5486400" cy="4114800"/>
+          </a:xfrm>
+          <a:prstGeom prst="rect">
+            <a:avLst/>
+          </a:prstGeom>
+        </p:spPr>
+        <p:txBody>
+          <a:bodyPr spcFirstLastPara="1" wrap="square" lIns="91425" tIns="91425" rIns="91425" bIns="91425" anchor="t" anchorCtr="0">
+            <a:noAutofit/>
+          </a:bodyPr>
+          <a:lstStyle/>
+          <a:p>
+            <a:pPr marL="0" lvl="0" indent="0" algn="l" rtl="0">
+              <a:spcBef>
+                <a:spcPts val="0"/>
+              </a:spcBef>
+              <a:spcAft>
+                <a:spcPts val="0"/>
+              </a:spcAft>
+              <a:buNone/>
+            </a:pPr>
+            <a:endParaRPr/>
+          </a:p>
+        </p:txBody>
+      </p:sp>
+    </p:spTree>
+    <p:extLst>
+      <p:ext uri="{BB962C8B-B14F-4D97-AF65-F5344CB8AC3E}">
+        <p14:creationId xmlns:p14="http://schemas.microsoft.com/office/powerpoint/2010/main" val="382486501"/>
+      </p:ext>
+    </p:extLst>
+  </p:cSld>
+  <p:clrMapOvr>
+    <a:masterClrMapping/>
+  </p:clrMapOvr>
+</p:notes>
+</file>
+
+<file path=ppt/notesSlides/notesSlide8.xml><?xml version="1.0" encoding="utf-8"?>
+<p:notes xmlns:a="http://schemas.openxmlformats.org/drawingml/2006/main" xmlns:r="http://schemas.openxmlformats.org/officeDocument/2006/relationships" xmlns:p="http://schemas.openxmlformats.org/presentationml/2006/main" showMasterSp="0" showMasterPhAnim="0">
+  <p:cSld>
+    <p:spTree>
+      <p:nvGrpSpPr>
+        <p:cNvPr id="1" name="Shape 62"/>
+        <p:cNvGrpSpPr/>
+        <p:nvPr/>
+      </p:nvGrpSpPr>
+      <p:grpSpPr>
+        <a:xfrm>
+          <a:off x="0" y="0"/>
+          <a:ext cx="0" cy="0"/>
+          <a:chOff x="0" y="0"/>
+          <a:chExt cx="0" cy="0"/>
+        </a:xfrm>
+      </p:grpSpPr>
+      <p:sp>
+        <p:nvSpPr>
+          <p:cNvPr id="63" name="Google Shape;63;g42dccd2958_1_5:notes"/>
+          <p:cNvSpPr>
+            <a:spLocks noGrp="1" noRot="1" noChangeAspect="1"/>
+          </p:cNvSpPr>
+          <p:nvPr>
+            <p:ph type="sldImg" idx="2"/>
+          </p:nvPr>
+        </p:nvSpPr>
+        <p:spPr>
+          <a:xfrm>
+            <a:off x="381000" y="685800"/>
+            <a:ext cx="6096000" cy="3429000"/>
+          </a:xfrm>
+          <a:custGeom>
+            <a:avLst/>
+            <a:gdLst/>
+            <a:ahLst/>
+            <a:cxnLst/>
+            <a:rect l="l" t="t" r="r" b="b"/>
+            <a:pathLst>
+              <a:path w="120000" h="120000" extrusionOk="0">
+                <a:moveTo>
+                  <a:pt x="0" y="0"/>
+                </a:moveTo>
+                <a:lnTo>
+                  <a:pt x="120000" y="0"/>
+                </a:lnTo>
+                <a:lnTo>
+                  <a:pt x="120000" y="120000"/>
+                </a:lnTo>
+                <a:lnTo>
+                  <a:pt x="0" y="120000"/>
+                </a:lnTo>
+                <a:close/>
+              </a:path>
+            </a:pathLst>
+          </a:custGeom>
+        </p:spPr>
+      </p:sp>
+      <p:sp>
+        <p:nvSpPr>
+          <p:cNvPr id="64" name="Google Shape;64;g42dccd2958_1_5:notes"/>
+          <p:cNvSpPr txBox="1">
+            <a:spLocks noGrp="1"/>
+          </p:cNvSpPr>
+          <p:nvPr>
+            <p:ph type="body" idx="1"/>
+          </p:nvPr>
+        </p:nvSpPr>
+        <p:spPr>
+          <a:xfrm>
+            <a:off x="685800" y="4343400"/>
+            <a:ext cx="5486400" cy="4114800"/>
+          </a:xfrm>
+          <a:prstGeom prst="rect">
+            <a:avLst/>
+          </a:prstGeom>
+        </p:spPr>
+        <p:txBody>
+          <a:bodyPr spcFirstLastPara="1" wrap="square" lIns="91425" tIns="91425" rIns="91425" bIns="91425" anchor="t" anchorCtr="0">
+            <a:noAutofit/>
+          </a:bodyPr>
+          <a:lstStyle/>
+          <a:p>
+            <a:pPr marL="0" lvl="0" indent="0" algn="l" rtl="0">
+              <a:spcBef>
+                <a:spcPts val="0"/>
+              </a:spcBef>
+              <a:spcAft>
+                <a:spcPts val="0"/>
+              </a:spcAft>
+              <a:buNone/>
+            </a:pPr>
+            <a:endParaRPr/>
+          </a:p>
+        </p:txBody>
+      </p:sp>
+    </p:spTree>
+    <p:extLst>
+      <p:ext uri="{BB962C8B-B14F-4D97-AF65-F5344CB8AC3E}">
+        <p14:creationId xmlns:p14="http://schemas.microsoft.com/office/powerpoint/2010/main" val="276201313"/>
+      </p:ext>
+    </p:extLst>
+  </p:cSld>
+  <p:clrMapOvr>
+    <a:masterClrMapping/>
+  </p:clrMapOvr>
+</p:notes>
+</file>
+
+<file path=ppt/notesSlides/notesSlide9.xml><?xml version="1.0" encoding="utf-8"?>
+<p:notes xmlns:a="http://schemas.openxmlformats.org/drawingml/2006/main" xmlns:r="http://schemas.openxmlformats.org/officeDocument/2006/relationships" xmlns:p="http://schemas.openxmlformats.org/presentationml/2006/main" showMasterSp="0" showMasterPhAnim="0">
+  <p:cSld>
+    <p:spTree>
+      <p:nvGrpSpPr>
+        <p:cNvPr id="1" name="Shape 62"/>
+        <p:cNvGrpSpPr/>
+        <p:nvPr/>
+      </p:nvGrpSpPr>
+      <p:grpSpPr>
+        <a:xfrm>
+          <a:off x="0" y="0"/>
+          <a:ext cx="0" cy="0"/>
+          <a:chOff x="0" y="0"/>
+          <a:chExt cx="0" cy="0"/>
+        </a:xfrm>
+      </p:grpSpPr>
+      <p:sp>
+        <p:nvSpPr>
+          <p:cNvPr id="63" name="Google Shape;63;g42dccd2958_1_5:notes"/>
+          <p:cNvSpPr>
+            <a:spLocks noGrp="1" noRot="1" noChangeAspect="1"/>
+          </p:cNvSpPr>
+          <p:nvPr>
+            <p:ph type="sldImg" idx="2"/>
+          </p:nvPr>
+        </p:nvSpPr>
+        <p:spPr>
+          <a:xfrm>
+            <a:off x="381000" y="685800"/>
+            <a:ext cx="6096000" cy="3429000"/>
+          </a:xfrm>
+          <a:custGeom>
+            <a:avLst/>
+            <a:gdLst/>
+            <a:ahLst/>
+            <a:cxnLst/>
+            <a:rect l="l" t="t" r="r" b="b"/>
+            <a:pathLst>
+              <a:path w="120000" h="120000" extrusionOk="0">
+                <a:moveTo>
+                  <a:pt x="0" y="0"/>
+                </a:moveTo>
+                <a:lnTo>
+                  <a:pt x="120000" y="0"/>
+                </a:lnTo>
+                <a:lnTo>
+                  <a:pt x="120000" y="120000"/>
+                </a:lnTo>
+                <a:lnTo>
+                  <a:pt x="0" y="120000"/>
+                </a:lnTo>
+                <a:close/>
+              </a:path>
+            </a:pathLst>
+          </a:custGeom>
+        </p:spPr>
+      </p:sp>
+      <p:sp>
+        <p:nvSpPr>
+          <p:cNvPr id="64" name="Google Shape;64;g42dccd2958_1_5:notes"/>
+          <p:cNvSpPr txBox="1">
+            <a:spLocks noGrp="1"/>
+          </p:cNvSpPr>
+          <p:nvPr>
+            <p:ph type="body" idx="1"/>
+          </p:nvPr>
+        </p:nvSpPr>
+        <p:spPr>
+          <a:xfrm>
+            <a:off x="685800" y="4343400"/>
+            <a:ext cx="5486400" cy="4114800"/>
+          </a:xfrm>
+          <a:prstGeom prst="rect">
+            <a:avLst/>
+          </a:prstGeom>
+        </p:spPr>
+        <p:txBody>
+          <a:bodyPr spcFirstLastPara="1" wrap="square" lIns="91425" tIns="91425" rIns="91425" bIns="91425" anchor="t" anchorCtr="0">
+            <a:noAutofit/>
+          </a:bodyPr>
+          <a:lstStyle/>
+          <a:p>
+            <a:pPr marL="0" lvl="0" indent="0" algn="l" rtl="0">
+              <a:spcBef>
+                <a:spcPts val="0"/>
+              </a:spcBef>
+              <a:spcAft>
+                <a:spcPts val="0"/>
+              </a:spcAft>
+              <a:buNone/>
+            </a:pPr>
+            <a:endParaRPr/>
+          </a:p>
+        </p:txBody>
+      </p:sp>
+    </p:spTree>
+    <p:extLst>
+      <p:ext uri="{BB962C8B-B14F-4D97-AF65-F5344CB8AC3E}">
+        <p14:creationId xmlns:p14="http://schemas.microsoft.com/office/powerpoint/2010/main" val="294539264"/>
+      </p:ext>
+    </p:extLst>
+  </p:cSld>
+  <p:clrMapOvr>
+    <a:masterClrMapping/>
+  </p:clrMapOvr>
+</p:notes>
+</file>
+
 <file path=ppt/slideLayouts/slideLayout1.xml><?xml version="1.0" encoding="utf-8"?>
-<p:sldLayout xmlns:a="http://schemas.openxmlformats.org/drawingml/2006/main" xmlns:r="http://schemas.openxmlformats.org/officeDocument/2006/relationships" xmlns:mc="http://schemas.openxmlformats.org/markup-compatibility/2006" xmlns:mv="urn:schemas-microsoft-com:mac:vml" xmlns:p="http://schemas.openxmlformats.org/presentationml/2006/main" xmlns:c="http://schemas.openxmlformats.org/drawingml/2006/chart" xmlns:dgm="http://schemas.openxmlformats.org/drawingml/2006/diagram" xmlns:o="urn:schemas-microsoft-com:office:office" xmlns:v="urn:schemas-microsoft-com:vml" xmlns:pvml="urn:schemas-microsoft-com:office:powerpoint" xmlns:com="http://schemas.openxmlformats.org/drawingml/2006/compatibility" xmlns:p14="http://schemas.microsoft.com/office/powerpoint/2010/main" xmlns:p15="http://schemas.microsoft.com/office/powerpoint/2012/main" matchingName="Title slide" type="title">
+<p:sldLayout xmlns:a="http://schemas.openxmlformats.org/drawingml/2006/main" xmlns:r="http://schemas.openxmlformats.org/officeDocument/2006/relationships" xmlns:p="http://schemas.openxmlformats.org/presentationml/2006/main" matchingName="Title slide" type="title">
   <p:cSld name="TITLE">
     <p:spTree>
       <p:nvGrpSpPr>
-        <p:cNvPr id="9" name="Shape 9"/>
+        <p:cNvPr id="1" name="Shape 9"/>
         <p:cNvGrpSpPr/>
         <p:nvPr/>
       </p:nvGrpSpPr>
@@ -1103,7 +3742,9 @@
       <p:sp>
         <p:nvSpPr>
           <p:cNvPr id="10" name="Google Shape;10;p2"/>
-          <p:cNvSpPr txBox="1"/>
+          <p:cNvSpPr txBox="1">
+            <a:spLocks noGrp="1"/>
+          </p:cNvSpPr>
           <p:nvPr>
             <p:ph type="ctrTitle"/>
           </p:nvPr>
@@ -1118,7 +3759,7 @@
           </a:prstGeom>
         </p:spPr>
         <p:txBody>
-          <a:bodyPr anchorCtr="0" anchor="b" bIns="91425" lIns="91425" spcFirstLastPara="1" rIns="91425" wrap="square" tIns="91425"/>
+          <a:bodyPr spcFirstLastPara="1" wrap="square" lIns="91425" tIns="91425" rIns="91425" bIns="91425" anchor="b" anchorCtr="0"/>
           <a:lstStyle>
             <a:lvl1pPr lvl="0" algn="ctr">
               <a:spcBef>
@@ -1220,15 +3861,19 @@
               <a:defRPr sz="5200"/>
             </a:lvl9pPr>
           </a:lstStyle>
-          <a:p/>
+          <a:p>
+            <a:endParaRPr/>
+          </a:p>
         </p:txBody>
       </p:sp>
       <p:sp>
         <p:nvSpPr>
           <p:cNvPr id="11" name="Google Shape;11;p2"/>
-          <p:cNvSpPr txBox="1"/>
+          <p:cNvSpPr txBox="1">
+            <a:spLocks noGrp="1"/>
+          </p:cNvSpPr>
           <p:nvPr>
-            <p:ph idx="1" type="subTitle"/>
+            <p:ph type="subTitle" idx="1"/>
           </p:nvPr>
         </p:nvSpPr>
         <p:spPr>
@@ -1241,7 +3886,7 @@
           </a:prstGeom>
         </p:spPr>
         <p:txBody>
-          <a:bodyPr anchorCtr="0" anchor="t" bIns="91425" lIns="91425" spcFirstLastPara="1" rIns="91425" wrap="square" tIns="91425"/>
+          <a:bodyPr spcFirstLastPara="1" wrap="square" lIns="91425" tIns="91425" rIns="91425" bIns="91425" anchor="t" anchorCtr="0"/>
           <a:lstStyle>
             <a:lvl1pPr lvl="0" algn="ctr">
               <a:lnSpc>
@@ -1370,15 +4015,19 @@
               <a:defRPr sz="2800"/>
             </a:lvl9pPr>
           </a:lstStyle>
-          <a:p/>
+          <a:p>
+            <a:endParaRPr/>
+          </a:p>
         </p:txBody>
       </p:sp>
       <p:sp>
         <p:nvSpPr>
           <p:cNvPr id="12" name="Google Shape;12;p2"/>
-          <p:cNvSpPr txBox="1"/>
+          <p:cNvSpPr txBox="1">
+            <a:spLocks noGrp="1"/>
+          </p:cNvSpPr>
           <p:nvPr>
-            <p:ph idx="12" type="sldNum"/>
+            <p:ph type="sldNum" idx="12"/>
           </p:nvPr>
         </p:nvSpPr>
         <p:spPr>
@@ -1391,7 +4040,7 @@
           </a:prstGeom>
         </p:spPr>
         <p:txBody>
-          <a:bodyPr anchorCtr="0" anchor="ctr" bIns="91425" lIns="91425" spcFirstLastPara="1" rIns="91425" wrap="square" tIns="91425">
+          <a:bodyPr spcFirstLastPara="1" wrap="square" lIns="91425" tIns="91425" rIns="91425" bIns="91425" anchor="ctr" anchorCtr="0">
             <a:noAutofit/>
           </a:bodyPr>
           <a:lstStyle>
@@ -1433,7 +4082,7 @@
             </a:lvl9pPr>
           </a:lstStyle>
           <a:p>
-            <a:pPr indent="0" lvl="0" marL="0" rtl="0" algn="r">
+            <a:pPr marL="0" lvl="0" indent="0" algn="r" rtl="0">
               <a:spcBef>
                 <a:spcPts val="0"/>
               </a:spcBef>
@@ -1459,11 +4108,11 @@
 </file>
 
 <file path=ppt/slideLayouts/slideLayout10.xml><?xml version="1.0" encoding="utf-8"?>
-<p:sldLayout xmlns:a="http://schemas.openxmlformats.org/drawingml/2006/main" xmlns:r="http://schemas.openxmlformats.org/officeDocument/2006/relationships" xmlns:mc="http://schemas.openxmlformats.org/markup-compatibility/2006" xmlns:mv="urn:schemas-microsoft-com:mac:vml" xmlns:p="http://schemas.openxmlformats.org/presentationml/2006/main" xmlns:c="http://schemas.openxmlformats.org/drawingml/2006/chart" xmlns:dgm="http://schemas.openxmlformats.org/drawingml/2006/diagram" xmlns:o="urn:schemas-microsoft-com:office:office" xmlns:v="urn:schemas-microsoft-com:vml" xmlns:pvml="urn:schemas-microsoft-com:office:powerpoint" xmlns:com="http://schemas.openxmlformats.org/drawingml/2006/compatibility" xmlns:p14="http://schemas.microsoft.com/office/powerpoint/2010/main" xmlns:p15="http://schemas.microsoft.com/office/powerpoint/2012/main" matchingName="Big number">
+<p:sldLayout xmlns:a="http://schemas.openxmlformats.org/drawingml/2006/main" xmlns:r="http://schemas.openxmlformats.org/officeDocument/2006/relationships" xmlns:p="http://schemas.openxmlformats.org/presentationml/2006/main" matchingName="Big number">
   <p:cSld name="BIG_NUMBER">
     <p:spTree>
       <p:nvGrpSpPr>
-        <p:cNvPr id="44" name="Shape 44"/>
+        <p:cNvPr id="1" name="Shape 44"/>
         <p:cNvGrpSpPr/>
         <p:nvPr/>
       </p:nvGrpSpPr>
@@ -1478,9 +4127,11 @@
       <p:sp>
         <p:nvSpPr>
           <p:cNvPr id="45" name="Google Shape;45;p11"/>
-          <p:cNvSpPr txBox="1"/>
+          <p:cNvSpPr txBox="1">
+            <a:spLocks noGrp="1"/>
+          </p:cNvSpPr>
           <p:nvPr>
-            <p:ph hasCustomPrompt="1" type="title"/>
+            <p:ph type="title" hasCustomPrompt="1"/>
           </p:nvPr>
         </p:nvSpPr>
         <p:spPr>
@@ -1493,7 +4144,7 @@
           </a:prstGeom>
         </p:spPr>
         <p:txBody>
-          <a:bodyPr anchorCtr="0" anchor="b" bIns="91425" lIns="91425" spcFirstLastPara="1" rIns="91425" wrap="square" tIns="91425"/>
+          <a:bodyPr spcFirstLastPara="1" wrap="square" lIns="91425" tIns="91425" rIns="91425" bIns="91425" anchor="b" anchorCtr="0"/>
           <a:lstStyle>
             <a:lvl1pPr lvl="0" algn="ctr">
               <a:spcBef>
@@ -1605,9 +4256,11 @@
       <p:sp>
         <p:nvSpPr>
           <p:cNvPr id="46" name="Google Shape;46;p11"/>
-          <p:cNvSpPr txBox="1"/>
+          <p:cNvSpPr txBox="1">
+            <a:spLocks noGrp="1"/>
+          </p:cNvSpPr>
           <p:nvPr>
-            <p:ph idx="1" type="body"/>
+            <p:ph type="body" idx="1"/>
           </p:nvPr>
         </p:nvSpPr>
         <p:spPr>
@@ -1620,9 +4273,9 @@
           </a:prstGeom>
         </p:spPr>
         <p:txBody>
-          <a:bodyPr anchorCtr="0" anchor="t" bIns="91425" lIns="91425" spcFirstLastPara="1" rIns="91425" wrap="square" tIns="91425"/>
+          <a:bodyPr spcFirstLastPara="1" wrap="square" lIns="91425" tIns="91425" rIns="91425" bIns="91425" anchor="t" anchorCtr="0"/>
           <a:lstStyle>
-            <a:lvl1pPr indent="-342900" lvl="0" marL="457200" algn="ctr">
+            <a:lvl1pPr marL="457200" lvl="0" indent="-342900" algn="ctr">
               <a:spcBef>
                 <a:spcPts val="0"/>
               </a:spcBef>
@@ -1633,7 +4286,7 @@
               <a:buChar char="●"/>
               <a:defRPr/>
             </a:lvl1pPr>
-            <a:lvl2pPr indent="-317500" lvl="1" marL="914400" algn="ctr">
+            <a:lvl2pPr marL="914400" lvl="1" indent="-317500" algn="ctr">
               <a:spcBef>
                 <a:spcPts val="1600"/>
               </a:spcBef>
@@ -1644,7 +4297,7 @@
               <a:buChar char="○"/>
               <a:defRPr/>
             </a:lvl2pPr>
-            <a:lvl3pPr indent="-317500" lvl="2" marL="1371600" algn="ctr">
+            <a:lvl3pPr marL="1371600" lvl="2" indent="-317500" algn="ctr">
               <a:spcBef>
                 <a:spcPts val="1600"/>
               </a:spcBef>
@@ -1655,7 +4308,7 @@
               <a:buChar char="■"/>
               <a:defRPr/>
             </a:lvl3pPr>
-            <a:lvl4pPr indent="-317500" lvl="3" marL="1828800" algn="ctr">
+            <a:lvl4pPr marL="1828800" lvl="3" indent="-317500" algn="ctr">
               <a:spcBef>
                 <a:spcPts val="1600"/>
               </a:spcBef>
@@ -1666,7 +4319,7 @@
               <a:buChar char="●"/>
               <a:defRPr/>
             </a:lvl4pPr>
-            <a:lvl5pPr indent="-317500" lvl="4" marL="2286000" algn="ctr">
+            <a:lvl5pPr marL="2286000" lvl="4" indent="-317500" algn="ctr">
               <a:spcBef>
                 <a:spcPts val="1600"/>
               </a:spcBef>
@@ -1677,7 +4330,7 @@
               <a:buChar char="○"/>
               <a:defRPr/>
             </a:lvl5pPr>
-            <a:lvl6pPr indent="-317500" lvl="5" marL="2743200" algn="ctr">
+            <a:lvl6pPr marL="2743200" lvl="5" indent="-317500" algn="ctr">
               <a:spcBef>
                 <a:spcPts val="1600"/>
               </a:spcBef>
@@ -1688,7 +4341,7 @@
               <a:buChar char="■"/>
               <a:defRPr/>
             </a:lvl6pPr>
-            <a:lvl7pPr indent="-317500" lvl="6" marL="3200400" algn="ctr">
+            <a:lvl7pPr marL="3200400" lvl="6" indent="-317500" algn="ctr">
               <a:spcBef>
                 <a:spcPts val="1600"/>
               </a:spcBef>
@@ -1699,7 +4352,7 @@
               <a:buChar char="●"/>
               <a:defRPr/>
             </a:lvl7pPr>
-            <a:lvl8pPr indent="-317500" lvl="7" marL="3657600" algn="ctr">
+            <a:lvl8pPr marL="3657600" lvl="7" indent="-317500" algn="ctr">
               <a:spcBef>
                 <a:spcPts val="1600"/>
               </a:spcBef>
@@ -1710,7 +4363,7 @@
               <a:buChar char="○"/>
               <a:defRPr/>
             </a:lvl8pPr>
-            <a:lvl9pPr indent="-317500" lvl="8" marL="4114800" algn="ctr">
+            <a:lvl9pPr marL="4114800" lvl="8" indent="-317500" algn="ctr">
               <a:spcBef>
                 <a:spcPts val="1600"/>
               </a:spcBef>
@@ -1722,15 +4375,19 @@
               <a:defRPr/>
             </a:lvl9pPr>
           </a:lstStyle>
-          <a:p/>
+          <a:p>
+            <a:endParaRPr/>
+          </a:p>
         </p:txBody>
       </p:sp>
       <p:sp>
         <p:nvSpPr>
           <p:cNvPr id="47" name="Google Shape;47;p11"/>
-          <p:cNvSpPr txBox="1"/>
+          <p:cNvSpPr txBox="1">
+            <a:spLocks noGrp="1"/>
+          </p:cNvSpPr>
           <p:nvPr>
-            <p:ph idx="12" type="sldNum"/>
+            <p:ph type="sldNum" idx="12"/>
           </p:nvPr>
         </p:nvSpPr>
         <p:spPr>
@@ -1743,7 +4400,7 @@
           </a:prstGeom>
         </p:spPr>
         <p:txBody>
-          <a:bodyPr anchorCtr="0" anchor="ctr" bIns="91425" lIns="91425" spcFirstLastPara="1" rIns="91425" wrap="square" tIns="91425">
+          <a:bodyPr spcFirstLastPara="1" wrap="square" lIns="91425" tIns="91425" rIns="91425" bIns="91425" anchor="ctr" anchorCtr="0">
             <a:noAutofit/>
           </a:bodyPr>
           <a:lstStyle>
@@ -1785,7 +4442,7 @@
             </a:lvl9pPr>
           </a:lstStyle>
           <a:p>
-            <a:pPr indent="0" lvl="0" marL="0" rtl="0" algn="r">
+            <a:pPr marL="0" lvl="0" indent="0" algn="r" rtl="0">
               <a:spcBef>
                 <a:spcPts val="0"/>
               </a:spcBef>
@@ -1811,11 +4468,11 @@
 </file>
 
 <file path=ppt/slideLayouts/slideLayout11.xml><?xml version="1.0" encoding="utf-8"?>
-<p:sldLayout xmlns:a="http://schemas.openxmlformats.org/drawingml/2006/main" xmlns:r="http://schemas.openxmlformats.org/officeDocument/2006/relationships" xmlns:mc="http://schemas.openxmlformats.org/markup-compatibility/2006" xmlns:mv="urn:schemas-microsoft-com:mac:vml" xmlns:p="http://schemas.openxmlformats.org/presentationml/2006/main" xmlns:c="http://schemas.openxmlformats.org/drawingml/2006/chart" xmlns:dgm="http://schemas.openxmlformats.org/drawingml/2006/diagram" xmlns:o="urn:schemas-microsoft-com:office:office" xmlns:v="urn:schemas-microsoft-com:vml" xmlns:pvml="urn:schemas-microsoft-com:office:powerpoint" xmlns:com="http://schemas.openxmlformats.org/drawingml/2006/compatibility" xmlns:p14="http://schemas.microsoft.com/office/powerpoint/2010/main" xmlns:p15="http://schemas.microsoft.com/office/powerpoint/2012/main" matchingName="Blank" type="blank">
+<p:sldLayout xmlns:a="http://schemas.openxmlformats.org/drawingml/2006/main" xmlns:r="http://schemas.openxmlformats.org/officeDocument/2006/relationships" xmlns:p="http://schemas.openxmlformats.org/presentationml/2006/main" matchingName="Blank" type="blank">
   <p:cSld name="BLANK">
     <p:spTree>
       <p:nvGrpSpPr>
-        <p:cNvPr id="48" name="Shape 48"/>
+        <p:cNvPr id="1" name="Shape 48"/>
         <p:cNvGrpSpPr/>
         <p:nvPr/>
       </p:nvGrpSpPr>
@@ -1830,9 +4487,11 @@
       <p:sp>
         <p:nvSpPr>
           <p:cNvPr id="49" name="Google Shape;49;p12"/>
-          <p:cNvSpPr txBox="1"/>
+          <p:cNvSpPr txBox="1">
+            <a:spLocks noGrp="1"/>
+          </p:cNvSpPr>
           <p:nvPr>
-            <p:ph idx="12" type="sldNum"/>
+            <p:ph type="sldNum" idx="12"/>
           </p:nvPr>
         </p:nvSpPr>
         <p:spPr>
@@ -1845,7 +4504,7 @@
           </a:prstGeom>
         </p:spPr>
         <p:txBody>
-          <a:bodyPr anchorCtr="0" anchor="ctr" bIns="91425" lIns="91425" spcFirstLastPara="1" rIns="91425" wrap="square" tIns="91425">
+          <a:bodyPr spcFirstLastPara="1" wrap="square" lIns="91425" tIns="91425" rIns="91425" bIns="91425" anchor="ctr" anchorCtr="0">
             <a:noAutofit/>
           </a:bodyPr>
           <a:lstStyle>
@@ -1887,7 +4546,7 @@
             </a:lvl9pPr>
           </a:lstStyle>
           <a:p>
-            <a:pPr indent="0" lvl="0" marL="0" rtl="0" algn="r">
+            <a:pPr marL="0" lvl="0" indent="0" algn="r" rtl="0">
               <a:spcBef>
                 <a:spcPts val="0"/>
               </a:spcBef>
@@ -1913,11 +4572,11 @@
 </file>
 
 <file path=ppt/slideLayouts/slideLayout2.xml><?xml version="1.0" encoding="utf-8"?>
-<p:sldLayout xmlns:a="http://schemas.openxmlformats.org/drawingml/2006/main" xmlns:r="http://schemas.openxmlformats.org/officeDocument/2006/relationships" xmlns:mc="http://schemas.openxmlformats.org/markup-compatibility/2006" xmlns:mv="urn:schemas-microsoft-com:mac:vml" xmlns:p="http://schemas.openxmlformats.org/presentationml/2006/main" xmlns:c="http://schemas.openxmlformats.org/drawingml/2006/chart" xmlns:dgm="http://schemas.openxmlformats.org/drawingml/2006/diagram" xmlns:o="urn:schemas-microsoft-com:office:office" xmlns:v="urn:schemas-microsoft-com:vml" xmlns:pvml="urn:schemas-microsoft-com:office:powerpoint" xmlns:com="http://schemas.openxmlformats.org/drawingml/2006/compatibility" xmlns:p14="http://schemas.microsoft.com/office/powerpoint/2010/main" xmlns:p15="http://schemas.microsoft.com/office/powerpoint/2012/main" matchingName="Section header" type="secHead">
+<p:sldLayout xmlns:a="http://schemas.openxmlformats.org/drawingml/2006/main" xmlns:r="http://schemas.openxmlformats.org/officeDocument/2006/relationships" xmlns:p="http://schemas.openxmlformats.org/presentationml/2006/main" matchingName="Section header" type="secHead">
   <p:cSld name="SECTION_HEADER">
     <p:spTree>
       <p:nvGrpSpPr>
-        <p:cNvPr id="13" name="Shape 13"/>
+        <p:cNvPr id="1" name="Shape 13"/>
         <p:cNvGrpSpPr/>
         <p:nvPr/>
       </p:nvGrpSpPr>
@@ -1932,7 +4591,9 @@
       <p:sp>
         <p:nvSpPr>
           <p:cNvPr id="14" name="Google Shape;14;p3"/>
-          <p:cNvSpPr txBox="1"/>
+          <p:cNvSpPr txBox="1">
+            <a:spLocks noGrp="1"/>
+          </p:cNvSpPr>
           <p:nvPr>
             <p:ph type="title"/>
           </p:nvPr>
@@ -1947,7 +4608,7 @@
           </a:prstGeom>
         </p:spPr>
         <p:txBody>
-          <a:bodyPr anchorCtr="0" anchor="ctr" bIns="91425" lIns="91425" spcFirstLastPara="1" rIns="91425" wrap="square" tIns="91425"/>
+          <a:bodyPr spcFirstLastPara="1" wrap="square" lIns="91425" tIns="91425" rIns="91425" bIns="91425" anchor="ctr" anchorCtr="0"/>
           <a:lstStyle>
             <a:lvl1pPr lvl="0" algn="ctr">
               <a:spcBef>
@@ -2049,15 +4710,19 @@
               <a:defRPr sz="3600"/>
             </a:lvl9pPr>
           </a:lstStyle>
-          <a:p/>
+          <a:p>
+            <a:endParaRPr/>
+          </a:p>
         </p:txBody>
       </p:sp>
       <p:sp>
         <p:nvSpPr>
           <p:cNvPr id="15" name="Google Shape;15;p3"/>
-          <p:cNvSpPr txBox="1"/>
+          <p:cNvSpPr txBox="1">
+            <a:spLocks noGrp="1"/>
+          </p:cNvSpPr>
           <p:nvPr>
-            <p:ph idx="12" type="sldNum"/>
+            <p:ph type="sldNum" idx="12"/>
           </p:nvPr>
         </p:nvSpPr>
         <p:spPr>
@@ -2070,7 +4735,7 @@
           </a:prstGeom>
         </p:spPr>
         <p:txBody>
-          <a:bodyPr anchorCtr="0" anchor="ctr" bIns="91425" lIns="91425" spcFirstLastPara="1" rIns="91425" wrap="square" tIns="91425">
+          <a:bodyPr spcFirstLastPara="1" wrap="square" lIns="91425" tIns="91425" rIns="91425" bIns="91425" anchor="ctr" anchorCtr="0">
             <a:noAutofit/>
           </a:bodyPr>
           <a:lstStyle>
@@ -2112,7 +4777,7 @@
             </a:lvl9pPr>
           </a:lstStyle>
           <a:p>
-            <a:pPr indent="0" lvl="0" marL="0" rtl="0" algn="r">
+            <a:pPr marL="0" lvl="0" indent="0" algn="r" rtl="0">
               <a:spcBef>
                 <a:spcPts val="0"/>
               </a:spcBef>
@@ -2138,11 +4803,11 @@
 </file>
 
 <file path=ppt/slideLayouts/slideLayout3.xml><?xml version="1.0" encoding="utf-8"?>
-<p:sldLayout xmlns:a="http://schemas.openxmlformats.org/drawingml/2006/main" xmlns:r="http://schemas.openxmlformats.org/officeDocument/2006/relationships" xmlns:mc="http://schemas.openxmlformats.org/markup-compatibility/2006" xmlns:mv="urn:schemas-microsoft-com:mac:vml" xmlns:p="http://schemas.openxmlformats.org/presentationml/2006/main" xmlns:c="http://schemas.openxmlformats.org/drawingml/2006/chart" xmlns:dgm="http://schemas.openxmlformats.org/drawingml/2006/diagram" xmlns:o="urn:schemas-microsoft-com:office:office" xmlns:v="urn:schemas-microsoft-com:vml" xmlns:pvml="urn:schemas-microsoft-com:office:powerpoint" xmlns:com="http://schemas.openxmlformats.org/drawingml/2006/compatibility" xmlns:p14="http://schemas.microsoft.com/office/powerpoint/2010/main" xmlns:p15="http://schemas.microsoft.com/office/powerpoint/2012/main" matchingName="Title and body" type="tx">
+<p:sldLayout xmlns:a="http://schemas.openxmlformats.org/drawingml/2006/main" xmlns:r="http://schemas.openxmlformats.org/officeDocument/2006/relationships" xmlns:p="http://schemas.openxmlformats.org/presentationml/2006/main" matchingName="Title and body" type="tx">
   <p:cSld name="TITLE_AND_BODY">
     <p:spTree>
       <p:nvGrpSpPr>
-        <p:cNvPr id="16" name="Shape 16"/>
+        <p:cNvPr id="1" name="Shape 16"/>
         <p:cNvGrpSpPr/>
         <p:nvPr/>
       </p:nvGrpSpPr>
@@ -2157,7 +4822,9 @@
       <p:sp>
         <p:nvSpPr>
           <p:cNvPr id="17" name="Google Shape;17;p4"/>
-          <p:cNvSpPr txBox="1"/>
+          <p:cNvSpPr txBox="1">
+            <a:spLocks noGrp="1"/>
+          </p:cNvSpPr>
           <p:nvPr>
             <p:ph type="title"/>
           </p:nvPr>
@@ -2172,7 +4839,7 @@
           </a:prstGeom>
         </p:spPr>
         <p:txBody>
-          <a:bodyPr anchorCtr="0" anchor="t" bIns="91425" lIns="91425" spcFirstLastPara="1" rIns="91425" wrap="square" tIns="91425"/>
+          <a:bodyPr spcFirstLastPara="1" wrap="square" lIns="91425" tIns="91425" rIns="91425" bIns="91425" anchor="t" anchorCtr="0"/>
           <a:lstStyle>
             <a:lvl1pPr lvl="0">
               <a:spcBef>
@@ -2274,15 +4941,19 @@
               <a:defRPr/>
             </a:lvl9pPr>
           </a:lstStyle>
-          <a:p/>
+          <a:p>
+            <a:endParaRPr/>
+          </a:p>
         </p:txBody>
       </p:sp>
       <p:sp>
         <p:nvSpPr>
           <p:cNvPr id="18" name="Google Shape;18;p4"/>
-          <p:cNvSpPr txBox="1"/>
+          <p:cNvSpPr txBox="1">
+            <a:spLocks noGrp="1"/>
+          </p:cNvSpPr>
           <p:nvPr>
-            <p:ph idx="1" type="body"/>
+            <p:ph type="body" idx="1"/>
           </p:nvPr>
         </p:nvSpPr>
         <p:spPr>
@@ -2295,9 +4966,9 @@
           </a:prstGeom>
         </p:spPr>
         <p:txBody>
-          <a:bodyPr anchorCtr="0" anchor="t" bIns="91425" lIns="91425" spcFirstLastPara="1" rIns="91425" wrap="square" tIns="91425"/>
+          <a:bodyPr spcFirstLastPara="1" wrap="square" lIns="91425" tIns="91425" rIns="91425" bIns="91425" anchor="t" anchorCtr="0"/>
           <a:lstStyle>
-            <a:lvl1pPr indent="-342900" lvl="0" marL="457200">
+            <a:lvl1pPr marL="457200" lvl="0" indent="-342900">
               <a:spcBef>
                 <a:spcPts val="0"/>
               </a:spcBef>
@@ -2308,7 +4979,7 @@
               <a:buChar char="●"/>
               <a:defRPr/>
             </a:lvl1pPr>
-            <a:lvl2pPr indent="-317500" lvl="1" marL="914400">
+            <a:lvl2pPr marL="914400" lvl="1" indent="-317500">
               <a:spcBef>
                 <a:spcPts val="1600"/>
               </a:spcBef>
@@ -2319,7 +4990,7 @@
               <a:buChar char="○"/>
               <a:defRPr/>
             </a:lvl2pPr>
-            <a:lvl3pPr indent="-317500" lvl="2" marL="1371600">
+            <a:lvl3pPr marL="1371600" lvl="2" indent="-317500">
               <a:spcBef>
                 <a:spcPts val="1600"/>
               </a:spcBef>
@@ -2330,7 +5001,7 @@
               <a:buChar char="■"/>
               <a:defRPr/>
             </a:lvl3pPr>
-            <a:lvl4pPr indent="-317500" lvl="3" marL="1828800">
+            <a:lvl4pPr marL="1828800" lvl="3" indent="-317500">
               <a:spcBef>
                 <a:spcPts val="1600"/>
               </a:spcBef>
@@ -2341,7 +5012,7 @@
               <a:buChar char="●"/>
               <a:defRPr/>
             </a:lvl4pPr>
-            <a:lvl5pPr indent="-317500" lvl="4" marL="2286000">
+            <a:lvl5pPr marL="2286000" lvl="4" indent="-317500">
               <a:spcBef>
                 <a:spcPts val="1600"/>
               </a:spcBef>
@@ -2352,7 +5023,7 @@
               <a:buChar char="○"/>
               <a:defRPr/>
             </a:lvl5pPr>
-            <a:lvl6pPr indent="-317500" lvl="5" marL="2743200">
+            <a:lvl6pPr marL="2743200" lvl="5" indent="-317500">
               <a:spcBef>
                 <a:spcPts val="1600"/>
               </a:spcBef>
@@ -2363,7 +5034,7 @@
               <a:buChar char="■"/>
               <a:defRPr/>
             </a:lvl6pPr>
-            <a:lvl7pPr indent="-317500" lvl="6" marL="3200400">
+            <a:lvl7pPr marL="3200400" lvl="6" indent="-317500">
               <a:spcBef>
                 <a:spcPts val="1600"/>
               </a:spcBef>
@@ -2374,7 +5045,7 @@
               <a:buChar char="●"/>
               <a:defRPr/>
             </a:lvl7pPr>
-            <a:lvl8pPr indent="-317500" lvl="7" marL="3657600">
+            <a:lvl8pPr marL="3657600" lvl="7" indent="-317500">
               <a:spcBef>
                 <a:spcPts val="1600"/>
               </a:spcBef>
@@ -2385,7 +5056,7 @@
               <a:buChar char="○"/>
               <a:defRPr/>
             </a:lvl8pPr>
-            <a:lvl9pPr indent="-317500" lvl="8" marL="4114800">
+            <a:lvl9pPr marL="4114800" lvl="8" indent="-317500">
               <a:spcBef>
                 <a:spcPts val="1600"/>
               </a:spcBef>
@@ -2397,15 +5068,19 @@
               <a:defRPr/>
             </a:lvl9pPr>
           </a:lstStyle>
-          <a:p/>
+          <a:p>
+            <a:endParaRPr/>
+          </a:p>
         </p:txBody>
       </p:sp>
       <p:sp>
         <p:nvSpPr>
           <p:cNvPr id="19" name="Google Shape;19;p4"/>
-          <p:cNvSpPr txBox="1"/>
+          <p:cNvSpPr txBox="1">
+            <a:spLocks noGrp="1"/>
+          </p:cNvSpPr>
           <p:nvPr>
-            <p:ph idx="12" type="sldNum"/>
+            <p:ph type="sldNum" idx="12"/>
           </p:nvPr>
         </p:nvSpPr>
         <p:spPr>
@@ -2418,7 +5093,7 @@
           </a:prstGeom>
         </p:spPr>
         <p:txBody>
-          <a:bodyPr anchorCtr="0" anchor="ctr" bIns="91425" lIns="91425" spcFirstLastPara="1" rIns="91425" wrap="square" tIns="91425">
+          <a:bodyPr spcFirstLastPara="1" wrap="square" lIns="91425" tIns="91425" rIns="91425" bIns="91425" anchor="ctr" anchorCtr="0">
             <a:noAutofit/>
           </a:bodyPr>
           <a:lstStyle>
@@ -2460,7 +5135,7 @@
             </a:lvl9pPr>
           </a:lstStyle>
           <a:p>
-            <a:pPr indent="0" lvl="0" marL="0" rtl="0" algn="r">
+            <a:pPr marL="0" lvl="0" indent="0" algn="r" rtl="0">
               <a:spcBef>
                 <a:spcPts val="0"/>
               </a:spcBef>
@@ -2486,11 +5161,11 @@
 </file>
 
 <file path=ppt/slideLayouts/slideLayout4.xml><?xml version="1.0" encoding="utf-8"?>
-<p:sldLayout xmlns:a="http://schemas.openxmlformats.org/drawingml/2006/main" xmlns:r="http://schemas.openxmlformats.org/officeDocument/2006/relationships" xmlns:mc="http://schemas.openxmlformats.org/markup-compatibility/2006" xmlns:mv="urn:schemas-microsoft-com:mac:vml" xmlns:p="http://schemas.openxmlformats.org/presentationml/2006/main" xmlns:c="http://schemas.openxmlformats.org/drawingml/2006/chart" xmlns:dgm="http://schemas.openxmlformats.org/drawingml/2006/diagram" xmlns:o="urn:schemas-microsoft-com:office:office" xmlns:v="urn:schemas-microsoft-com:vml" xmlns:pvml="urn:schemas-microsoft-com:office:powerpoint" xmlns:com="http://schemas.openxmlformats.org/drawingml/2006/compatibility" xmlns:p14="http://schemas.microsoft.com/office/powerpoint/2010/main" xmlns:p15="http://schemas.microsoft.com/office/powerpoint/2012/main" matchingName="Title and two columns" type="twoColTx">
+<p:sldLayout xmlns:a="http://schemas.openxmlformats.org/drawingml/2006/main" xmlns:r="http://schemas.openxmlformats.org/officeDocument/2006/relationships" xmlns:p="http://schemas.openxmlformats.org/presentationml/2006/main" matchingName="Title and two columns" type="twoColTx">
   <p:cSld name="TITLE_AND_TWO_COLUMNS">
     <p:spTree>
       <p:nvGrpSpPr>
-        <p:cNvPr id="20" name="Shape 20"/>
+        <p:cNvPr id="1" name="Shape 20"/>
         <p:cNvGrpSpPr/>
         <p:nvPr/>
       </p:nvGrpSpPr>
@@ -2505,7 +5180,9 @@
       <p:sp>
         <p:nvSpPr>
           <p:cNvPr id="21" name="Google Shape;21;p5"/>
-          <p:cNvSpPr txBox="1"/>
+          <p:cNvSpPr txBox="1">
+            <a:spLocks noGrp="1"/>
+          </p:cNvSpPr>
           <p:nvPr>
             <p:ph type="title"/>
           </p:nvPr>
@@ -2520,7 +5197,7 @@
           </a:prstGeom>
         </p:spPr>
         <p:txBody>
-          <a:bodyPr anchorCtr="0" anchor="t" bIns="91425" lIns="91425" spcFirstLastPara="1" rIns="91425" wrap="square" tIns="91425"/>
+          <a:bodyPr spcFirstLastPara="1" wrap="square" lIns="91425" tIns="91425" rIns="91425" bIns="91425" anchor="t" anchorCtr="0"/>
           <a:lstStyle>
             <a:lvl1pPr lvl="0">
               <a:spcBef>
@@ -2622,15 +5299,19 @@
               <a:defRPr/>
             </a:lvl9pPr>
           </a:lstStyle>
-          <a:p/>
+          <a:p>
+            <a:endParaRPr/>
+          </a:p>
         </p:txBody>
       </p:sp>
       <p:sp>
         <p:nvSpPr>
           <p:cNvPr id="22" name="Google Shape;22;p5"/>
-          <p:cNvSpPr txBox="1"/>
+          <p:cNvSpPr txBox="1">
+            <a:spLocks noGrp="1"/>
+          </p:cNvSpPr>
           <p:nvPr>
-            <p:ph idx="1" type="body"/>
+            <p:ph type="body" idx="1"/>
           </p:nvPr>
         </p:nvSpPr>
         <p:spPr>
@@ -2643,9 +5324,9 @@
           </a:prstGeom>
         </p:spPr>
         <p:txBody>
-          <a:bodyPr anchorCtr="0" anchor="t" bIns="91425" lIns="91425" spcFirstLastPara="1" rIns="91425" wrap="square" tIns="91425"/>
+          <a:bodyPr spcFirstLastPara="1" wrap="square" lIns="91425" tIns="91425" rIns="91425" bIns="91425" anchor="t" anchorCtr="0"/>
           <a:lstStyle>
-            <a:lvl1pPr indent="-317500" lvl="0" marL="457200">
+            <a:lvl1pPr marL="457200" lvl="0" indent="-317500">
               <a:spcBef>
                 <a:spcPts val="0"/>
               </a:spcBef>
@@ -2656,7 +5337,7 @@
               <a:buChar char="●"/>
               <a:defRPr sz="1400"/>
             </a:lvl1pPr>
-            <a:lvl2pPr indent="-304800" lvl="1" marL="914400">
+            <a:lvl2pPr marL="914400" lvl="1" indent="-304800">
               <a:spcBef>
                 <a:spcPts val="1600"/>
               </a:spcBef>
@@ -2667,7 +5348,7 @@
               <a:buChar char="○"/>
               <a:defRPr sz="1200"/>
             </a:lvl2pPr>
-            <a:lvl3pPr indent="-304800" lvl="2" marL="1371600">
+            <a:lvl3pPr marL="1371600" lvl="2" indent="-304800">
               <a:spcBef>
                 <a:spcPts val="1600"/>
               </a:spcBef>
@@ -2678,7 +5359,7 @@
               <a:buChar char="■"/>
               <a:defRPr sz="1200"/>
             </a:lvl3pPr>
-            <a:lvl4pPr indent="-304800" lvl="3" marL="1828800">
+            <a:lvl4pPr marL="1828800" lvl="3" indent="-304800">
               <a:spcBef>
                 <a:spcPts val="1600"/>
               </a:spcBef>
@@ -2689,7 +5370,7 @@
               <a:buChar char="●"/>
               <a:defRPr sz="1200"/>
             </a:lvl4pPr>
-            <a:lvl5pPr indent="-304800" lvl="4" marL="2286000">
+            <a:lvl5pPr marL="2286000" lvl="4" indent="-304800">
               <a:spcBef>
                 <a:spcPts val="1600"/>
               </a:spcBef>
@@ -2700,7 +5381,7 @@
               <a:buChar char="○"/>
               <a:defRPr sz="1200"/>
             </a:lvl5pPr>
-            <a:lvl6pPr indent="-304800" lvl="5" marL="2743200">
+            <a:lvl6pPr marL="2743200" lvl="5" indent="-304800">
               <a:spcBef>
                 <a:spcPts val="1600"/>
               </a:spcBef>
@@ -2711,7 +5392,7 @@
               <a:buChar char="■"/>
               <a:defRPr sz="1200"/>
             </a:lvl6pPr>
-            <a:lvl7pPr indent="-304800" lvl="6" marL="3200400">
+            <a:lvl7pPr marL="3200400" lvl="6" indent="-304800">
               <a:spcBef>
                 <a:spcPts val="1600"/>
               </a:spcBef>
@@ -2722,7 +5403,7 @@
               <a:buChar char="●"/>
               <a:defRPr sz="1200"/>
             </a:lvl7pPr>
-            <a:lvl8pPr indent="-304800" lvl="7" marL="3657600">
+            <a:lvl8pPr marL="3657600" lvl="7" indent="-304800">
               <a:spcBef>
                 <a:spcPts val="1600"/>
               </a:spcBef>
@@ -2733,7 +5414,7 @@
               <a:buChar char="○"/>
               <a:defRPr sz="1200"/>
             </a:lvl8pPr>
-            <a:lvl9pPr indent="-304800" lvl="8" marL="4114800">
+            <a:lvl9pPr marL="4114800" lvl="8" indent="-304800">
               <a:spcBef>
                 <a:spcPts val="1600"/>
               </a:spcBef>
@@ -2745,15 +5426,19 @@
               <a:defRPr sz="1200"/>
             </a:lvl9pPr>
           </a:lstStyle>
-          <a:p/>
+          <a:p>
+            <a:endParaRPr/>
+          </a:p>
         </p:txBody>
       </p:sp>
       <p:sp>
         <p:nvSpPr>
           <p:cNvPr id="23" name="Google Shape;23;p5"/>
-          <p:cNvSpPr txBox="1"/>
+          <p:cNvSpPr txBox="1">
+            <a:spLocks noGrp="1"/>
+          </p:cNvSpPr>
           <p:nvPr>
-            <p:ph idx="2" type="body"/>
+            <p:ph type="body" idx="2"/>
           </p:nvPr>
         </p:nvSpPr>
         <p:spPr>
@@ -2766,9 +5451,9 @@
           </a:prstGeom>
         </p:spPr>
         <p:txBody>
-          <a:bodyPr anchorCtr="0" anchor="t" bIns="91425" lIns="91425" spcFirstLastPara="1" rIns="91425" wrap="square" tIns="91425"/>
+          <a:bodyPr spcFirstLastPara="1" wrap="square" lIns="91425" tIns="91425" rIns="91425" bIns="91425" anchor="t" anchorCtr="0"/>
           <a:lstStyle>
-            <a:lvl1pPr indent="-317500" lvl="0" marL="457200">
+            <a:lvl1pPr marL="457200" lvl="0" indent="-317500">
               <a:spcBef>
                 <a:spcPts val="0"/>
               </a:spcBef>
@@ -2779,7 +5464,7 @@
               <a:buChar char="●"/>
               <a:defRPr sz="1400"/>
             </a:lvl1pPr>
-            <a:lvl2pPr indent="-304800" lvl="1" marL="914400">
+            <a:lvl2pPr marL="914400" lvl="1" indent="-304800">
               <a:spcBef>
                 <a:spcPts val="1600"/>
               </a:spcBef>
@@ -2790,7 +5475,7 @@
               <a:buChar char="○"/>
               <a:defRPr sz="1200"/>
             </a:lvl2pPr>
-            <a:lvl3pPr indent="-304800" lvl="2" marL="1371600">
+            <a:lvl3pPr marL="1371600" lvl="2" indent="-304800">
               <a:spcBef>
                 <a:spcPts val="1600"/>
               </a:spcBef>
@@ -2801,7 +5486,7 @@
               <a:buChar char="■"/>
               <a:defRPr sz="1200"/>
             </a:lvl3pPr>
-            <a:lvl4pPr indent="-304800" lvl="3" marL="1828800">
+            <a:lvl4pPr marL="1828800" lvl="3" indent="-304800">
               <a:spcBef>
                 <a:spcPts val="1600"/>
               </a:spcBef>
@@ -2812,7 +5497,7 @@
               <a:buChar char="●"/>
               <a:defRPr sz="1200"/>
             </a:lvl4pPr>
-            <a:lvl5pPr indent="-304800" lvl="4" marL="2286000">
+            <a:lvl5pPr marL="2286000" lvl="4" indent="-304800">
               <a:spcBef>
                 <a:spcPts val="1600"/>
               </a:spcBef>
@@ -2823,7 +5508,7 @@
               <a:buChar char="○"/>
               <a:defRPr sz="1200"/>
             </a:lvl5pPr>
-            <a:lvl6pPr indent="-304800" lvl="5" marL="2743200">
+            <a:lvl6pPr marL="2743200" lvl="5" indent="-304800">
               <a:spcBef>
                 <a:spcPts val="1600"/>
               </a:spcBef>
@@ -2834,7 +5519,7 @@
               <a:buChar char="■"/>
               <a:defRPr sz="1200"/>
             </a:lvl6pPr>
-            <a:lvl7pPr indent="-304800" lvl="6" marL="3200400">
+            <a:lvl7pPr marL="3200400" lvl="6" indent="-304800">
               <a:spcBef>
                 <a:spcPts val="1600"/>
               </a:spcBef>
@@ -2845,7 +5530,7 @@
               <a:buChar char="●"/>
               <a:defRPr sz="1200"/>
             </a:lvl7pPr>
-            <a:lvl8pPr indent="-304800" lvl="7" marL="3657600">
+            <a:lvl8pPr marL="3657600" lvl="7" indent="-304800">
               <a:spcBef>
                 <a:spcPts val="1600"/>
               </a:spcBef>
@@ -2856,7 +5541,7 @@
               <a:buChar char="○"/>
               <a:defRPr sz="1200"/>
             </a:lvl8pPr>
-            <a:lvl9pPr indent="-304800" lvl="8" marL="4114800">
+            <a:lvl9pPr marL="4114800" lvl="8" indent="-304800">
               <a:spcBef>
                 <a:spcPts val="1600"/>
               </a:spcBef>
@@ -2868,15 +5553,19 @@
               <a:defRPr sz="1200"/>
             </a:lvl9pPr>
           </a:lstStyle>
-          <a:p/>
+          <a:p>
+            <a:endParaRPr/>
+          </a:p>
         </p:txBody>
       </p:sp>
       <p:sp>
         <p:nvSpPr>
           <p:cNvPr id="24" name="Google Shape;24;p5"/>
-          <p:cNvSpPr txBox="1"/>
+          <p:cNvSpPr txBox="1">
+            <a:spLocks noGrp="1"/>
+          </p:cNvSpPr>
           <p:nvPr>
-            <p:ph idx="12" type="sldNum"/>
+            <p:ph type="sldNum" idx="12"/>
           </p:nvPr>
         </p:nvSpPr>
         <p:spPr>
@@ -2889,7 +5578,7 @@
           </a:prstGeom>
         </p:spPr>
         <p:txBody>
-          <a:bodyPr anchorCtr="0" anchor="ctr" bIns="91425" lIns="91425" spcFirstLastPara="1" rIns="91425" wrap="square" tIns="91425">
+          <a:bodyPr spcFirstLastPara="1" wrap="square" lIns="91425" tIns="91425" rIns="91425" bIns="91425" anchor="ctr" anchorCtr="0">
             <a:noAutofit/>
           </a:bodyPr>
           <a:lstStyle>
@@ -2931,7 +5620,7 @@
             </a:lvl9pPr>
           </a:lstStyle>
           <a:p>
-            <a:pPr indent="0" lvl="0" marL="0" rtl="0" algn="r">
+            <a:pPr marL="0" lvl="0" indent="0" algn="r" rtl="0">
               <a:spcBef>
                 <a:spcPts val="0"/>
               </a:spcBef>
@@ -2957,11 +5646,11 @@
 </file>
 
 <file path=ppt/slideLayouts/slideLayout5.xml><?xml version="1.0" encoding="utf-8"?>
-<p:sldLayout xmlns:a="http://schemas.openxmlformats.org/drawingml/2006/main" xmlns:r="http://schemas.openxmlformats.org/officeDocument/2006/relationships" xmlns:mc="http://schemas.openxmlformats.org/markup-compatibility/2006" xmlns:mv="urn:schemas-microsoft-com:mac:vml" xmlns:p="http://schemas.openxmlformats.org/presentationml/2006/main" xmlns:c="http://schemas.openxmlformats.org/drawingml/2006/chart" xmlns:dgm="http://schemas.openxmlformats.org/drawingml/2006/diagram" xmlns:o="urn:schemas-microsoft-com:office:office" xmlns:v="urn:schemas-microsoft-com:vml" xmlns:pvml="urn:schemas-microsoft-com:office:powerpoint" xmlns:com="http://schemas.openxmlformats.org/drawingml/2006/compatibility" xmlns:p14="http://schemas.microsoft.com/office/powerpoint/2010/main" xmlns:p15="http://schemas.microsoft.com/office/powerpoint/2012/main" matchingName="Title only" type="titleOnly">
+<p:sldLayout xmlns:a="http://schemas.openxmlformats.org/drawingml/2006/main" xmlns:r="http://schemas.openxmlformats.org/officeDocument/2006/relationships" xmlns:p="http://schemas.openxmlformats.org/presentationml/2006/main" matchingName="Title only" type="titleOnly">
   <p:cSld name="TITLE_ONLY">
     <p:spTree>
       <p:nvGrpSpPr>
-        <p:cNvPr id="25" name="Shape 25"/>
+        <p:cNvPr id="1" name="Shape 25"/>
         <p:cNvGrpSpPr/>
         <p:nvPr/>
       </p:nvGrpSpPr>
@@ -2976,7 +5665,9 @@
       <p:sp>
         <p:nvSpPr>
           <p:cNvPr id="26" name="Google Shape;26;p6"/>
-          <p:cNvSpPr txBox="1"/>
+          <p:cNvSpPr txBox="1">
+            <a:spLocks noGrp="1"/>
+          </p:cNvSpPr>
           <p:nvPr>
             <p:ph type="title"/>
           </p:nvPr>
@@ -2991,7 +5682,7 @@
           </a:prstGeom>
         </p:spPr>
         <p:txBody>
-          <a:bodyPr anchorCtr="0" anchor="t" bIns="91425" lIns="91425" spcFirstLastPara="1" rIns="91425" wrap="square" tIns="91425"/>
+          <a:bodyPr spcFirstLastPara="1" wrap="square" lIns="91425" tIns="91425" rIns="91425" bIns="91425" anchor="t" anchorCtr="0"/>
           <a:lstStyle>
             <a:lvl1pPr lvl="0">
               <a:spcBef>
@@ -3093,15 +5784,19 @@
               <a:defRPr/>
             </a:lvl9pPr>
           </a:lstStyle>
-          <a:p/>
+          <a:p>
+            <a:endParaRPr/>
+          </a:p>
         </p:txBody>
       </p:sp>
       <p:sp>
         <p:nvSpPr>
           <p:cNvPr id="27" name="Google Shape;27;p6"/>
-          <p:cNvSpPr txBox="1"/>
+          <p:cNvSpPr txBox="1">
+            <a:spLocks noGrp="1"/>
+          </p:cNvSpPr>
           <p:nvPr>
-            <p:ph idx="12" type="sldNum"/>
+            <p:ph type="sldNum" idx="12"/>
           </p:nvPr>
         </p:nvSpPr>
         <p:spPr>
@@ -3114,7 +5809,7 @@
           </a:prstGeom>
         </p:spPr>
         <p:txBody>
-          <a:bodyPr anchorCtr="0" anchor="ctr" bIns="91425" lIns="91425" spcFirstLastPara="1" rIns="91425" wrap="square" tIns="91425">
+          <a:bodyPr spcFirstLastPara="1" wrap="square" lIns="91425" tIns="91425" rIns="91425" bIns="91425" anchor="ctr" anchorCtr="0">
             <a:noAutofit/>
           </a:bodyPr>
           <a:lstStyle>
@@ -3156,7 +5851,7 @@
             </a:lvl9pPr>
           </a:lstStyle>
           <a:p>
-            <a:pPr indent="0" lvl="0" marL="0" rtl="0" algn="r">
+            <a:pPr marL="0" lvl="0" indent="0" algn="r" rtl="0">
               <a:spcBef>
                 <a:spcPts val="0"/>
               </a:spcBef>
@@ -3182,11 +5877,11 @@
 </file>
 
 <file path=ppt/slideLayouts/slideLayout6.xml><?xml version="1.0" encoding="utf-8"?>
-<p:sldLayout xmlns:a="http://schemas.openxmlformats.org/drawingml/2006/main" xmlns:r="http://schemas.openxmlformats.org/officeDocument/2006/relationships" xmlns:mc="http://schemas.openxmlformats.org/markup-compatibility/2006" xmlns:mv="urn:schemas-microsoft-com:mac:vml" xmlns:p="http://schemas.openxmlformats.org/presentationml/2006/main" xmlns:c="http://schemas.openxmlformats.org/drawingml/2006/chart" xmlns:dgm="http://schemas.openxmlformats.org/drawingml/2006/diagram" xmlns:o="urn:schemas-microsoft-com:office:office" xmlns:v="urn:schemas-microsoft-com:vml" xmlns:pvml="urn:schemas-microsoft-com:office:powerpoint" xmlns:com="http://schemas.openxmlformats.org/drawingml/2006/compatibility" xmlns:p14="http://schemas.microsoft.com/office/powerpoint/2010/main" xmlns:p15="http://schemas.microsoft.com/office/powerpoint/2012/main" matchingName="One column text">
+<p:sldLayout xmlns:a="http://schemas.openxmlformats.org/drawingml/2006/main" xmlns:r="http://schemas.openxmlformats.org/officeDocument/2006/relationships" xmlns:p="http://schemas.openxmlformats.org/presentationml/2006/main" matchingName="One column text">
   <p:cSld name="ONE_COLUMN_TEXT">
     <p:spTree>
       <p:nvGrpSpPr>
-        <p:cNvPr id="28" name="Shape 28"/>
+        <p:cNvPr id="1" name="Shape 28"/>
         <p:cNvGrpSpPr/>
         <p:nvPr/>
       </p:nvGrpSpPr>
@@ -3201,7 +5896,9 @@
       <p:sp>
         <p:nvSpPr>
           <p:cNvPr id="29" name="Google Shape;29;p7"/>
-          <p:cNvSpPr txBox="1"/>
+          <p:cNvSpPr txBox="1">
+            <a:spLocks noGrp="1"/>
+          </p:cNvSpPr>
           <p:nvPr>
             <p:ph type="title"/>
           </p:nvPr>
@@ -3216,7 +5913,7 @@
           </a:prstGeom>
         </p:spPr>
         <p:txBody>
-          <a:bodyPr anchorCtr="0" anchor="b" bIns="91425" lIns="91425" spcFirstLastPara="1" rIns="91425" wrap="square" tIns="91425"/>
+          <a:bodyPr spcFirstLastPara="1" wrap="square" lIns="91425" tIns="91425" rIns="91425" bIns="91425" anchor="b" anchorCtr="0"/>
           <a:lstStyle>
             <a:lvl1pPr lvl="0">
               <a:spcBef>
@@ -3318,15 +6015,19 @@
               <a:defRPr sz="2400"/>
             </a:lvl9pPr>
           </a:lstStyle>
-          <a:p/>
+          <a:p>
+            <a:endParaRPr/>
+          </a:p>
         </p:txBody>
       </p:sp>
       <p:sp>
         <p:nvSpPr>
           <p:cNvPr id="30" name="Google Shape;30;p7"/>
-          <p:cNvSpPr txBox="1"/>
+          <p:cNvSpPr txBox="1">
+            <a:spLocks noGrp="1"/>
+          </p:cNvSpPr>
           <p:nvPr>
-            <p:ph idx="1" type="body"/>
+            <p:ph type="body" idx="1"/>
           </p:nvPr>
         </p:nvSpPr>
         <p:spPr>
@@ -3339,9 +6040,9 @@
           </a:prstGeom>
         </p:spPr>
         <p:txBody>
-          <a:bodyPr anchorCtr="0" anchor="t" bIns="91425" lIns="91425" spcFirstLastPara="1" rIns="91425" wrap="square" tIns="91425"/>
+          <a:bodyPr spcFirstLastPara="1" wrap="square" lIns="91425" tIns="91425" rIns="91425" bIns="91425" anchor="t" anchorCtr="0"/>
           <a:lstStyle>
-            <a:lvl1pPr indent="-304800" lvl="0" marL="457200">
+            <a:lvl1pPr marL="457200" lvl="0" indent="-304800">
               <a:spcBef>
                 <a:spcPts val="0"/>
               </a:spcBef>
@@ -3352,7 +6053,7 @@
               <a:buChar char="●"/>
               <a:defRPr sz="1200"/>
             </a:lvl1pPr>
-            <a:lvl2pPr indent="-304800" lvl="1" marL="914400">
+            <a:lvl2pPr marL="914400" lvl="1" indent="-304800">
               <a:spcBef>
                 <a:spcPts val="1600"/>
               </a:spcBef>
@@ -3363,7 +6064,7 @@
               <a:buChar char="○"/>
               <a:defRPr sz="1200"/>
             </a:lvl2pPr>
-            <a:lvl3pPr indent="-304800" lvl="2" marL="1371600">
+            <a:lvl3pPr marL="1371600" lvl="2" indent="-304800">
               <a:spcBef>
                 <a:spcPts val="1600"/>
               </a:spcBef>
@@ -3374,7 +6075,7 @@
               <a:buChar char="■"/>
               <a:defRPr sz="1200"/>
             </a:lvl3pPr>
-            <a:lvl4pPr indent="-304800" lvl="3" marL="1828800">
+            <a:lvl4pPr marL="1828800" lvl="3" indent="-304800">
               <a:spcBef>
                 <a:spcPts val="1600"/>
               </a:spcBef>
@@ -3385,7 +6086,7 @@
               <a:buChar char="●"/>
               <a:defRPr sz="1200"/>
             </a:lvl4pPr>
-            <a:lvl5pPr indent="-304800" lvl="4" marL="2286000">
+            <a:lvl5pPr marL="2286000" lvl="4" indent="-304800">
               <a:spcBef>
                 <a:spcPts val="1600"/>
               </a:spcBef>
@@ -3396,7 +6097,7 @@
               <a:buChar char="○"/>
               <a:defRPr sz="1200"/>
             </a:lvl5pPr>
-            <a:lvl6pPr indent="-304800" lvl="5" marL="2743200">
+            <a:lvl6pPr marL="2743200" lvl="5" indent="-304800">
               <a:spcBef>
                 <a:spcPts val="1600"/>
               </a:spcBef>
@@ -3407,7 +6108,7 @@
               <a:buChar char="■"/>
               <a:defRPr sz="1200"/>
             </a:lvl6pPr>
-            <a:lvl7pPr indent="-304800" lvl="6" marL="3200400">
+            <a:lvl7pPr marL="3200400" lvl="6" indent="-304800">
               <a:spcBef>
                 <a:spcPts val="1600"/>
               </a:spcBef>
@@ -3418,7 +6119,7 @@
               <a:buChar char="●"/>
               <a:defRPr sz="1200"/>
             </a:lvl7pPr>
-            <a:lvl8pPr indent="-304800" lvl="7" marL="3657600">
+            <a:lvl8pPr marL="3657600" lvl="7" indent="-304800">
               <a:spcBef>
                 <a:spcPts val="1600"/>
               </a:spcBef>
@@ -3429,7 +6130,7 @@
               <a:buChar char="○"/>
               <a:defRPr sz="1200"/>
             </a:lvl8pPr>
-            <a:lvl9pPr indent="-304800" lvl="8" marL="4114800">
+            <a:lvl9pPr marL="4114800" lvl="8" indent="-304800">
               <a:spcBef>
                 <a:spcPts val="1600"/>
               </a:spcBef>
@@ -3441,15 +6142,19 @@
               <a:defRPr sz="1200"/>
             </a:lvl9pPr>
           </a:lstStyle>
-          <a:p/>
+          <a:p>
+            <a:endParaRPr/>
+          </a:p>
         </p:txBody>
       </p:sp>
       <p:sp>
         <p:nvSpPr>
           <p:cNvPr id="31" name="Google Shape;31;p7"/>
-          <p:cNvSpPr txBox="1"/>
+          <p:cNvSpPr txBox="1">
+            <a:spLocks noGrp="1"/>
+          </p:cNvSpPr>
           <p:nvPr>
-            <p:ph idx="12" type="sldNum"/>
+            <p:ph type="sldNum" idx="12"/>
           </p:nvPr>
         </p:nvSpPr>
         <p:spPr>
@@ -3462,7 +6167,7 @@
           </a:prstGeom>
         </p:spPr>
         <p:txBody>
-          <a:bodyPr anchorCtr="0" anchor="ctr" bIns="91425" lIns="91425" spcFirstLastPara="1" rIns="91425" wrap="square" tIns="91425">
+          <a:bodyPr spcFirstLastPara="1" wrap="square" lIns="91425" tIns="91425" rIns="91425" bIns="91425" anchor="ctr" anchorCtr="0">
             <a:noAutofit/>
           </a:bodyPr>
           <a:lstStyle>
@@ -3504,7 +6209,7 @@
             </a:lvl9pPr>
           </a:lstStyle>
           <a:p>
-            <a:pPr indent="0" lvl="0" marL="0" rtl="0" algn="r">
+            <a:pPr marL="0" lvl="0" indent="0" algn="r" rtl="0">
               <a:spcBef>
                 <a:spcPts val="0"/>
               </a:spcBef>
@@ -3530,11 +6235,11 @@
 </file>
 
 <file path=ppt/slideLayouts/slideLayout7.xml><?xml version="1.0" encoding="utf-8"?>
-<p:sldLayout xmlns:a="http://schemas.openxmlformats.org/drawingml/2006/main" xmlns:r="http://schemas.openxmlformats.org/officeDocument/2006/relationships" xmlns:mc="http://schemas.openxmlformats.org/markup-compatibility/2006" xmlns:mv="urn:schemas-microsoft-com:mac:vml" xmlns:p="http://schemas.openxmlformats.org/presentationml/2006/main" xmlns:c="http://schemas.openxmlformats.org/drawingml/2006/chart" xmlns:dgm="http://schemas.openxmlformats.org/drawingml/2006/diagram" xmlns:o="urn:schemas-microsoft-com:office:office" xmlns:v="urn:schemas-microsoft-com:vml" xmlns:pvml="urn:schemas-microsoft-com:office:powerpoint" xmlns:com="http://schemas.openxmlformats.org/drawingml/2006/compatibility" xmlns:p14="http://schemas.microsoft.com/office/powerpoint/2010/main" xmlns:p15="http://schemas.microsoft.com/office/powerpoint/2012/main" matchingName="Main point">
+<p:sldLayout xmlns:a="http://schemas.openxmlformats.org/drawingml/2006/main" xmlns:r="http://schemas.openxmlformats.org/officeDocument/2006/relationships" xmlns:p="http://schemas.openxmlformats.org/presentationml/2006/main" matchingName="Main point">
   <p:cSld name="MAIN_POINT">
     <p:spTree>
       <p:nvGrpSpPr>
-        <p:cNvPr id="32" name="Shape 32"/>
+        <p:cNvPr id="1" name="Shape 32"/>
         <p:cNvGrpSpPr/>
         <p:nvPr/>
       </p:nvGrpSpPr>
@@ -3549,7 +6254,9 @@
       <p:sp>
         <p:nvSpPr>
           <p:cNvPr id="33" name="Google Shape;33;p8"/>
-          <p:cNvSpPr txBox="1"/>
+          <p:cNvSpPr txBox="1">
+            <a:spLocks noGrp="1"/>
+          </p:cNvSpPr>
           <p:nvPr>
             <p:ph type="title"/>
           </p:nvPr>
@@ -3564,7 +6271,7 @@
           </a:prstGeom>
         </p:spPr>
         <p:txBody>
-          <a:bodyPr anchorCtr="0" anchor="ctr" bIns="91425" lIns="91425" spcFirstLastPara="1" rIns="91425" wrap="square" tIns="91425"/>
+          <a:bodyPr spcFirstLastPara="1" wrap="square" lIns="91425" tIns="91425" rIns="91425" bIns="91425" anchor="ctr" anchorCtr="0"/>
           <a:lstStyle>
             <a:lvl1pPr lvl="0">
               <a:spcBef>
@@ -3666,15 +6373,19 @@
               <a:defRPr sz="4800"/>
             </a:lvl9pPr>
           </a:lstStyle>
-          <a:p/>
+          <a:p>
+            <a:endParaRPr/>
+          </a:p>
         </p:txBody>
       </p:sp>
       <p:sp>
         <p:nvSpPr>
           <p:cNvPr id="34" name="Google Shape;34;p8"/>
-          <p:cNvSpPr txBox="1"/>
+          <p:cNvSpPr txBox="1">
+            <a:spLocks noGrp="1"/>
+          </p:cNvSpPr>
           <p:nvPr>
-            <p:ph idx="12" type="sldNum"/>
+            <p:ph type="sldNum" idx="12"/>
           </p:nvPr>
         </p:nvSpPr>
         <p:spPr>
@@ -3687,7 +6398,7 @@
           </a:prstGeom>
         </p:spPr>
         <p:txBody>
-          <a:bodyPr anchorCtr="0" anchor="ctr" bIns="91425" lIns="91425" spcFirstLastPara="1" rIns="91425" wrap="square" tIns="91425">
+          <a:bodyPr spcFirstLastPara="1" wrap="square" lIns="91425" tIns="91425" rIns="91425" bIns="91425" anchor="ctr" anchorCtr="0">
             <a:noAutofit/>
           </a:bodyPr>
           <a:lstStyle>
@@ -3729,7 +6440,7 @@
             </a:lvl9pPr>
           </a:lstStyle>
           <a:p>
-            <a:pPr indent="0" lvl="0" marL="0" rtl="0" algn="r">
+            <a:pPr marL="0" lvl="0" indent="0" algn="r" rtl="0">
               <a:spcBef>
                 <a:spcPts val="0"/>
               </a:spcBef>
@@ -3755,11 +6466,11 @@
 </file>
 
 <file path=ppt/slideLayouts/slideLayout8.xml><?xml version="1.0" encoding="utf-8"?>
-<p:sldLayout xmlns:a="http://schemas.openxmlformats.org/drawingml/2006/main" xmlns:r="http://schemas.openxmlformats.org/officeDocument/2006/relationships" xmlns:mc="http://schemas.openxmlformats.org/markup-compatibility/2006" xmlns:mv="urn:schemas-microsoft-com:mac:vml" xmlns:p="http://schemas.openxmlformats.org/presentationml/2006/main" xmlns:c="http://schemas.openxmlformats.org/drawingml/2006/chart" xmlns:dgm="http://schemas.openxmlformats.org/drawingml/2006/diagram" xmlns:o="urn:schemas-microsoft-com:office:office" xmlns:v="urn:schemas-microsoft-com:vml" xmlns:pvml="urn:schemas-microsoft-com:office:powerpoint" xmlns:com="http://schemas.openxmlformats.org/drawingml/2006/compatibility" xmlns:p14="http://schemas.microsoft.com/office/powerpoint/2010/main" xmlns:p15="http://schemas.microsoft.com/office/powerpoint/2012/main" matchingName="Section title and description">
+<p:sldLayout xmlns:a="http://schemas.openxmlformats.org/drawingml/2006/main" xmlns:r="http://schemas.openxmlformats.org/officeDocument/2006/relationships" xmlns:p="http://schemas.openxmlformats.org/presentationml/2006/main" matchingName="Section title and description">
   <p:cSld name="SECTION_TITLE_AND_DESCRIPTION">
     <p:spTree>
       <p:nvGrpSpPr>
-        <p:cNvPr id="35" name="Shape 35"/>
+        <p:cNvPr id="1" name="Shape 35"/>
         <p:cNvGrpSpPr/>
         <p:nvPr/>
       </p:nvGrpSpPr>
@@ -3793,12 +6504,12 @@
           </a:ln>
         </p:spPr>
         <p:txBody>
-          <a:bodyPr anchorCtr="0" anchor="ctr" bIns="91425" lIns="91425" spcFirstLastPara="1" rIns="91425" wrap="square" tIns="91425">
+          <a:bodyPr spcFirstLastPara="1" wrap="square" lIns="91425" tIns="91425" rIns="91425" bIns="91425" anchor="ctr" anchorCtr="0">
             <a:noAutofit/>
           </a:bodyPr>
           <a:lstStyle/>
           <a:p>
-            <a:pPr indent="0" lvl="0" marL="0" rtl="0" algn="l">
+            <a:pPr marL="0" lvl="0" indent="0" algn="l" rtl="0">
               <a:spcBef>
                 <a:spcPts val="0"/>
               </a:spcBef>
@@ -3807,9 +6518,6 @@
               </a:spcAft>
               <a:buNone/>
             </a:pPr>
-            <a:r>
-              <a:t/>
-            </a:r>
             <a:endParaRPr/>
           </a:p>
         </p:txBody>
@@ -3817,7 +6525,9 @@
       <p:sp>
         <p:nvSpPr>
           <p:cNvPr id="37" name="Google Shape;37;p9"/>
-          <p:cNvSpPr txBox="1"/>
+          <p:cNvSpPr txBox="1">
+            <a:spLocks noGrp="1"/>
+          </p:cNvSpPr>
           <p:nvPr>
             <p:ph type="title"/>
           </p:nvPr>
@@ -3832,7 +6542,7 @@
           </a:prstGeom>
         </p:spPr>
         <p:txBody>
-          <a:bodyPr anchorCtr="0" anchor="b" bIns="91425" lIns="91425" spcFirstLastPara="1" rIns="91425" wrap="square" tIns="91425"/>
+          <a:bodyPr spcFirstLastPara="1" wrap="square" lIns="91425" tIns="91425" rIns="91425" bIns="91425" anchor="b" anchorCtr="0"/>
           <a:lstStyle>
             <a:lvl1pPr lvl="0" algn="ctr">
               <a:spcBef>
@@ -3934,15 +6644,19 @@
               <a:defRPr sz="4200"/>
             </a:lvl9pPr>
           </a:lstStyle>
-          <a:p/>
+          <a:p>
+            <a:endParaRPr/>
+          </a:p>
         </p:txBody>
       </p:sp>
       <p:sp>
         <p:nvSpPr>
           <p:cNvPr id="38" name="Google Shape;38;p9"/>
-          <p:cNvSpPr txBox="1"/>
+          <p:cNvSpPr txBox="1">
+            <a:spLocks noGrp="1"/>
+          </p:cNvSpPr>
           <p:nvPr>
-            <p:ph idx="1" type="subTitle"/>
+            <p:ph type="subTitle" idx="1"/>
           </p:nvPr>
         </p:nvSpPr>
         <p:spPr>
@@ -3955,7 +6669,7 @@
           </a:prstGeom>
         </p:spPr>
         <p:txBody>
-          <a:bodyPr anchorCtr="0" anchor="t" bIns="91425" lIns="91425" spcFirstLastPara="1" rIns="91425" wrap="square" tIns="91425"/>
+          <a:bodyPr spcFirstLastPara="1" wrap="square" lIns="91425" tIns="91425" rIns="91425" bIns="91425" anchor="t" anchorCtr="0"/>
           <a:lstStyle>
             <a:lvl1pPr lvl="0" algn="ctr">
               <a:lnSpc>
@@ -4084,15 +6798,19 @@
               <a:defRPr sz="2100"/>
             </a:lvl9pPr>
           </a:lstStyle>
-          <a:p/>
+          <a:p>
+            <a:endParaRPr/>
+          </a:p>
         </p:txBody>
       </p:sp>
       <p:sp>
         <p:nvSpPr>
           <p:cNvPr id="39" name="Google Shape;39;p9"/>
-          <p:cNvSpPr txBox="1"/>
+          <p:cNvSpPr txBox="1">
+            <a:spLocks noGrp="1"/>
+          </p:cNvSpPr>
           <p:nvPr>
-            <p:ph idx="2" type="body"/>
+            <p:ph type="body" idx="2"/>
           </p:nvPr>
         </p:nvSpPr>
         <p:spPr>
@@ -4105,9 +6823,9 @@
           </a:prstGeom>
         </p:spPr>
         <p:txBody>
-          <a:bodyPr anchorCtr="0" anchor="ctr" bIns="91425" lIns="91425" spcFirstLastPara="1" rIns="91425" wrap="square" tIns="91425"/>
+          <a:bodyPr spcFirstLastPara="1" wrap="square" lIns="91425" tIns="91425" rIns="91425" bIns="91425" anchor="ctr" anchorCtr="0"/>
           <a:lstStyle>
-            <a:lvl1pPr indent="-342900" lvl="0" marL="457200">
+            <a:lvl1pPr marL="457200" lvl="0" indent="-342900">
               <a:spcBef>
                 <a:spcPts val="0"/>
               </a:spcBef>
@@ -4118,7 +6836,7 @@
               <a:buChar char="●"/>
               <a:defRPr/>
             </a:lvl1pPr>
-            <a:lvl2pPr indent="-317500" lvl="1" marL="914400">
+            <a:lvl2pPr marL="914400" lvl="1" indent="-317500">
               <a:spcBef>
                 <a:spcPts val="1600"/>
               </a:spcBef>
@@ -4129,7 +6847,7 @@
               <a:buChar char="○"/>
               <a:defRPr/>
             </a:lvl2pPr>
-            <a:lvl3pPr indent="-317500" lvl="2" marL="1371600">
+            <a:lvl3pPr marL="1371600" lvl="2" indent="-317500">
               <a:spcBef>
                 <a:spcPts val="1600"/>
               </a:spcBef>
@@ -4140,7 +6858,7 @@
               <a:buChar char="■"/>
               <a:defRPr/>
             </a:lvl3pPr>
-            <a:lvl4pPr indent="-317500" lvl="3" marL="1828800">
+            <a:lvl4pPr marL="1828800" lvl="3" indent="-317500">
               <a:spcBef>
                 <a:spcPts val="1600"/>
               </a:spcBef>
@@ -4151,7 +6869,7 @@
               <a:buChar char="●"/>
               <a:defRPr/>
             </a:lvl4pPr>
-            <a:lvl5pPr indent="-317500" lvl="4" marL="2286000">
+            <a:lvl5pPr marL="2286000" lvl="4" indent="-317500">
               <a:spcBef>
                 <a:spcPts val="1600"/>
               </a:spcBef>
@@ -4162,7 +6880,7 @@
               <a:buChar char="○"/>
               <a:defRPr/>
             </a:lvl5pPr>
-            <a:lvl6pPr indent="-317500" lvl="5" marL="2743200">
+            <a:lvl6pPr marL="2743200" lvl="5" indent="-317500">
               <a:spcBef>
                 <a:spcPts val="1600"/>
               </a:spcBef>
@@ -4173,7 +6891,7 @@
               <a:buChar char="■"/>
               <a:defRPr/>
             </a:lvl6pPr>
-            <a:lvl7pPr indent="-317500" lvl="6" marL="3200400">
+            <a:lvl7pPr marL="3200400" lvl="6" indent="-317500">
               <a:spcBef>
                 <a:spcPts val="1600"/>
               </a:spcBef>
@@ -4184,7 +6902,7 @@
               <a:buChar char="●"/>
               <a:defRPr/>
             </a:lvl7pPr>
-            <a:lvl8pPr indent="-317500" lvl="7" marL="3657600">
+            <a:lvl8pPr marL="3657600" lvl="7" indent="-317500">
               <a:spcBef>
                 <a:spcPts val="1600"/>
               </a:spcBef>
@@ -4195,7 +6913,7 @@
               <a:buChar char="○"/>
               <a:defRPr/>
             </a:lvl8pPr>
-            <a:lvl9pPr indent="-317500" lvl="8" marL="4114800">
+            <a:lvl9pPr marL="4114800" lvl="8" indent="-317500">
               <a:spcBef>
                 <a:spcPts val="1600"/>
               </a:spcBef>
@@ -4207,15 +6925,19 @@
               <a:defRPr/>
             </a:lvl9pPr>
           </a:lstStyle>
-          <a:p/>
+          <a:p>
+            <a:endParaRPr/>
+          </a:p>
         </p:txBody>
       </p:sp>
       <p:sp>
         <p:nvSpPr>
           <p:cNvPr id="40" name="Google Shape;40;p9"/>
-          <p:cNvSpPr txBox="1"/>
+          <p:cNvSpPr txBox="1">
+            <a:spLocks noGrp="1"/>
+          </p:cNvSpPr>
           <p:nvPr>
-            <p:ph idx="12" type="sldNum"/>
+            <p:ph type="sldNum" idx="12"/>
           </p:nvPr>
         </p:nvSpPr>
         <p:spPr>
@@ -4228,7 +6950,7 @@
           </a:prstGeom>
         </p:spPr>
         <p:txBody>
-          <a:bodyPr anchorCtr="0" anchor="ctr" bIns="91425" lIns="91425" spcFirstLastPara="1" rIns="91425" wrap="square" tIns="91425">
+          <a:bodyPr spcFirstLastPara="1" wrap="square" lIns="91425" tIns="91425" rIns="91425" bIns="91425" anchor="ctr" anchorCtr="0">
             <a:noAutofit/>
           </a:bodyPr>
           <a:lstStyle>
@@ -4270,7 +6992,7 @@
             </a:lvl9pPr>
           </a:lstStyle>
           <a:p>
-            <a:pPr indent="0" lvl="0" marL="0" rtl="0" algn="r">
+            <a:pPr marL="0" lvl="0" indent="0" algn="r" rtl="0">
               <a:spcBef>
                 <a:spcPts val="0"/>
               </a:spcBef>
@@ -4296,11 +7018,11 @@
 </file>
 
 <file path=ppt/slideLayouts/slideLayout9.xml><?xml version="1.0" encoding="utf-8"?>
-<p:sldLayout xmlns:a="http://schemas.openxmlformats.org/drawingml/2006/main" xmlns:r="http://schemas.openxmlformats.org/officeDocument/2006/relationships" xmlns:mc="http://schemas.openxmlformats.org/markup-compatibility/2006" xmlns:mv="urn:schemas-microsoft-com:mac:vml" xmlns:p="http://schemas.openxmlformats.org/presentationml/2006/main" xmlns:c="http://schemas.openxmlformats.org/drawingml/2006/chart" xmlns:dgm="http://schemas.openxmlformats.org/drawingml/2006/diagram" xmlns:o="urn:schemas-microsoft-com:office:office" xmlns:v="urn:schemas-microsoft-com:vml" xmlns:pvml="urn:schemas-microsoft-com:office:powerpoint" xmlns:com="http://schemas.openxmlformats.org/drawingml/2006/compatibility" xmlns:p14="http://schemas.microsoft.com/office/powerpoint/2010/main" xmlns:p15="http://schemas.microsoft.com/office/powerpoint/2012/main" matchingName="Caption">
+<p:sldLayout xmlns:a="http://schemas.openxmlformats.org/drawingml/2006/main" xmlns:r="http://schemas.openxmlformats.org/officeDocument/2006/relationships" xmlns:p="http://schemas.openxmlformats.org/presentationml/2006/main" matchingName="Caption">
   <p:cSld name="CAPTION_ONLY">
     <p:spTree>
       <p:nvGrpSpPr>
-        <p:cNvPr id="41" name="Shape 41"/>
+        <p:cNvPr id="1" name="Shape 41"/>
         <p:cNvGrpSpPr/>
         <p:nvPr/>
       </p:nvGrpSpPr>
@@ -4315,9 +7037,11 @@
       <p:sp>
         <p:nvSpPr>
           <p:cNvPr id="42" name="Google Shape;42;p10"/>
-          <p:cNvSpPr txBox="1"/>
+          <p:cNvSpPr txBox="1">
+            <a:spLocks noGrp="1"/>
+          </p:cNvSpPr>
           <p:nvPr>
-            <p:ph idx="1" type="body"/>
+            <p:ph type="body" idx="1"/>
           </p:nvPr>
         </p:nvSpPr>
         <p:spPr>
@@ -4330,9 +7054,9 @@
           </a:prstGeom>
         </p:spPr>
         <p:txBody>
-          <a:bodyPr anchorCtr="0" anchor="ctr" bIns="91425" lIns="91425" spcFirstLastPara="1" rIns="91425" wrap="square" tIns="91425"/>
+          <a:bodyPr spcFirstLastPara="1" wrap="square" lIns="91425" tIns="91425" rIns="91425" bIns="91425" anchor="ctr" anchorCtr="0"/>
           <a:lstStyle>
-            <a:lvl1pPr indent="-228600" lvl="0" marL="457200">
+            <a:lvl1pPr marL="457200" lvl="0" indent="-228600">
               <a:lnSpc>
                 <a:spcPct val="100000"/>
               </a:lnSpc>
@@ -4347,15 +7071,19 @@
               <a:defRPr/>
             </a:lvl1pPr>
           </a:lstStyle>
-          <a:p/>
+          <a:p>
+            <a:endParaRPr/>
+          </a:p>
         </p:txBody>
       </p:sp>
       <p:sp>
         <p:nvSpPr>
           <p:cNvPr id="43" name="Google Shape;43;p10"/>
-          <p:cNvSpPr txBox="1"/>
+          <p:cNvSpPr txBox="1">
+            <a:spLocks noGrp="1"/>
+          </p:cNvSpPr>
           <p:nvPr>
-            <p:ph idx="12" type="sldNum"/>
+            <p:ph type="sldNum" idx="12"/>
           </p:nvPr>
         </p:nvSpPr>
         <p:spPr>
@@ -4368,7 +7096,7 @@
           </a:prstGeom>
         </p:spPr>
         <p:txBody>
-          <a:bodyPr anchorCtr="0" anchor="ctr" bIns="91425" lIns="91425" spcFirstLastPara="1" rIns="91425" wrap="square" tIns="91425">
+          <a:bodyPr spcFirstLastPara="1" wrap="square" lIns="91425" tIns="91425" rIns="91425" bIns="91425" anchor="ctr" anchorCtr="0">
             <a:noAutofit/>
           </a:bodyPr>
           <a:lstStyle>
@@ -4410,7 +7138,7 @@
             </a:lvl9pPr>
           </a:lstStyle>
           <a:p>
-            <a:pPr indent="0" lvl="0" marL="0" rtl="0" algn="r">
+            <a:pPr marL="0" lvl="0" indent="0" algn="r" rtl="0">
               <a:spcBef>
                 <a:spcPts val="0"/>
               </a:spcBef>
@@ -4436,18 +7164,19 @@
 </file>
 
 <file path=ppt/slideMasters/slideMaster1.xml><?xml version="1.0" encoding="utf-8"?>
-<p:sldMaster xmlns:a="http://schemas.openxmlformats.org/drawingml/2006/main" xmlns:r="http://schemas.openxmlformats.org/officeDocument/2006/relationships" xmlns:mc="http://schemas.openxmlformats.org/markup-compatibility/2006" xmlns:mv="urn:schemas-microsoft-com:mac:vml" xmlns:p="http://schemas.openxmlformats.org/presentationml/2006/main" xmlns:c="http://schemas.openxmlformats.org/drawingml/2006/chart" xmlns:dgm="http://schemas.openxmlformats.org/drawingml/2006/diagram" xmlns:o="urn:schemas-microsoft-com:office:office" xmlns:v="urn:schemas-microsoft-com:vml" xmlns:pvml="urn:schemas-microsoft-com:office:powerpoint" xmlns:com="http://schemas.openxmlformats.org/drawingml/2006/compatibility" xmlns:p14="http://schemas.microsoft.com/office/powerpoint/2010/main" xmlns:p15="http://schemas.microsoft.com/office/powerpoint/2012/main">
+<p:sldMaster xmlns:a="http://schemas.openxmlformats.org/drawingml/2006/main" xmlns:r="http://schemas.openxmlformats.org/officeDocument/2006/relationships" xmlns:p="http://schemas.openxmlformats.org/presentationml/2006/main">
   <p:cSld name="simple-light-2">
     <p:bg>
       <p:bgPr>
         <a:solidFill>
           <a:schemeClr val="lt1"/>
         </a:solidFill>
+        <a:effectLst/>
       </p:bgPr>
     </p:bg>
     <p:spTree>
       <p:nvGrpSpPr>
-        <p:cNvPr id="5" name="Shape 5"/>
+        <p:cNvPr id="1" name="Shape 5"/>
         <p:cNvGrpSpPr/>
         <p:nvPr/>
       </p:nvGrpSpPr>
@@ -4462,7 +7191,9 @@
       <p:sp>
         <p:nvSpPr>
           <p:cNvPr id="6" name="Google Shape;6;p1"/>
-          <p:cNvSpPr txBox="1"/>
+          <p:cNvSpPr txBox="1">
+            <a:spLocks noGrp="1"/>
+          </p:cNvSpPr>
           <p:nvPr>
             <p:ph type="title"/>
           </p:nvPr>
@@ -4481,7 +7212,7 @@
           </a:ln>
         </p:spPr>
         <p:txBody>
-          <a:bodyPr anchorCtr="0" anchor="t" bIns="91425" lIns="91425" spcFirstLastPara="1" rIns="91425" wrap="square" tIns="91425"/>
+          <a:bodyPr spcFirstLastPara="1" wrap="square" lIns="91425" tIns="91425" rIns="91425" bIns="91425" anchor="t" anchorCtr="0"/>
           <a:lstStyle>
             <a:lvl1pPr lvl="0">
               <a:spcBef>
@@ -4646,15 +7377,19 @@
               </a:defRPr>
             </a:lvl9pPr>
           </a:lstStyle>
-          <a:p/>
+          <a:p>
+            <a:endParaRPr/>
+          </a:p>
         </p:txBody>
       </p:sp>
       <p:sp>
         <p:nvSpPr>
           <p:cNvPr id="7" name="Google Shape;7;p1"/>
-          <p:cNvSpPr txBox="1"/>
+          <p:cNvSpPr txBox="1">
+            <a:spLocks noGrp="1"/>
+          </p:cNvSpPr>
           <p:nvPr>
-            <p:ph idx="1" type="body"/>
+            <p:ph type="body" idx="1"/>
           </p:nvPr>
         </p:nvSpPr>
         <p:spPr>
@@ -4671,9 +7406,9 @@
           </a:ln>
         </p:spPr>
         <p:txBody>
-          <a:bodyPr anchorCtr="0" anchor="t" bIns="91425" lIns="91425" spcFirstLastPara="1" rIns="91425" wrap="square" tIns="91425"/>
+          <a:bodyPr spcFirstLastPara="1" wrap="square" lIns="91425" tIns="91425" rIns="91425" bIns="91425" anchor="t" anchorCtr="0"/>
           <a:lstStyle>
-            <a:lvl1pPr indent="-342900" lvl="0" marL="457200">
+            <a:lvl1pPr marL="457200" lvl="0" indent="-342900">
               <a:lnSpc>
                 <a:spcPct val="115000"/>
               </a:lnSpc>
@@ -4694,7 +7429,7 @@
                 </a:solidFill>
               </a:defRPr>
             </a:lvl1pPr>
-            <a:lvl2pPr indent="-317500" lvl="1" marL="914400">
+            <a:lvl2pPr marL="914400" lvl="1" indent="-317500">
               <a:lnSpc>
                 <a:spcPct val="115000"/>
               </a:lnSpc>
@@ -4715,7 +7450,7 @@
                 </a:solidFill>
               </a:defRPr>
             </a:lvl2pPr>
-            <a:lvl3pPr indent="-317500" lvl="2" marL="1371600">
+            <a:lvl3pPr marL="1371600" lvl="2" indent="-317500">
               <a:lnSpc>
                 <a:spcPct val="115000"/>
               </a:lnSpc>
@@ -4736,7 +7471,7 @@
                 </a:solidFill>
               </a:defRPr>
             </a:lvl3pPr>
-            <a:lvl4pPr indent="-317500" lvl="3" marL="1828800">
+            <a:lvl4pPr marL="1828800" lvl="3" indent="-317500">
               <a:lnSpc>
                 <a:spcPct val="115000"/>
               </a:lnSpc>
@@ -4757,7 +7492,7 @@
                 </a:solidFill>
               </a:defRPr>
             </a:lvl4pPr>
-            <a:lvl5pPr indent="-317500" lvl="4" marL="2286000">
+            <a:lvl5pPr marL="2286000" lvl="4" indent="-317500">
               <a:lnSpc>
                 <a:spcPct val="115000"/>
               </a:lnSpc>
@@ -4778,7 +7513,7 @@
                 </a:solidFill>
               </a:defRPr>
             </a:lvl5pPr>
-            <a:lvl6pPr indent="-317500" lvl="5" marL="2743200">
+            <a:lvl6pPr marL="2743200" lvl="5" indent="-317500">
               <a:lnSpc>
                 <a:spcPct val="115000"/>
               </a:lnSpc>
@@ -4799,7 +7534,7 @@
                 </a:solidFill>
               </a:defRPr>
             </a:lvl6pPr>
-            <a:lvl7pPr indent="-317500" lvl="6" marL="3200400">
+            <a:lvl7pPr marL="3200400" lvl="6" indent="-317500">
               <a:lnSpc>
                 <a:spcPct val="115000"/>
               </a:lnSpc>
@@ -4820,7 +7555,7 @@
                 </a:solidFill>
               </a:defRPr>
             </a:lvl7pPr>
-            <a:lvl8pPr indent="-317500" lvl="7" marL="3657600">
+            <a:lvl8pPr marL="3657600" lvl="7" indent="-317500">
               <a:lnSpc>
                 <a:spcPct val="115000"/>
               </a:lnSpc>
@@ -4841,7 +7576,7 @@
                 </a:solidFill>
               </a:defRPr>
             </a:lvl8pPr>
-            <a:lvl9pPr indent="-317500" lvl="8" marL="4114800">
+            <a:lvl9pPr marL="4114800" lvl="8" indent="-317500">
               <a:lnSpc>
                 <a:spcPct val="115000"/>
               </a:lnSpc>
@@ -4863,15 +7598,19 @@
               </a:defRPr>
             </a:lvl9pPr>
           </a:lstStyle>
-          <a:p/>
+          <a:p>
+            <a:endParaRPr/>
+          </a:p>
         </p:txBody>
       </p:sp>
       <p:sp>
         <p:nvSpPr>
           <p:cNvPr id="8" name="Google Shape;8;p1"/>
-          <p:cNvSpPr txBox="1"/>
+          <p:cNvSpPr txBox="1">
+            <a:spLocks noGrp="1"/>
+          </p:cNvSpPr>
           <p:nvPr>
-            <p:ph idx="12" type="sldNum"/>
+            <p:ph type="sldNum" idx="12"/>
           </p:nvPr>
         </p:nvSpPr>
         <p:spPr>
@@ -4888,7 +7627,7 @@
           </a:ln>
         </p:spPr>
         <p:txBody>
-          <a:bodyPr anchorCtr="0" anchor="ctr" bIns="91425" lIns="91425" spcFirstLastPara="1" rIns="91425" wrap="square" tIns="91425">
+          <a:bodyPr spcFirstLastPara="1" wrap="square" lIns="91425" tIns="91425" rIns="91425" bIns="91425" anchor="ctr" anchorCtr="0">
             <a:noAutofit/>
           </a:bodyPr>
           <a:lstStyle>
@@ -4966,7 +7705,7 @@
             </a:lvl9pPr>
           </a:lstStyle>
           <a:p>
-            <a:pPr indent="0" lvl="0" marL="0" rtl="0" algn="r">
+            <a:pPr marL="0" lvl="0" indent="0" algn="r" rtl="0">
               <a:spcBef>
                 <a:spcPts val="0"/>
               </a:spcBef>
@@ -4985,7 +7724,7 @@
       </p:sp>
     </p:spTree>
   </p:cSld>
-  <p:clrMap accent1="accent1" accent2="accent2" accent3="accent3" accent4="accent4" accent5="accent5" accent6="accent6" bg1="lt1" bg2="dk2" tx1="dk1" tx2="lt2" folHlink="folHlink" hlink="hlink"/>
+  <p:clrMap bg1="lt1" tx1="dk1" bg2="dk2" tx2="lt2" accent1="accent1" accent2="accent2" accent3="accent3" accent4="accent4" accent5="accent5" accent6="accent6" hlink="hlink" folHlink="folHlink"/>
   <p:sldLayoutIdLst>
     <p:sldLayoutId id="2147483648" r:id="rId1"/>
     <p:sldLayoutId id="2147483649" r:id="rId2"/>
@@ -4999,10 +7738,10 @@
     <p:sldLayoutId id="2147483657" r:id="rId10"/>
     <p:sldLayoutId id="2147483658" r:id="rId11"/>
   </p:sldLayoutIdLst>
-  <p:hf dt="0" ftr="0" hdr="0" sldNum="0"/>
+  <p:hf sldNum="0" hdr="0" ftr="0" dt="0"/>
   <p:txStyles>
     <p:titleStyle>
-      <a:defPPr lvl="0" marR="0" rtl="0" algn="l">
+      <a:defPPr marR="0" lvl="0" algn="l" rtl="0">
         <a:lnSpc>
           <a:spcPct val="100000"/>
         </a:lnSpc>
@@ -5013,7 +7752,7 @@
           <a:spcPts val="0"/>
         </a:spcAft>
       </a:defPPr>
-      <a:lvl1pPr lvl="0" marR="0" rtl="0" algn="l">
+      <a:lvl1pPr marR="0" lvl="0" algn="l" rtl="0">
         <a:lnSpc>
           <a:spcPct val="100000"/>
         </a:lnSpc>
@@ -5027,7 +7766,7 @@
           <a:srgbClr val="000000"/>
         </a:buClr>
         <a:buFont typeface="Arial"/>
-        <a:defRPr b="0" i="0" sz="1400" u="none" cap="none" strike="noStrike">
+        <a:defRPr sz="1400" b="0" i="0" u="none" strike="noStrike" cap="none">
           <a:solidFill>
             <a:srgbClr val="000000"/>
           </a:solidFill>
@@ -5037,7 +7776,7 @@
           <a:sym typeface="Arial"/>
         </a:defRPr>
       </a:lvl1pPr>
-      <a:lvl2pPr lvl="1" marR="0" rtl="0" algn="l">
+      <a:lvl2pPr marR="0" lvl="1" algn="l" rtl="0">
         <a:lnSpc>
           <a:spcPct val="100000"/>
         </a:lnSpc>
@@ -5051,7 +7790,7 @@
           <a:srgbClr val="000000"/>
         </a:buClr>
         <a:buFont typeface="Arial"/>
-        <a:defRPr b="0" i="0" sz="1400" u="none" cap="none" strike="noStrike">
+        <a:defRPr sz="1400" b="0" i="0" u="none" strike="noStrike" cap="none">
           <a:solidFill>
             <a:srgbClr val="000000"/>
           </a:solidFill>
@@ -5061,7 +7800,7 @@
           <a:sym typeface="Arial"/>
         </a:defRPr>
       </a:lvl2pPr>
-      <a:lvl3pPr lvl="2" marR="0" rtl="0" algn="l">
+      <a:lvl3pPr marR="0" lvl="2" algn="l" rtl="0">
         <a:lnSpc>
           <a:spcPct val="100000"/>
         </a:lnSpc>
@@ -5075,7 +7814,7 @@
           <a:srgbClr val="000000"/>
         </a:buClr>
         <a:buFont typeface="Arial"/>
-        <a:defRPr b="0" i="0" sz="1400" u="none" cap="none" strike="noStrike">
+        <a:defRPr sz="1400" b="0" i="0" u="none" strike="noStrike" cap="none">
           <a:solidFill>
             <a:srgbClr val="000000"/>
           </a:solidFill>
@@ -5085,7 +7824,7 @@
           <a:sym typeface="Arial"/>
         </a:defRPr>
       </a:lvl3pPr>
-      <a:lvl4pPr lvl="3" marR="0" rtl="0" algn="l">
+      <a:lvl4pPr marR="0" lvl="3" algn="l" rtl="0">
         <a:lnSpc>
           <a:spcPct val="100000"/>
         </a:lnSpc>
@@ -5099,7 +7838,7 @@
           <a:srgbClr val="000000"/>
         </a:buClr>
         <a:buFont typeface="Arial"/>
-        <a:defRPr b="0" i="0" sz="1400" u="none" cap="none" strike="noStrike">
+        <a:defRPr sz="1400" b="0" i="0" u="none" strike="noStrike" cap="none">
           <a:solidFill>
             <a:srgbClr val="000000"/>
           </a:solidFill>
@@ -5109,7 +7848,7 @@
           <a:sym typeface="Arial"/>
         </a:defRPr>
       </a:lvl4pPr>
-      <a:lvl5pPr lvl="4" marR="0" rtl="0" algn="l">
+      <a:lvl5pPr marR="0" lvl="4" algn="l" rtl="0">
         <a:lnSpc>
           <a:spcPct val="100000"/>
         </a:lnSpc>
@@ -5123,7 +7862,7 @@
           <a:srgbClr val="000000"/>
         </a:buClr>
         <a:buFont typeface="Arial"/>
-        <a:defRPr b="0" i="0" sz="1400" u="none" cap="none" strike="noStrike">
+        <a:defRPr sz="1400" b="0" i="0" u="none" strike="noStrike" cap="none">
           <a:solidFill>
             <a:srgbClr val="000000"/>
           </a:solidFill>
@@ -5133,7 +7872,7 @@
           <a:sym typeface="Arial"/>
         </a:defRPr>
       </a:lvl5pPr>
-      <a:lvl6pPr lvl="5" marR="0" rtl="0" algn="l">
+      <a:lvl6pPr marR="0" lvl="5" algn="l" rtl="0">
         <a:lnSpc>
           <a:spcPct val="100000"/>
         </a:lnSpc>
@@ -5147,7 +7886,7 @@
           <a:srgbClr val="000000"/>
         </a:buClr>
         <a:buFont typeface="Arial"/>
-        <a:defRPr b="0" i="0" sz="1400" u="none" cap="none" strike="noStrike">
+        <a:defRPr sz="1400" b="0" i="0" u="none" strike="noStrike" cap="none">
           <a:solidFill>
             <a:srgbClr val="000000"/>
           </a:solidFill>
@@ -5157,7 +7896,7 @@
           <a:sym typeface="Arial"/>
         </a:defRPr>
       </a:lvl6pPr>
-      <a:lvl7pPr lvl="6" marR="0" rtl="0" algn="l">
+      <a:lvl7pPr marR="0" lvl="6" algn="l" rtl="0">
         <a:lnSpc>
           <a:spcPct val="100000"/>
         </a:lnSpc>
@@ -5171,7 +7910,7 @@
           <a:srgbClr val="000000"/>
         </a:buClr>
         <a:buFont typeface="Arial"/>
-        <a:defRPr b="0" i="0" sz="1400" u="none" cap="none" strike="noStrike">
+        <a:defRPr sz="1400" b="0" i="0" u="none" strike="noStrike" cap="none">
           <a:solidFill>
             <a:srgbClr val="000000"/>
           </a:solidFill>
@@ -5181,7 +7920,7 @@
           <a:sym typeface="Arial"/>
         </a:defRPr>
       </a:lvl7pPr>
-      <a:lvl8pPr lvl="7" marR="0" rtl="0" algn="l">
+      <a:lvl8pPr marR="0" lvl="7" algn="l" rtl="0">
         <a:lnSpc>
           <a:spcPct val="100000"/>
         </a:lnSpc>
@@ -5195,7 +7934,7 @@
           <a:srgbClr val="000000"/>
         </a:buClr>
         <a:buFont typeface="Arial"/>
-        <a:defRPr b="0" i="0" sz="1400" u="none" cap="none" strike="noStrike">
+        <a:defRPr sz="1400" b="0" i="0" u="none" strike="noStrike" cap="none">
           <a:solidFill>
             <a:srgbClr val="000000"/>
           </a:solidFill>
@@ -5205,7 +7944,7 @@
           <a:sym typeface="Arial"/>
         </a:defRPr>
       </a:lvl8pPr>
-      <a:lvl9pPr lvl="8" marR="0" rtl="0" algn="l">
+      <a:lvl9pPr marR="0" lvl="8" algn="l" rtl="0">
         <a:lnSpc>
           <a:spcPct val="100000"/>
         </a:lnSpc>
@@ -5219,7 +7958,7 @@
           <a:srgbClr val="000000"/>
         </a:buClr>
         <a:buFont typeface="Arial"/>
-        <a:defRPr b="0" i="0" sz="1400" u="none" cap="none" strike="noStrike">
+        <a:defRPr sz="1400" b="0" i="0" u="none" strike="noStrike" cap="none">
           <a:solidFill>
             <a:srgbClr val="000000"/>
           </a:solidFill>
@@ -5231,7 +7970,7 @@
       </a:lvl9pPr>
     </p:titleStyle>
     <p:bodyStyle>
-      <a:defPPr lvl="0" marR="0" rtl="0" algn="l">
+      <a:defPPr marR="0" lvl="0" algn="l" rtl="0">
         <a:lnSpc>
           <a:spcPct val="100000"/>
         </a:lnSpc>
@@ -5242,7 +7981,7 @@
           <a:spcPts val="0"/>
         </a:spcAft>
       </a:defPPr>
-      <a:lvl1pPr lvl="0" marR="0" rtl="0" algn="l">
+      <a:lvl1pPr marR="0" lvl="0" algn="l" rtl="0">
         <a:lnSpc>
           <a:spcPct val="100000"/>
         </a:lnSpc>
@@ -5256,7 +7995,7 @@
           <a:srgbClr val="000000"/>
         </a:buClr>
         <a:buFont typeface="Arial"/>
-        <a:defRPr b="0" i="0" sz="1400" u="none" cap="none" strike="noStrike">
+        <a:defRPr sz="1400" b="0" i="0" u="none" strike="noStrike" cap="none">
           <a:solidFill>
             <a:srgbClr val="000000"/>
           </a:solidFill>
@@ -5266,7 +8005,7 @@
           <a:sym typeface="Arial"/>
         </a:defRPr>
       </a:lvl1pPr>
-      <a:lvl2pPr lvl="1" marR="0" rtl="0" algn="l">
+      <a:lvl2pPr marR="0" lvl="1" algn="l" rtl="0">
         <a:lnSpc>
           <a:spcPct val="100000"/>
         </a:lnSpc>
@@ -5280,7 +8019,7 @@
           <a:srgbClr val="000000"/>
         </a:buClr>
         <a:buFont typeface="Arial"/>
-        <a:defRPr b="0" i="0" sz="1400" u="none" cap="none" strike="noStrike">
+        <a:defRPr sz="1400" b="0" i="0" u="none" strike="noStrike" cap="none">
           <a:solidFill>
             <a:srgbClr val="000000"/>
           </a:solidFill>
@@ -5290,7 +8029,7 @@
           <a:sym typeface="Arial"/>
         </a:defRPr>
       </a:lvl2pPr>
-      <a:lvl3pPr lvl="2" marR="0" rtl="0" algn="l">
+      <a:lvl3pPr marR="0" lvl="2" algn="l" rtl="0">
         <a:lnSpc>
           <a:spcPct val="100000"/>
         </a:lnSpc>
@@ -5304,7 +8043,7 @@
           <a:srgbClr val="000000"/>
         </a:buClr>
         <a:buFont typeface="Arial"/>
-        <a:defRPr b="0" i="0" sz="1400" u="none" cap="none" strike="noStrike">
+        <a:defRPr sz="1400" b="0" i="0" u="none" strike="noStrike" cap="none">
           <a:solidFill>
             <a:srgbClr val="000000"/>
           </a:solidFill>
@@ -5314,7 +8053,7 @@
           <a:sym typeface="Arial"/>
         </a:defRPr>
       </a:lvl3pPr>
-      <a:lvl4pPr lvl="3" marR="0" rtl="0" algn="l">
+      <a:lvl4pPr marR="0" lvl="3" algn="l" rtl="0">
         <a:lnSpc>
           <a:spcPct val="100000"/>
         </a:lnSpc>
@@ -5328,7 +8067,7 @@
           <a:srgbClr val="000000"/>
         </a:buClr>
         <a:buFont typeface="Arial"/>
-        <a:defRPr b="0" i="0" sz="1400" u="none" cap="none" strike="noStrike">
+        <a:defRPr sz="1400" b="0" i="0" u="none" strike="noStrike" cap="none">
           <a:solidFill>
             <a:srgbClr val="000000"/>
           </a:solidFill>
@@ -5338,7 +8077,7 @@
           <a:sym typeface="Arial"/>
         </a:defRPr>
       </a:lvl4pPr>
-      <a:lvl5pPr lvl="4" marR="0" rtl="0" algn="l">
+      <a:lvl5pPr marR="0" lvl="4" algn="l" rtl="0">
         <a:lnSpc>
           <a:spcPct val="100000"/>
         </a:lnSpc>
@@ -5352,7 +8091,7 @@
           <a:srgbClr val="000000"/>
         </a:buClr>
         <a:buFont typeface="Arial"/>
-        <a:defRPr b="0" i="0" sz="1400" u="none" cap="none" strike="noStrike">
+        <a:defRPr sz="1400" b="0" i="0" u="none" strike="noStrike" cap="none">
           <a:solidFill>
             <a:srgbClr val="000000"/>
           </a:solidFill>
@@ -5362,7 +8101,7 @@
           <a:sym typeface="Arial"/>
         </a:defRPr>
       </a:lvl5pPr>
-      <a:lvl6pPr lvl="5" marR="0" rtl="0" algn="l">
+      <a:lvl6pPr marR="0" lvl="5" algn="l" rtl="0">
         <a:lnSpc>
           <a:spcPct val="100000"/>
         </a:lnSpc>
@@ -5376,7 +8115,7 @@
           <a:srgbClr val="000000"/>
         </a:buClr>
         <a:buFont typeface="Arial"/>
-        <a:defRPr b="0" i="0" sz="1400" u="none" cap="none" strike="noStrike">
+        <a:defRPr sz="1400" b="0" i="0" u="none" strike="noStrike" cap="none">
           <a:solidFill>
             <a:srgbClr val="000000"/>
           </a:solidFill>
@@ -5386,7 +8125,7 @@
           <a:sym typeface="Arial"/>
         </a:defRPr>
       </a:lvl6pPr>
-      <a:lvl7pPr lvl="6" marR="0" rtl="0" algn="l">
+      <a:lvl7pPr marR="0" lvl="6" algn="l" rtl="0">
         <a:lnSpc>
           <a:spcPct val="100000"/>
         </a:lnSpc>
@@ -5400,7 +8139,7 @@
           <a:srgbClr val="000000"/>
         </a:buClr>
         <a:buFont typeface="Arial"/>
-        <a:defRPr b="0" i="0" sz="1400" u="none" cap="none" strike="noStrike">
+        <a:defRPr sz="1400" b="0" i="0" u="none" strike="noStrike" cap="none">
           <a:solidFill>
             <a:srgbClr val="000000"/>
           </a:solidFill>
@@ -5410,7 +8149,7 @@
           <a:sym typeface="Arial"/>
         </a:defRPr>
       </a:lvl7pPr>
-      <a:lvl8pPr lvl="7" marR="0" rtl="0" algn="l">
+      <a:lvl8pPr marR="0" lvl="7" algn="l" rtl="0">
         <a:lnSpc>
           <a:spcPct val="100000"/>
         </a:lnSpc>
@@ -5424,7 +8163,7 @@
           <a:srgbClr val="000000"/>
         </a:buClr>
         <a:buFont typeface="Arial"/>
-        <a:defRPr b="0" i="0" sz="1400" u="none" cap="none" strike="noStrike">
+        <a:defRPr sz="1400" b="0" i="0" u="none" strike="noStrike" cap="none">
           <a:solidFill>
             <a:srgbClr val="000000"/>
           </a:solidFill>
@@ -5434,7 +8173,7 @@
           <a:sym typeface="Arial"/>
         </a:defRPr>
       </a:lvl8pPr>
-      <a:lvl9pPr lvl="8" marR="0" rtl="0" algn="l">
+      <a:lvl9pPr marR="0" lvl="8" algn="l" rtl="0">
         <a:lnSpc>
           <a:spcPct val="100000"/>
         </a:lnSpc>
@@ -5448,7 +8187,7 @@
           <a:srgbClr val="000000"/>
         </a:buClr>
         <a:buFont typeface="Arial"/>
-        <a:defRPr b="0" i="0" sz="1400" u="none" cap="none" strike="noStrike">
+        <a:defRPr sz="1400" b="0" i="0" u="none" strike="noStrike" cap="none">
           <a:solidFill>
             <a:srgbClr val="000000"/>
           </a:solidFill>
@@ -5460,7 +8199,7 @@
       </a:lvl9pPr>
     </p:bodyStyle>
     <p:otherStyle>
-      <a:defPPr lvl="0" marR="0" rtl="0" algn="l">
+      <a:defPPr marR="0" lvl="0" algn="l" rtl="0">
         <a:lnSpc>
           <a:spcPct val="100000"/>
         </a:lnSpc>
@@ -5471,7 +8210,7 @@
           <a:spcPts val="0"/>
         </a:spcAft>
       </a:defPPr>
-      <a:lvl1pPr lvl="0" marR="0" rtl="0" algn="l">
+      <a:lvl1pPr marR="0" lvl="0" algn="l" rtl="0">
         <a:lnSpc>
           <a:spcPct val="100000"/>
         </a:lnSpc>
@@ -5485,7 +8224,7 @@
           <a:srgbClr val="000000"/>
         </a:buClr>
         <a:buFont typeface="Arial"/>
-        <a:defRPr b="0" i="0" sz="1400" u="none" cap="none" strike="noStrike">
+        <a:defRPr sz="1400" b="0" i="0" u="none" strike="noStrike" cap="none">
           <a:solidFill>
             <a:srgbClr val="000000"/>
           </a:solidFill>
@@ -5495,7 +8234,7 @@
           <a:sym typeface="Arial"/>
         </a:defRPr>
       </a:lvl1pPr>
-      <a:lvl2pPr lvl="1" marR="0" rtl="0" algn="l">
+      <a:lvl2pPr marR="0" lvl="1" algn="l" rtl="0">
         <a:lnSpc>
           <a:spcPct val="100000"/>
         </a:lnSpc>
@@ -5509,7 +8248,7 @@
           <a:srgbClr val="000000"/>
         </a:buClr>
         <a:buFont typeface="Arial"/>
-        <a:defRPr b="0" i="0" sz="1400" u="none" cap="none" strike="noStrike">
+        <a:defRPr sz="1400" b="0" i="0" u="none" strike="noStrike" cap="none">
           <a:solidFill>
             <a:srgbClr val="000000"/>
           </a:solidFill>
@@ -5519,7 +8258,7 @@
           <a:sym typeface="Arial"/>
         </a:defRPr>
       </a:lvl2pPr>
-      <a:lvl3pPr lvl="2" marR="0" rtl="0" algn="l">
+      <a:lvl3pPr marR="0" lvl="2" algn="l" rtl="0">
         <a:lnSpc>
           <a:spcPct val="100000"/>
         </a:lnSpc>
@@ -5533,7 +8272,7 @@
           <a:srgbClr val="000000"/>
         </a:buClr>
         <a:buFont typeface="Arial"/>
-        <a:defRPr b="0" i="0" sz="1400" u="none" cap="none" strike="noStrike">
+        <a:defRPr sz="1400" b="0" i="0" u="none" strike="noStrike" cap="none">
           <a:solidFill>
             <a:srgbClr val="000000"/>
           </a:solidFill>
@@ -5543,7 +8282,7 @@
           <a:sym typeface="Arial"/>
         </a:defRPr>
       </a:lvl3pPr>
-      <a:lvl4pPr lvl="3" marR="0" rtl="0" algn="l">
+      <a:lvl4pPr marR="0" lvl="3" algn="l" rtl="0">
         <a:lnSpc>
           <a:spcPct val="100000"/>
         </a:lnSpc>
@@ -5557,7 +8296,7 @@
           <a:srgbClr val="000000"/>
         </a:buClr>
         <a:buFont typeface="Arial"/>
-        <a:defRPr b="0" i="0" sz="1400" u="none" cap="none" strike="noStrike">
+        <a:defRPr sz="1400" b="0" i="0" u="none" strike="noStrike" cap="none">
           <a:solidFill>
             <a:srgbClr val="000000"/>
           </a:solidFill>
@@ -5567,7 +8306,7 @@
           <a:sym typeface="Arial"/>
         </a:defRPr>
       </a:lvl4pPr>
-      <a:lvl5pPr lvl="4" marR="0" rtl="0" algn="l">
+      <a:lvl5pPr marR="0" lvl="4" algn="l" rtl="0">
         <a:lnSpc>
           <a:spcPct val="100000"/>
         </a:lnSpc>
@@ -5581,7 +8320,7 @@
           <a:srgbClr val="000000"/>
         </a:buClr>
         <a:buFont typeface="Arial"/>
-        <a:defRPr b="0" i="0" sz="1400" u="none" cap="none" strike="noStrike">
+        <a:defRPr sz="1400" b="0" i="0" u="none" strike="noStrike" cap="none">
           <a:solidFill>
             <a:srgbClr val="000000"/>
           </a:solidFill>
@@ -5591,7 +8330,7 @@
           <a:sym typeface="Arial"/>
         </a:defRPr>
       </a:lvl5pPr>
-      <a:lvl6pPr lvl="5" marR="0" rtl="0" algn="l">
+      <a:lvl6pPr marR="0" lvl="5" algn="l" rtl="0">
         <a:lnSpc>
           <a:spcPct val="100000"/>
         </a:lnSpc>
@@ -5605,7 +8344,7 @@
           <a:srgbClr val="000000"/>
         </a:buClr>
         <a:buFont typeface="Arial"/>
-        <a:defRPr b="0" i="0" sz="1400" u="none" cap="none" strike="noStrike">
+        <a:defRPr sz="1400" b="0" i="0" u="none" strike="noStrike" cap="none">
           <a:solidFill>
             <a:srgbClr val="000000"/>
           </a:solidFill>
@@ -5615,7 +8354,7 @@
           <a:sym typeface="Arial"/>
         </a:defRPr>
       </a:lvl6pPr>
-      <a:lvl7pPr lvl="6" marR="0" rtl="0" algn="l">
+      <a:lvl7pPr marR="0" lvl="6" algn="l" rtl="0">
         <a:lnSpc>
           <a:spcPct val="100000"/>
         </a:lnSpc>
@@ -5629,7 +8368,7 @@
           <a:srgbClr val="000000"/>
         </a:buClr>
         <a:buFont typeface="Arial"/>
-        <a:defRPr b="0" i="0" sz="1400" u="none" cap="none" strike="noStrike">
+        <a:defRPr sz="1400" b="0" i="0" u="none" strike="noStrike" cap="none">
           <a:solidFill>
             <a:srgbClr val="000000"/>
           </a:solidFill>
@@ -5639,7 +8378,7 @@
           <a:sym typeface="Arial"/>
         </a:defRPr>
       </a:lvl7pPr>
-      <a:lvl8pPr lvl="7" marR="0" rtl="0" algn="l">
+      <a:lvl8pPr marR="0" lvl="7" algn="l" rtl="0">
         <a:lnSpc>
           <a:spcPct val="100000"/>
         </a:lnSpc>
@@ -5653,7 +8392,7 @@
           <a:srgbClr val="000000"/>
         </a:buClr>
         <a:buFont typeface="Arial"/>
-        <a:defRPr b="0" i="0" sz="1400" u="none" cap="none" strike="noStrike">
+        <a:defRPr sz="1400" b="0" i="0" u="none" strike="noStrike" cap="none">
           <a:solidFill>
             <a:srgbClr val="000000"/>
           </a:solidFill>
@@ -5663,7 +8402,7 @@
           <a:sym typeface="Arial"/>
         </a:defRPr>
       </a:lvl8pPr>
-      <a:lvl9pPr lvl="8" marR="0" rtl="0" algn="l">
+      <a:lvl9pPr marR="0" lvl="8" algn="l" rtl="0">
         <a:lnSpc>
           <a:spcPct val="100000"/>
         </a:lnSpc>
@@ -5677,7 +8416,7 @@
           <a:srgbClr val="000000"/>
         </a:buClr>
         <a:buFont typeface="Arial"/>
-        <a:defRPr b="0" i="0" sz="1400" u="none" cap="none" strike="noStrike">
+        <a:defRPr sz="1400" b="0" i="0" u="none" strike="noStrike" cap="none">
           <a:solidFill>
             <a:srgbClr val="000000"/>
           </a:solidFill>
@@ -5693,11 +8432,11 @@
 </file>
 
 <file path=ppt/slides/slide1.xml><?xml version="1.0" encoding="utf-8"?>
-<p:sld xmlns:a="http://schemas.openxmlformats.org/drawingml/2006/main" xmlns:r="http://schemas.openxmlformats.org/officeDocument/2006/relationships" xmlns:mc="http://schemas.openxmlformats.org/markup-compatibility/2006" xmlns:mv="urn:schemas-microsoft-com:mac:vml" xmlns:p="http://schemas.openxmlformats.org/presentationml/2006/main" xmlns:c="http://schemas.openxmlformats.org/drawingml/2006/chart" xmlns:dgm="http://schemas.openxmlformats.org/drawingml/2006/diagram" xmlns:o="urn:schemas-microsoft-com:office:office" xmlns:v="urn:schemas-microsoft-com:vml" xmlns:pvml="urn:schemas-microsoft-com:office:powerpoint" xmlns:com="http://schemas.openxmlformats.org/drawingml/2006/compatibility" xmlns:p14="http://schemas.microsoft.com/office/powerpoint/2010/main" xmlns:p15="http://schemas.microsoft.com/office/powerpoint/2012/main">
+<p:sld xmlns:a="http://schemas.openxmlformats.org/drawingml/2006/main" xmlns:r="http://schemas.openxmlformats.org/officeDocument/2006/relationships" xmlns:p="http://schemas.openxmlformats.org/presentationml/2006/main">
   <p:cSld>
     <p:spTree>
       <p:nvGrpSpPr>
-        <p:cNvPr id="53" name="Shape 53"/>
+        <p:cNvPr id="1" name="Shape 53"/>
         <p:cNvGrpSpPr/>
         <p:nvPr/>
       </p:nvGrpSpPr>
@@ -5712,7 +8451,9 @@
       <p:sp>
         <p:nvSpPr>
           <p:cNvPr id="54" name="Google Shape;54;p13"/>
-          <p:cNvSpPr txBox="1"/>
+          <p:cNvSpPr txBox="1">
+            <a:spLocks noGrp="1"/>
+          </p:cNvSpPr>
           <p:nvPr>
             <p:ph type="ctrTitle"/>
           </p:nvPr>
@@ -5727,12 +8468,12 @@
           </a:prstGeom>
         </p:spPr>
         <p:txBody>
-          <a:bodyPr anchorCtr="0" anchor="b" bIns="91425" lIns="91425" spcFirstLastPara="1" rIns="91425" wrap="square" tIns="91425">
+          <a:bodyPr spcFirstLastPara="1" wrap="square" lIns="91425" tIns="91425" rIns="91425" bIns="91425" anchor="b" anchorCtr="0">
             <a:noAutofit/>
           </a:bodyPr>
           <a:lstStyle/>
           <a:p>
-            <a:pPr indent="0" lvl="0" marL="0" rtl="0" algn="ctr">
+            <a:pPr marL="0" lvl="0" indent="0" algn="ctr" rtl="0">
               <a:spcBef>
                 <a:spcPts val="0"/>
               </a:spcBef>
@@ -5752,9 +8493,11 @@
       <p:sp>
         <p:nvSpPr>
           <p:cNvPr id="55" name="Google Shape;55;p13"/>
-          <p:cNvSpPr txBox="1"/>
+          <p:cNvSpPr txBox="1">
+            <a:spLocks noGrp="1"/>
+          </p:cNvSpPr>
           <p:nvPr>
-            <p:ph idx="1" type="subTitle"/>
+            <p:ph type="subTitle" idx="1"/>
           </p:nvPr>
         </p:nvSpPr>
         <p:spPr>
@@ -5767,12 +8510,12 @@
           </a:prstGeom>
         </p:spPr>
         <p:txBody>
-          <a:bodyPr anchorCtr="0" anchor="t" bIns="91425" lIns="91425" spcFirstLastPara="1" rIns="91425" wrap="square" tIns="91425">
+          <a:bodyPr spcFirstLastPara="1" wrap="square" lIns="91425" tIns="91425" rIns="91425" bIns="91425" anchor="t" anchorCtr="0">
             <a:noAutofit/>
           </a:bodyPr>
           <a:lstStyle/>
           <a:p>
-            <a:pPr indent="0" lvl="0" marL="0" rtl="0" algn="ctr">
+            <a:pPr marL="0" lvl="0" indent="0" algn="ctr" rtl="0">
               <a:spcBef>
                 <a:spcPts val="0"/>
               </a:spcBef>
@@ -5797,12 +8540,1284 @@
 </p:sld>
 </file>
 
-<file path=ppt/slides/slide2.xml><?xml version="1.0" encoding="utf-8"?>
-<p:sld xmlns:a="http://schemas.openxmlformats.org/drawingml/2006/main" xmlns:r="http://schemas.openxmlformats.org/officeDocument/2006/relationships" xmlns:mc="http://schemas.openxmlformats.org/markup-compatibility/2006" xmlns:mv="urn:schemas-microsoft-com:mac:vml" xmlns:p="http://schemas.openxmlformats.org/presentationml/2006/main" xmlns:c="http://schemas.openxmlformats.org/drawingml/2006/chart" xmlns:dgm="http://schemas.openxmlformats.org/drawingml/2006/diagram" xmlns:o="urn:schemas-microsoft-com:office:office" xmlns:v="urn:schemas-microsoft-com:vml" xmlns:pvml="urn:schemas-microsoft-com:office:powerpoint" xmlns:com="http://schemas.openxmlformats.org/drawingml/2006/compatibility" xmlns:p14="http://schemas.microsoft.com/office/powerpoint/2010/main" xmlns:p15="http://schemas.microsoft.com/office/powerpoint/2012/main">
+<file path=ppt/slides/slide10.xml><?xml version="1.0" encoding="utf-8"?>
+<p:sld xmlns:a="http://schemas.openxmlformats.org/drawingml/2006/main" xmlns:r="http://schemas.openxmlformats.org/officeDocument/2006/relationships" xmlns:p="http://schemas.openxmlformats.org/presentationml/2006/main">
   <p:cSld>
     <p:spTree>
       <p:nvGrpSpPr>
-        <p:cNvPr id="59" name="Shape 59"/>
+        <p:cNvPr id="1" name="Shape 65"/>
+        <p:cNvGrpSpPr/>
+        <p:nvPr/>
+      </p:nvGrpSpPr>
+      <p:grpSpPr>
+        <a:xfrm>
+          <a:off x="0" y="0"/>
+          <a:ext cx="0" cy="0"/>
+          <a:chOff x="0" y="0"/>
+          <a:chExt cx="0" cy="0"/>
+        </a:xfrm>
+      </p:grpSpPr>
+      <p:sp>
+        <p:nvSpPr>
+          <p:cNvPr id="66" name="Google Shape;66;p15"/>
+          <p:cNvSpPr txBox="1">
+            <a:spLocks noGrp="1"/>
+          </p:cNvSpPr>
+          <p:nvPr>
+            <p:ph type="title"/>
+          </p:nvPr>
+        </p:nvSpPr>
+        <p:spPr>
+          <a:xfrm>
+            <a:off x="311700" y="445025"/>
+            <a:ext cx="8520600" cy="572700"/>
+          </a:xfrm>
+          <a:prstGeom prst="rect">
+            <a:avLst/>
+          </a:prstGeom>
+        </p:spPr>
+        <p:txBody>
+          <a:bodyPr spcFirstLastPara="1" wrap="square" lIns="91425" tIns="91425" rIns="91425" bIns="91425" anchor="t" anchorCtr="0">
+            <a:noAutofit/>
+          </a:bodyPr>
+          <a:lstStyle/>
+          <a:p>
+            <a:pPr marL="0" lvl="0" indent="0" algn="l" rtl="0">
+              <a:spcBef>
+                <a:spcPts val="0"/>
+              </a:spcBef>
+              <a:spcAft>
+                <a:spcPts val="0"/>
+              </a:spcAft>
+              <a:buNone/>
+            </a:pPr>
+            <a:r>
+              <a:rPr lang="en-US" dirty="0"/>
+              <a:t>10/11-10/17</a:t>
+            </a:r>
+            <a:endParaRPr dirty="0"/>
+          </a:p>
+        </p:txBody>
+      </p:sp>
+      <p:sp>
+        <p:nvSpPr>
+          <p:cNvPr id="67" name="Google Shape;67;p15"/>
+          <p:cNvSpPr txBox="1">
+            <a:spLocks noGrp="1"/>
+          </p:cNvSpPr>
+          <p:nvPr>
+            <p:ph type="body" idx="1"/>
+          </p:nvPr>
+        </p:nvSpPr>
+        <p:spPr>
+          <a:xfrm>
+            <a:off x="311700" y="1152475"/>
+            <a:ext cx="8520600" cy="3416400"/>
+          </a:xfrm>
+          <a:prstGeom prst="rect">
+            <a:avLst/>
+          </a:prstGeom>
+        </p:spPr>
+        <p:txBody>
+          <a:bodyPr spcFirstLastPara="1" wrap="square" lIns="91425" tIns="91425" rIns="91425" bIns="91425" anchor="t" anchorCtr="0">
+            <a:noAutofit/>
+          </a:bodyPr>
+          <a:lstStyle/>
+          <a:p>
+            <a:pPr marL="0" lvl="0" indent="0" algn="l" rtl="0">
+              <a:spcBef>
+                <a:spcPts val="0"/>
+              </a:spcBef>
+              <a:spcAft>
+                <a:spcPts val="0"/>
+              </a:spcAft>
+              <a:buNone/>
+            </a:pPr>
+            <a:r>
+              <a:rPr lang="en-US" dirty="0"/>
+              <a:t>Research a remake of the Curve Tracer design</a:t>
+            </a:r>
+          </a:p>
+          <a:p>
+            <a:pPr marL="0" lvl="0" indent="0" algn="l" rtl="0">
+              <a:spcBef>
+                <a:spcPts val="0"/>
+              </a:spcBef>
+              <a:spcAft>
+                <a:spcPts val="0"/>
+              </a:spcAft>
+              <a:buNone/>
+            </a:pPr>
+            <a:endParaRPr lang="en-US" dirty="0"/>
+          </a:p>
+          <a:p>
+            <a:pPr marL="0" lvl="0" indent="0" algn="l" rtl="0">
+              <a:spcBef>
+                <a:spcPts val="0"/>
+              </a:spcBef>
+              <a:spcAft>
+                <a:spcPts val="0"/>
+              </a:spcAft>
+              <a:buNone/>
+            </a:pPr>
+            <a:r>
+              <a:rPr lang="en-US" dirty="0"/>
+              <a:t>Begin researching parts for Curve Tracer</a:t>
+            </a:r>
+            <a:endParaRPr dirty="0"/>
+          </a:p>
+        </p:txBody>
+      </p:sp>
+    </p:spTree>
+    <p:extLst>
+      <p:ext uri="{BB962C8B-B14F-4D97-AF65-F5344CB8AC3E}">
+        <p14:creationId xmlns:p14="http://schemas.microsoft.com/office/powerpoint/2010/main" val="173343068"/>
+      </p:ext>
+    </p:extLst>
+  </p:cSld>
+  <p:clrMapOvr>
+    <a:masterClrMapping/>
+  </p:clrMapOvr>
+</p:sld>
+</file>
+
+<file path=ppt/slides/slide11.xml><?xml version="1.0" encoding="utf-8"?>
+<p:sld xmlns:a="http://schemas.openxmlformats.org/drawingml/2006/main" xmlns:r="http://schemas.openxmlformats.org/officeDocument/2006/relationships" xmlns:p="http://schemas.openxmlformats.org/presentationml/2006/main">
+  <p:cSld>
+    <p:spTree>
+      <p:nvGrpSpPr>
+        <p:cNvPr id="1" name="Shape 65"/>
+        <p:cNvGrpSpPr/>
+        <p:nvPr/>
+      </p:nvGrpSpPr>
+      <p:grpSpPr>
+        <a:xfrm>
+          <a:off x="0" y="0"/>
+          <a:ext cx="0" cy="0"/>
+          <a:chOff x="0" y="0"/>
+          <a:chExt cx="0" cy="0"/>
+        </a:xfrm>
+      </p:grpSpPr>
+      <p:sp>
+        <p:nvSpPr>
+          <p:cNvPr id="66" name="Google Shape;66;p15"/>
+          <p:cNvSpPr txBox="1">
+            <a:spLocks noGrp="1"/>
+          </p:cNvSpPr>
+          <p:nvPr>
+            <p:ph type="title"/>
+          </p:nvPr>
+        </p:nvSpPr>
+        <p:spPr>
+          <a:xfrm>
+            <a:off x="311700" y="445025"/>
+            <a:ext cx="8520600" cy="572700"/>
+          </a:xfrm>
+          <a:prstGeom prst="rect">
+            <a:avLst/>
+          </a:prstGeom>
+        </p:spPr>
+        <p:txBody>
+          <a:bodyPr spcFirstLastPara="1" wrap="square" lIns="91425" tIns="91425" rIns="91425" bIns="91425" anchor="t" anchorCtr="0">
+            <a:noAutofit/>
+          </a:bodyPr>
+          <a:lstStyle/>
+          <a:p>
+            <a:pPr marL="0" lvl="0" indent="0" algn="l" rtl="0">
+              <a:spcBef>
+                <a:spcPts val="0"/>
+              </a:spcBef>
+              <a:spcAft>
+                <a:spcPts val="0"/>
+              </a:spcAft>
+              <a:buNone/>
+            </a:pPr>
+            <a:r>
+              <a:rPr lang="en-US" dirty="0"/>
+              <a:t>10/18-10/24</a:t>
+            </a:r>
+            <a:endParaRPr dirty="0"/>
+          </a:p>
+        </p:txBody>
+      </p:sp>
+      <p:sp>
+        <p:nvSpPr>
+          <p:cNvPr id="67" name="Google Shape;67;p15"/>
+          <p:cNvSpPr txBox="1">
+            <a:spLocks noGrp="1"/>
+          </p:cNvSpPr>
+          <p:nvPr>
+            <p:ph type="body" idx="1"/>
+          </p:nvPr>
+        </p:nvSpPr>
+        <p:spPr>
+          <a:xfrm>
+            <a:off x="311700" y="1152475"/>
+            <a:ext cx="8520600" cy="3416400"/>
+          </a:xfrm>
+          <a:prstGeom prst="rect">
+            <a:avLst/>
+          </a:prstGeom>
+        </p:spPr>
+        <p:txBody>
+          <a:bodyPr spcFirstLastPara="1" wrap="square" lIns="91425" tIns="91425" rIns="91425" bIns="91425" anchor="t" anchorCtr="0">
+            <a:noAutofit/>
+          </a:bodyPr>
+          <a:lstStyle/>
+          <a:p>
+            <a:pPr marL="0" lvl="0" indent="0" algn="l" rtl="0">
+              <a:spcBef>
+                <a:spcPts val="0"/>
+              </a:spcBef>
+              <a:spcAft>
+                <a:spcPts val="0"/>
+              </a:spcAft>
+              <a:buNone/>
+            </a:pPr>
+            <a:r>
+              <a:rPr lang="en-US" dirty="0"/>
+              <a:t>Draw up new Curve Tracer Schematic</a:t>
+            </a:r>
+          </a:p>
+          <a:p>
+            <a:pPr marL="0" lvl="0" indent="0" algn="l" rtl="0">
+              <a:spcBef>
+                <a:spcPts val="0"/>
+              </a:spcBef>
+              <a:spcAft>
+                <a:spcPts val="0"/>
+              </a:spcAft>
+              <a:buNone/>
+            </a:pPr>
+            <a:endParaRPr lang="en-US" dirty="0"/>
+          </a:p>
+          <a:p>
+            <a:pPr marL="0" lvl="0" indent="0" algn="l" rtl="0">
+              <a:spcBef>
+                <a:spcPts val="0"/>
+              </a:spcBef>
+              <a:spcAft>
+                <a:spcPts val="0"/>
+              </a:spcAft>
+              <a:buNone/>
+            </a:pPr>
+            <a:r>
+              <a:rPr lang="en-US" dirty="0"/>
+              <a:t>Figured out how to power the system via AC/DC power supplies, 30V/2A and 5V/6A</a:t>
+            </a:r>
+          </a:p>
+          <a:p>
+            <a:pPr marL="0" lvl="0" indent="0" algn="l" rtl="0">
+              <a:spcBef>
+                <a:spcPts val="0"/>
+              </a:spcBef>
+              <a:spcAft>
+                <a:spcPts val="0"/>
+              </a:spcAft>
+              <a:buNone/>
+            </a:pPr>
+            <a:endParaRPr lang="en-US" dirty="0"/>
+          </a:p>
+          <a:p>
+            <a:pPr marL="0" lvl="0" indent="0" algn="l" rtl="0">
+              <a:spcBef>
+                <a:spcPts val="0"/>
+              </a:spcBef>
+              <a:spcAft>
+                <a:spcPts val="0"/>
+              </a:spcAft>
+              <a:buNone/>
+            </a:pPr>
+            <a:r>
+              <a:rPr lang="en-US" dirty="0"/>
+              <a:t>More research on parts for Curve Tracer</a:t>
+            </a:r>
+            <a:endParaRPr dirty="0"/>
+          </a:p>
+        </p:txBody>
+      </p:sp>
+    </p:spTree>
+    <p:extLst>
+      <p:ext uri="{BB962C8B-B14F-4D97-AF65-F5344CB8AC3E}">
+        <p14:creationId xmlns:p14="http://schemas.microsoft.com/office/powerpoint/2010/main" val="2916796810"/>
+      </p:ext>
+    </p:extLst>
+  </p:cSld>
+  <p:clrMapOvr>
+    <a:masterClrMapping/>
+  </p:clrMapOvr>
+</p:sld>
+</file>
+
+<file path=ppt/slides/slide12.xml><?xml version="1.0" encoding="utf-8"?>
+<p:sld xmlns:a="http://schemas.openxmlformats.org/drawingml/2006/main" xmlns:r="http://schemas.openxmlformats.org/officeDocument/2006/relationships" xmlns:p="http://schemas.openxmlformats.org/presentationml/2006/main">
+  <p:cSld>
+    <p:spTree>
+      <p:nvGrpSpPr>
+        <p:cNvPr id="1" name="Shape 65"/>
+        <p:cNvGrpSpPr/>
+        <p:nvPr/>
+      </p:nvGrpSpPr>
+      <p:grpSpPr>
+        <a:xfrm>
+          <a:off x="0" y="0"/>
+          <a:ext cx="0" cy="0"/>
+          <a:chOff x="0" y="0"/>
+          <a:chExt cx="0" cy="0"/>
+        </a:xfrm>
+      </p:grpSpPr>
+      <p:sp>
+        <p:nvSpPr>
+          <p:cNvPr id="66" name="Google Shape;66;p15"/>
+          <p:cNvSpPr txBox="1">
+            <a:spLocks noGrp="1"/>
+          </p:cNvSpPr>
+          <p:nvPr>
+            <p:ph type="title"/>
+          </p:nvPr>
+        </p:nvSpPr>
+        <p:spPr>
+          <a:xfrm>
+            <a:off x="311700" y="445025"/>
+            <a:ext cx="8520600" cy="572700"/>
+          </a:xfrm>
+          <a:prstGeom prst="rect">
+            <a:avLst/>
+          </a:prstGeom>
+        </p:spPr>
+        <p:txBody>
+          <a:bodyPr spcFirstLastPara="1" wrap="square" lIns="91425" tIns="91425" rIns="91425" bIns="91425" anchor="t" anchorCtr="0">
+            <a:noAutofit/>
+          </a:bodyPr>
+          <a:lstStyle/>
+          <a:p>
+            <a:pPr marL="0" lvl="0" indent="0" algn="l" rtl="0">
+              <a:spcBef>
+                <a:spcPts val="0"/>
+              </a:spcBef>
+              <a:spcAft>
+                <a:spcPts val="0"/>
+              </a:spcAft>
+              <a:buNone/>
+            </a:pPr>
+            <a:r>
+              <a:rPr lang="en-US" dirty="0"/>
+              <a:t>Initial Curve Tracer Schematic V2</a:t>
+            </a:r>
+            <a:endParaRPr dirty="0"/>
+          </a:p>
+        </p:txBody>
+      </p:sp>
+      <p:pic>
+        <p:nvPicPr>
+          <p:cNvPr id="3" name="Picture 2">
+            <a:extLst>
+              <a:ext uri="{FF2B5EF4-FFF2-40B4-BE49-F238E27FC236}">
+                <a16:creationId xmlns:a16="http://schemas.microsoft.com/office/drawing/2014/main" id="{8737CBC8-EDA9-4D30-BC47-511951BD13ED}"/>
+              </a:ext>
+            </a:extLst>
+          </p:cNvPr>
+          <p:cNvPicPr>
+            <a:picLocks noChangeAspect="1"/>
+          </p:cNvPicPr>
+          <p:nvPr/>
+        </p:nvPicPr>
+        <p:blipFill>
+          <a:blip r:embed="rId3"/>
+          <a:stretch>
+            <a:fillRect/>
+          </a:stretch>
+        </p:blipFill>
+        <p:spPr>
+          <a:xfrm>
+            <a:off x="1214437" y="1516855"/>
+            <a:ext cx="6715125" cy="2466975"/>
+          </a:xfrm>
+          <a:prstGeom prst="rect">
+            <a:avLst/>
+          </a:prstGeom>
+        </p:spPr>
+      </p:pic>
+    </p:spTree>
+    <p:extLst>
+      <p:ext uri="{BB962C8B-B14F-4D97-AF65-F5344CB8AC3E}">
+        <p14:creationId xmlns:p14="http://schemas.microsoft.com/office/powerpoint/2010/main" val="658541444"/>
+      </p:ext>
+    </p:extLst>
+  </p:cSld>
+  <p:clrMapOvr>
+    <a:masterClrMapping/>
+  </p:clrMapOvr>
+</p:sld>
+</file>
+
+<file path=ppt/slides/slide13.xml><?xml version="1.0" encoding="utf-8"?>
+<p:sld xmlns:a="http://schemas.openxmlformats.org/drawingml/2006/main" xmlns:r="http://schemas.openxmlformats.org/officeDocument/2006/relationships" xmlns:p="http://schemas.openxmlformats.org/presentationml/2006/main">
+  <p:cSld>
+    <p:spTree>
+      <p:nvGrpSpPr>
+        <p:cNvPr id="1" name="Shape 65"/>
+        <p:cNvGrpSpPr/>
+        <p:nvPr/>
+      </p:nvGrpSpPr>
+      <p:grpSpPr>
+        <a:xfrm>
+          <a:off x="0" y="0"/>
+          <a:ext cx="0" cy="0"/>
+          <a:chOff x="0" y="0"/>
+          <a:chExt cx="0" cy="0"/>
+        </a:xfrm>
+      </p:grpSpPr>
+      <p:sp>
+        <p:nvSpPr>
+          <p:cNvPr id="66" name="Google Shape;66;p15"/>
+          <p:cNvSpPr txBox="1">
+            <a:spLocks noGrp="1"/>
+          </p:cNvSpPr>
+          <p:nvPr>
+            <p:ph type="title"/>
+          </p:nvPr>
+        </p:nvSpPr>
+        <p:spPr>
+          <a:xfrm>
+            <a:off x="311700" y="445025"/>
+            <a:ext cx="8520600" cy="572700"/>
+          </a:xfrm>
+          <a:prstGeom prst="rect">
+            <a:avLst/>
+          </a:prstGeom>
+        </p:spPr>
+        <p:txBody>
+          <a:bodyPr spcFirstLastPara="1" wrap="square" lIns="91425" tIns="91425" rIns="91425" bIns="91425" anchor="t" anchorCtr="0">
+            <a:noAutofit/>
+          </a:bodyPr>
+          <a:lstStyle/>
+          <a:p>
+            <a:pPr marL="0" lvl="0" indent="0" algn="l" rtl="0">
+              <a:spcBef>
+                <a:spcPts val="0"/>
+              </a:spcBef>
+              <a:spcAft>
+                <a:spcPts val="0"/>
+              </a:spcAft>
+              <a:buNone/>
+            </a:pPr>
+            <a:r>
+              <a:rPr lang="en-US" dirty="0"/>
+              <a:t>10/25-10/31</a:t>
+            </a:r>
+            <a:endParaRPr dirty="0"/>
+          </a:p>
+        </p:txBody>
+      </p:sp>
+      <p:sp>
+        <p:nvSpPr>
+          <p:cNvPr id="67" name="Google Shape;67;p15"/>
+          <p:cNvSpPr txBox="1">
+            <a:spLocks noGrp="1"/>
+          </p:cNvSpPr>
+          <p:nvPr>
+            <p:ph type="body" idx="1"/>
+          </p:nvPr>
+        </p:nvSpPr>
+        <p:spPr>
+          <a:xfrm>
+            <a:off x="311700" y="1152475"/>
+            <a:ext cx="8520600" cy="3416400"/>
+          </a:xfrm>
+          <a:prstGeom prst="rect">
+            <a:avLst/>
+          </a:prstGeom>
+        </p:spPr>
+        <p:txBody>
+          <a:bodyPr spcFirstLastPara="1" wrap="square" lIns="91425" tIns="91425" rIns="91425" bIns="91425" anchor="t" anchorCtr="0">
+            <a:noAutofit/>
+          </a:bodyPr>
+          <a:lstStyle/>
+          <a:p>
+            <a:pPr marL="0" lvl="0" indent="0" algn="l" rtl="0">
+              <a:spcBef>
+                <a:spcPts val="0"/>
+              </a:spcBef>
+              <a:spcAft>
+                <a:spcPts val="0"/>
+              </a:spcAft>
+              <a:buNone/>
+            </a:pPr>
+            <a:r>
+              <a:rPr lang="en-US" dirty="0"/>
+              <a:t>Draw up a more updated schematic</a:t>
+            </a:r>
+          </a:p>
+          <a:p>
+            <a:pPr marL="0" lvl="0" indent="0" algn="l" rtl="0">
+              <a:spcBef>
+                <a:spcPts val="0"/>
+              </a:spcBef>
+              <a:spcAft>
+                <a:spcPts val="0"/>
+              </a:spcAft>
+              <a:buNone/>
+            </a:pPr>
+            <a:endParaRPr lang="en-US" dirty="0"/>
+          </a:p>
+          <a:p>
+            <a:pPr marL="0" lvl="0" indent="0" algn="l" rtl="0">
+              <a:spcBef>
+                <a:spcPts val="0"/>
+              </a:spcBef>
+              <a:spcAft>
+                <a:spcPts val="0"/>
+              </a:spcAft>
+              <a:buNone/>
+            </a:pPr>
+            <a:r>
+              <a:rPr lang="en-US" dirty="0"/>
+              <a:t>Build prototype for Curve Tracer V2, burned my op amp.  Definitely need a Gate Driver and Switch so that the transistor isn’t always on during testing.</a:t>
+            </a:r>
+          </a:p>
+          <a:p>
+            <a:pPr marL="0" lvl="0" indent="0" algn="l" rtl="0">
+              <a:spcBef>
+                <a:spcPts val="0"/>
+              </a:spcBef>
+              <a:spcAft>
+                <a:spcPts val="0"/>
+              </a:spcAft>
+              <a:buNone/>
+            </a:pPr>
+            <a:endParaRPr lang="en-US" dirty="0"/>
+          </a:p>
+          <a:p>
+            <a:pPr marL="0" lvl="0" indent="0" algn="l" rtl="0">
+              <a:spcBef>
+                <a:spcPts val="0"/>
+              </a:spcBef>
+              <a:spcAft>
+                <a:spcPts val="0"/>
+              </a:spcAft>
+              <a:buNone/>
+            </a:pPr>
+            <a:r>
+              <a:rPr lang="en-US" dirty="0"/>
+              <a:t>Chose a Digital Potentiometer to control the curve tracer for testing – AD5220</a:t>
+            </a:r>
+            <a:endParaRPr dirty="0"/>
+          </a:p>
+        </p:txBody>
+      </p:sp>
+    </p:spTree>
+    <p:extLst>
+      <p:ext uri="{BB962C8B-B14F-4D97-AF65-F5344CB8AC3E}">
+        <p14:creationId xmlns:p14="http://schemas.microsoft.com/office/powerpoint/2010/main" val="1519257234"/>
+      </p:ext>
+    </p:extLst>
+  </p:cSld>
+  <p:clrMapOvr>
+    <a:masterClrMapping/>
+  </p:clrMapOvr>
+</p:sld>
+</file>
+
+<file path=ppt/slides/slide14.xml><?xml version="1.0" encoding="utf-8"?>
+<p:sld xmlns:a="http://schemas.openxmlformats.org/drawingml/2006/main" xmlns:r="http://schemas.openxmlformats.org/officeDocument/2006/relationships" xmlns:p="http://schemas.openxmlformats.org/presentationml/2006/main">
+  <p:cSld>
+    <p:spTree>
+      <p:nvGrpSpPr>
+        <p:cNvPr id="1" name="Shape 65"/>
+        <p:cNvGrpSpPr/>
+        <p:nvPr/>
+      </p:nvGrpSpPr>
+      <p:grpSpPr>
+        <a:xfrm>
+          <a:off x="0" y="0"/>
+          <a:ext cx="0" cy="0"/>
+          <a:chOff x="0" y="0"/>
+          <a:chExt cx="0" cy="0"/>
+        </a:xfrm>
+      </p:grpSpPr>
+      <p:sp>
+        <p:nvSpPr>
+          <p:cNvPr id="66" name="Google Shape;66;p15"/>
+          <p:cNvSpPr txBox="1">
+            <a:spLocks noGrp="1"/>
+          </p:cNvSpPr>
+          <p:nvPr>
+            <p:ph type="title"/>
+          </p:nvPr>
+        </p:nvSpPr>
+        <p:spPr>
+          <a:xfrm>
+            <a:off x="311700" y="445025"/>
+            <a:ext cx="8520600" cy="572700"/>
+          </a:xfrm>
+          <a:prstGeom prst="rect">
+            <a:avLst/>
+          </a:prstGeom>
+        </p:spPr>
+        <p:txBody>
+          <a:bodyPr spcFirstLastPara="1" wrap="square" lIns="91425" tIns="91425" rIns="91425" bIns="91425" anchor="t" anchorCtr="0">
+            <a:noAutofit/>
+          </a:bodyPr>
+          <a:lstStyle/>
+          <a:p>
+            <a:pPr marL="0" lvl="0" indent="0" algn="l" rtl="0">
+              <a:spcBef>
+                <a:spcPts val="0"/>
+              </a:spcBef>
+              <a:spcAft>
+                <a:spcPts val="0"/>
+              </a:spcAft>
+              <a:buNone/>
+            </a:pPr>
+            <a:r>
+              <a:rPr lang="en-US" dirty="0"/>
+              <a:t>Curve Tracer Schematic V2.1</a:t>
+            </a:r>
+            <a:endParaRPr dirty="0"/>
+          </a:p>
+        </p:txBody>
+      </p:sp>
+      <p:pic>
+        <p:nvPicPr>
+          <p:cNvPr id="2" name="Picture 1">
+            <a:extLst>
+              <a:ext uri="{FF2B5EF4-FFF2-40B4-BE49-F238E27FC236}">
+                <a16:creationId xmlns:a16="http://schemas.microsoft.com/office/drawing/2014/main" id="{587B9294-BDD9-4D26-ABCA-61B1AD78284D}"/>
+              </a:ext>
+            </a:extLst>
+          </p:cNvPr>
+          <p:cNvPicPr>
+            <a:picLocks noChangeAspect="1"/>
+          </p:cNvPicPr>
+          <p:nvPr/>
+        </p:nvPicPr>
+        <p:blipFill>
+          <a:blip r:embed="rId3"/>
+          <a:stretch>
+            <a:fillRect/>
+          </a:stretch>
+        </p:blipFill>
+        <p:spPr>
+          <a:xfrm>
+            <a:off x="1052512" y="1500187"/>
+            <a:ext cx="7038975" cy="2971800"/>
+          </a:xfrm>
+          <a:prstGeom prst="rect">
+            <a:avLst/>
+          </a:prstGeom>
+        </p:spPr>
+      </p:pic>
+    </p:spTree>
+    <p:extLst>
+      <p:ext uri="{BB962C8B-B14F-4D97-AF65-F5344CB8AC3E}">
+        <p14:creationId xmlns:p14="http://schemas.microsoft.com/office/powerpoint/2010/main" val="1252173912"/>
+      </p:ext>
+    </p:extLst>
+  </p:cSld>
+  <p:clrMapOvr>
+    <a:masterClrMapping/>
+  </p:clrMapOvr>
+</p:sld>
+</file>
+
+<file path=ppt/slides/slide15.xml><?xml version="1.0" encoding="utf-8"?>
+<p:sld xmlns:a="http://schemas.openxmlformats.org/drawingml/2006/main" xmlns:r="http://schemas.openxmlformats.org/officeDocument/2006/relationships" xmlns:p="http://schemas.openxmlformats.org/presentationml/2006/main">
+  <p:cSld>
+    <p:spTree>
+      <p:nvGrpSpPr>
+        <p:cNvPr id="1" name="Shape 65"/>
+        <p:cNvGrpSpPr/>
+        <p:nvPr/>
+      </p:nvGrpSpPr>
+      <p:grpSpPr>
+        <a:xfrm>
+          <a:off x="0" y="0"/>
+          <a:ext cx="0" cy="0"/>
+          <a:chOff x="0" y="0"/>
+          <a:chExt cx="0" cy="0"/>
+        </a:xfrm>
+      </p:grpSpPr>
+      <p:sp>
+        <p:nvSpPr>
+          <p:cNvPr id="66" name="Google Shape;66;p15"/>
+          <p:cNvSpPr txBox="1">
+            <a:spLocks noGrp="1"/>
+          </p:cNvSpPr>
+          <p:nvPr>
+            <p:ph type="title"/>
+          </p:nvPr>
+        </p:nvSpPr>
+        <p:spPr>
+          <a:xfrm>
+            <a:off x="311700" y="445025"/>
+            <a:ext cx="8520600" cy="572700"/>
+          </a:xfrm>
+          <a:prstGeom prst="rect">
+            <a:avLst/>
+          </a:prstGeom>
+        </p:spPr>
+        <p:txBody>
+          <a:bodyPr spcFirstLastPara="1" wrap="square" lIns="91425" tIns="91425" rIns="91425" bIns="91425" anchor="t" anchorCtr="0">
+            <a:noAutofit/>
+          </a:bodyPr>
+          <a:lstStyle/>
+          <a:p>
+            <a:pPr marL="0" lvl="0" indent="0" algn="l" rtl="0">
+              <a:spcBef>
+                <a:spcPts val="0"/>
+              </a:spcBef>
+              <a:spcAft>
+                <a:spcPts val="0"/>
+              </a:spcAft>
+              <a:buNone/>
+            </a:pPr>
+            <a:r>
+              <a:rPr lang="en-US" dirty="0"/>
+              <a:t>Curve Tracer V2 Prototype</a:t>
+            </a:r>
+            <a:endParaRPr dirty="0"/>
+          </a:p>
+        </p:txBody>
+      </p:sp>
+      <p:pic>
+        <p:nvPicPr>
+          <p:cNvPr id="3" name="Picture 2">
+            <a:extLst>
+              <a:ext uri="{FF2B5EF4-FFF2-40B4-BE49-F238E27FC236}">
+                <a16:creationId xmlns:a16="http://schemas.microsoft.com/office/drawing/2014/main" id="{E36089CF-7A65-49B6-9570-35D789A1A8EA}"/>
+              </a:ext>
+            </a:extLst>
+          </p:cNvPr>
+          <p:cNvPicPr>
+            <a:picLocks noChangeAspect="1"/>
+          </p:cNvPicPr>
+          <p:nvPr/>
+        </p:nvPicPr>
+        <p:blipFill>
+          <a:blip r:embed="rId3"/>
+          <a:stretch>
+            <a:fillRect/>
+          </a:stretch>
+        </p:blipFill>
+        <p:spPr>
+          <a:xfrm>
+            <a:off x="2219325" y="1293018"/>
+            <a:ext cx="4705350" cy="3486150"/>
+          </a:xfrm>
+          <a:prstGeom prst="rect">
+            <a:avLst/>
+          </a:prstGeom>
+        </p:spPr>
+      </p:pic>
+    </p:spTree>
+    <p:extLst>
+      <p:ext uri="{BB962C8B-B14F-4D97-AF65-F5344CB8AC3E}">
+        <p14:creationId xmlns:p14="http://schemas.microsoft.com/office/powerpoint/2010/main" val="2188628440"/>
+      </p:ext>
+    </p:extLst>
+  </p:cSld>
+  <p:clrMapOvr>
+    <a:masterClrMapping/>
+  </p:clrMapOvr>
+</p:sld>
+</file>
+
+<file path=ppt/slides/slide16.xml><?xml version="1.0" encoding="utf-8"?>
+<p:sld xmlns:a="http://schemas.openxmlformats.org/drawingml/2006/main" xmlns:r="http://schemas.openxmlformats.org/officeDocument/2006/relationships" xmlns:p="http://schemas.openxmlformats.org/presentationml/2006/main">
+  <p:cSld>
+    <p:spTree>
+      <p:nvGrpSpPr>
+        <p:cNvPr id="1" name="Shape 65"/>
+        <p:cNvGrpSpPr/>
+        <p:nvPr/>
+      </p:nvGrpSpPr>
+      <p:grpSpPr>
+        <a:xfrm>
+          <a:off x="0" y="0"/>
+          <a:ext cx="0" cy="0"/>
+          <a:chOff x="0" y="0"/>
+          <a:chExt cx="0" cy="0"/>
+        </a:xfrm>
+      </p:grpSpPr>
+      <p:sp>
+        <p:nvSpPr>
+          <p:cNvPr id="66" name="Google Shape;66;p15"/>
+          <p:cNvSpPr txBox="1">
+            <a:spLocks noGrp="1"/>
+          </p:cNvSpPr>
+          <p:nvPr>
+            <p:ph type="title"/>
+          </p:nvPr>
+        </p:nvSpPr>
+        <p:spPr>
+          <a:xfrm>
+            <a:off x="311700" y="445025"/>
+            <a:ext cx="8520600" cy="572700"/>
+          </a:xfrm>
+          <a:prstGeom prst="rect">
+            <a:avLst/>
+          </a:prstGeom>
+        </p:spPr>
+        <p:txBody>
+          <a:bodyPr spcFirstLastPara="1" wrap="square" lIns="91425" tIns="91425" rIns="91425" bIns="91425" anchor="t" anchorCtr="0">
+            <a:noAutofit/>
+          </a:bodyPr>
+          <a:lstStyle/>
+          <a:p>
+            <a:pPr marL="0" lvl="0" indent="0" algn="l" rtl="0">
+              <a:spcBef>
+                <a:spcPts val="0"/>
+              </a:spcBef>
+              <a:spcAft>
+                <a:spcPts val="0"/>
+              </a:spcAft>
+              <a:buNone/>
+            </a:pPr>
+            <a:r>
+              <a:rPr lang="en-US" dirty="0"/>
+              <a:t>11/1-11/7</a:t>
+            </a:r>
+            <a:endParaRPr dirty="0"/>
+          </a:p>
+        </p:txBody>
+      </p:sp>
+      <p:sp>
+        <p:nvSpPr>
+          <p:cNvPr id="67" name="Google Shape;67;p15"/>
+          <p:cNvSpPr txBox="1">
+            <a:spLocks noGrp="1"/>
+          </p:cNvSpPr>
+          <p:nvPr>
+            <p:ph type="body" idx="1"/>
+          </p:nvPr>
+        </p:nvSpPr>
+        <p:spPr>
+          <a:xfrm>
+            <a:off x="311700" y="1152475"/>
+            <a:ext cx="8520600" cy="3416400"/>
+          </a:xfrm>
+          <a:prstGeom prst="rect">
+            <a:avLst/>
+          </a:prstGeom>
+        </p:spPr>
+        <p:txBody>
+          <a:bodyPr spcFirstLastPara="1" wrap="square" lIns="91425" tIns="91425" rIns="91425" bIns="91425" anchor="t" anchorCtr="0">
+            <a:noAutofit/>
+          </a:bodyPr>
+          <a:lstStyle/>
+          <a:p>
+            <a:pPr marL="0" lvl="0" indent="0" algn="l" rtl="0">
+              <a:spcBef>
+                <a:spcPts val="0"/>
+              </a:spcBef>
+              <a:spcAft>
+                <a:spcPts val="0"/>
+              </a:spcAft>
+              <a:buNone/>
+            </a:pPr>
+            <a:r>
+              <a:rPr lang="en-US" dirty="0"/>
+              <a:t>Create control code for Digital Potentiometers in order to test circuit</a:t>
+            </a:r>
+          </a:p>
+          <a:p>
+            <a:pPr marL="0" lvl="0" indent="0" algn="l" rtl="0">
+              <a:spcBef>
+                <a:spcPts val="0"/>
+              </a:spcBef>
+              <a:spcAft>
+                <a:spcPts val="0"/>
+              </a:spcAft>
+              <a:buNone/>
+            </a:pPr>
+            <a:endParaRPr lang="en-US" dirty="0"/>
+          </a:p>
+          <a:p>
+            <a:pPr marL="0" lvl="0" indent="0" algn="l" rtl="0">
+              <a:spcBef>
+                <a:spcPts val="0"/>
+              </a:spcBef>
+              <a:spcAft>
+                <a:spcPts val="0"/>
+              </a:spcAft>
+              <a:buNone/>
+            </a:pPr>
+            <a:r>
+              <a:rPr lang="en-US" dirty="0"/>
+              <a:t>Test Digital Potentiometers that were ordered with the code. </a:t>
+            </a:r>
+          </a:p>
+          <a:p>
+            <a:pPr marL="0" lvl="0" indent="0" algn="l" rtl="0">
+              <a:spcBef>
+                <a:spcPts val="0"/>
+              </a:spcBef>
+              <a:spcAft>
+                <a:spcPts val="0"/>
+              </a:spcAft>
+              <a:buNone/>
+            </a:pPr>
+            <a:endParaRPr lang="en-US" dirty="0"/>
+          </a:p>
+          <a:p>
+            <a:pPr marL="0" lvl="0" indent="0" algn="l" rtl="0">
+              <a:spcBef>
+                <a:spcPts val="0"/>
+              </a:spcBef>
+              <a:spcAft>
+                <a:spcPts val="0"/>
+              </a:spcAft>
+              <a:buNone/>
+            </a:pPr>
+            <a:r>
+              <a:rPr lang="en-US" dirty="0"/>
+              <a:t>Only 1 of the 4 Digital Potentiometers that were received worked correctly.  Seems like very bad luck from </a:t>
+            </a:r>
+            <a:r>
+              <a:rPr lang="en-US" dirty="0" err="1"/>
+              <a:t>Digikey</a:t>
+            </a:r>
+            <a:endParaRPr lang="en-US" dirty="0"/>
+          </a:p>
+        </p:txBody>
+      </p:sp>
+    </p:spTree>
+    <p:extLst>
+      <p:ext uri="{BB962C8B-B14F-4D97-AF65-F5344CB8AC3E}">
+        <p14:creationId xmlns:p14="http://schemas.microsoft.com/office/powerpoint/2010/main" val="4048343322"/>
+      </p:ext>
+    </p:extLst>
+  </p:cSld>
+  <p:clrMapOvr>
+    <a:masterClrMapping/>
+  </p:clrMapOvr>
+</p:sld>
+</file>
+
+<file path=ppt/slides/slide17.xml><?xml version="1.0" encoding="utf-8"?>
+<p:sld xmlns:a="http://schemas.openxmlformats.org/drawingml/2006/main" xmlns:r="http://schemas.openxmlformats.org/officeDocument/2006/relationships" xmlns:p="http://schemas.openxmlformats.org/presentationml/2006/main">
+  <p:cSld>
+    <p:spTree>
+      <p:nvGrpSpPr>
+        <p:cNvPr id="1" name="Shape 65"/>
+        <p:cNvGrpSpPr/>
+        <p:nvPr/>
+      </p:nvGrpSpPr>
+      <p:grpSpPr>
+        <a:xfrm>
+          <a:off x="0" y="0"/>
+          <a:ext cx="0" cy="0"/>
+          <a:chOff x="0" y="0"/>
+          <a:chExt cx="0" cy="0"/>
+        </a:xfrm>
+      </p:grpSpPr>
+      <p:sp>
+        <p:nvSpPr>
+          <p:cNvPr id="66" name="Google Shape;66;p15"/>
+          <p:cNvSpPr txBox="1">
+            <a:spLocks noGrp="1"/>
+          </p:cNvSpPr>
+          <p:nvPr>
+            <p:ph type="title"/>
+          </p:nvPr>
+        </p:nvSpPr>
+        <p:spPr>
+          <a:xfrm>
+            <a:off x="311700" y="445025"/>
+            <a:ext cx="8520600" cy="572700"/>
+          </a:xfrm>
+          <a:prstGeom prst="rect">
+            <a:avLst/>
+          </a:prstGeom>
+        </p:spPr>
+        <p:txBody>
+          <a:bodyPr spcFirstLastPara="1" wrap="square" lIns="91425" tIns="91425" rIns="91425" bIns="91425" anchor="t" anchorCtr="0">
+            <a:noAutofit/>
+          </a:bodyPr>
+          <a:lstStyle/>
+          <a:p>
+            <a:pPr marL="0" lvl="0" indent="0" algn="l" rtl="0">
+              <a:spcBef>
+                <a:spcPts val="0"/>
+              </a:spcBef>
+              <a:spcAft>
+                <a:spcPts val="0"/>
+              </a:spcAft>
+              <a:buNone/>
+            </a:pPr>
+            <a:r>
+              <a:rPr lang="en-US" dirty="0"/>
+              <a:t>Initial Curve Tracer Control Code</a:t>
+            </a:r>
+            <a:endParaRPr dirty="0"/>
+          </a:p>
+        </p:txBody>
+      </p:sp>
+      <p:pic>
+        <p:nvPicPr>
+          <p:cNvPr id="2" name="Picture 1">
+            <a:extLst>
+              <a:ext uri="{FF2B5EF4-FFF2-40B4-BE49-F238E27FC236}">
+                <a16:creationId xmlns:a16="http://schemas.microsoft.com/office/drawing/2014/main" id="{ACC74544-0F08-4422-BF27-BA79DF8D8D8D}"/>
+              </a:ext>
+            </a:extLst>
+          </p:cNvPr>
+          <p:cNvPicPr>
+            <a:picLocks noChangeAspect="1"/>
+          </p:cNvPicPr>
+          <p:nvPr/>
+        </p:nvPicPr>
+        <p:blipFill>
+          <a:blip r:embed="rId3"/>
+          <a:stretch>
+            <a:fillRect/>
+          </a:stretch>
+        </p:blipFill>
+        <p:spPr>
+          <a:xfrm>
+            <a:off x="3105150" y="1279000"/>
+            <a:ext cx="2933700" cy="3419475"/>
+          </a:xfrm>
+          <a:prstGeom prst="rect">
+            <a:avLst/>
+          </a:prstGeom>
+        </p:spPr>
+      </p:pic>
+    </p:spTree>
+    <p:extLst>
+      <p:ext uri="{BB962C8B-B14F-4D97-AF65-F5344CB8AC3E}">
+        <p14:creationId xmlns:p14="http://schemas.microsoft.com/office/powerpoint/2010/main" val="4139202255"/>
+      </p:ext>
+    </p:extLst>
+  </p:cSld>
+  <p:clrMapOvr>
+    <a:masterClrMapping/>
+  </p:clrMapOvr>
+</p:sld>
+</file>
+
+<file path=ppt/slides/slide18.xml><?xml version="1.0" encoding="utf-8"?>
+<p:sld xmlns:a="http://schemas.openxmlformats.org/drawingml/2006/main" xmlns:r="http://schemas.openxmlformats.org/officeDocument/2006/relationships" xmlns:p="http://schemas.openxmlformats.org/presentationml/2006/main">
+  <p:cSld>
+    <p:spTree>
+      <p:nvGrpSpPr>
+        <p:cNvPr id="1" name="Shape 65"/>
+        <p:cNvGrpSpPr/>
+        <p:nvPr/>
+      </p:nvGrpSpPr>
+      <p:grpSpPr>
+        <a:xfrm>
+          <a:off x="0" y="0"/>
+          <a:ext cx="0" cy="0"/>
+          <a:chOff x="0" y="0"/>
+          <a:chExt cx="0" cy="0"/>
+        </a:xfrm>
+      </p:grpSpPr>
+      <p:sp>
+        <p:nvSpPr>
+          <p:cNvPr id="66" name="Google Shape;66;p15"/>
+          <p:cNvSpPr txBox="1">
+            <a:spLocks noGrp="1"/>
+          </p:cNvSpPr>
+          <p:nvPr>
+            <p:ph type="title"/>
+          </p:nvPr>
+        </p:nvSpPr>
+        <p:spPr>
+          <a:xfrm>
+            <a:off x="311700" y="445025"/>
+            <a:ext cx="8520600" cy="572700"/>
+          </a:xfrm>
+          <a:prstGeom prst="rect">
+            <a:avLst/>
+          </a:prstGeom>
+        </p:spPr>
+        <p:txBody>
+          <a:bodyPr spcFirstLastPara="1" wrap="square" lIns="91425" tIns="91425" rIns="91425" bIns="91425" anchor="t" anchorCtr="0">
+            <a:noAutofit/>
+          </a:bodyPr>
+          <a:lstStyle/>
+          <a:p>
+            <a:pPr marL="0" lvl="0" indent="0" algn="l" rtl="0">
+              <a:spcBef>
+                <a:spcPts val="0"/>
+              </a:spcBef>
+              <a:spcAft>
+                <a:spcPts val="0"/>
+              </a:spcAft>
+              <a:buNone/>
+            </a:pPr>
+            <a:r>
+              <a:rPr lang="en-US" dirty="0"/>
+              <a:t>Digital Potentiometer Test Output (With Code)</a:t>
+            </a:r>
+            <a:endParaRPr dirty="0"/>
+          </a:p>
+        </p:txBody>
+      </p:sp>
+      <p:pic>
+        <p:nvPicPr>
+          <p:cNvPr id="3" name="Picture 2">
+            <a:extLst>
+              <a:ext uri="{FF2B5EF4-FFF2-40B4-BE49-F238E27FC236}">
+                <a16:creationId xmlns:a16="http://schemas.microsoft.com/office/drawing/2014/main" id="{E51EFB47-31A8-457E-A140-3F195B8624D0}"/>
+              </a:ext>
+            </a:extLst>
+          </p:cNvPr>
+          <p:cNvPicPr>
+            <a:picLocks noChangeAspect="1"/>
+          </p:cNvPicPr>
+          <p:nvPr/>
+        </p:nvPicPr>
+        <p:blipFill>
+          <a:blip r:embed="rId3"/>
+          <a:stretch>
+            <a:fillRect/>
+          </a:stretch>
+        </p:blipFill>
+        <p:spPr>
+          <a:xfrm>
+            <a:off x="311700" y="1389430"/>
+            <a:ext cx="8520600" cy="3183331"/>
+          </a:xfrm>
+          <a:prstGeom prst="rect">
+            <a:avLst/>
+          </a:prstGeom>
+        </p:spPr>
+      </p:pic>
+    </p:spTree>
+    <p:extLst>
+      <p:ext uri="{BB962C8B-B14F-4D97-AF65-F5344CB8AC3E}">
+        <p14:creationId xmlns:p14="http://schemas.microsoft.com/office/powerpoint/2010/main" val="4005649570"/>
+      </p:ext>
+    </p:extLst>
+  </p:cSld>
+  <p:clrMapOvr>
+    <a:masterClrMapping/>
+  </p:clrMapOvr>
+</p:sld>
+</file>
+
+<file path=ppt/slides/slide19.xml><?xml version="1.0" encoding="utf-8"?>
+<p:sld xmlns:a="http://schemas.openxmlformats.org/drawingml/2006/main" xmlns:r="http://schemas.openxmlformats.org/officeDocument/2006/relationships" xmlns:p="http://schemas.openxmlformats.org/presentationml/2006/main">
+  <p:cSld>
+    <p:spTree>
+      <p:nvGrpSpPr>
+        <p:cNvPr id="1" name="Shape 65"/>
+        <p:cNvGrpSpPr/>
+        <p:nvPr/>
+      </p:nvGrpSpPr>
+      <p:grpSpPr>
+        <a:xfrm>
+          <a:off x="0" y="0"/>
+          <a:ext cx="0" cy="0"/>
+          <a:chOff x="0" y="0"/>
+          <a:chExt cx="0" cy="0"/>
+        </a:xfrm>
+      </p:grpSpPr>
+      <p:sp>
+        <p:nvSpPr>
+          <p:cNvPr id="66" name="Google Shape;66;p15"/>
+          <p:cNvSpPr txBox="1">
+            <a:spLocks noGrp="1"/>
+          </p:cNvSpPr>
+          <p:nvPr>
+            <p:ph type="title"/>
+          </p:nvPr>
+        </p:nvSpPr>
+        <p:spPr>
+          <a:xfrm>
+            <a:off x="311700" y="445025"/>
+            <a:ext cx="8520600" cy="572700"/>
+          </a:xfrm>
+          <a:prstGeom prst="rect">
+            <a:avLst/>
+          </a:prstGeom>
+        </p:spPr>
+        <p:txBody>
+          <a:bodyPr spcFirstLastPara="1" wrap="square" lIns="91425" tIns="91425" rIns="91425" bIns="91425" anchor="t" anchorCtr="0">
+            <a:noAutofit/>
+          </a:bodyPr>
+          <a:lstStyle/>
+          <a:p>
+            <a:pPr marL="0" lvl="0" indent="0" algn="l" rtl="0">
+              <a:spcBef>
+                <a:spcPts val="0"/>
+              </a:spcBef>
+              <a:spcAft>
+                <a:spcPts val="0"/>
+              </a:spcAft>
+              <a:buNone/>
+            </a:pPr>
+            <a:r>
+              <a:rPr lang="en-US" dirty="0"/>
+              <a:t>11/8-11/14</a:t>
+            </a:r>
+            <a:endParaRPr dirty="0"/>
+          </a:p>
+        </p:txBody>
+      </p:sp>
+      <p:sp>
+        <p:nvSpPr>
+          <p:cNvPr id="67" name="Google Shape;67;p15"/>
+          <p:cNvSpPr txBox="1">
+            <a:spLocks noGrp="1"/>
+          </p:cNvSpPr>
+          <p:nvPr>
+            <p:ph type="body" idx="1"/>
+          </p:nvPr>
+        </p:nvSpPr>
+        <p:spPr>
+          <a:xfrm>
+            <a:off x="311700" y="1152475"/>
+            <a:ext cx="8520600" cy="3416400"/>
+          </a:xfrm>
+          <a:prstGeom prst="rect">
+            <a:avLst/>
+          </a:prstGeom>
+        </p:spPr>
+        <p:txBody>
+          <a:bodyPr spcFirstLastPara="1" wrap="square" lIns="91425" tIns="91425" rIns="91425" bIns="91425" anchor="t" anchorCtr="0">
+            <a:noAutofit/>
+          </a:bodyPr>
+          <a:lstStyle/>
+          <a:p>
+            <a:pPr marL="0" lvl="0" indent="0" algn="l" rtl="0">
+              <a:spcBef>
+                <a:spcPts val="0"/>
+              </a:spcBef>
+              <a:spcAft>
+                <a:spcPts val="0"/>
+              </a:spcAft>
+              <a:buNone/>
+            </a:pPr>
+            <a:r>
+              <a:rPr lang="en-US" dirty="0"/>
+              <a:t>Family Emergency, all progress put on hold</a:t>
+            </a:r>
+          </a:p>
+        </p:txBody>
+      </p:sp>
+    </p:spTree>
+    <p:extLst>
+      <p:ext uri="{BB962C8B-B14F-4D97-AF65-F5344CB8AC3E}">
+        <p14:creationId xmlns:p14="http://schemas.microsoft.com/office/powerpoint/2010/main" val="156012657"/>
+      </p:ext>
+    </p:extLst>
+  </p:cSld>
+  <p:clrMapOvr>
+    <a:masterClrMapping/>
+  </p:clrMapOvr>
+</p:sld>
+</file>
+
+<file path=ppt/slides/slide2.xml><?xml version="1.0" encoding="utf-8"?>
+<p:sld xmlns:a="http://schemas.openxmlformats.org/drawingml/2006/main" xmlns:r="http://schemas.openxmlformats.org/officeDocument/2006/relationships" xmlns:p="http://schemas.openxmlformats.org/presentationml/2006/main">
+  <p:cSld>
+    <p:spTree>
+      <p:nvGrpSpPr>
+        <p:cNvPr id="1" name="Shape 59"/>
         <p:cNvGrpSpPr/>
         <p:nvPr/>
       </p:nvGrpSpPr>
@@ -5817,7 +9832,9 @@
       <p:sp>
         <p:nvSpPr>
           <p:cNvPr id="60" name="Google Shape;60;p14"/>
-          <p:cNvSpPr txBox="1"/>
+          <p:cNvSpPr txBox="1">
+            <a:spLocks noGrp="1"/>
+          </p:cNvSpPr>
           <p:nvPr>
             <p:ph type="title"/>
           </p:nvPr>
@@ -5832,12 +9849,12 @@
           </a:prstGeom>
         </p:spPr>
         <p:txBody>
-          <a:bodyPr anchorCtr="0" anchor="t" bIns="91425" lIns="91425" spcFirstLastPara="1" rIns="91425" wrap="square" tIns="91425">
+          <a:bodyPr spcFirstLastPara="1" wrap="square" lIns="91425" tIns="91425" rIns="91425" bIns="91425" anchor="t" anchorCtr="0">
             <a:noAutofit/>
           </a:bodyPr>
           <a:lstStyle/>
           <a:p>
-            <a:pPr indent="0" lvl="0" marL="0" rtl="0" algn="l">
+            <a:pPr marL="0" lvl="0" indent="0" algn="l" rtl="0">
               <a:spcBef>
                 <a:spcPts val="0"/>
               </a:spcBef>
@@ -5857,9 +9874,11 @@
       <p:sp>
         <p:nvSpPr>
           <p:cNvPr id="61" name="Google Shape;61;p14"/>
-          <p:cNvSpPr txBox="1"/>
+          <p:cNvSpPr txBox="1">
+            <a:spLocks noGrp="1"/>
+          </p:cNvSpPr>
           <p:nvPr>
-            <p:ph idx="1" type="body"/>
+            <p:ph type="body" idx="1"/>
           </p:nvPr>
         </p:nvSpPr>
         <p:spPr>
@@ -5872,12 +9891,12 @@
           </a:prstGeom>
         </p:spPr>
         <p:txBody>
-          <a:bodyPr anchorCtr="0" anchor="t" bIns="91425" lIns="91425" spcFirstLastPara="1" rIns="91425" wrap="square" tIns="91425">
+          <a:bodyPr spcFirstLastPara="1" wrap="square" lIns="91425" tIns="91425" rIns="91425" bIns="91425" anchor="t" anchorCtr="0">
             <a:noAutofit/>
           </a:bodyPr>
           <a:lstStyle/>
           <a:p>
-            <a:pPr indent="0" lvl="0" marL="0" rtl="0" algn="l">
+            <a:pPr marL="0" lvl="0" indent="0" algn="l" rtl="0">
               <a:spcBef>
                 <a:spcPts val="0"/>
               </a:spcBef>
@@ -5893,7 +9912,7 @@
             <a:endParaRPr/>
           </a:p>
           <a:p>
-            <a:pPr indent="0" lvl="0" marL="0" rtl="0" algn="l">
+            <a:pPr marL="0" lvl="0" indent="0" algn="l" rtl="0">
               <a:spcBef>
                 <a:spcPts val="1600"/>
               </a:spcBef>
@@ -5909,7 +9928,7 @@
             <a:endParaRPr/>
           </a:p>
           <a:p>
-            <a:pPr indent="0" lvl="0" marL="0" rtl="0" algn="l">
+            <a:pPr marL="0" lvl="0" indent="0" algn="l" rtl="0">
               <a:spcBef>
                 <a:spcPts val="1600"/>
               </a:spcBef>
@@ -5925,7 +9944,7 @@
             <a:endParaRPr/>
           </a:p>
           <a:p>
-            <a:pPr indent="0" lvl="0" marL="0" rtl="0" algn="l">
+            <a:pPr marL="0" lvl="0" indent="0" algn="l" rtl="0">
               <a:spcBef>
                 <a:spcPts val="1600"/>
               </a:spcBef>
@@ -5941,7 +9960,7 @@
             <a:endParaRPr/>
           </a:p>
           <a:p>
-            <a:pPr indent="0" lvl="0" marL="0" rtl="0" algn="l">
+            <a:pPr marL="0" lvl="0" indent="0" algn="l" rtl="0">
               <a:spcBef>
                 <a:spcPts val="1600"/>
               </a:spcBef>
@@ -5966,12 +9985,12 @@
 </p:sld>
 </file>
 
-<file path=ppt/slides/slide3.xml><?xml version="1.0" encoding="utf-8"?>
-<p:sld xmlns:a="http://schemas.openxmlformats.org/drawingml/2006/main" xmlns:r="http://schemas.openxmlformats.org/officeDocument/2006/relationships" xmlns:mc="http://schemas.openxmlformats.org/markup-compatibility/2006" xmlns:mv="urn:schemas-microsoft-com:mac:vml" xmlns:p="http://schemas.openxmlformats.org/presentationml/2006/main" xmlns:c="http://schemas.openxmlformats.org/drawingml/2006/chart" xmlns:dgm="http://schemas.openxmlformats.org/drawingml/2006/diagram" xmlns:o="urn:schemas-microsoft-com:office:office" xmlns:v="urn:schemas-microsoft-com:vml" xmlns:pvml="urn:schemas-microsoft-com:office:powerpoint" xmlns:com="http://schemas.openxmlformats.org/drawingml/2006/compatibility" xmlns:p14="http://schemas.microsoft.com/office/powerpoint/2010/main" xmlns:p15="http://schemas.microsoft.com/office/powerpoint/2012/main">
+<file path=ppt/slides/slide20.xml><?xml version="1.0" encoding="utf-8"?>
+<p:sld xmlns:a="http://schemas.openxmlformats.org/drawingml/2006/main" xmlns:r="http://schemas.openxmlformats.org/officeDocument/2006/relationships" xmlns:p="http://schemas.openxmlformats.org/presentationml/2006/main">
   <p:cSld>
     <p:spTree>
       <p:nvGrpSpPr>
-        <p:cNvPr id="65" name="Shape 65"/>
+        <p:cNvPr id="1" name="Shape 65"/>
         <p:cNvGrpSpPr/>
         <p:nvPr/>
       </p:nvGrpSpPr>
@@ -5986,7 +10005,9 @@
       <p:sp>
         <p:nvSpPr>
           <p:cNvPr id="66" name="Google Shape;66;p15"/>
-          <p:cNvSpPr txBox="1"/>
+          <p:cNvSpPr txBox="1">
+            <a:spLocks noGrp="1"/>
+          </p:cNvSpPr>
           <p:nvPr>
             <p:ph type="title"/>
           </p:nvPr>
@@ -6001,12 +10022,712 @@
           </a:prstGeom>
         </p:spPr>
         <p:txBody>
-          <a:bodyPr anchorCtr="0" anchor="t" bIns="91425" lIns="91425" spcFirstLastPara="1" rIns="91425" wrap="square" tIns="91425">
+          <a:bodyPr spcFirstLastPara="1" wrap="square" lIns="91425" tIns="91425" rIns="91425" bIns="91425" anchor="t" anchorCtr="0">
             <a:noAutofit/>
           </a:bodyPr>
           <a:lstStyle/>
           <a:p>
-            <a:pPr indent="0" lvl="0" marL="0" rtl="0" algn="l">
+            <a:pPr marL="0" lvl="0" indent="0" algn="l" rtl="0">
+              <a:spcBef>
+                <a:spcPts val="0"/>
+              </a:spcBef>
+              <a:spcAft>
+                <a:spcPts val="0"/>
+              </a:spcAft>
+              <a:buNone/>
+            </a:pPr>
+            <a:r>
+              <a:rPr lang="en-US" dirty="0"/>
+              <a:t>11/15-11/25</a:t>
+            </a:r>
+            <a:endParaRPr dirty="0"/>
+          </a:p>
+        </p:txBody>
+      </p:sp>
+      <p:sp>
+        <p:nvSpPr>
+          <p:cNvPr id="67" name="Google Shape;67;p15"/>
+          <p:cNvSpPr txBox="1">
+            <a:spLocks noGrp="1"/>
+          </p:cNvSpPr>
+          <p:nvPr>
+            <p:ph type="body" idx="1"/>
+          </p:nvPr>
+        </p:nvSpPr>
+        <p:spPr>
+          <a:xfrm>
+            <a:off x="311700" y="1152475"/>
+            <a:ext cx="8520600" cy="3416400"/>
+          </a:xfrm>
+          <a:prstGeom prst="rect">
+            <a:avLst/>
+          </a:prstGeom>
+        </p:spPr>
+        <p:txBody>
+          <a:bodyPr spcFirstLastPara="1" wrap="square" lIns="91425" tIns="91425" rIns="91425" bIns="91425" anchor="t" anchorCtr="0">
+            <a:noAutofit/>
+          </a:bodyPr>
+          <a:lstStyle/>
+          <a:p>
+            <a:pPr marL="0" lvl="0" indent="0" algn="l" rtl="0">
+              <a:spcBef>
+                <a:spcPts val="0"/>
+              </a:spcBef>
+              <a:spcAft>
+                <a:spcPts val="0"/>
+              </a:spcAft>
+              <a:buNone/>
+            </a:pPr>
+            <a:r>
+              <a:rPr lang="en-US" dirty="0"/>
+              <a:t>Reordered parts to replace duds</a:t>
+            </a:r>
+          </a:p>
+          <a:p>
+            <a:pPr marL="0" lvl="0" indent="0" algn="l" rtl="0">
+              <a:spcBef>
+                <a:spcPts val="0"/>
+              </a:spcBef>
+              <a:spcAft>
+                <a:spcPts val="0"/>
+              </a:spcAft>
+              <a:buNone/>
+            </a:pPr>
+            <a:endParaRPr lang="en-US" dirty="0"/>
+          </a:p>
+          <a:p>
+            <a:pPr marL="0" lvl="0" indent="0" algn="l" rtl="0">
+              <a:spcBef>
+                <a:spcPts val="0"/>
+              </a:spcBef>
+              <a:spcAft>
+                <a:spcPts val="0"/>
+              </a:spcAft>
+              <a:buNone/>
+            </a:pPr>
+            <a:r>
+              <a:rPr lang="en-US" dirty="0"/>
+              <a:t>Thanksgiving Holiday</a:t>
+            </a:r>
+          </a:p>
+        </p:txBody>
+      </p:sp>
+    </p:spTree>
+    <p:extLst>
+      <p:ext uri="{BB962C8B-B14F-4D97-AF65-F5344CB8AC3E}">
+        <p14:creationId xmlns:p14="http://schemas.microsoft.com/office/powerpoint/2010/main" val="663134425"/>
+      </p:ext>
+    </p:extLst>
+  </p:cSld>
+  <p:clrMapOvr>
+    <a:masterClrMapping/>
+  </p:clrMapOvr>
+</p:sld>
+</file>
+
+<file path=ppt/slides/slide21.xml><?xml version="1.0" encoding="utf-8"?>
+<p:sld xmlns:a="http://schemas.openxmlformats.org/drawingml/2006/main" xmlns:r="http://schemas.openxmlformats.org/officeDocument/2006/relationships" xmlns:p="http://schemas.openxmlformats.org/presentationml/2006/main">
+  <p:cSld>
+    <p:spTree>
+      <p:nvGrpSpPr>
+        <p:cNvPr id="1" name="Shape 65"/>
+        <p:cNvGrpSpPr/>
+        <p:nvPr/>
+      </p:nvGrpSpPr>
+      <p:grpSpPr>
+        <a:xfrm>
+          <a:off x="0" y="0"/>
+          <a:ext cx="0" cy="0"/>
+          <a:chOff x="0" y="0"/>
+          <a:chExt cx="0" cy="0"/>
+        </a:xfrm>
+      </p:grpSpPr>
+      <p:sp>
+        <p:nvSpPr>
+          <p:cNvPr id="66" name="Google Shape;66;p15"/>
+          <p:cNvSpPr txBox="1">
+            <a:spLocks noGrp="1"/>
+          </p:cNvSpPr>
+          <p:nvPr>
+            <p:ph type="title"/>
+          </p:nvPr>
+        </p:nvSpPr>
+        <p:spPr>
+          <a:xfrm>
+            <a:off x="311700" y="445025"/>
+            <a:ext cx="8520600" cy="572700"/>
+          </a:xfrm>
+          <a:prstGeom prst="rect">
+            <a:avLst/>
+          </a:prstGeom>
+        </p:spPr>
+        <p:txBody>
+          <a:bodyPr spcFirstLastPara="1" wrap="square" lIns="91425" tIns="91425" rIns="91425" bIns="91425" anchor="t" anchorCtr="0">
+            <a:noAutofit/>
+          </a:bodyPr>
+          <a:lstStyle/>
+          <a:p>
+            <a:pPr marL="0" lvl="0" indent="0" algn="l" rtl="0">
+              <a:spcBef>
+                <a:spcPts val="0"/>
+              </a:spcBef>
+              <a:spcAft>
+                <a:spcPts val="0"/>
+              </a:spcAft>
+              <a:buNone/>
+            </a:pPr>
+            <a:r>
+              <a:rPr lang="en-US" dirty="0"/>
+              <a:t>11/25-12/1</a:t>
+            </a:r>
+            <a:endParaRPr dirty="0"/>
+          </a:p>
+        </p:txBody>
+      </p:sp>
+      <p:sp>
+        <p:nvSpPr>
+          <p:cNvPr id="67" name="Google Shape;67;p15"/>
+          <p:cNvSpPr txBox="1">
+            <a:spLocks noGrp="1"/>
+          </p:cNvSpPr>
+          <p:nvPr>
+            <p:ph type="body" idx="1"/>
+          </p:nvPr>
+        </p:nvSpPr>
+        <p:spPr>
+          <a:xfrm>
+            <a:off x="311700" y="1152475"/>
+            <a:ext cx="8520600" cy="3416400"/>
+          </a:xfrm>
+          <a:prstGeom prst="rect">
+            <a:avLst/>
+          </a:prstGeom>
+        </p:spPr>
+        <p:txBody>
+          <a:bodyPr spcFirstLastPara="1" wrap="square" lIns="91425" tIns="91425" rIns="91425" bIns="91425" anchor="t" anchorCtr="0">
+            <a:noAutofit/>
+          </a:bodyPr>
+          <a:lstStyle/>
+          <a:p>
+            <a:pPr marL="0" lvl="0" indent="0" algn="l" rtl="0">
+              <a:spcBef>
+                <a:spcPts val="0"/>
+              </a:spcBef>
+              <a:spcAft>
+                <a:spcPts val="0"/>
+              </a:spcAft>
+              <a:buNone/>
+            </a:pPr>
+            <a:r>
+              <a:rPr lang="en-US" dirty="0"/>
+              <a:t>Implemented Gate Drivers in to the circuit</a:t>
+            </a:r>
+          </a:p>
+          <a:p>
+            <a:pPr marL="0" lvl="0" indent="0" algn="l" rtl="0">
+              <a:spcBef>
+                <a:spcPts val="0"/>
+              </a:spcBef>
+              <a:spcAft>
+                <a:spcPts val="0"/>
+              </a:spcAft>
+              <a:buNone/>
+            </a:pPr>
+            <a:endParaRPr lang="en-US" dirty="0"/>
+          </a:p>
+          <a:p>
+            <a:pPr marL="0" lvl="0" indent="0" algn="l" rtl="0">
+              <a:spcBef>
+                <a:spcPts val="0"/>
+              </a:spcBef>
+              <a:spcAft>
+                <a:spcPts val="0"/>
+              </a:spcAft>
+              <a:buNone/>
+            </a:pPr>
+            <a:r>
+              <a:rPr lang="en-US" dirty="0"/>
+              <a:t>Finished Curve Tracer circuit</a:t>
+            </a:r>
+          </a:p>
+          <a:p>
+            <a:pPr marL="0" lvl="0" indent="0" algn="l" rtl="0">
+              <a:spcBef>
+                <a:spcPts val="0"/>
+              </a:spcBef>
+              <a:spcAft>
+                <a:spcPts val="0"/>
+              </a:spcAft>
+              <a:buNone/>
+            </a:pPr>
+            <a:endParaRPr lang="en-US" dirty="0"/>
+          </a:p>
+          <a:p>
+            <a:pPr marL="0" lvl="0" indent="0" algn="l" rtl="0">
+              <a:spcBef>
+                <a:spcPts val="0"/>
+              </a:spcBef>
+              <a:spcAft>
+                <a:spcPts val="0"/>
+              </a:spcAft>
+              <a:buNone/>
+            </a:pPr>
+            <a:r>
+              <a:rPr lang="en-US" dirty="0"/>
+              <a:t>Prepare for Demo Day</a:t>
+            </a:r>
+          </a:p>
+          <a:p>
+            <a:pPr marL="0" lvl="0" indent="0" algn="l" rtl="0">
+              <a:spcBef>
+                <a:spcPts val="0"/>
+              </a:spcBef>
+              <a:spcAft>
+                <a:spcPts val="0"/>
+              </a:spcAft>
+              <a:buNone/>
+            </a:pPr>
+            <a:endParaRPr lang="en-US" dirty="0"/>
+          </a:p>
+          <a:p>
+            <a:pPr marL="0" lvl="0" indent="0" algn="l" rtl="0">
+              <a:spcBef>
+                <a:spcPts val="0"/>
+              </a:spcBef>
+              <a:spcAft>
+                <a:spcPts val="0"/>
+              </a:spcAft>
+              <a:buNone/>
+            </a:pPr>
+            <a:r>
+              <a:rPr lang="en-US" dirty="0"/>
+              <a:t>Solder circuit, burnt out from what seems to be too high of a duty cycle, leaving the transistor on too long.</a:t>
+            </a:r>
+          </a:p>
+        </p:txBody>
+      </p:sp>
+    </p:spTree>
+    <p:extLst>
+      <p:ext uri="{BB962C8B-B14F-4D97-AF65-F5344CB8AC3E}">
+        <p14:creationId xmlns:p14="http://schemas.microsoft.com/office/powerpoint/2010/main" val="873146868"/>
+      </p:ext>
+    </p:extLst>
+  </p:cSld>
+  <p:clrMapOvr>
+    <a:masterClrMapping/>
+  </p:clrMapOvr>
+</p:sld>
+</file>
+
+<file path=ppt/slides/slide22.xml><?xml version="1.0" encoding="utf-8"?>
+<p:sld xmlns:a="http://schemas.openxmlformats.org/drawingml/2006/main" xmlns:r="http://schemas.openxmlformats.org/officeDocument/2006/relationships" xmlns:p="http://schemas.openxmlformats.org/presentationml/2006/main">
+  <p:cSld>
+    <p:spTree>
+      <p:nvGrpSpPr>
+        <p:cNvPr id="1" name="Shape 65"/>
+        <p:cNvGrpSpPr/>
+        <p:nvPr/>
+      </p:nvGrpSpPr>
+      <p:grpSpPr>
+        <a:xfrm>
+          <a:off x="0" y="0"/>
+          <a:ext cx="0" cy="0"/>
+          <a:chOff x="0" y="0"/>
+          <a:chExt cx="0" cy="0"/>
+        </a:xfrm>
+      </p:grpSpPr>
+      <p:sp>
+        <p:nvSpPr>
+          <p:cNvPr id="66" name="Google Shape;66;p15"/>
+          <p:cNvSpPr txBox="1">
+            <a:spLocks noGrp="1"/>
+          </p:cNvSpPr>
+          <p:nvPr>
+            <p:ph type="title"/>
+          </p:nvPr>
+        </p:nvSpPr>
+        <p:spPr>
+          <a:xfrm>
+            <a:off x="311700" y="445025"/>
+            <a:ext cx="8520600" cy="572700"/>
+          </a:xfrm>
+          <a:prstGeom prst="rect">
+            <a:avLst/>
+          </a:prstGeom>
+        </p:spPr>
+        <p:txBody>
+          <a:bodyPr spcFirstLastPara="1" wrap="square" lIns="91425" tIns="91425" rIns="91425" bIns="91425" anchor="t" anchorCtr="0">
+            <a:noAutofit/>
+          </a:bodyPr>
+          <a:lstStyle/>
+          <a:p>
+            <a:pPr marL="0" lvl="0" indent="0" algn="l" rtl="0">
+              <a:spcBef>
+                <a:spcPts val="0"/>
+              </a:spcBef>
+              <a:spcAft>
+                <a:spcPts val="0"/>
+              </a:spcAft>
+              <a:buNone/>
+            </a:pPr>
+            <a:r>
+              <a:rPr lang="en-US" dirty="0"/>
+              <a:t>11/25-12/1</a:t>
+            </a:r>
+            <a:endParaRPr dirty="0"/>
+          </a:p>
+        </p:txBody>
+      </p:sp>
+      <p:sp>
+        <p:nvSpPr>
+          <p:cNvPr id="67" name="Google Shape;67;p15"/>
+          <p:cNvSpPr txBox="1">
+            <a:spLocks noGrp="1"/>
+          </p:cNvSpPr>
+          <p:nvPr>
+            <p:ph type="body" idx="1"/>
+          </p:nvPr>
+        </p:nvSpPr>
+        <p:spPr>
+          <a:xfrm>
+            <a:off x="311700" y="1152475"/>
+            <a:ext cx="8520600" cy="3416400"/>
+          </a:xfrm>
+          <a:prstGeom prst="rect">
+            <a:avLst/>
+          </a:prstGeom>
+        </p:spPr>
+        <p:txBody>
+          <a:bodyPr spcFirstLastPara="1" wrap="square" lIns="91425" tIns="91425" rIns="91425" bIns="91425" anchor="t" anchorCtr="0">
+            <a:noAutofit/>
+          </a:bodyPr>
+          <a:lstStyle/>
+          <a:p>
+            <a:pPr marL="0" lvl="0" indent="0" algn="l" rtl="0">
+              <a:spcBef>
+                <a:spcPts val="0"/>
+              </a:spcBef>
+              <a:spcAft>
+                <a:spcPts val="0"/>
+              </a:spcAft>
+              <a:buNone/>
+            </a:pPr>
+            <a:r>
+              <a:rPr lang="en-US" dirty="0"/>
+              <a:t>Implemented Gate Drivers in to the circuit</a:t>
+            </a:r>
+          </a:p>
+          <a:p>
+            <a:pPr marL="0" lvl="0" indent="0" algn="l" rtl="0">
+              <a:spcBef>
+                <a:spcPts val="0"/>
+              </a:spcBef>
+              <a:spcAft>
+                <a:spcPts val="0"/>
+              </a:spcAft>
+              <a:buNone/>
+            </a:pPr>
+            <a:endParaRPr lang="en-US" dirty="0"/>
+          </a:p>
+          <a:p>
+            <a:pPr marL="0" lvl="0" indent="0" algn="l" rtl="0">
+              <a:spcBef>
+                <a:spcPts val="0"/>
+              </a:spcBef>
+              <a:spcAft>
+                <a:spcPts val="0"/>
+              </a:spcAft>
+              <a:buNone/>
+            </a:pPr>
+            <a:r>
+              <a:rPr lang="en-US" dirty="0"/>
+              <a:t>Finished Curve Tracer circuit</a:t>
+            </a:r>
+          </a:p>
+          <a:p>
+            <a:pPr marL="0" lvl="0" indent="0" algn="l" rtl="0">
+              <a:spcBef>
+                <a:spcPts val="0"/>
+              </a:spcBef>
+              <a:spcAft>
+                <a:spcPts val="0"/>
+              </a:spcAft>
+              <a:buNone/>
+            </a:pPr>
+            <a:endParaRPr lang="en-US" dirty="0"/>
+          </a:p>
+          <a:p>
+            <a:pPr marL="0" lvl="0" indent="0" algn="l" rtl="0">
+              <a:spcBef>
+                <a:spcPts val="0"/>
+              </a:spcBef>
+              <a:spcAft>
+                <a:spcPts val="0"/>
+              </a:spcAft>
+              <a:buNone/>
+            </a:pPr>
+            <a:r>
+              <a:rPr lang="en-US" dirty="0"/>
+              <a:t>Prepare for Demo Day</a:t>
+            </a:r>
+          </a:p>
+          <a:p>
+            <a:pPr marL="0" lvl="0" indent="0" algn="l" rtl="0">
+              <a:spcBef>
+                <a:spcPts val="0"/>
+              </a:spcBef>
+              <a:spcAft>
+                <a:spcPts val="0"/>
+              </a:spcAft>
+              <a:buNone/>
+            </a:pPr>
+            <a:endParaRPr lang="en-US" dirty="0"/>
+          </a:p>
+          <a:p>
+            <a:pPr marL="0" lvl="0" indent="0" algn="l" rtl="0">
+              <a:spcBef>
+                <a:spcPts val="0"/>
+              </a:spcBef>
+              <a:spcAft>
+                <a:spcPts val="0"/>
+              </a:spcAft>
+              <a:buNone/>
+            </a:pPr>
+            <a:r>
+              <a:rPr lang="en-US" dirty="0"/>
+              <a:t>Solder circuit, burnt out from what seems to be too high of a duty cycle, leaving the transistor on too long.</a:t>
+            </a:r>
+          </a:p>
+        </p:txBody>
+      </p:sp>
+    </p:spTree>
+    <p:extLst>
+      <p:ext uri="{BB962C8B-B14F-4D97-AF65-F5344CB8AC3E}">
+        <p14:creationId xmlns:p14="http://schemas.microsoft.com/office/powerpoint/2010/main" val="1359038938"/>
+      </p:ext>
+    </p:extLst>
+  </p:cSld>
+  <p:clrMapOvr>
+    <a:masterClrMapping/>
+  </p:clrMapOvr>
+</p:sld>
+</file>
+
+<file path=ppt/slides/slide23.xml><?xml version="1.0" encoding="utf-8"?>
+<p:sld xmlns:a="http://schemas.openxmlformats.org/drawingml/2006/main" xmlns:r="http://schemas.openxmlformats.org/officeDocument/2006/relationships" xmlns:p="http://schemas.openxmlformats.org/presentationml/2006/main">
+  <p:cSld>
+    <p:spTree>
+      <p:nvGrpSpPr>
+        <p:cNvPr id="1" name="Shape 65"/>
+        <p:cNvGrpSpPr/>
+        <p:nvPr/>
+      </p:nvGrpSpPr>
+      <p:grpSpPr>
+        <a:xfrm>
+          <a:off x="0" y="0"/>
+          <a:ext cx="0" cy="0"/>
+          <a:chOff x="0" y="0"/>
+          <a:chExt cx="0" cy="0"/>
+        </a:xfrm>
+      </p:grpSpPr>
+      <p:sp>
+        <p:nvSpPr>
+          <p:cNvPr id="66" name="Google Shape;66;p15"/>
+          <p:cNvSpPr txBox="1">
+            <a:spLocks noGrp="1"/>
+          </p:cNvSpPr>
+          <p:nvPr>
+            <p:ph type="title"/>
+          </p:nvPr>
+        </p:nvSpPr>
+        <p:spPr>
+          <a:xfrm>
+            <a:off x="311700" y="445025"/>
+            <a:ext cx="8520600" cy="572700"/>
+          </a:xfrm>
+          <a:prstGeom prst="rect">
+            <a:avLst/>
+          </a:prstGeom>
+        </p:spPr>
+        <p:txBody>
+          <a:bodyPr spcFirstLastPara="1" wrap="square" lIns="91425" tIns="91425" rIns="91425" bIns="91425" anchor="t" anchorCtr="0">
+            <a:noAutofit/>
+          </a:bodyPr>
+          <a:lstStyle/>
+          <a:p>
+            <a:pPr marL="0" lvl="0" indent="0" algn="l" rtl="0">
+              <a:spcBef>
+                <a:spcPts val="0"/>
+              </a:spcBef>
+              <a:spcAft>
+                <a:spcPts val="0"/>
+              </a:spcAft>
+              <a:buNone/>
+            </a:pPr>
+            <a:r>
+              <a:rPr lang="en-US" dirty="0"/>
+              <a:t>12/2-12/4</a:t>
+            </a:r>
+            <a:endParaRPr dirty="0"/>
+          </a:p>
+        </p:txBody>
+      </p:sp>
+      <p:sp>
+        <p:nvSpPr>
+          <p:cNvPr id="67" name="Google Shape;67;p15"/>
+          <p:cNvSpPr txBox="1">
+            <a:spLocks noGrp="1"/>
+          </p:cNvSpPr>
+          <p:nvPr>
+            <p:ph type="body" idx="1"/>
+          </p:nvPr>
+        </p:nvSpPr>
+        <p:spPr>
+          <a:xfrm>
+            <a:off x="311700" y="1152475"/>
+            <a:ext cx="8520600" cy="3416400"/>
+          </a:xfrm>
+          <a:prstGeom prst="rect">
+            <a:avLst/>
+          </a:prstGeom>
+        </p:spPr>
+        <p:txBody>
+          <a:bodyPr spcFirstLastPara="1" wrap="square" lIns="91425" tIns="91425" rIns="91425" bIns="91425" anchor="t" anchorCtr="0">
+            <a:noAutofit/>
+          </a:bodyPr>
+          <a:lstStyle/>
+          <a:p>
+            <a:pPr marL="0" lvl="0" indent="0" algn="l" rtl="0">
+              <a:spcBef>
+                <a:spcPts val="0"/>
+              </a:spcBef>
+              <a:spcAft>
+                <a:spcPts val="0"/>
+              </a:spcAft>
+              <a:buNone/>
+            </a:pPr>
+            <a:r>
+              <a:rPr lang="en-US" dirty="0"/>
+              <a:t>Rebuild circuit on non-solder breadboard</a:t>
+            </a:r>
+          </a:p>
+          <a:p>
+            <a:pPr marL="0" lvl="0" indent="0" algn="l" rtl="0">
+              <a:spcBef>
+                <a:spcPts val="0"/>
+              </a:spcBef>
+              <a:spcAft>
+                <a:spcPts val="0"/>
+              </a:spcAft>
+              <a:buNone/>
+            </a:pPr>
+            <a:endParaRPr lang="en-US" dirty="0"/>
+          </a:p>
+          <a:p>
+            <a:pPr marL="0" lvl="0" indent="0" algn="l" rtl="0">
+              <a:spcBef>
+                <a:spcPts val="0"/>
+              </a:spcBef>
+              <a:spcAft>
+                <a:spcPts val="0"/>
+              </a:spcAft>
+              <a:buNone/>
+            </a:pPr>
+            <a:r>
+              <a:rPr lang="en-US" dirty="0"/>
+              <a:t>Test Curve Tracer and get data for Final Presentation</a:t>
+            </a:r>
+          </a:p>
+          <a:p>
+            <a:pPr marL="0" lvl="0" indent="0" algn="l" rtl="0">
+              <a:spcBef>
+                <a:spcPts val="0"/>
+              </a:spcBef>
+              <a:spcAft>
+                <a:spcPts val="0"/>
+              </a:spcAft>
+              <a:buNone/>
+            </a:pPr>
+            <a:endParaRPr lang="en-US" dirty="0"/>
+          </a:p>
+          <a:p>
+            <a:pPr marL="0" lvl="0" indent="0" algn="l" rtl="0">
+              <a:spcBef>
+                <a:spcPts val="0"/>
+              </a:spcBef>
+              <a:spcAft>
+                <a:spcPts val="0"/>
+              </a:spcAft>
+              <a:buNone/>
+            </a:pPr>
+            <a:r>
+              <a:rPr lang="en-US" dirty="0"/>
+              <a:t>Prepare </a:t>
+            </a:r>
+            <a:r>
+              <a:rPr lang="en-US"/>
+              <a:t>final Presentation</a:t>
+            </a:r>
+            <a:endParaRPr lang="en-US" dirty="0"/>
+          </a:p>
+        </p:txBody>
+      </p:sp>
+    </p:spTree>
+    <p:extLst>
+      <p:ext uri="{BB962C8B-B14F-4D97-AF65-F5344CB8AC3E}">
+        <p14:creationId xmlns:p14="http://schemas.microsoft.com/office/powerpoint/2010/main" val="4130373495"/>
+      </p:ext>
+    </p:extLst>
+  </p:cSld>
+  <p:clrMapOvr>
+    <a:masterClrMapping/>
+  </p:clrMapOvr>
+</p:sld>
+</file>
+
+<file path=ppt/slides/slide3.xml><?xml version="1.0" encoding="utf-8"?>
+<p:sld xmlns:a="http://schemas.openxmlformats.org/drawingml/2006/main" xmlns:r="http://schemas.openxmlformats.org/officeDocument/2006/relationships" xmlns:p="http://schemas.openxmlformats.org/presentationml/2006/main">
+  <p:cSld>
+    <p:spTree>
+      <p:nvGrpSpPr>
+        <p:cNvPr id="1" name="Shape 65"/>
+        <p:cNvGrpSpPr/>
+        <p:nvPr/>
+      </p:nvGrpSpPr>
+      <p:grpSpPr>
+        <a:xfrm>
+          <a:off x="0" y="0"/>
+          <a:ext cx="0" cy="0"/>
+          <a:chOff x="0" y="0"/>
+          <a:chExt cx="0" cy="0"/>
+        </a:xfrm>
+      </p:grpSpPr>
+      <p:sp>
+        <p:nvSpPr>
+          <p:cNvPr id="66" name="Google Shape;66;p15"/>
+          <p:cNvSpPr txBox="1">
+            <a:spLocks noGrp="1"/>
+          </p:cNvSpPr>
+          <p:nvPr>
+            <p:ph type="title"/>
+          </p:nvPr>
+        </p:nvSpPr>
+        <p:spPr>
+          <a:xfrm>
+            <a:off x="311700" y="445025"/>
+            <a:ext cx="8520600" cy="572700"/>
+          </a:xfrm>
+          <a:prstGeom prst="rect">
+            <a:avLst/>
+          </a:prstGeom>
+        </p:spPr>
+        <p:txBody>
+          <a:bodyPr spcFirstLastPara="1" wrap="square" lIns="91425" tIns="91425" rIns="91425" bIns="91425" anchor="t" anchorCtr="0">
+            <a:noAutofit/>
+          </a:bodyPr>
+          <a:lstStyle/>
+          <a:p>
+            <a:pPr marL="0" lvl="0" indent="0" algn="l" rtl="0">
               <a:spcBef>
                 <a:spcPts val="0"/>
               </a:spcBef>
@@ -6026,9 +10747,11 @@
       <p:sp>
         <p:nvSpPr>
           <p:cNvPr id="67" name="Google Shape;67;p15"/>
-          <p:cNvSpPr txBox="1"/>
+          <p:cNvSpPr txBox="1">
+            <a:spLocks noGrp="1"/>
+          </p:cNvSpPr>
           <p:nvPr>
-            <p:ph idx="1" type="body"/>
+            <p:ph type="body" idx="1"/>
           </p:nvPr>
         </p:nvSpPr>
         <p:spPr>
@@ -6041,12 +10764,12 @@
           </a:prstGeom>
         </p:spPr>
         <p:txBody>
-          <a:bodyPr anchorCtr="0" anchor="t" bIns="91425" lIns="91425" spcFirstLastPara="1" rIns="91425" wrap="square" tIns="91425">
+          <a:bodyPr spcFirstLastPara="1" wrap="square" lIns="91425" tIns="91425" rIns="91425" bIns="91425" anchor="t" anchorCtr="0">
             <a:noAutofit/>
           </a:bodyPr>
           <a:lstStyle/>
           <a:p>
-            <a:pPr indent="0" lvl="0" marL="0" rtl="0" algn="l">
+            <a:pPr marL="0" lvl="0" indent="0" algn="l" rtl="0">
               <a:spcBef>
                 <a:spcPts val="0"/>
               </a:spcBef>
@@ -6062,7 +10785,7 @@
             <a:endParaRPr/>
           </a:p>
           <a:p>
-            <a:pPr indent="0" lvl="0" marL="0" rtl="0" algn="l">
+            <a:pPr marL="0" lvl="0" indent="0" algn="l" rtl="0">
               <a:spcBef>
                 <a:spcPts val="1600"/>
               </a:spcBef>
@@ -6078,7 +10801,7 @@
             <a:endParaRPr/>
           </a:p>
           <a:p>
-            <a:pPr indent="0" lvl="0" marL="0" rtl="0" algn="l">
+            <a:pPr marL="0" lvl="0" indent="0" algn="l" rtl="0">
               <a:spcBef>
                 <a:spcPts val="1600"/>
               </a:spcBef>
@@ -6094,7 +10817,7 @@
             <a:endParaRPr/>
           </a:p>
           <a:p>
-            <a:pPr indent="0" lvl="0" marL="0" rtl="0" algn="l">
+            <a:pPr marL="0" lvl="0" indent="0" algn="l" rtl="0">
               <a:spcBef>
                 <a:spcPts val="1600"/>
               </a:spcBef>
@@ -6110,7 +10833,7 @@
             <a:endParaRPr/>
           </a:p>
           <a:p>
-            <a:pPr indent="0" lvl="0" marL="0" rtl="0" algn="l">
+            <a:pPr marL="0" lvl="0" indent="0" algn="l" rtl="0">
               <a:spcBef>
                 <a:spcPts val="1600"/>
               </a:spcBef>
@@ -6119,13 +10842,10 @@
               </a:spcAft>
               <a:buNone/>
             </a:pPr>
-            <a:r>
-              <a:t/>
-            </a:r>
             <a:endParaRPr/>
           </a:p>
           <a:p>
-            <a:pPr indent="0" lvl="0" marL="0" rtl="0" algn="l">
+            <a:pPr marL="0" lvl="0" indent="0" algn="l" rtl="0">
               <a:spcBef>
                 <a:spcPts val="1600"/>
               </a:spcBef>
@@ -6151,11 +10871,11 @@
 </file>
 
 <file path=ppt/slides/slide4.xml><?xml version="1.0" encoding="utf-8"?>
-<p:sld xmlns:a="http://schemas.openxmlformats.org/drawingml/2006/main" xmlns:r="http://schemas.openxmlformats.org/officeDocument/2006/relationships" xmlns:mc="http://schemas.openxmlformats.org/markup-compatibility/2006" xmlns:mv="urn:schemas-microsoft-com:mac:vml" xmlns:p="http://schemas.openxmlformats.org/presentationml/2006/main" xmlns:c="http://schemas.openxmlformats.org/drawingml/2006/chart" xmlns:dgm="http://schemas.openxmlformats.org/drawingml/2006/diagram" xmlns:o="urn:schemas-microsoft-com:office:office" xmlns:v="urn:schemas-microsoft-com:vml" xmlns:pvml="urn:schemas-microsoft-com:office:powerpoint" xmlns:com="http://schemas.openxmlformats.org/drawingml/2006/compatibility" xmlns:p14="http://schemas.microsoft.com/office/powerpoint/2010/main" xmlns:p15="http://schemas.microsoft.com/office/powerpoint/2012/main">
+<p:sld xmlns:a="http://schemas.openxmlformats.org/drawingml/2006/main" xmlns:r="http://schemas.openxmlformats.org/officeDocument/2006/relationships" xmlns:p="http://schemas.openxmlformats.org/presentationml/2006/main">
   <p:cSld>
     <p:spTree>
       <p:nvGrpSpPr>
-        <p:cNvPr id="71" name="Shape 71"/>
+        <p:cNvPr id="1" name="Shape 71"/>
         <p:cNvGrpSpPr/>
         <p:nvPr/>
       </p:nvGrpSpPr>
@@ -6170,7 +10890,9 @@
       <p:sp>
         <p:nvSpPr>
           <p:cNvPr id="72" name="Google Shape;72;p16"/>
-          <p:cNvSpPr txBox="1"/>
+          <p:cNvSpPr txBox="1">
+            <a:spLocks noGrp="1"/>
+          </p:cNvSpPr>
           <p:nvPr>
             <p:ph type="title"/>
           </p:nvPr>
@@ -6185,12 +10907,12 @@
           </a:prstGeom>
         </p:spPr>
         <p:txBody>
-          <a:bodyPr anchorCtr="0" anchor="t" bIns="91425" lIns="91425" spcFirstLastPara="1" rIns="91425" wrap="square" tIns="91425">
+          <a:bodyPr spcFirstLastPara="1" wrap="square" lIns="91425" tIns="91425" rIns="91425" bIns="91425" anchor="t" anchorCtr="0">
             <a:noAutofit/>
           </a:bodyPr>
           <a:lstStyle/>
           <a:p>
-            <a:pPr indent="0" lvl="0" marL="0" rtl="0" algn="l">
+            <a:pPr marL="0" lvl="0" indent="0" algn="l" rtl="0">
               <a:spcBef>
                 <a:spcPts val="0"/>
               </a:spcBef>
@@ -6210,9 +10932,11 @@
       <p:sp>
         <p:nvSpPr>
           <p:cNvPr id="73" name="Google Shape;73;p16"/>
-          <p:cNvSpPr txBox="1"/>
+          <p:cNvSpPr txBox="1">
+            <a:spLocks noGrp="1"/>
+          </p:cNvSpPr>
           <p:nvPr>
-            <p:ph idx="1" type="body"/>
+            <p:ph type="body" idx="1"/>
           </p:nvPr>
         </p:nvSpPr>
         <p:spPr>
@@ -6225,12 +10949,12 @@
           </a:prstGeom>
         </p:spPr>
         <p:txBody>
-          <a:bodyPr anchorCtr="0" anchor="t" bIns="91425" lIns="91425" spcFirstLastPara="1" rIns="91425" wrap="square" tIns="91425">
+          <a:bodyPr spcFirstLastPara="1" wrap="square" lIns="91425" tIns="91425" rIns="91425" bIns="91425" anchor="t" anchorCtr="0">
             <a:noAutofit/>
           </a:bodyPr>
           <a:lstStyle/>
           <a:p>
-            <a:pPr indent="0" lvl="0" marL="0" rtl="0" algn="l">
+            <a:pPr marL="0" lvl="0" indent="0" algn="l" rtl="0">
               <a:spcBef>
                 <a:spcPts val="0"/>
               </a:spcBef>
@@ -6283,8 +11007,904 @@
 </p:sld>
 </file>
 
+<file path=ppt/slides/slide5.xml><?xml version="1.0" encoding="utf-8"?>
+<p:sld xmlns:a="http://schemas.openxmlformats.org/drawingml/2006/main" xmlns:r="http://schemas.openxmlformats.org/officeDocument/2006/relationships" xmlns:p="http://schemas.openxmlformats.org/presentationml/2006/main">
+  <p:cSld>
+    <p:spTree>
+      <p:nvGrpSpPr>
+        <p:cNvPr id="1" name="Shape 65"/>
+        <p:cNvGrpSpPr/>
+        <p:nvPr/>
+      </p:nvGrpSpPr>
+      <p:grpSpPr>
+        <a:xfrm>
+          <a:off x="0" y="0"/>
+          <a:ext cx="0" cy="0"/>
+          <a:chOff x="0" y="0"/>
+          <a:chExt cx="0" cy="0"/>
+        </a:xfrm>
+      </p:grpSpPr>
+      <p:sp>
+        <p:nvSpPr>
+          <p:cNvPr id="66" name="Google Shape;66;p15"/>
+          <p:cNvSpPr txBox="1">
+            <a:spLocks noGrp="1"/>
+          </p:cNvSpPr>
+          <p:nvPr>
+            <p:ph type="title"/>
+          </p:nvPr>
+        </p:nvSpPr>
+        <p:spPr>
+          <a:xfrm>
+            <a:off x="311700" y="445025"/>
+            <a:ext cx="8520600" cy="572700"/>
+          </a:xfrm>
+          <a:prstGeom prst="rect">
+            <a:avLst/>
+          </a:prstGeom>
+        </p:spPr>
+        <p:txBody>
+          <a:bodyPr spcFirstLastPara="1" wrap="square" lIns="91425" tIns="91425" rIns="91425" bIns="91425" anchor="t" anchorCtr="0">
+            <a:noAutofit/>
+          </a:bodyPr>
+          <a:lstStyle/>
+          <a:p>
+            <a:pPr marL="0" lvl="0" indent="0" algn="l" rtl="0">
+              <a:spcBef>
+                <a:spcPts val="0"/>
+              </a:spcBef>
+              <a:spcAft>
+                <a:spcPts val="0"/>
+              </a:spcAft>
+              <a:buNone/>
+            </a:pPr>
+            <a:r>
+              <a:rPr lang="en-US" dirty="0"/>
+              <a:t>9/27-10/3</a:t>
+            </a:r>
+            <a:endParaRPr dirty="0"/>
+          </a:p>
+        </p:txBody>
+      </p:sp>
+      <p:sp>
+        <p:nvSpPr>
+          <p:cNvPr id="67" name="Google Shape;67;p15"/>
+          <p:cNvSpPr txBox="1">
+            <a:spLocks noGrp="1"/>
+          </p:cNvSpPr>
+          <p:nvPr>
+            <p:ph type="body" idx="1"/>
+          </p:nvPr>
+        </p:nvSpPr>
+        <p:spPr>
+          <a:xfrm>
+            <a:off x="311700" y="1152475"/>
+            <a:ext cx="8520600" cy="3416400"/>
+          </a:xfrm>
+          <a:prstGeom prst="rect">
+            <a:avLst/>
+          </a:prstGeom>
+        </p:spPr>
+        <p:txBody>
+          <a:bodyPr spcFirstLastPara="1" wrap="square" lIns="91425" tIns="91425" rIns="91425" bIns="91425" anchor="t" anchorCtr="0">
+            <a:noAutofit/>
+          </a:bodyPr>
+          <a:lstStyle/>
+          <a:p>
+            <a:pPr marL="0" lvl="0" indent="0" algn="l" rtl="0">
+              <a:spcBef>
+                <a:spcPts val="0"/>
+              </a:spcBef>
+              <a:spcAft>
+                <a:spcPts val="0"/>
+              </a:spcAft>
+              <a:buNone/>
+            </a:pPr>
+            <a:r>
+              <a:rPr lang="en-US" dirty="0"/>
+              <a:t>Switched from working on the Electronic Load portion of the project to working on the curve tracer.</a:t>
+            </a:r>
+          </a:p>
+          <a:p>
+            <a:pPr marL="0" lvl="0" indent="0" algn="l" rtl="0">
+              <a:spcBef>
+                <a:spcPts val="0"/>
+              </a:spcBef>
+              <a:spcAft>
+                <a:spcPts val="0"/>
+              </a:spcAft>
+              <a:buNone/>
+            </a:pPr>
+            <a:endParaRPr lang="en-US" dirty="0"/>
+          </a:p>
+          <a:p>
+            <a:pPr marL="0" lvl="0" indent="0" algn="l" rtl="0">
+              <a:spcBef>
+                <a:spcPts val="0"/>
+              </a:spcBef>
+              <a:spcAft>
+                <a:spcPts val="0"/>
+              </a:spcAft>
+              <a:buNone/>
+            </a:pPr>
+            <a:r>
+              <a:rPr lang="en-US" dirty="0"/>
+              <a:t>Began research on Curve Tracer design</a:t>
+            </a:r>
+            <a:endParaRPr dirty="0"/>
+          </a:p>
+        </p:txBody>
+      </p:sp>
+    </p:spTree>
+    <p:extLst>
+      <p:ext uri="{BB962C8B-B14F-4D97-AF65-F5344CB8AC3E}">
+        <p14:creationId xmlns:p14="http://schemas.microsoft.com/office/powerpoint/2010/main" val="1853084161"/>
+      </p:ext>
+    </p:extLst>
+  </p:cSld>
+  <p:clrMapOvr>
+    <a:masterClrMapping/>
+  </p:clrMapOvr>
+</p:sld>
+</file>
+
+<file path=ppt/slides/slide6.xml><?xml version="1.0" encoding="utf-8"?>
+<p:sld xmlns:a="http://schemas.openxmlformats.org/drawingml/2006/main" xmlns:r="http://schemas.openxmlformats.org/officeDocument/2006/relationships" xmlns:p="http://schemas.openxmlformats.org/presentationml/2006/main">
+  <p:cSld>
+    <p:spTree>
+      <p:nvGrpSpPr>
+        <p:cNvPr id="1" name="Shape 65"/>
+        <p:cNvGrpSpPr/>
+        <p:nvPr/>
+      </p:nvGrpSpPr>
+      <p:grpSpPr>
+        <a:xfrm>
+          <a:off x="0" y="0"/>
+          <a:ext cx="0" cy="0"/>
+          <a:chOff x="0" y="0"/>
+          <a:chExt cx="0" cy="0"/>
+        </a:xfrm>
+      </p:grpSpPr>
+      <p:sp>
+        <p:nvSpPr>
+          <p:cNvPr id="66" name="Google Shape;66;p15"/>
+          <p:cNvSpPr txBox="1">
+            <a:spLocks noGrp="1"/>
+          </p:cNvSpPr>
+          <p:nvPr>
+            <p:ph type="title"/>
+          </p:nvPr>
+        </p:nvSpPr>
+        <p:spPr>
+          <a:xfrm>
+            <a:off x="311700" y="445025"/>
+            <a:ext cx="8520600" cy="572700"/>
+          </a:xfrm>
+          <a:prstGeom prst="rect">
+            <a:avLst/>
+          </a:prstGeom>
+        </p:spPr>
+        <p:txBody>
+          <a:bodyPr spcFirstLastPara="1" wrap="square" lIns="91425" tIns="91425" rIns="91425" bIns="91425" anchor="t" anchorCtr="0">
+            <a:noAutofit/>
+          </a:bodyPr>
+          <a:lstStyle/>
+          <a:p>
+            <a:pPr marL="0" lvl="0" indent="0" algn="l" rtl="0">
+              <a:spcBef>
+                <a:spcPts val="0"/>
+              </a:spcBef>
+              <a:spcAft>
+                <a:spcPts val="0"/>
+              </a:spcAft>
+              <a:buNone/>
+            </a:pPr>
+            <a:r>
+              <a:rPr lang="en-US" dirty="0"/>
+              <a:t>Initial Curve Tracer Design for NPN BJT</a:t>
+            </a:r>
+            <a:endParaRPr dirty="0"/>
+          </a:p>
+        </p:txBody>
+      </p:sp>
+      <p:pic>
+        <p:nvPicPr>
+          <p:cNvPr id="2" name="Picture 1">
+            <a:extLst>
+              <a:ext uri="{FF2B5EF4-FFF2-40B4-BE49-F238E27FC236}">
+                <a16:creationId xmlns:a16="http://schemas.microsoft.com/office/drawing/2014/main" id="{2F71795E-32FD-4E47-97B5-2E42C47E5352}"/>
+              </a:ext>
+            </a:extLst>
+          </p:cNvPr>
+          <p:cNvPicPr>
+            <a:picLocks noChangeAspect="1"/>
+          </p:cNvPicPr>
+          <p:nvPr/>
+        </p:nvPicPr>
+        <p:blipFill>
+          <a:blip r:embed="rId3"/>
+          <a:stretch>
+            <a:fillRect/>
+          </a:stretch>
+        </p:blipFill>
+        <p:spPr>
+          <a:xfrm>
+            <a:off x="2009775" y="1238249"/>
+            <a:ext cx="4524375" cy="3552825"/>
+          </a:xfrm>
+          <a:prstGeom prst="rect">
+            <a:avLst/>
+          </a:prstGeom>
+        </p:spPr>
+      </p:pic>
+    </p:spTree>
+    <p:extLst>
+      <p:ext uri="{BB962C8B-B14F-4D97-AF65-F5344CB8AC3E}">
+        <p14:creationId xmlns:p14="http://schemas.microsoft.com/office/powerpoint/2010/main" val="3668045805"/>
+      </p:ext>
+    </p:extLst>
+  </p:cSld>
+  <p:clrMapOvr>
+    <a:masterClrMapping/>
+  </p:clrMapOvr>
+</p:sld>
+</file>
+
+<file path=ppt/slides/slide7.xml><?xml version="1.0" encoding="utf-8"?>
+<p:sld xmlns:a="http://schemas.openxmlformats.org/drawingml/2006/main" xmlns:r="http://schemas.openxmlformats.org/officeDocument/2006/relationships" xmlns:p="http://schemas.openxmlformats.org/presentationml/2006/main">
+  <p:cSld>
+    <p:spTree>
+      <p:nvGrpSpPr>
+        <p:cNvPr id="1" name="Shape 65"/>
+        <p:cNvGrpSpPr/>
+        <p:nvPr/>
+      </p:nvGrpSpPr>
+      <p:grpSpPr>
+        <a:xfrm>
+          <a:off x="0" y="0"/>
+          <a:ext cx="0" cy="0"/>
+          <a:chOff x="0" y="0"/>
+          <a:chExt cx="0" cy="0"/>
+        </a:xfrm>
+      </p:grpSpPr>
+      <p:sp>
+        <p:nvSpPr>
+          <p:cNvPr id="66" name="Google Shape;66;p15"/>
+          <p:cNvSpPr txBox="1">
+            <a:spLocks noGrp="1"/>
+          </p:cNvSpPr>
+          <p:nvPr>
+            <p:ph type="title"/>
+          </p:nvPr>
+        </p:nvSpPr>
+        <p:spPr>
+          <a:xfrm>
+            <a:off x="311700" y="445025"/>
+            <a:ext cx="8520600" cy="572700"/>
+          </a:xfrm>
+          <a:prstGeom prst="rect">
+            <a:avLst/>
+          </a:prstGeom>
+        </p:spPr>
+        <p:txBody>
+          <a:bodyPr spcFirstLastPara="1" wrap="square" lIns="91425" tIns="91425" rIns="91425" bIns="91425" anchor="t" anchorCtr="0">
+            <a:noAutofit/>
+          </a:bodyPr>
+          <a:lstStyle/>
+          <a:p>
+            <a:pPr marL="0" lvl="0" indent="0" algn="l" rtl="0">
+              <a:spcBef>
+                <a:spcPts val="0"/>
+              </a:spcBef>
+              <a:spcAft>
+                <a:spcPts val="0"/>
+              </a:spcAft>
+              <a:buNone/>
+            </a:pPr>
+            <a:r>
+              <a:rPr lang="en-US" dirty="0"/>
+              <a:t>10/4-10/10</a:t>
+            </a:r>
+            <a:endParaRPr dirty="0"/>
+          </a:p>
+        </p:txBody>
+      </p:sp>
+      <p:sp>
+        <p:nvSpPr>
+          <p:cNvPr id="67" name="Google Shape;67;p15"/>
+          <p:cNvSpPr txBox="1">
+            <a:spLocks noGrp="1"/>
+          </p:cNvSpPr>
+          <p:nvPr>
+            <p:ph type="body" idx="1"/>
+          </p:nvPr>
+        </p:nvSpPr>
+        <p:spPr>
+          <a:xfrm>
+            <a:off x="311700" y="1152475"/>
+            <a:ext cx="8520600" cy="3416400"/>
+          </a:xfrm>
+          <a:prstGeom prst="rect">
+            <a:avLst/>
+          </a:prstGeom>
+        </p:spPr>
+        <p:txBody>
+          <a:bodyPr spcFirstLastPara="1" wrap="square" lIns="91425" tIns="91425" rIns="91425" bIns="91425" anchor="t" anchorCtr="0">
+            <a:noAutofit/>
+          </a:bodyPr>
+          <a:lstStyle/>
+          <a:p>
+            <a:pPr marL="0" lvl="0" indent="0" algn="l" rtl="0">
+              <a:spcBef>
+                <a:spcPts val="0"/>
+              </a:spcBef>
+              <a:spcAft>
+                <a:spcPts val="0"/>
+              </a:spcAft>
+              <a:buNone/>
+            </a:pPr>
+            <a:r>
+              <a:rPr lang="en-US" dirty="0"/>
+              <a:t>Research designs for a more complete system that would include curve tracer circuits for multiple types of transistors.</a:t>
+            </a:r>
+          </a:p>
+          <a:p>
+            <a:pPr marL="0" lvl="0" indent="0" algn="l" rtl="0">
+              <a:spcBef>
+                <a:spcPts val="0"/>
+              </a:spcBef>
+              <a:spcAft>
+                <a:spcPts val="0"/>
+              </a:spcAft>
+              <a:buNone/>
+            </a:pPr>
+            <a:endParaRPr lang="en-US" dirty="0"/>
+          </a:p>
+          <a:p>
+            <a:pPr marL="0" lvl="0" indent="0" algn="l" rtl="0">
+              <a:spcBef>
+                <a:spcPts val="0"/>
+              </a:spcBef>
+              <a:spcAft>
+                <a:spcPts val="0"/>
+              </a:spcAft>
+              <a:buNone/>
+            </a:pPr>
+            <a:r>
+              <a:rPr lang="en-US" dirty="0"/>
+              <a:t>Sawtooth and stairstep functions for testing</a:t>
+            </a:r>
+          </a:p>
+          <a:p>
+            <a:pPr marL="0" lvl="0" indent="0" algn="l" rtl="0">
+              <a:spcBef>
+                <a:spcPts val="0"/>
+              </a:spcBef>
+              <a:spcAft>
+                <a:spcPts val="0"/>
+              </a:spcAft>
+              <a:buNone/>
+            </a:pPr>
+            <a:endParaRPr lang="en-US" dirty="0"/>
+          </a:p>
+          <a:p>
+            <a:pPr marL="0" lvl="0" indent="0" algn="l" rtl="0">
+              <a:spcBef>
+                <a:spcPts val="0"/>
+              </a:spcBef>
+              <a:spcAft>
+                <a:spcPts val="0"/>
+              </a:spcAft>
+              <a:buNone/>
+            </a:pPr>
+            <a:r>
+              <a:rPr lang="en-US" dirty="0"/>
+              <a:t>First attempt at building basic Curve Tracer and creating a graph from the data found</a:t>
+            </a:r>
+            <a:endParaRPr dirty="0"/>
+          </a:p>
+        </p:txBody>
+      </p:sp>
+    </p:spTree>
+    <p:extLst>
+      <p:ext uri="{BB962C8B-B14F-4D97-AF65-F5344CB8AC3E}">
+        <p14:creationId xmlns:p14="http://schemas.microsoft.com/office/powerpoint/2010/main" val="3824134450"/>
+      </p:ext>
+    </p:extLst>
+  </p:cSld>
+  <p:clrMapOvr>
+    <a:masterClrMapping/>
+  </p:clrMapOvr>
+</p:sld>
+</file>
+
+<file path=ppt/slides/slide8.xml><?xml version="1.0" encoding="utf-8"?>
+<p:sld xmlns:a="http://schemas.openxmlformats.org/drawingml/2006/main" xmlns:r="http://schemas.openxmlformats.org/officeDocument/2006/relationships" xmlns:p="http://schemas.openxmlformats.org/presentationml/2006/main">
+  <p:cSld>
+    <p:spTree>
+      <p:nvGrpSpPr>
+        <p:cNvPr id="1" name="Shape 65"/>
+        <p:cNvGrpSpPr/>
+        <p:nvPr/>
+      </p:nvGrpSpPr>
+      <p:grpSpPr>
+        <a:xfrm>
+          <a:off x="0" y="0"/>
+          <a:ext cx="0" cy="0"/>
+          <a:chOff x="0" y="0"/>
+          <a:chExt cx="0" cy="0"/>
+        </a:xfrm>
+      </p:grpSpPr>
+      <p:sp>
+        <p:nvSpPr>
+          <p:cNvPr id="66" name="Google Shape;66;p15"/>
+          <p:cNvSpPr txBox="1">
+            <a:spLocks noGrp="1"/>
+          </p:cNvSpPr>
+          <p:nvPr>
+            <p:ph type="title"/>
+          </p:nvPr>
+        </p:nvSpPr>
+        <p:spPr>
+          <a:xfrm>
+            <a:off x="311700" y="445025"/>
+            <a:ext cx="8520600" cy="572700"/>
+          </a:xfrm>
+          <a:prstGeom prst="rect">
+            <a:avLst/>
+          </a:prstGeom>
+        </p:spPr>
+        <p:txBody>
+          <a:bodyPr spcFirstLastPara="1" wrap="square" lIns="91425" tIns="91425" rIns="91425" bIns="91425" anchor="t" anchorCtr="0">
+            <a:noAutofit/>
+          </a:bodyPr>
+          <a:lstStyle/>
+          <a:p>
+            <a:pPr marL="0" lvl="0" indent="0" algn="l" rtl="0">
+              <a:spcBef>
+                <a:spcPts val="0"/>
+              </a:spcBef>
+              <a:spcAft>
+                <a:spcPts val="0"/>
+              </a:spcAft>
+              <a:buNone/>
+            </a:pPr>
+            <a:r>
+              <a:rPr lang="en-US" dirty="0"/>
+              <a:t>More complete Curve Tracer</a:t>
+            </a:r>
+            <a:endParaRPr dirty="0"/>
+          </a:p>
+        </p:txBody>
+      </p:sp>
+      <p:pic>
+        <p:nvPicPr>
+          <p:cNvPr id="3" name="Picture 2">
+            <a:extLst>
+              <a:ext uri="{FF2B5EF4-FFF2-40B4-BE49-F238E27FC236}">
+                <a16:creationId xmlns:a16="http://schemas.microsoft.com/office/drawing/2014/main" id="{64EF2410-2B3B-41F8-9BA1-46D25075386C}"/>
+              </a:ext>
+            </a:extLst>
+          </p:cNvPr>
+          <p:cNvPicPr>
+            <a:picLocks noChangeAspect="1"/>
+          </p:cNvPicPr>
+          <p:nvPr/>
+        </p:nvPicPr>
+        <p:blipFill>
+          <a:blip r:embed="rId3"/>
+          <a:stretch>
+            <a:fillRect/>
+          </a:stretch>
+        </p:blipFill>
+        <p:spPr>
+          <a:xfrm>
+            <a:off x="2514600" y="1100137"/>
+            <a:ext cx="4114800" cy="3800475"/>
+          </a:xfrm>
+          <a:prstGeom prst="rect">
+            <a:avLst/>
+          </a:prstGeom>
+        </p:spPr>
+      </p:pic>
+    </p:spTree>
+    <p:extLst>
+      <p:ext uri="{BB962C8B-B14F-4D97-AF65-F5344CB8AC3E}">
+        <p14:creationId xmlns:p14="http://schemas.microsoft.com/office/powerpoint/2010/main" val="1237375068"/>
+      </p:ext>
+    </p:extLst>
+  </p:cSld>
+  <p:clrMapOvr>
+    <a:masterClrMapping/>
+  </p:clrMapOvr>
+</p:sld>
+</file>
+
+<file path=ppt/slides/slide9.xml><?xml version="1.0" encoding="utf-8"?>
+<p:sld xmlns:a="http://schemas.openxmlformats.org/drawingml/2006/main" xmlns:r="http://schemas.openxmlformats.org/officeDocument/2006/relationships" xmlns:p="http://schemas.openxmlformats.org/presentationml/2006/main">
+  <p:cSld>
+    <p:spTree>
+      <p:nvGrpSpPr>
+        <p:cNvPr id="1" name="Shape 65"/>
+        <p:cNvGrpSpPr/>
+        <p:nvPr/>
+      </p:nvGrpSpPr>
+      <p:grpSpPr>
+        <a:xfrm>
+          <a:off x="0" y="0"/>
+          <a:ext cx="0" cy="0"/>
+          <a:chOff x="0" y="0"/>
+          <a:chExt cx="0" cy="0"/>
+        </a:xfrm>
+      </p:grpSpPr>
+      <p:sp>
+        <p:nvSpPr>
+          <p:cNvPr id="66" name="Google Shape;66;p15"/>
+          <p:cNvSpPr txBox="1">
+            <a:spLocks noGrp="1"/>
+          </p:cNvSpPr>
+          <p:nvPr>
+            <p:ph type="title"/>
+          </p:nvPr>
+        </p:nvSpPr>
+        <p:spPr>
+          <a:xfrm>
+            <a:off x="311700" y="445025"/>
+            <a:ext cx="8520600" cy="572700"/>
+          </a:xfrm>
+          <a:prstGeom prst="rect">
+            <a:avLst/>
+          </a:prstGeom>
+        </p:spPr>
+        <p:txBody>
+          <a:bodyPr spcFirstLastPara="1" wrap="square" lIns="91425" tIns="91425" rIns="91425" bIns="91425" anchor="t" anchorCtr="0">
+            <a:noAutofit/>
+          </a:bodyPr>
+          <a:lstStyle/>
+          <a:p>
+            <a:pPr marL="0" lvl="0" indent="0" algn="l" rtl="0">
+              <a:spcBef>
+                <a:spcPts val="0"/>
+              </a:spcBef>
+              <a:spcAft>
+                <a:spcPts val="0"/>
+              </a:spcAft>
+              <a:buNone/>
+            </a:pPr>
+            <a:r>
+              <a:rPr lang="en-US" dirty="0"/>
+              <a:t>Data/Graphs from Initial Test</a:t>
+            </a:r>
+            <a:endParaRPr dirty="0"/>
+          </a:p>
+        </p:txBody>
+      </p:sp>
+      <p:pic>
+        <p:nvPicPr>
+          <p:cNvPr id="2" name="Picture 1">
+            <a:extLst>
+              <a:ext uri="{FF2B5EF4-FFF2-40B4-BE49-F238E27FC236}">
+                <a16:creationId xmlns:a16="http://schemas.microsoft.com/office/drawing/2014/main" id="{B37EC71B-51F7-41D7-91B6-F0A6660F252E}"/>
+              </a:ext>
+            </a:extLst>
+          </p:cNvPr>
+          <p:cNvPicPr>
+            <a:picLocks noChangeAspect="1"/>
+          </p:cNvPicPr>
+          <p:nvPr/>
+        </p:nvPicPr>
+        <p:blipFill>
+          <a:blip r:embed="rId3"/>
+          <a:stretch>
+            <a:fillRect/>
+          </a:stretch>
+        </p:blipFill>
+        <p:spPr>
+          <a:xfrm>
+            <a:off x="100012" y="1577783"/>
+            <a:ext cx="8943975" cy="2910267"/>
+          </a:xfrm>
+          <a:prstGeom prst="rect">
+            <a:avLst/>
+          </a:prstGeom>
+        </p:spPr>
+      </p:pic>
+    </p:spTree>
+    <p:extLst>
+      <p:ext uri="{BB962C8B-B14F-4D97-AF65-F5344CB8AC3E}">
+        <p14:creationId xmlns:p14="http://schemas.microsoft.com/office/powerpoint/2010/main" val="2675236118"/>
+      </p:ext>
+    </p:extLst>
+  </p:cSld>
+  <p:clrMapOvr>
+    <a:masterClrMapping/>
+  </p:clrMapOvr>
+</p:sld>
+</file>
+
 <file path=ppt/theme/theme1.xml><?xml version="1.0" encoding="utf-8"?>
-<a:theme xmlns:a="http://schemas.openxmlformats.org/drawingml/2006/main" xmlns:r="http://schemas.openxmlformats.org/officeDocument/2006/relationships">
+<a:theme xmlns:a="http://schemas.openxmlformats.org/drawingml/2006/main" name="Simple Light">
+  <a:themeElements>
+    <a:clrScheme name="Simple Light">
+      <a:dk1>
+        <a:srgbClr val="000000"/>
+      </a:dk1>
+      <a:lt1>
+        <a:srgbClr val="FFFFFF"/>
+      </a:lt1>
+      <a:dk2>
+        <a:srgbClr val="595959"/>
+      </a:dk2>
+      <a:lt2>
+        <a:srgbClr val="EEEEEE"/>
+      </a:lt2>
+      <a:accent1>
+        <a:srgbClr val="FFAB40"/>
+      </a:accent1>
+      <a:accent2>
+        <a:srgbClr val="212121"/>
+      </a:accent2>
+      <a:accent3>
+        <a:srgbClr val="78909C"/>
+      </a:accent3>
+      <a:accent4>
+        <a:srgbClr val="FFAB40"/>
+      </a:accent4>
+      <a:accent5>
+        <a:srgbClr val="0097A7"/>
+      </a:accent5>
+      <a:accent6>
+        <a:srgbClr val="EEFF41"/>
+      </a:accent6>
+      <a:hlink>
+        <a:srgbClr val="0097A7"/>
+      </a:hlink>
+      <a:folHlink>
+        <a:srgbClr val="0097A7"/>
+      </a:folHlink>
+    </a:clrScheme>
+    <a:fontScheme name="Office">
+      <a:majorFont>
+        <a:latin typeface="Arial"/>
+        <a:ea typeface=""/>
+        <a:cs typeface=""/>
+        <a:font script="Jpan" typeface="ＭＳ Ｐゴシック"/>
+        <a:font script="Hang" typeface="맑은 고딕"/>
+        <a:font script="Hans" typeface="宋体"/>
+        <a:font script="Hant" typeface="新細明體"/>
+        <a:font script="Arab" typeface="Times New Roman"/>
+        <a:font script="Hebr" typeface="Times New Roman"/>
+        <a:font script="Thai" typeface="Angsana New"/>
+        <a:font script="Ethi" typeface="Nyala"/>
+        <a:font script="Beng" typeface="Vrinda"/>
+        <a:font script="Gujr" typeface="Shruti"/>
+        <a:font script="Khmr" typeface="MoolBoran"/>
+        <a:font script="Knda" typeface="Tunga"/>
+        <a:font script="Guru" typeface="Raavi"/>
+        <a:font script="Cans" typeface="Euphemia"/>
+        <a:font script="Cher" typeface="Plantagenet Cherokee"/>
+        <a:font script="Yiii" typeface="Microsoft Yi Baiti"/>
+        <a:font script="Tibt" typeface="Microsoft Himalaya"/>
+        <a:font script="Thaa" typeface="MV Boli"/>
+        <a:font script="Deva" typeface="Mangal"/>
+        <a:font script="Telu" typeface="Gautami"/>
+        <a:font script="Taml" typeface="Latha"/>
+        <a:font script="Syrc" typeface="Estrangelo Edessa"/>
+        <a:font script="Orya" typeface="Kalinga"/>
+        <a:font script="Mlym" typeface="Kartika"/>
+        <a:font script="Laoo" typeface="DokChampa"/>
+        <a:font script="Sinh" typeface="Iskoola Pota"/>
+        <a:font script="Mong" typeface="Mongolian Baiti"/>
+        <a:font script="Viet" typeface="Times New Roman"/>
+        <a:font script="Uigh" typeface="Microsoft Uighur"/>
+        <a:font script="Geor" typeface="Sylfaen"/>
+      </a:majorFont>
+      <a:minorFont>
+        <a:latin typeface="Arial"/>
+        <a:ea typeface=""/>
+        <a:cs typeface=""/>
+        <a:font script="Jpan" typeface="ＭＳ Ｐゴシック"/>
+        <a:font script="Hang" typeface="맑은 고딕"/>
+        <a:font script="Hans" typeface="宋体"/>
+        <a:font script="Hant" typeface="新細明體"/>
+        <a:font script="Arab" typeface="Arial"/>
+        <a:font script="Hebr" typeface="Arial"/>
+        <a:font script="Thai" typeface="Cordia New"/>
+        <a:font script="Ethi" typeface="Nyala"/>
+        <a:font script="Beng" typeface="Vrinda"/>
+        <a:font script="Gujr" typeface="Shruti"/>
+        <a:font script="Khmr" typeface="DaunPenh"/>
+        <a:font script="Knda" typeface="Tunga"/>
+        <a:font script="Guru" typeface="Raavi"/>
+        <a:font script="Cans" typeface="Euphemia"/>
+        <a:font script="Cher" typeface="Plantagenet Cherokee"/>
+        <a:font script="Yiii" typeface="Microsoft Yi Baiti"/>
+        <a:font script="Tibt" typeface="Microsoft Himalaya"/>
+        <a:font script="Thaa" typeface="MV Boli"/>
+        <a:font script="Deva" typeface="Mangal"/>
+        <a:font script="Telu" typeface="Gautami"/>
+        <a:font script="Taml" typeface="Latha"/>
+        <a:font script="Syrc" typeface="Estrangelo Edessa"/>
+        <a:font script="Orya" typeface="Kalinga"/>
+        <a:font script="Mlym" typeface="Kartika"/>
+        <a:font script="Laoo" typeface="DokChampa"/>
+        <a:font script="Sinh" typeface="Iskoola Pota"/>
+        <a:font script="Mong" typeface="Mongolian Baiti"/>
+        <a:font script="Viet" typeface="Arial"/>
+        <a:font script="Uigh" typeface="Microsoft Uighur"/>
+        <a:font script="Geor" typeface="Sylfaen"/>
+      </a:minorFont>
+    </a:fontScheme>
+    <a:fmtScheme name="Office">
+      <a:fillStyleLst>
+        <a:solidFill>
+          <a:schemeClr val="phClr"/>
+        </a:solidFill>
+        <a:gradFill rotWithShape="1">
+          <a:gsLst>
+            <a:gs pos="0">
+              <a:schemeClr val="phClr">
+                <a:tint val="50000"/>
+                <a:satMod val="300000"/>
+              </a:schemeClr>
+            </a:gs>
+            <a:gs pos="35000">
+              <a:schemeClr val="phClr">
+                <a:tint val="37000"/>
+                <a:satMod val="300000"/>
+              </a:schemeClr>
+            </a:gs>
+            <a:gs pos="100000">
+              <a:schemeClr val="phClr">
+                <a:tint val="15000"/>
+                <a:satMod val="350000"/>
+              </a:schemeClr>
+            </a:gs>
+          </a:gsLst>
+          <a:lin ang="16200000" scaled="1"/>
+        </a:gradFill>
+        <a:gradFill rotWithShape="1">
+          <a:gsLst>
+            <a:gs pos="0">
+              <a:schemeClr val="phClr">
+                <a:tint val="100000"/>
+                <a:shade val="100000"/>
+                <a:satMod val="130000"/>
+              </a:schemeClr>
+            </a:gs>
+            <a:gs pos="100000">
+              <a:schemeClr val="phClr">
+                <a:tint val="50000"/>
+                <a:shade val="100000"/>
+                <a:satMod val="350000"/>
+              </a:schemeClr>
+            </a:gs>
+          </a:gsLst>
+          <a:lin ang="16200000" scaled="0"/>
+        </a:gradFill>
+      </a:fillStyleLst>
+      <a:lnStyleLst>
+        <a:ln w="9525" cap="flat" cmpd="sng" algn="ctr">
+          <a:solidFill>
+            <a:schemeClr val="phClr">
+              <a:shade val="95000"/>
+              <a:satMod val="105000"/>
+            </a:schemeClr>
+          </a:solidFill>
+          <a:prstDash val="solid"/>
+        </a:ln>
+        <a:ln w="25400" cap="flat" cmpd="sng" algn="ctr">
+          <a:solidFill>
+            <a:schemeClr val="phClr"/>
+          </a:solidFill>
+          <a:prstDash val="solid"/>
+        </a:ln>
+        <a:ln w="38100" cap="flat" cmpd="sng" algn="ctr">
+          <a:solidFill>
+            <a:schemeClr val="phClr"/>
+          </a:solidFill>
+          <a:prstDash val="solid"/>
+        </a:ln>
+      </a:lnStyleLst>
+      <a:effectStyleLst>
+        <a:effectStyle>
+          <a:effectLst>
+            <a:outerShdw blurRad="40000" dist="20000" dir="5400000" rotWithShape="0">
+              <a:srgbClr val="000000">
+                <a:alpha val="38000"/>
+              </a:srgbClr>
+            </a:outerShdw>
+          </a:effectLst>
+        </a:effectStyle>
+        <a:effectStyle>
+          <a:effectLst>
+            <a:outerShdw blurRad="40000" dist="23000" dir="5400000" rotWithShape="0">
+              <a:srgbClr val="000000">
+                <a:alpha val="35000"/>
+              </a:srgbClr>
+            </a:outerShdw>
+          </a:effectLst>
+        </a:effectStyle>
+        <a:effectStyle>
+          <a:effectLst>
+            <a:outerShdw blurRad="40000" dist="23000" dir="5400000" rotWithShape="0">
+              <a:srgbClr val="000000">
+                <a:alpha val="35000"/>
+              </a:srgbClr>
+            </a:outerShdw>
+          </a:effectLst>
+          <a:scene3d>
+            <a:camera prst="orthographicFront">
+              <a:rot lat="0" lon="0" rev="0"/>
+            </a:camera>
+            <a:lightRig rig="threePt" dir="t">
+              <a:rot lat="0" lon="0" rev="1200000"/>
+            </a:lightRig>
+          </a:scene3d>
+          <a:sp3d>
+            <a:bevelT w="63500" h="25400"/>
+          </a:sp3d>
+        </a:effectStyle>
+      </a:effectStyleLst>
+      <a:bgFillStyleLst>
+        <a:solidFill>
+          <a:schemeClr val="phClr"/>
+        </a:solidFill>
+        <a:gradFill rotWithShape="1">
+          <a:gsLst>
+            <a:gs pos="0">
+              <a:schemeClr val="phClr">
+                <a:tint val="40000"/>
+                <a:satMod val="350000"/>
+              </a:schemeClr>
+            </a:gs>
+            <a:gs pos="40000">
+              <a:schemeClr val="phClr">
+                <a:tint val="45000"/>
+                <a:shade val="99000"/>
+                <a:satMod val="350000"/>
+              </a:schemeClr>
+            </a:gs>
+            <a:gs pos="100000">
+              <a:schemeClr val="phClr">
+                <a:shade val="20000"/>
+                <a:satMod val="255000"/>
+              </a:schemeClr>
+            </a:gs>
+          </a:gsLst>
+          <a:path path="circle">
+            <a:fillToRect l="50000" t="-80000" r="50000" b="180000"/>
+          </a:path>
+        </a:gradFill>
+        <a:gradFill rotWithShape="1">
+          <a:gsLst>
+            <a:gs pos="0">
+              <a:schemeClr val="phClr">
+                <a:tint val="80000"/>
+                <a:satMod val="300000"/>
+              </a:schemeClr>
+            </a:gs>
+            <a:gs pos="100000">
+              <a:schemeClr val="phClr">
+                <a:shade val="30000"/>
+                <a:satMod val="200000"/>
+              </a:schemeClr>
+            </a:gs>
+          </a:gsLst>
+          <a:path path="circle">
+            <a:fillToRect l="50000" t="50000" r="50000" b="50000"/>
+          </a:path>
+        </a:gradFill>
+      </a:bgFillStyleLst>
+    </a:fmtScheme>
+  </a:themeElements>
+  <a:objectDefaults/>
+  <a:extraClrSchemeLst/>
+</a:theme>
+</file>
+
+<file path=ppt/theme/theme2.xml><?xml version="1.0" encoding="utf-8"?>
+<a:theme xmlns:a="http://schemas.openxmlformats.org/drawingml/2006/main">
   <a:themeElements>
     <a:clrScheme name="Default">
       <a:dk1>
@@ -6559,284 +12179,7 @@
       </a:bgFillStyleLst>
     </a:fmtScheme>
   </a:themeElements>
-</a:theme>
-</file>
-
-<file path=ppt/theme/theme2.xml><?xml version="1.0" encoding="utf-8"?>
-<a:theme xmlns:a="http://schemas.openxmlformats.org/drawingml/2006/main" xmlns:r="http://schemas.openxmlformats.org/officeDocument/2006/relationships" name="Simple Light">
-  <a:themeElements>
-    <a:clrScheme name="Simple Light">
-      <a:dk1>
-        <a:srgbClr val="000000"/>
-      </a:dk1>
-      <a:lt1>
-        <a:srgbClr val="FFFFFF"/>
-      </a:lt1>
-      <a:dk2>
-        <a:srgbClr val="595959"/>
-      </a:dk2>
-      <a:lt2>
-        <a:srgbClr val="EEEEEE"/>
-      </a:lt2>
-      <a:accent1>
-        <a:srgbClr val="FFAB40"/>
-      </a:accent1>
-      <a:accent2>
-        <a:srgbClr val="212121"/>
-      </a:accent2>
-      <a:accent3>
-        <a:srgbClr val="78909C"/>
-      </a:accent3>
-      <a:accent4>
-        <a:srgbClr val="FFAB40"/>
-      </a:accent4>
-      <a:accent5>
-        <a:srgbClr val="0097A7"/>
-      </a:accent5>
-      <a:accent6>
-        <a:srgbClr val="EEFF41"/>
-      </a:accent6>
-      <a:hlink>
-        <a:srgbClr val="0097A7"/>
-      </a:hlink>
-      <a:folHlink>
-        <a:srgbClr val="0097A7"/>
-      </a:folHlink>
-    </a:clrScheme>
-    <a:fontScheme name="Office">
-      <a:majorFont>
-        <a:latin typeface="Arial"/>
-        <a:ea typeface=""/>
-        <a:cs typeface=""/>
-        <a:font script="Jpan" typeface="ＭＳ Ｐゴシック"/>
-        <a:font script="Hang" typeface="맑은 고딕"/>
-        <a:font script="Hans" typeface="宋体"/>
-        <a:font script="Hant" typeface="新細明體"/>
-        <a:font script="Arab" typeface="Times New Roman"/>
-        <a:font script="Hebr" typeface="Times New Roman"/>
-        <a:font script="Thai" typeface="Angsana New"/>
-        <a:font script="Ethi" typeface="Nyala"/>
-        <a:font script="Beng" typeface="Vrinda"/>
-        <a:font script="Gujr" typeface="Shruti"/>
-        <a:font script="Khmr" typeface="MoolBoran"/>
-        <a:font script="Knda" typeface="Tunga"/>
-        <a:font script="Guru" typeface="Raavi"/>
-        <a:font script="Cans" typeface="Euphemia"/>
-        <a:font script="Cher" typeface="Plantagenet Cherokee"/>
-        <a:font script="Yiii" typeface="Microsoft Yi Baiti"/>
-        <a:font script="Tibt" typeface="Microsoft Himalaya"/>
-        <a:font script="Thaa" typeface="MV Boli"/>
-        <a:font script="Deva" typeface="Mangal"/>
-        <a:font script="Telu" typeface="Gautami"/>
-        <a:font script="Taml" typeface="Latha"/>
-        <a:font script="Syrc" typeface="Estrangelo Edessa"/>
-        <a:font script="Orya" typeface="Kalinga"/>
-        <a:font script="Mlym" typeface="Kartika"/>
-        <a:font script="Laoo" typeface="DokChampa"/>
-        <a:font script="Sinh" typeface="Iskoola Pota"/>
-        <a:font script="Mong" typeface="Mongolian Baiti"/>
-        <a:font script="Viet" typeface="Times New Roman"/>
-        <a:font script="Uigh" typeface="Microsoft Uighur"/>
-        <a:font script="Geor" typeface="Sylfaen"/>
-      </a:majorFont>
-      <a:minorFont>
-        <a:latin typeface="Arial"/>
-        <a:ea typeface=""/>
-        <a:cs typeface=""/>
-        <a:font script="Jpan" typeface="ＭＳ Ｐゴシック"/>
-        <a:font script="Hang" typeface="맑은 고딕"/>
-        <a:font script="Hans" typeface="宋体"/>
-        <a:font script="Hant" typeface="新細明體"/>
-        <a:font script="Arab" typeface="Arial"/>
-        <a:font script="Hebr" typeface="Arial"/>
-        <a:font script="Thai" typeface="Cordia New"/>
-        <a:font script="Ethi" typeface="Nyala"/>
-        <a:font script="Beng" typeface="Vrinda"/>
-        <a:font script="Gujr" typeface="Shruti"/>
-        <a:font script="Khmr" typeface="DaunPenh"/>
-        <a:font script="Knda" typeface="Tunga"/>
-        <a:font script="Guru" typeface="Raavi"/>
-        <a:font script="Cans" typeface="Euphemia"/>
-        <a:font script="Cher" typeface="Plantagenet Cherokee"/>
-        <a:font script="Yiii" typeface="Microsoft Yi Baiti"/>
-        <a:font script="Tibt" typeface="Microsoft Himalaya"/>
-        <a:font script="Thaa" typeface="MV Boli"/>
-        <a:font script="Deva" typeface="Mangal"/>
-        <a:font script="Telu" typeface="Gautami"/>
-        <a:font script="Taml" typeface="Latha"/>
-        <a:font script="Syrc" typeface="Estrangelo Edessa"/>
-        <a:font script="Orya" typeface="Kalinga"/>
-        <a:font script="Mlym" typeface="Kartika"/>
-        <a:font script="Laoo" typeface="DokChampa"/>
-        <a:font script="Sinh" typeface="Iskoola Pota"/>
-        <a:font script="Mong" typeface="Mongolian Baiti"/>
-        <a:font script="Viet" typeface="Arial"/>
-        <a:font script="Uigh" typeface="Microsoft Uighur"/>
-        <a:font script="Geor" typeface="Sylfaen"/>
-      </a:minorFont>
-    </a:fontScheme>
-    <a:fmtScheme name="Office">
-      <a:fillStyleLst>
-        <a:solidFill>
-          <a:schemeClr val="phClr"/>
-        </a:solidFill>
-        <a:gradFill rotWithShape="1">
-          <a:gsLst>
-            <a:gs pos="0">
-              <a:schemeClr val="phClr">
-                <a:tint val="50000"/>
-                <a:satMod val="300000"/>
-              </a:schemeClr>
-            </a:gs>
-            <a:gs pos="35000">
-              <a:schemeClr val="phClr">
-                <a:tint val="37000"/>
-                <a:satMod val="300000"/>
-              </a:schemeClr>
-            </a:gs>
-            <a:gs pos="100000">
-              <a:schemeClr val="phClr">
-                <a:tint val="15000"/>
-                <a:satMod val="350000"/>
-              </a:schemeClr>
-            </a:gs>
-          </a:gsLst>
-          <a:lin ang="16200000" scaled="1"/>
-        </a:gradFill>
-        <a:gradFill rotWithShape="1">
-          <a:gsLst>
-            <a:gs pos="0">
-              <a:schemeClr val="phClr">
-                <a:tint val="100000"/>
-                <a:shade val="100000"/>
-                <a:satMod val="130000"/>
-              </a:schemeClr>
-            </a:gs>
-            <a:gs pos="100000">
-              <a:schemeClr val="phClr">
-                <a:tint val="50000"/>
-                <a:shade val="100000"/>
-                <a:satMod val="350000"/>
-              </a:schemeClr>
-            </a:gs>
-          </a:gsLst>
-          <a:lin ang="16200000" scaled="0"/>
-        </a:gradFill>
-      </a:fillStyleLst>
-      <a:lnStyleLst>
-        <a:ln w="9525" cap="flat" cmpd="sng" algn="ctr">
-          <a:solidFill>
-            <a:schemeClr val="phClr">
-              <a:shade val="95000"/>
-              <a:satMod val="105000"/>
-            </a:schemeClr>
-          </a:solidFill>
-          <a:prstDash val="solid"/>
-        </a:ln>
-        <a:ln w="25400" cap="flat" cmpd="sng" algn="ctr">
-          <a:solidFill>
-            <a:schemeClr val="phClr"/>
-          </a:solidFill>
-          <a:prstDash val="solid"/>
-        </a:ln>
-        <a:ln w="38100" cap="flat" cmpd="sng" algn="ctr">
-          <a:solidFill>
-            <a:schemeClr val="phClr"/>
-          </a:solidFill>
-          <a:prstDash val="solid"/>
-        </a:ln>
-      </a:lnStyleLst>
-      <a:effectStyleLst>
-        <a:effectStyle>
-          <a:effectLst>
-            <a:outerShdw blurRad="40000" dist="20000" dir="5400000" rotWithShape="0">
-              <a:srgbClr val="000000">
-                <a:alpha val="38000"/>
-              </a:srgbClr>
-            </a:outerShdw>
-          </a:effectLst>
-        </a:effectStyle>
-        <a:effectStyle>
-          <a:effectLst>
-            <a:outerShdw blurRad="40000" dist="23000" dir="5400000" rotWithShape="0">
-              <a:srgbClr val="000000">
-                <a:alpha val="35000"/>
-              </a:srgbClr>
-            </a:outerShdw>
-          </a:effectLst>
-        </a:effectStyle>
-        <a:effectStyle>
-          <a:effectLst>
-            <a:outerShdw blurRad="40000" dist="23000" dir="5400000" rotWithShape="0">
-              <a:srgbClr val="000000">
-                <a:alpha val="35000"/>
-              </a:srgbClr>
-            </a:outerShdw>
-          </a:effectLst>
-          <a:scene3d>
-            <a:camera prst="orthographicFront">
-              <a:rot lat="0" lon="0" rev="0"/>
-            </a:camera>
-            <a:lightRig rig="threePt" dir="t">
-              <a:rot lat="0" lon="0" rev="1200000"/>
-            </a:lightRig>
-          </a:scene3d>
-          <a:sp3d>
-            <a:bevelT w="63500" h="25400"/>
-          </a:sp3d>
-        </a:effectStyle>
-      </a:effectStyleLst>
-      <a:bgFillStyleLst>
-        <a:solidFill>
-          <a:schemeClr val="phClr"/>
-        </a:solidFill>
-        <a:gradFill rotWithShape="1">
-          <a:gsLst>
-            <a:gs pos="0">
-              <a:schemeClr val="phClr">
-                <a:tint val="40000"/>
-                <a:satMod val="350000"/>
-              </a:schemeClr>
-            </a:gs>
-            <a:gs pos="40000">
-              <a:schemeClr val="phClr">
-                <a:tint val="45000"/>
-                <a:shade val="99000"/>
-                <a:satMod val="350000"/>
-              </a:schemeClr>
-            </a:gs>
-            <a:gs pos="100000">
-              <a:schemeClr val="phClr">
-                <a:shade val="20000"/>
-                <a:satMod val="255000"/>
-              </a:schemeClr>
-            </a:gs>
-          </a:gsLst>
-          <a:path path="circle">
-            <a:fillToRect l="50000" t="-80000" r="50000" b="180000"/>
-          </a:path>
-        </a:gradFill>
-        <a:gradFill rotWithShape="1">
-          <a:gsLst>
-            <a:gs pos="0">
-              <a:schemeClr val="phClr">
-                <a:tint val="80000"/>
-                <a:satMod val="300000"/>
-              </a:schemeClr>
-            </a:gs>
-            <a:gs pos="100000">
-              <a:schemeClr val="phClr">
-                <a:shade val="30000"/>
-                <a:satMod val="200000"/>
-              </a:schemeClr>
-            </a:gs>
-          </a:gsLst>
-          <a:path path="circle">
-            <a:fillToRect l="50000" t="50000" r="50000" b="50000"/>
-          </a:path>
-        </a:gradFill>
-      </a:bgFillStyleLst>
-    </a:fmtScheme>
-  </a:themeElements>
+  <a:objectDefaults/>
+  <a:extraClrSchemeLst/>
 </a:theme>
 </file>